--- a/Diagrams/JP-Project-Group3_Loan_Management_System_Presentation.pptx
+++ b/Diagrams/JP-Project-Group3_Loan_Management_System_Presentation.pptx
@@ -1468,23 +1468,23 @@
     </dgm:pt>
   </dgm:ptLst>
   <dgm:cxnLst>
-    <dgm:cxn modelId="{82ECDEF1-1700-4CA2-B2F8-ADE186F097C4}" type="presOf" srcId="{BD4F5DE4-1CB7-4AE6-9F54-C8E00A659DFE}" destId="{DEA41B82-6E90-4349-AD1B-B9B98F11E069}" srcOrd="0" destOrd="0" presId="urn:microsoft.com/office/officeart/2005/8/layout/default"/>
-    <dgm:cxn modelId="{2FC287AE-37CA-4EB7-97B8-ECC49E794A92}" srcId="{DA7D0D47-941A-4E90-A8C9-1BC23F98B0E9}" destId="{779B84F6-4D08-4CD4-B405-3CBEC0B76463}" srcOrd="3" destOrd="0" parTransId="{B8C7C023-6B19-48FA-8D65-A11D157E152F}" sibTransId="{23AAF287-7DB5-4543-B322-1118B1FA6B8B}"/>
-    <dgm:cxn modelId="{C2A799F9-0F93-49DD-9204-07AD1013C847}" type="presOf" srcId="{65D476E5-9F40-4D58-8999-B602D1EC245E}" destId="{04506B76-3E30-4CD8-8F67-F8597089510D}" srcOrd="0" destOrd="0" presId="urn:microsoft.com/office/officeart/2005/8/layout/default"/>
+    <dgm:cxn modelId="{5DBF5A53-DEF5-4776-9774-5595AB746EE0}" srcId="{DA7D0D47-941A-4E90-A8C9-1BC23F98B0E9}" destId="{9EAD06F8-FABE-43D5-919E-A10C347A0BB3}" srcOrd="4" destOrd="0" parTransId="{11B47052-1EE3-40F8-A745-F978F529D30A}" sibTransId="{DEA2219B-A436-4D5F-87CE-C26D3B3FCD7A}"/>
+    <dgm:cxn modelId="{545173DF-3F81-40B1-9D9D-55A5C269E023}" srcId="{DA7D0D47-941A-4E90-A8C9-1BC23F98B0E9}" destId="{0FC1267D-774B-4178-91D0-53287F02507D}" srcOrd="0" destOrd="0" parTransId="{D86E059E-3AB6-428A-9B79-1722D1B6EF62}" sibTransId="{9296892A-5C46-4167-B5DE-6B34F30DE6DF}"/>
+    <dgm:cxn modelId="{A08379DF-5948-4332-AFEE-638314E65472}" srcId="{DA7D0D47-941A-4E90-A8C9-1BC23F98B0E9}" destId="{36FE9671-A017-4AF2-97BD-13559F0DD70F}" srcOrd="7" destOrd="0" parTransId="{868B9A7B-4C5E-455A-8A25-CF770D50E5B3}" sibTransId="{4D0BE685-6BD1-4D53-9C4B-E9A2CA16ED31}"/>
+    <dgm:cxn modelId="{3B53D00B-7A41-4E41-89A3-CE90BEF64EEC}" srcId="{DA7D0D47-941A-4E90-A8C9-1BC23F98B0E9}" destId="{65D476E5-9F40-4D58-8999-B602D1EC245E}" srcOrd="6" destOrd="0" parTransId="{9319B468-6782-45A8-9D6B-2194444F47B2}" sibTransId="{6D559A66-CECD-4E3B-ABB9-E739F0E85395}"/>
     <dgm:cxn modelId="{3CDEA188-1D21-4720-9EC9-E6E5DEA491E2}" type="presOf" srcId="{E74D1812-5660-4F93-97AD-35A104ED8F5C}" destId="{C2DAFC14-2F54-4DF2-ADD9-B89D5EFF836B}" srcOrd="0" destOrd="0" presId="urn:microsoft.com/office/officeart/2005/8/layout/default"/>
     <dgm:cxn modelId="{34CFF7DB-4555-44FC-A17A-55485E055DA1}" type="presOf" srcId="{779B84F6-4D08-4CD4-B405-3CBEC0B76463}" destId="{520DD30E-9F5B-4C4A-A5DC-0DF78E4FBA26}" srcOrd="0" destOrd="0" presId="urn:microsoft.com/office/officeart/2005/8/layout/default"/>
-    <dgm:cxn modelId="{5DBF5A53-DEF5-4776-9774-5595AB746EE0}" srcId="{DA7D0D47-941A-4E90-A8C9-1BC23F98B0E9}" destId="{9EAD06F8-FABE-43D5-919E-A10C347A0BB3}" srcOrd="4" destOrd="0" parTransId="{11B47052-1EE3-40F8-A745-F978F529D30A}" sibTransId="{DEA2219B-A436-4D5F-87CE-C26D3B3FCD7A}"/>
+    <dgm:cxn modelId="{2FC287AE-37CA-4EB7-97B8-ECC49E794A92}" srcId="{DA7D0D47-941A-4E90-A8C9-1BC23F98B0E9}" destId="{779B84F6-4D08-4CD4-B405-3CBEC0B76463}" srcOrd="3" destOrd="0" parTransId="{B8C7C023-6B19-48FA-8D65-A11D157E152F}" sibTransId="{23AAF287-7DB5-4543-B322-1118B1FA6B8B}"/>
     <dgm:cxn modelId="{FF5C2F0C-24C6-48D4-9878-B1A55812749B}" srcId="{DA7D0D47-941A-4E90-A8C9-1BC23F98B0E9}" destId="{E74D1812-5660-4F93-97AD-35A104ED8F5C}" srcOrd="2" destOrd="0" parTransId="{09CF62A9-4587-42CC-9DFC-E38532C55D1B}" sibTransId="{60D463AC-5031-4A2F-9999-AEC8B3AA1A01}"/>
-    <dgm:cxn modelId="{72A2290D-34F4-4EE1-8F2A-97C6BDE56382}" type="presOf" srcId="{DA7D0D47-941A-4E90-A8C9-1BC23F98B0E9}" destId="{1905D24B-D380-4979-986A-4CC763A3ABBA}" srcOrd="0" destOrd="0" presId="urn:microsoft.com/office/officeart/2005/8/layout/default"/>
-    <dgm:cxn modelId="{3B53D00B-7A41-4E41-89A3-CE90BEF64EEC}" srcId="{DA7D0D47-941A-4E90-A8C9-1BC23F98B0E9}" destId="{65D476E5-9F40-4D58-8999-B602D1EC245E}" srcOrd="6" destOrd="0" parTransId="{9319B468-6782-45A8-9D6B-2194444F47B2}" sibTransId="{6D559A66-CECD-4E3B-ABB9-E739F0E85395}"/>
+    <dgm:cxn modelId="{82ECDEF1-1700-4CA2-B2F8-ADE186F097C4}" type="presOf" srcId="{BD4F5DE4-1CB7-4AE6-9F54-C8E00A659DFE}" destId="{DEA41B82-6E90-4349-AD1B-B9B98F11E069}" srcOrd="0" destOrd="0" presId="urn:microsoft.com/office/officeart/2005/8/layout/default"/>
+    <dgm:cxn modelId="{C2A799F9-0F93-49DD-9204-07AD1013C847}" type="presOf" srcId="{65D476E5-9F40-4D58-8999-B602D1EC245E}" destId="{04506B76-3E30-4CD8-8F67-F8597089510D}" srcOrd="0" destOrd="0" presId="urn:microsoft.com/office/officeart/2005/8/layout/default"/>
+    <dgm:cxn modelId="{783DEDDE-6C64-41C9-B049-2E5EBFAB05FE}" type="presOf" srcId="{6C9D3587-1DD3-4CC3-9F6C-75EAF8711D10}" destId="{4104FE28-4C24-4F96-9F09-CF22C7929C2E}" srcOrd="0" destOrd="0" presId="urn:microsoft.com/office/officeart/2005/8/layout/default"/>
     <dgm:cxn modelId="{D8FBF167-0BE6-46B1-B1AC-B89EF22040F0}" type="presOf" srcId="{9EAD06F8-FABE-43D5-919E-A10C347A0BB3}" destId="{1C4681E6-90A5-43A5-AF1D-054F12F18D4F}" srcOrd="0" destOrd="0" presId="urn:microsoft.com/office/officeart/2005/8/layout/default"/>
-    <dgm:cxn modelId="{783DEDDE-6C64-41C9-B049-2E5EBFAB05FE}" type="presOf" srcId="{6C9D3587-1DD3-4CC3-9F6C-75EAF8711D10}" destId="{4104FE28-4C24-4F96-9F09-CF22C7929C2E}" srcOrd="0" destOrd="0" presId="urn:microsoft.com/office/officeart/2005/8/layout/default"/>
+    <dgm:cxn modelId="{99E565EA-907E-4C33-ACAF-89EE466F63C0}" srcId="{DA7D0D47-941A-4E90-A8C9-1BC23F98B0E9}" destId="{BD4F5DE4-1CB7-4AE6-9F54-C8E00A659DFE}" srcOrd="5" destOrd="0" parTransId="{2D4B59F1-2499-4514-AF91-E94D60EF9B21}" sibTransId="{1F75260A-6106-4F94-9F12-8611EF55389F}"/>
     <dgm:cxn modelId="{28B5B00C-93BF-4CDE-BB2B-3156F485DAA3}" srcId="{DA7D0D47-941A-4E90-A8C9-1BC23F98B0E9}" destId="{6C9D3587-1DD3-4CC3-9F6C-75EAF8711D10}" srcOrd="1" destOrd="0" parTransId="{306DA544-AE38-424C-B452-E75542B6930A}" sibTransId="{C54FE8BE-2C70-4D85-9DDE-FCBBBCDBC5A3}"/>
     <dgm:cxn modelId="{FED695FB-F8DE-4520-9C2B-8EECF8651598}" type="presOf" srcId="{0FC1267D-774B-4178-91D0-53287F02507D}" destId="{C37E75A9-0717-4F97-B20A-B6B672615744}" srcOrd="0" destOrd="0" presId="urn:microsoft.com/office/officeart/2005/8/layout/default"/>
-    <dgm:cxn modelId="{99E565EA-907E-4C33-ACAF-89EE466F63C0}" srcId="{DA7D0D47-941A-4E90-A8C9-1BC23F98B0E9}" destId="{BD4F5DE4-1CB7-4AE6-9F54-C8E00A659DFE}" srcOrd="5" destOrd="0" parTransId="{2D4B59F1-2499-4514-AF91-E94D60EF9B21}" sibTransId="{1F75260A-6106-4F94-9F12-8611EF55389F}"/>
+    <dgm:cxn modelId="{72A2290D-34F4-4EE1-8F2A-97C6BDE56382}" type="presOf" srcId="{DA7D0D47-941A-4E90-A8C9-1BC23F98B0E9}" destId="{1905D24B-D380-4979-986A-4CC763A3ABBA}" srcOrd="0" destOrd="0" presId="urn:microsoft.com/office/officeart/2005/8/layout/default"/>
     <dgm:cxn modelId="{835FBE2C-B697-4F57-86A2-E3CC14651C1A}" type="presOf" srcId="{36FE9671-A017-4AF2-97BD-13559F0DD70F}" destId="{F2CA87C4-7BF9-425D-90B0-5D45FDABD5BF}" srcOrd="0" destOrd="0" presId="urn:microsoft.com/office/officeart/2005/8/layout/default"/>
-    <dgm:cxn modelId="{545173DF-3F81-40B1-9D9D-55A5C269E023}" srcId="{DA7D0D47-941A-4E90-A8C9-1BC23F98B0E9}" destId="{0FC1267D-774B-4178-91D0-53287F02507D}" srcOrd="0" destOrd="0" parTransId="{D86E059E-3AB6-428A-9B79-1722D1B6EF62}" sibTransId="{9296892A-5C46-4167-B5DE-6B34F30DE6DF}"/>
-    <dgm:cxn modelId="{A08379DF-5948-4332-AFEE-638314E65472}" srcId="{DA7D0D47-941A-4E90-A8C9-1BC23F98B0E9}" destId="{36FE9671-A017-4AF2-97BD-13559F0DD70F}" srcOrd="7" destOrd="0" parTransId="{868B9A7B-4C5E-455A-8A25-CF770D50E5B3}" sibTransId="{4D0BE685-6BD1-4D53-9C4B-E9A2CA16ED31}"/>
     <dgm:cxn modelId="{0979B354-14CA-4FCC-9046-1F7399A57060}" type="presParOf" srcId="{1905D24B-D380-4979-986A-4CC763A3ABBA}" destId="{C37E75A9-0717-4F97-B20A-B6B672615744}" srcOrd="0" destOrd="0" presId="urn:microsoft.com/office/officeart/2005/8/layout/default"/>
     <dgm:cxn modelId="{93C36435-5953-4F0F-A09F-978B1AFD538A}" type="presParOf" srcId="{1905D24B-D380-4979-986A-4CC763A3ABBA}" destId="{8352C673-ED4A-449F-90F9-F24FD8C0ABDC}" srcOrd="1" destOrd="0" presId="urn:microsoft.com/office/officeart/2005/8/layout/default"/>
     <dgm:cxn modelId="{DDB4372C-8BB4-4294-A5EA-E65E8732BB2C}" type="presParOf" srcId="{1905D24B-D380-4979-986A-4CC763A3ABBA}" destId="{4104FE28-4C24-4F96-9F09-CF22C7929C2E}" srcOrd="2" destOrd="0" presId="urn:microsoft.com/office/officeart/2005/8/layout/default"/>
@@ -1519,638 +1519,6 @@
       <dsp:cNvGrpSpPr/>
     </dsp:nvGrpSpPr>
     <dsp:grpSpPr/>
-    <dsp:sp modelId="{C37E75A9-0717-4F97-B20A-B6B672615744}">
-      <dsp:nvSpPr>
-        <dsp:cNvPr id="0" name=""/>
-        <dsp:cNvSpPr/>
-      </dsp:nvSpPr>
-      <dsp:spPr>
-        <a:xfrm>
-          <a:off x="40005" y="1356"/>
-          <a:ext cx="2260996" cy="1356598"/>
-        </a:xfrm>
-        <a:prstGeom prst="rect">
-          <a:avLst/>
-        </a:prstGeom>
-        <a:solidFill>
-          <a:schemeClr val="accent1">
-            <a:shade val="50000"/>
-            <a:hueOff val="0"/>
-            <a:satOff val="0"/>
-            <a:lumOff val="0"/>
-            <a:alphaOff val="0"/>
-          </a:schemeClr>
-        </a:solidFill>
-        <a:ln w="19050" cap="flat" cmpd="sng" algn="ctr">
-          <a:solidFill>
-            <a:schemeClr val="lt1">
-              <a:hueOff val="0"/>
-              <a:satOff val="0"/>
-              <a:lumOff val="0"/>
-              <a:alphaOff val="0"/>
-            </a:schemeClr>
-          </a:solidFill>
-          <a:prstDash val="solid"/>
-          <a:miter lim="800000"/>
-        </a:ln>
-        <a:effectLst/>
-      </dsp:spPr>
-      <dsp:style>
-        <a:lnRef idx="3">
-          <a:scrgbClr r="0" g="0" b="0"/>
-        </a:lnRef>
-        <a:fillRef idx="1">
-          <a:scrgbClr r="0" g="0" b="0"/>
-        </a:fillRef>
-        <a:effectRef idx="1">
-          <a:scrgbClr r="0" g="0" b="0"/>
-        </a:effectRef>
-        <a:fontRef idx="minor">
-          <a:schemeClr val="lt1"/>
-        </a:fontRef>
-      </dsp:style>
-      <dsp:txBody>
-        <a:bodyPr spcFirstLastPara="0" vert="horz" wrap="square" lIns="64770" tIns="64770" rIns="64770" bIns="64770" numCol="1" spcCol="1270" anchor="ctr" anchorCtr="0">
-          <a:noAutofit/>
-        </a:bodyPr>
-        <a:lstStyle/>
-        <a:p>
-          <a:pPr lvl="0" algn="ctr" defTabSz="755650">
-            <a:lnSpc>
-              <a:spcPct val="90000"/>
-            </a:lnSpc>
-            <a:spcBef>
-              <a:spcPct val="0"/>
-            </a:spcBef>
-            <a:spcAft>
-              <a:spcPct val="35000"/>
-            </a:spcAft>
-          </a:pPr>
-          <a:r>
-            <a:rPr lang="en-US" sz="1700" kern="1200" dirty="0" smtClean="0"/>
-            <a:t>Online Loan Application by Prospect</a:t>
-          </a:r>
-          <a:endParaRPr lang="en-US" sz="1700" kern="1200" dirty="0"/>
-        </a:p>
-      </dsp:txBody>
-      <dsp:txXfrm>
-        <a:off x="40005" y="1356"/>
-        <a:ext cx="2260996" cy="1356598"/>
-      </dsp:txXfrm>
-    </dsp:sp>
-    <dsp:sp modelId="{4104FE28-4C24-4F96-9F09-CF22C7929C2E}">
-      <dsp:nvSpPr>
-        <dsp:cNvPr id="0" name=""/>
-        <dsp:cNvSpPr/>
-      </dsp:nvSpPr>
-      <dsp:spPr>
-        <a:xfrm>
-          <a:off x="2527101" y="1356"/>
-          <a:ext cx="2260996" cy="1356598"/>
-        </a:xfrm>
-        <a:prstGeom prst="rect">
-          <a:avLst/>
-        </a:prstGeom>
-        <a:solidFill>
-          <a:schemeClr val="accent1">
-            <a:shade val="50000"/>
-            <a:hueOff val="195131"/>
-            <a:satOff val="-11271"/>
-            <a:lumOff val="12385"/>
-            <a:alphaOff val="0"/>
-          </a:schemeClr>
-        </a:solidFill>
-        <a:ln w="19050" cap="flat" cmpd="sng" algn="ctr">
-          <a:solidFill>
-            <a:schemeClr val="lt1">
-              <a:hueOff val="0"/>
-              <a:satOff val="0"/>
-              <a:lumOff val="0"/>
-              <a:alphaOff val="0"/>
-            </a:schemeClr>
-          </a:solidFill>
-          <a:prstDash val="solid"/>
-          <a:miter lim="800000"/>
-        </a:ln>
-        <a:effectLst/>
-      </dsp:spPr>
-      <dsp:style>
-        <a:lnRef idx="3">
-          <a:scrgbClr r="0" g="0" b="0"/>
-        </a:lnRef>
-        <a:fillRef idx="1">
-          <a:scrgbClr r="0" g="0" b="0"/>
-        </a:fillRef>
-        <a:effectRef idx="1">
-          <a:scrgbClr r="0" g="0" b="0"/>
-        </a:effectRef>
-        <a:fontRef idx="minor">
-          <a:schemeClr val="lt1"/>
-        </a:fontRef>
-      </dsp:style>
-      <dsp:txBody>
-        <a:bodyPr spcFirstLastPara="0" vert="horz" wrap="square" lIns="64770" tIns="64770" rIns="64770" bIns="64770" numCol="1" spcCol="1270" anchor="ctr" anchorCtr="0">
-          <a:noAutofit/>
-        </a:bodyPr>
-        <a:lstStyle/>
-        <a:p>
-          <a:pPr lvl="0" algn="ctr" defTabSz="755650">
-            <a:lnSpc>
-              <a:spcPct val="90000"/>
-            </a:lnSpc>
-            <a:spcBef>
-              <a:spcPct val="0"/>
-            </a:spcBef>
-            <a:spcAft>
-              <a:spcPct val="35000"/>
-            </a:spcAft>
-          </a:pPr>
-          <a:r>
-            <a:rPr lang="en-US" sz="1700" kern="1200" dirty="0" smtClean="0"/>
-            <a:t>View Prospect List by the Bank Officer </a:t>
-          </a:r>
-          <a:endParaRPr lang="en-US" sz="1700" kern="1200" dirty="0"/>
-        </a:p>
-      </dsp:txBody>
-      <dsp:txXfrm>
-        <a:off x="2527101" y="1356"/>
-        <a:ext cx="2260996" cy="1356598"/>
-      </dsp:txXfrm>
-    </dsp:sp>
-    <dsp:sp modelId="{C2DAFC14-2F54-4DF2-ADD9-B89D5EFF836B}">
-      <dsp:nvSpPr>
-        <dsp:cNvPr id="0" name=""/>
-        <dsp:cNvSpPr/>
-      </dsp:nvSpPr>
-      <dsp:spPr>
-        <a:xfrm>
-          <a:off x="5014198" y="1356"/>
-          <a:ext cx="2260996" cy="1356598"/>
-        </a:xfrm>
-        <a:prstGeom prst="rect">
-          <a:avLst/>
-        </a:prstGeom>
-        <a:solidFill>
-          <a:schemeClr val="accent1">
-            <a:shade val="50000"/>
-            <a:hueOff val="390263"/>
-            <a:satOff val="-22543"/>
-            <a:lumOff val="24770"/>
-            <a:alphaOff val="0"/>
-          </a:schemeClr>
-        </a:solidFill>
-        <a:ln w="19050" cap="flat" cmpd="sng" algn="ctr">
-          <a:solidFill>
-            <a:schemeClr val="lt1">
-              <a:hueOff val="0"/>
-              <a:satOff val="0"/>
-              <a:lumOff val="0"/>
-              <a:alphaOff val="0"/>
-            </a:schemeClr>
-          </a:solidFill>
-          <a:prstDash val="solid"/>
-          <a:miter lim="800000"/>
-        </a:ln>
-        <a:effectLst/>
-      </dsp:spPr>
-      <dsp:style>
-        <a:lnRef idx="3">
-          <a:scrgbClr r="0" g="0" b="0"/>
-        </a:lnRef>
-        <a:fillRef idx="1">
-          <a:scrgbClr r="0" g="0" b="0"/>
-        </a:fillRef>
-        <a:effectRef idx="1">
-          <a:scrgbClr r="0" g="0" b="0"/>
-        </a:effectRef>
-        <a:fontRef idx="minor">
-          <a:schemeClr val="lt1"/>
-        </a:fontRef>
-      </dsp:style>
-      <dsp:txBody>
-        <a:bodyPr spcFirstLastPara="0" vert="horz" wrap="square" lIns="64770" tIns="64770" rIns="64770" bIns="64770" numCol="1" spcCol="1270" anchor="ctr" anchorCtr="0">
-          <a:noAutofit/>
-        </a:bodyPr>
-        <a:lstStyle/>
-        <a:p>
-          <a:pPr lvl="0" algn="ctr" defTabSz="755650">
-            <a:lnSpc>
-              <a:spcPct val="90000"/>
-            </a:lnSpc>
-            <a:spcBef>
-              <a:spcPct val="0"/>
-            </a:spcBef>
-            <a:spcAft>
-              <a:spcPct val="35000"/>
-            </a:spcAft>
-          </a:pPr>
-          <a:r>
-            <a:rPr lang="en-US" sz="1700" kern="1200" dirty="0" smtClean="0"/>
-            <a:t>View Prospect's Details </a:t>
-          </a:r>
-          <a:endParaRPr lang="en-US" sz="1700" kern="1200" dirty="0"/>
-        </a:p>
-      </dsp:txBody>
-      <dsp:txXfrm>
-        <a:off x="5014198" y="1356"/>
-        <a:ext cx="2260996" cy="1356598"/>
-      </dsp:txXfrm>
-    </dsp:sp>
-    <dsp:sp modelId="{520DD30E-9F5B-4C4A-A5DC-0DF78E4FBA26}">
-      <dsp:nvSpPr>
-        <dsp:cNvPr id="0" name=""/>
-        <dsp:cNvSpPr/>
-      </dsp:nvSpPr>
-      <dsp:spPr>
-        <a:xfrm>
-          <a:off x="40005" y="1584053"/>
-          <a:ext cx="2260996" cy="1356598"/>
-        </a:xfrm>
-        <a:prstGeom prst="rect">
-          <a:avLst/>
-        </a:prstGeom>
-        <a:solidFill>
-          <a:schemeClr val="accent1">
-            <a:shade val="50000"/>
-            <a:hueOff val="585394"/>
-            <a:satOff val="-33814"/>
-            <a:lumOff val="37154"/>
-            <a:alphaOff val="0"/>
-          </a:schemeClr>
-        </a:solidFill>
-        <a:ln w="19050" cap="flat" cmpd="sng" algn="ctr">
-          <a:solidFill>
-            <a:schemeClr val="lt1">
-              <a:hueOff val="0"/>
-              <a:satOff val="0"/>
-              <a:lumOff val="0"/>
-              <a:alphaOff val="0"/>
-            </a:schemeClr>
-          </a:solidFill>
-          <a:prstDash val="solid"/>
-          <a:miter lim="800000"/>
-        </a:ln>
-        <a:effectLst/>
-      </dsp:spPr>
-      <dsp:style>
-        <a:lnRef idx="3">
-          <a:scrgbClr r="0" g="0" b="0"/>
-        </a:lnRef>
-        <a:fillRef idx="1">
-          <a:scrgbClr r="0" g="0" b="0"/>
-        </a:fillRef>
-        <a:effectRef idx="1">
-          <a:scrgbClr r="0" g="0" b="0"/>
-        </a:effectRef>
-        <a:fontRef idx="minor">
-          <a:schemeClr val="lt1"/>
-        </a:fontRef>
-      </dsp:style>
-      <dsp:txBody>
-        <a:bodyPr spcFirstLastPara="0" vert="horz" wrap="square" lIns="64770" tIns="64770" rIns="64770" bIns="64770" numCol="1" spcCol="1270" anchor="ctr" anchorCtr="0">
-          <a:noAutofit/>
-        </a:bodyPr>
-        <a:lstStyle/>
-        <a:p>
-          <a:pPr lvl="0" algn="ctr" defTabSz="755650">
-            <a:lnSpc>
-              <a:spcPct val="90000"/>
-            </a:lnSpc>
-            <a:spcBef>
-              <a:spcPct val="0"/>
-            </a:spcBef>
-            <a:spcAft>
-              <a:spcPct val="35000"/>
-            </a:spcAft>
-          </a:pPr>
-          <a:r>
-            <a:rPr lang="en-US" sz="1700" kern="1200" dirty="0" smtClean="0"/>
-            <a:t>Retrieve Applicant’s Credit History</a:t>
-          </a:r>
-          <a:endParaRPr lang="en-US" sz="1700" kern="1200" dirty="0"/>
-        </a:p>
-      </dsp:txBody>
-      <dsp:txXfrm>
-        <a:off x="40005" y="1584053"/>
-        <a:ext cx="2260996" cy="1356598"/>
-      </dsp:txXfrm>
-    </dsp:sp>
-    <dsp:sp modelId="{1C4681E6-90A5-43A5-AF1D-054F12F18D4F}">
-      <dsp:nvSpPr>
-        <dsp:cNvPr id="0" name=""/>
-        <dsp:cNvSpPr/>
-      </dsp:nvSpPr>
-      <dsp:spPr>
-        <a:xfrm>
-          <a:off x="2527101" y="1584053"/>
-          <a:ext cx="2260996" cy="1356598"/>
-        </a:xfrm>
-        <a:prstGeom prst="rect">
-          <a:avLst/>
-        </a:prstGeom>
-        <a:solidFill>
-          <a:schemeClr val="accent1">
-            <a:shade val="50000"/>
-            <a:hueOff val="780526"/>
-            <a:satOff val="-45086"/>
-            <a:lumOff val="49539"/>
-            <a:alphaOff val="0"/>
-          </a:schemeClr>
-        </a:solidFill>
-        <a:ln w="19050" cap="flat" cmpd="sng" algn="ctr">
-          <a:solidFill>
-            <a:schemeClr val="lt1">
-              <a:hueOff val="0"/>
-              <a:satOff val="0"/>
-              <a:lumOff val="0"/>
-              <a:alphaOff val="0"/>
-            </a:schemeClr>
-          </a:solidFill>
-          <a:prstDash val="solid"/>
-          <a:miter lim="800000"/>
-        </a:ln>
-        <a:effectLst/>
-      </dsp:spPr>
-      <dsp:style>
-        <a:lnRef idx="3">
-          <a:scrgbClr r="0" g="0" b="0"/>
-        </a:lnRef>
-        <a:fillRef idx="1">
-          <a:scrgbClr r="0" g="0" b="0"/>
-        </a:fillRef>
-        <a:effectRef idx="1">
-          <a:scrgbClr r="0" g="0" b="0"/>
-        </a:effectRef>
-        <a:fontRef idx="minor">
-          <a:schemeClr val="lt1"/>
-        </a:fontRef>
-      </dsp:style>
-      <dsp:txBody>
-        <a:bodyPr spcFirstLastPara="0" vert="horz" wrap="square" lIns="64770" tIns="64770" rIns="64770" bIns="64770" numCol="1" spcCol="1270" anchor="ctr" anchorCtr="0">
-          <a:noAutofit/>
-        </a:bodyPr>
-        <a:lstStyle/>
-        <a:p>
-          <a:pPr lvl="0" algn="ctr" defTabSz="755650">
-            <a:lnSpc>
-              <a:spcPct val="90000"/>
-            </a:lnSpc>
-            <a:spcBef>
-              <a:spcPct val="0"/>
-            </a:spcBef>
-            <a:spcAft>
-              <a:spcPct val="35000"/>
-            </a:spcAft>
-          </a:pPr>
-          <a:r>
-            <a:rPr lang="en-US" sz="1700" kern="1200" dirty="0" smtClean="0"/>
-            <a:t>Approving the Credit Limit by Bank Officer</a:t>
-          </a:r>
-          <a:endParaRPr lang="en-US" sz="1700" kern="1200" dirty="0"/>
-        </a:p>
-      </dsp:txBody>
-      <dsp:txXfrm>
-        <a:off x="2527101" y="1584053"/>
-        <a:ext cx="2260996" cy="1356598"/>
-      </dsp:txXfrm>
-    </dsp:sp>
-    <dsp:sp modelId="{DEA41B82-6E90-4349-AD1B-B9B98F11E069}">
-      <dsp:nvSpPr>
-        <dsp:cNvPr id="0" name=""/>
-        <dsp:cNvSpPr/>
-      </dsp:nvSpPr>
-      <dsp:spPr>
-        <a:xfrm>
-          <a:off x="5014198" y="1584053"/>
-          <a:ext cx="2260996" cy="1356598"/>
-        </a:xfrm>
-        <a:prstGeom prst="rect">
-          <a:avLst/>
-        </a:prstGeom>
-        <a:solidFill>
-          <a:schemeClr val="accent1">
-            <a:shade val="50000"/>
-            <a:hueOff val="585394"/>
-            <a:satOff val="-33814"/>
-            <a:lumOff val="37154"/>
-            <a:alphaOff val="0"/>
-          </a:schemeClr>
-        </a:solidFill>
-        <a:ln w="19050" cap="flat" cmpd="sng" algn="ctr">
-          <a:solidFill>
-            <a:schemeClr val="lt1">
-              <a:hueOff val="0"/>
-              <a:satOff val="0"/>
-              <a:lumOff val="0"/>
-              <a:alphaOff val="0"/>
-            </a:schemeClr>
-          </a:solidFill>
-          <a:prstDash val="solid"/>
-          <a:miter lim="800000"/>
-        </a:ln>
-        <a:effectLst/>
-      </dsp:spPr>
-      <dsp:style>
-        <a:lnRef idx="3">
-          <a:scrgbClr r="0" g="0" b="0"/>
-        </a:lnRef>
-        <a:fillRef idx="1">
-          <a:scrgbClr r="0" g="0" b="0"/>
-        </a:fillRef>
-        <a:effectRef idx="1">
-          <a:scrgbClr r="0" g="0" b="0"/>
-        </a:effectRef>
-        <a:fontRef idx="minor">
-          <a:schemeClr val="lt1"/>
-        </a:fontRef>
-      </dsp:style>
-      <dsp:txBody>
-        <a:bodyPr spcFirstLastPara="0" vert="horz" wrap="square" lIns="64770" tIns="64770" rIns="64770" bIns="64770" numCol="1" spcCol="1270" anchor="ctr" anchorCtr="0">
-          <a:noAutofit/>
-        </a:bodyPr>
-        <a:lstStyle/>
-        <a:p>
-          <a:pPr lvl="0" algn="ctr" defTabSz="755650">
-            <a:lnSpc>
-              <a:spcPct val="90000"/>
-            </a:lnSpc>
-            <a:spcBef>
-              <a:spcPct val="0"/>
-            </a:spcBef>
-            <a:spcAft>
-              <a:spcPct val="35000"/>
-            </a:spcAft>
-          </a:pPr>
-          <a:r>
-            <a:rPr lang="en-US" sz="1700" kern="1200" dirty="0" smtClean="0"/>
-            <a:t>Retrieving the Property Valuation from the Assessor</a:t>
-          </a:r>
-          <a:endParaRPr lang="en-US" sz="1700" kern="1200" dirty="0"/>
-        </a:p>
-      </dsp:txBody>
-      <dsp:txXfrm>
-        <a:off x="5014198" y="1584053"/>
-        <a:ext cx="2260996" cy="1356598"/>
-      </dsp:txXfrm>
-    </dsp:sp>
-    <dsp:sp modelId="{04506B76-3E30-4CD8-8F67-F8597089510D}">
-      <dsp:nvSpPr>
-        <dsp:cNvPr id="0" name=""/>
-        <dsp:cNvSpPr/>
-      </dsp:nvSpPr>
-      <dsp:spPr>
-        <a:xfrm>
-          <a:off x="1283553" y="3166751"/>
-          <a:ext cx="2260996" cy="1356598"/>
-        </a:xfrm>
-        <a:prstGeom prst="rect">
-          <a:avLst/>
-        </a:prstGeom>
-        <a:solidFill>
-          <a:schemeClr val="accent1">
-            <a:shade val="50000"/>
-            <a:hueOff val="390263"/>
-            <a:satOff val="-22543"/>
-            <a:lumOff val="24770"/>
-            <a:alphaOff val="0"/>
-          </a:schemeClr>
-        </a:solidFill>
-        <a:ln w="19050" cap="flat" cmpd="sng" algn="ctr">
-          <a:solidFill>
-            <a:schemeClr val="lt1">
-              <a:hueOff val="0"/>
-              <a:satOff val="0"/>
-              <a:lumOff val="0"/>
-              <a:alphaOff val="0"/>
-            </a:schemeClr>
-          </a:solidFill>
-          <a:prstDash val="solid"/>
-          <a:miter lim="800000"/>
-        </a:ln>
-        <a:effectLst/>
-      </dsp:spPr>
-      <dsp:style>
-        <a:lnRef idx="3">
-          <a:scrgbClr r="0" g="0" b="0"/>
-        </a:lnRef>
-        <a:fillRef idx="1">
-          <a:scrgbClr r="0" g="0" b="0"/>
-        </a:fillRef>
-        <a:effectRef idx="1">
-          <a:scrgbClr r="0" g="0" b="0"/>
-        </a:effectRef>
-        <a:fontRef idx="minor">
-          <a:schemeClr val="lt1"/>
-        </a:fontRef>
-      </dsp:style>
-      <dsp:txBody>
-        <a:bodyPr spcFirstLastPara="0" vert="horz" wrap="square" lIns="64770" tIns="64770" rIns="64770" bIns="64770" numCol="1" spcCol="1270" anchor="ctr" anchorCtr="0">
-          <a:noAutofit/>
-        </a:bodyPr>
-        <a:lstStyle/>
-        <a:p>
-          <a:pPr lvl="0" algn="ctr" defTabSz="755650">
-            <a:lnSpc>
-              <a:spcPct val="90000"/>
-            </a:lnSpc>
-            <a:spcBef>
-              <a:spcPct val="0"/>
-            </a:spcBef>
-            <a:spcAft>
-              <a:spcPct val="35000"/>
-            </a:spcAft>
-          </a:pPr>
-          <a:r>
-            <a:rPr lang="en-US" sz="1700" kern="1200" dirty="0" smtClean="0"/>
-            <a:t>Approving Loan Application based on the Assessment</a:t>
-          </a:r>
-          <a:endParaRPr lang="en-US" sz="1700" kern="1200" dirty="0"/>
-        </a:p>
-      </dsp:txBody>
-      <dsp:txXfrm>
-        <a:off x="1283553" y="3166751"/>
-        <a:ext cx="2260996" cy="1356598"/>
-      </dsp:txXfrm>
-    </dsp:sp>
-    <dsp:sp modelId="{F2CA87C4-7BF9-425D-90B0-5D45FDABD5BF}">
-      <dsp:nvSpPr>
-        <dsp:cNvPr id="0" name=""/>
-        <dsp:cNvSpPr/>
-      </dsp:nvSpPr>
-      <dsp:spPr>
-        <a:xfrm>
-          <a:off x="3770649" y="3166751"/>
-          <a:ext cx="2260996" cy="1356598"/>
-        </a:xfrm>
-        <a:prstGeom prst="rect">
-          <a:avLst/>
-        </a:prstGeom>
-        <a:solidFill>
-          <a:schemeClr val="accent1">
-            <a:shade val="50000"/>
-            <a:hueOff val="195131"/>
-            <a:satOff val="-11271"/>
-            <a:lumOff val="12385"/>
-            <a:alphaOff val="0"/>
-          </a:schemeClr>
-        </a:solidFill>
-        <a:ln w="19050" cap="flat" cmpd="sng" algn="ctr">
-          <a:solidFill>
-            <a:schemeClr val="lt1">
-              <a:hueOff val="0"/>
-              <a:satOff val="0"/>
-              <a:lumOff val="0"/>
-              <a:alphaOff val="0"/>
-            </a:schemeClr>
-          </a:solidFill>
-          <a:prstDash val="solid"/>
-          <a:miter lim="800000"/>
-        </a:ln>
-        <a:effectLst/>
-      </dsp:spPr>
-      <dsp:style>
-        <a:lnRef idx="3">
-          <a:scrgbClr r="0" g="0" b="0"/>
-        </a:lnRef>
-        <a:fillRef idx="1">
-          <a:scrgbClr r="0" g="0" b="0"/>
-        </a:fillRef>
-        <a:effectRef idx="1">
-          <a:scrgbClr r="0" g="0" b="0"/>
-        </a:effectRef>
-        <a:fontRef idx="minor">
-          <a:schemeClr val="lt1"/>
-        </a:fontRef>
-      </dsp:style>
-      <dsp:txBody>
-        <a:bodyPr spcFirstLastPara="0" vert="horz" wrap="square" lIns="64770" tIns="64770" rIns="64770" bIns="64770" numCol="1" spcCol="1270" anchor="ctr" anchorCtr="0">
-          <a:noAutofit/>
-        </a:bodyPr>
-        <a:lstStyle/>
-        <a:p>
-          <a:pPr lvl="0" algn="ctr" defTabSz="755650">
-            <a:lnSpc>
-              <a:spcPct val="90000"/>
-            </a:lnSpc>
-            <a:spcBef>
-              <a:spcPct val="0"/>
-            </a:spcBef>
-            <a:spcAft>
-              <a:spcPct val="35000"/>
-            </a:spcAft>
-          </a:pPr>
-          <a:r>
-            <a:rPr lang="en-US" sz="1700" kern="1200" dirty="0" smtClean="0"/>
-            <a:t>Rejecting the Loan Application based anytime based on Credit and property assessment</a:t>
-          </a:r>
-          <a:endParaRPr lang="en-US" sz="1700" kern="1200" dirty="0"/>
-        </a:p>
-      </dsp:txBody>
-      <dsp:txXfrm>
-        <a:off x="3770649" y="3166751"/>
-        <a:ext cx="2260996" cy="1356598"/>
-      </dsp:txXfrm>
-    </dsp:sp>
   </dsp:spTree>
 </dsp:drawing>
 </file>
@@ -3358,7 +2726,7 @@
           <p:cNvPr id="2" name="Title 1">
             <a:extLst>
               <a:ext uri="{FF2B5EF4-FFF2-40B4-BE49-F238E27FC236}">
-                <a16:creationId xmlns:a16="http://schemas.microsoft.com/office/drawing/2014/main" xmlns="" id="{8644F563-5448-4EAF-8B6F-F9B570758BE0}"/>
+                <a16:creationId xmlns="" xmlns:a16="http://schemas.microsoft.com/office/drawing/2014/main" id="{8644F563-5448-4EAF-8B6F-F9B570758BE0}"/>
               </a:ext>
             </a:extLst>
           </p:cNvPr>
@@ -3395,7 +2763,7 @@
           <p:cNvPr id="3" name="Subtitle 2">
             <a:extLst>
               <a:ext uri="{FF2B5EF4-FFF2-40B4-BE49-F238E27FC236}">
-                <a16:creationId xmlns:a16="http://schemas.microsoft.com/office/drawing/2014/main" xmlns="" id="{17E12E8B-7789-400F-9794-7CF27A2AA136}"/>
+                <a16:creationId xmlns="" xmlns:a16="http://schemas.microsoft.com/office/drawing/2014/main" id="{17E12E8B-7789-400F-9794-7CF27A2AA136}"/>
               </a:ext>
             </a:extLst>
           </p:cNvPr>
@@ -3465,7 +2833,7 @@
           <p:cNvPr id="4" name="Date Placeholder 3">
             <a:extLst>
               <a:ext uri="{FF2B5EF4-FFF2-40B4-BE49-F238E27FC236}">
-                <a16:creationId xmlns:a16="http://schemas.microsoft.com/office/drawing/2014/main" xmlns="" id="{F7D26E30-F0AE-47FF-A275-42A978481391}"/>
+                <a16:creationId xmlns="" xmlns:a16="http://schemas.microsoft.com/office/drawing/2014/main" id="{F7D26E30-F0AE-47FF-A275-42A978481391}"/>
               </a:ext>
             </a:extLst>
           </p:cNvPr>
@@ -3494,7 +2862,7 @@
           <p:cNvPr id="5" name="Footer Placeholder 4">
             <a:extLst>
               <a:ext uri="{FF2B5EF4-FFF2-40B4-BE49-F238E27FC236}">
-                <a16:creationId xmlns:a16="http://schemas.microsoft.com/office/drawing/2014/main" xmlns="" id="{14509DCC-A43C-473D-BD5D-7406B17AB708}"/>
+                <a16:creationId xmlns="" xmlns:a16="http://schemas.microsoft.com/office/drawing/2014/main" id="{14509DCC-A43C-473D-BD5D-7406B17AB708}"/>
               </a:ext>
             </a:extLst>
           </p:cNvPr>
@@ -3519,7 +2887,7 @@
           <p:cNvPr id="6" name="Slide Number Placeholder 5">
             <a:extLst>
               <a:ext uri="{FF2B5EF4-FFF2-40B4-BE49-F238E27FC236}">
-                <a16:creationId xmlns:a16="http://schemas.microsoft.com/office/drawing/2014/main" xmlns="" id="{F40797F9-B52C-4F40-9C91-51A5DFF05935}"/>
+                <a16:creationId xmlns="" xmlns:a16="http://schemas.microsoft.com/office/drawing/2014/main" id="{F40797F9-B52C-4F40-9C91-51A5DFF05935}"/>
               </a:ext>
             </a:extLst>
           </p:cNvPr>
@@ -3578,7 +2946,7 @@
           <p:cNvPr id="2" name="Title 1">
             <a:extLst>
               <a:ext uri="{FF2B5EF4-FFF2-40B4-BE49-F238E27FC236}">
-                <a16:creationId xmlns:a16="http://schemas.microsoft.com/office/drawing/2014/main" xmlns="" id="{53857DE8-1BD3-42CF-81A9-0711B9CBBE13}"/>
+                <a16:creationId xmlns="" xmlns:a16="http://schemas.microsoft.com/office/drawing/2014/main" id="{53857DE8-1BD3-42CF-81A9-0711B9CBBE13}"/>
               </a:ext>
             </a:extLst>
           </p:cNvPr>
@@ -3606,7 +2974,7 @@
           <p:cNvPr id="3" name="Vertical Text Placeholder 2">
             <a:extLst>
               <a:ext uri="{FF2B5EF4-FFF2-40B4-BE49-F238E27FC236}">
-                <a16:creationId xmlns:a16="http://schemas.microsoft.com/office/drawing/2014/main" xmlns="" id="{A42E2F5B-28A3-495B-94AE-843A6D8A30D0}"/>
+                <a16:creationId xmlns="" xmlns:a16="http://schemas.microsoft.com/office/drawing/2014/main" id="{A42E2F5B-28A3-495B-94AE-843A6D8A30D0}"/>
               </a:ext>
             </a:extLst>
           </p:cNvPr>
@@ -3663,7 +3031,7 @@
           <p:cNvPr id="4" name="Date Placeholder 3">
             <a:extLst>
               <a:ext uri="{FF2B5EF4-FFF2-40B4-BE49-F238E27FC236}">
-                <a16:creationId xmlns:a16="http://schemas.microsoft.com/office/drawing/2014/main" xmlns="" id="{7511E3DC-1DD5-4713-8E4B-27B491A13B72}"/>
+                <a16:creationId xmlns="" xmlns:a16="http://schemas.microsoft.com/office/drawing/2014/main" id="{7511E3DC-1DD5-4713-8E4B-27B491A13B72}"/>
               </a:ext>
             </a:extLst>
           </p:cNvPr>
@@ -3692,7 +3060,7 @@
           <p:cNvPr id="5" name="Footer Placeholder 4">
             <a:extLst>
               <a:ext uri="{FF2B5EF4-FFF2-40B4-BE49-F238E27FC236}">
-                <a16:creationId xmlns:a16="http://schemas.microsoft.com/office/drawing/2014/main" xmlns="" id="{048B2C3D-596A-4FCE-ADA1-345245362531}"/>
+                <a16:creationId xmlns="" xmlns:a16="http://schemas.microsoft.com/office/drawing/2014/main" id="{048B2C3D-596A-4FCE-ADA1-345245362531}"/>
               </a:ext>
             </a:extLst>
           </p:cNvPr>
@@ -3717,7 +3085,7 @@
           <p:cNvPr id="6" name="Slide Number Placeholder 5">
             <a:extLst>
               <a:ext uri="{FF2B5EF4-FFF2-40B4-BE49-F238E27FC236}">
-                <a16:creationId xmlns:a16="http://schemas.microsoft.com/office/drawing/2014/main" xmlns="" id="{AA6D4FB6-FFC5-42C0-9736-CFDE228E3E6D}"/>
+                <a16:creationId xmlns="" xmlns:a16="http://schemas.microsoft.com/office/drawing/2014/main" id="{AA6D4FB6-FFC5-42C0-9736-CFDE228E3E6D}"/>
               </a:ext>
             </a:extLst>
           </p:cNvPr>
@@ -3776,7 +3144,7 @@
           <p:cNvPr id="2" name="Vertical Title 1">
             <a:extLst>
               <a:ext uri="{FF2B5EF4-FFF2-40B4-BE49-F238E27FC236}">
-                <a16:creationId xmlns:a16="http://schemas.microsoft.com/office/drawing/2014/main" xmlns="" id="{0218D389-DEF8-4742-81AD-66F291EE2608}"/>
+                <a16:creationId xmlns="" xmlns:a16="http://schemas.microsoft.com/office/drawing/2014/main" id="{0218D389-DEF8-4742-81AD-66F291EE2608}"/>
               </a:ext>
             </a:extLst>
           </p:cNvPr>
@@ -3809,7 +3177,7 @@
           <p:cNvPr id="3" name="Vertical Text Placeholder 2">
             <a:extLst>
               <a:ext uri="{FF2B5EF4-FFF2-40B4-BE49-F238E27FC236}">
-                <a16:creationId xmlns:a16="http://schemas.microsoft.com/office/drawing/2014/main" xmlns="" id="{0C6AB7D0-AA87-4D80-85B5-0E9D2CE64AB0}"/>
+                <a16:creationId xmlns="" xmlns:a16="http://schemas.microsoft.com/office/drawing/2014/main" id="{0C6AB7D0-AA87-4D80-85B5-0E9D2CE64AB0}"/>
               </a:ext>
             </a:extLst>
           </p:cNvPr>
@@ -3871,7 +3239,7 @@
           <p:cNvPr id="4" name="Date Placeholder 3">
             <a:extLst>
               <a:ext uri="{FF2B5EF4-FFF2-40B4-BE49-F238E27FC236}">
-                <a16:creationId xmlns:a16="http://schemas.microsoft.com/office/drawing/2014/main" xmlns="" id="{02742176-7B18-45DA-A582-2E0B93A27FC6}"/>
+                <a16:creationId xmlns="" xmlns:a16="http://schemas.microsoft.com/office/drawing/2014/main" id="{02742176-7B18-45DA-A582-2E0B93A27FC6}"/>
               </a:ext>
             </a:extLst>
           </p:cNvPr>
@@ -3900,7 +3268,7 @@
           <p:cNvPr id="5" name="Footer Placeholder 4">
             <a:extLst>
               <a:ext uri="{FF2B5EF4-FFF2-40B4-BE49-F238E27FC236}">
-                <a16:creationId xmlns:a16="http://schemas.microsoft.com/office/drawing/2014/main" xmlns="" id="{88A9A0D3-490A-4A9C-899F-FA34BE21C1F3}"/>
+                <a16:creationId xmlns="" xmlns:a16="http://schemas.microsoft.com/office/drawing/2014/main" id="{88A9A0D3-490A-4A9C-899F-FA34BE21C1F3}"/>
               </a:ext>
             </a:extLst>
           </p:cNvPr>
@@ -3925,7 +3293,7 @@
           <p:cNvPr id="6" name="Slide Number Placeholder 5">
             <a:extLst>
               <a:ext uri="{FF2B5EF4-FFF2-40B4-BE49-F238E27FC236}">
-                <a16:creationId xmlns:a16="http://schemas.microsoft.com/office/drawing/2014/main" xmlns="" id="{385123BB-9E7F-4D41-AE39-61C5436F4268}"/>
+                <a16:creationId xmlns="" xmlns:a16="http://schemas.microsoft.com/office/drawing/2014/main" id="{385123BB-9E7F-4D41-AE39-61C5436F4268}"/>
               </a:ext>
             </a:extLst>
           </p:cNvPr>
@@ -3984,7 +3352,7 @@
           <p:cNvPr id="2" name="Title 1">
             <a:extLst>
               <a:ext uri="{FF2B5EF4-FFF2-40B4-BE49-F238E27FC236}">
-                <a16:creationId xmlns:a16="http://schemas.microsoft.com/office/drawing/2014/main" xmlns="" id="{615BEA8E-C18A-4B51-B954-2506E80A5A5B}"/>
+                <a16:creationId xmlns="" xmlns:a16="http://schemas.microsoft.com/office/drawing/2014/main" id="{615BEA8E-C18A-4B51-B954-2506E80A5A5B}"/>
               </a:ext>
             </a:extLst>
           </p:cNvPr>
@@ -4012,7 +3380,7 @@
           <p:cNvPr id="3" name="Content Placeholder 2">
             <a:extLst>
               <a:ext uri="{FF2B5EF4-FFF2-40B4-BE49-F238E27FC236}">
-                <a16:creationId xmlns:a16="http://schemas.microsoft.com/office/drawing/2014/main" xmlns="" id="{2B0CD9A7-0600-424F-9140-9DE80DD38006}"/>
+                <a16:creationId xmlns="" xmlns:a16="http://schemas.microsoft.com/office/drawing/2014/main" id="{2B0CD9A7-0600-424F-9140-9DE80DD38006}"/>
               </a:ext>
             </a:extLst>
           </p:cNvPr>
@@ -4069,7 +3437,7 @@
           <p:cNvPr id="4" name="Date Placeholder 3">
             <a:extLst>
               <a:ext uri="{FF2B5EF4-FFF2-40B4-BE49-F238E27FC236}">
-                <a16:creationId xmlns:a16="http://schemas.microsoft.com/office/drawing/2014/main" xmlns="" id="{594B4FD3-55C6-4233-82EC-643EE7C4D423}"/>
+                <a16:creationId xmlns="" xmlns:a16="http://schemas.microsoft.com/office/drawing/2014/main" id="{594B4FD3-55C6-4233-82EC-643EE7C4D423}"/>
               </a:ext>
             </a:extLst>
           </p:cNvPr>
@@ -4098,7 +3466,7 @@
           <p:cNvPr id="5" name="Footer Placeholder 4">
             <a:extLst>
               <a:ext uri="{FF2B5EF4-FFF2-40B4-BE49-F238E27FC236}">
-                <a16:creationId xmlns:a16="http://schemas.microsoft.com/office/drawing/2014/main" xmlns="" id="{3FAE2A83-6391-48EF-8111-14D78515A689}"/>
+                <a16:creationId xmlns="" xmlns:a16="http://schemas.microsoft.com/office/drawing/2014/main" id="{3FAE2A83-6391-48EF-8111-14D78515A689}"/>
               </a:ext>
             </a:extLst>
           </p:cNvPr>
@@ -4123,7 +3491,7 @@
           <p:cNvPr id="6" name="Slide Number Placeholder 5">
             <a:extLst>
               <a:ext uri="{FF2B5EF4-FFF2-40B4-BE49-F238E27FC236}">
-                <a16:creationId xmlns:a16="http://schemas.microsoft.com/office/drawing/2014/main" xmlns="" id="{D115D32F-22EB-4E1E-8EA4-024C392233FF}"/>
+                <a16:creationId xmlns="" xmlns:a16="http://schemas.microsoft.com/office/drawing/2014/main" id="{D115D32F-22EB-4E1E-8EA4-024C392233FF}"/>
               </a:ext>
             </a:extLst>
           </p:cNvPr>
@@ -4182,7 +3550,7 @@
           <p:cNvPr id="2" name="Title 1">
             <a:extLst>
               <a:ext uri="{FF2B5EF4-FFF2-40B4-BE49-F238E27FC236}">
-                <a16:creationId xmlns:a16="http://schemas.microsoft.com/office/drawing/2014/main" xmlns="" id="{7E46BAA7-B7B1-4D2C-AEFA-7115C75BFDE7}"/>
+                <a16:creationId xmlns="" xmlns:a16="http://schemas.microsoft.com/office/drawing/2014/main" id="{7E46BAA7-B7B1-4D2C-AEFA-7115C75BFDE7}"/>
               </a:ext>
             </a:extLst>
           </p:cNvPr>
@@ -4219,7 +3587,7 @@
           <p:cNvPr id="3" name="Text Placeholder 2">
             <a:extLst>
               <a:ext uri="{FF2B5EF4-FFF2-40B4-BE49-F238E27FC236}">
-                <a16:creationId xmlns:a16="http://schemas.microsoft.com/office/drawing/2014/main" xmlns="" id="{FA974AF7-0457-44D4-8F48-1A145B5B29D3}"/>
+                <a16:creationId xmlns="" xmlns:a16="http://schemas.microsoft.com/office/drawing/2014/main" id="{FA974AF7-0457-44D4-8F48-1A145B5B29D3}"/>
               </a:ext>
             </a:extLst>
           </p:cNvPr>
@@ -4344,7 +3712,7 @@
           <p:cNvPr id="4" name="Date Placeholder 3">
             <a:extLst>
               <a:ext uri="{FF2B5EF4-FFF2-40B4-BE49-F238E27FC236}">
-                <a16:creationId xmlns:a16="http://schemas.microsoft.com/office/drawing/2014/main" xmlns="" id="{5776E5E1-2EE8-4A7F-BD1C-1E4A830CD5A3}"/>
+                <a16:creationId xmlns="" xmlns:a16="http://schemas.microsoft.com/office/drawing/2014/main" id="{5776E5E1-2EE8-4A7F-BD1C-1E4A830CD5A3}"/>
               </a:ext>
             </a:extLst>
           </p:cNvPr>
@@ -4373,7 +3741,7 @@
           <p:cNvPr id="5" name="Footer Placeholder 4">
             <a:extLst>
               <a:ext uri="{FF2B5EF4-FFF2-40B4-BE49-F238E27FC236}">
-                <a16:creationId xmlns:a16="http://schemas.microsoft.com/office/drawing/2014/main" xmlns="" id="{8633053A-5A49-4A71-99DF-7A934D3EB44F}"/>
+                <a16:creationId xmlns="" xmlns:a16="http://schemas.microsoft.com/office/drawing/2014/main" id="{8633053A-5A49-4A71-99DF-7A934D3EB44F}"/>
               </a:ext>
             </a:extLst>
           </p:cNvPr>
@@ -4398,7 +3766,7 @@
           <p:cNvPr id="6" name="Slide Number Placeholder 5">
             <a:extLst>
               <a:ext uri="{FF2B5EF4-FFF2-40B4-BE49-F238E27FC236}">
-                <a16:creationId xmlns:a16="http://schemas.microsoft.com/office/drawing/2014/main" xmlns="" id="{1722784E-203B-438F-B2E7-8C78F749F88A}"/>
+                <a16:creationId xmlns="" xmlns:a16="http://schemas.microsoft.com/office/drawing/2014/main" id="{1722784E-203B-438F-B2E7-8C78F749F88A}"/>
               </a:ext>
             </a:extLst>
           </p:cNvPr>
@@ -4457,7 +3825,7 @@
           <p:cNvPr id="2" name="Title 1">
             <a:extLst>
               <a:ext uri="{FF2B5EF4-FFF2-40B4-BE49-F238E27FC236}">
-                <a16:creationId xmlns:a16="http://schemas.microsoft.com/office/drawing/2014/main" xmlns="" id="{ACFF0B98-C86F-4E33-BD52-7D2746ADBF8A}"/>
+                <a16:creationId xmlns="" xmlns:a16="http://schemas.microsoft.com/office/drawing/2014/main" id="{ACFF0B98-C86F-4E33-BD52-7D2746ADBF8A}"/>
               </a:ext>
             </a:extLst>
           </p:cNvPr>
@@ -4485,7 +3853,7 @@
           <p:cNvPr id="3" name="Content Placeholder 2">
             <a:extLst>
               <a:ext uri="{FF2B5EF4-FFF2-40B4-BE49-F238E27FC236}">
-                <a16:creationId xmlns:a16="http://schemas.microsoft.com/office/drawing/2014/main" xmlns="" id="{767BB0FC-7A6C-41A0-B600-E03D6F840CD2}"/>
+                <a16:creationId xmlns="" xmlns:a16="http://schemas.microsoft.com/office/drawing/2014/main" id="{767BB0FC-7A6C-41A0-B600-E03D6F840CD2}"/>
               </a:ext>
             </a:extLst>
           </p:cNvPr>
@@ -4547,7 +3915,7 @@
           <p:cNvPr id="4" name="Content Placeholder 3">
             <a:extLst>
               <a:ext uri="{FF2B5EF4-FFF2-40B4-BE49-F238E27FC236}">
-                <a16:creationId xmlns:a16="http://schemas.microsoft.com/office/drawing/2014/main" xmlns="" id="{4522A99C-31D2-4612-9303-7A584F0E6838}"/>
+                <a16:creationId xmlns="" xmlns:a16="http://schemas.microsoft.com/office/drawing/2014/main" id="{4522A99C-31D2-4612-9303-7A584F0E6838}"/>
               </a:ext>
             </a:extLst>
           </p:cNvPr>
@@ -4609,7 +3977,7 @@
           <p:cNvPr id="5" name="Date Placeholder 4">
             <a:extLst>
               <a:ext uri="{FF2B5EF4-FFF2-40B4-BE49-F238E27FC236}">
-                <a16:creationId xmlns:a16="http://schemas.microsoft.com/office/drawing/2014/main" xmlns="" id="{0D894365-66B7-4D17-BEA7-76B435D8A89C}"/>
+                <a16:creationId xmlns="" xmlns:a16="http://schemas.microsoft.com/office/drawing/2014/main" id="{0D894365-66B7-4D17-BEA7-76B435D8A89C}"/>
               </a:ext>
             </a:extLst>
           </p:cNvPr>
@@ -4638,7 +4006,7 @@
           <p:cNvPr id="6" name="Footer Placeholder 5">
             <a:extLst>
               <a:ext uri="{FF2B5EF4-FFF2-40B4-BE49-F238E27FC236}">
-                <a16:creationId xmlns:a16="http://schemas.microsoft.com/office/drawing/2014/main" xmlns="" id="{1C859067-E34A-4A43-A50F-0128A4EC970D}"/>
+                <a16:creationId xmlns="" xmlns:a16="http://schemas.microsoft.com/office/drawing/2014/main" id="{1C859067-E34A-4A43-A50F-0128A4EC970D}"/>
               </a:ext>
             </a:extLst>
           </p:cNvPr>
@@ -4663,7 +4031,7 @@
           <p:cNvPr id="7" name="Slide Number Placeholder 6">
             <a:extLst>
               <a:ext uri="{FF2B5EF4-FFF2-40B4-BE49-F238E27FC236}">
-                <a16:creationId xmlns:a16="http://schemas.microsoft.com/office/drawing/2014/main" xmlns="" id="{D6007750-081C-48B8-ACC6-8AA860610D27}"/>
+                <a16:creationId xmlns="" xmlns:a16="http://schemas.microsoft.com/office/drawing/2014/main" id="{D6007750-081C-48B8-ACC6-8AA860610D27}"/>
               </a:ext>
             </a:extLst>
           </p:cNvPr>
@@ -4722,7 +4090,7 @@
           <p:cNvPr id="2" name="Title 1">
             <a:extLst>
               <a:ext uri="{FF2B5EF4-FFF2-40B4-BE49-F238E27FC236}">
-                <a16:creationId xmlns:a16="http://schemas.microsoft.com/office/drawing/2014/main" xmlns="" id="{26818377-3B8B-4E05-93B2-8201883756A0}"/>
+                <a16:creationId xmlns="" xmlns:a16="http://schemas.microsoft.com/office/drawing/2014/main" id="{26818377-3B8B-4E05-93B2-8201883756A0}"/>
               </a:ext>
             </a:extLst>
           </p:cNvPr>
@@ -4755,7 +4123,7 @@
           <p:cNvPr id="3" name="Text Placeholder 2">
             <a:extLst>
               <a:ext uri="{FF2B5EF4-FFF2-40B4-BE49-F238E27FC236}">
-                <a16:creationId xmlns:a16="http://schemas.microsoft.com/office/drawing/2014/main" xmlns="" id="{FB240A1D-26F3-406B-84B4-9A54EC9DFB9A}"/>
+                <a16:creationId xmlns="" xmlns:a16="http://schemas.microsoft.com/office/drawing/2014/main" id="{FB240A1D-26F3-406B-84B4-9A54EC9DFB9A}"/>
               </a:ext>
             </a:extLst>
           </p:cNvPr>
@@ -4826,7 +4194,7 @@
           <p:cNvPr id="4" name="Content Placeholder 3">
             <a:extLst>
               <a:ext uri="{FF2B5EF4-FFF2-40B4-BE49-F238E27FC236}">
-                <a16:creationId xmlns:a16="http://schemas.microsoft.com/office/drawing/2014/main" xmlns="" id="{B25849A7-DB99-4271-9E5E-21EC4B196BF5}"/>
+                <a16:creationId xmlns="" xmlns:a16="http://schemas.microsoft.com/office/drawing/2014/main" id="{B25849A7-DB99-4271-9E5E-21EC4B196BF5}"/>
               </a:ext>
             </a:extLst>
           </p:cNvPr>
@@ -4888,7 +4256,7 @@
           <p:cNvPr id="5" name="Text Placeholder 4">
             <a:extLst>
               <a:ext uri="{FF2B5EF4-FFF2-40B4-BE49-F238E27FC236}">
-                <a16:creationId xmlns:a16="http://schemas.microsoft.com/office/drawing/2014/main" xmlns="" id="{84E364E0-0981-4174-AC8C-7B8AFC62E477}"/>
+                <a16:creationId xmlns="" xmlns:a16="http://schemas.microsoft.com/office/drawing/2014/main" id="{84E364E0-0981-4174-AC8C-7B8AFC62E477}"/>
               </a:ext>
             </a:extLst>
           </p:cNvPr>
@@ -4959,7 +4327,7 @@
           <p:cNvPr id="6" name="Content Placeholder 5">
             <a:extLst>
               <a:ext uri="{FF2B5EF4-FFF2-40B4-BE49-F238E27FC236}">
-                <a16:creationId xmlns:a16="http://schemas.microsoft.com/office/drawing/2014/main" xmlns="" id="{58EA8E32-50E2-46E5-A16A-22A64FDAAE71}"/>
+                <a16:creationId xmlns="" xmlns:a16="http://schemas.microsoft.com/office/drawing/2014/main" id="{58EA8E32-50E2-46E5-A16A-22A64FDAAE71}"/>
               </a:ext>
             </a:extLst>
           </p:cNvPr>
@@ -5021,7 +4389,7 @@
           <p:cNvPr id="7" name="Date Placeholder 6">
             <a:extLst>
               <a:ext uri="{FF2B5EF4-FFF2-40B4-BE49-F238E27FC236}">
-                <a16:creationId xmlns:a16="http://schemas.microsoft.com/office/drawing/2014/main" xmlns="" id="{D0E340B1-FB27-46EB-AA7B-3BC20D9BB7B4}"/>
+                <a16:creationId xmlns="" xmlns:a16="http://schemas.microsoft.com/office/drawing/2014/main" id="{D0E340B1-FB27-46EB-AA7B-3BC20D9BB7B4}"/>
               </a:ext>
             </a:extLst>
           </p:cNvPr>
@@ -5050,7 +4418,7 @@
           <p:cNvPr id="8" name="Footer Placeholder 7">
             <a:extLst>
               <a:ext uri="{FF2B5EF4-FFF2-40B4-BE49-F238E27FC236}">
-                <a16:creationId xmlns:a16="http://schemas.microsoft.com/office/drawing/2014/main" xmlns="" id="{46F24CC1-C65F-438B-989F-5A5C772A0A2C}"/>
+                <a16:creationId xmlns="" xmlns:a16="http://schemas.microsoft.com/office/drawing/2014/main" id="{46F24CC1-C65F-438B-989F-5A5C772A0A2C}"/>
               </a:ext>
             </a:extLst>
           </p:cNvPr>
@@ -5075,7 +4443,7 @@
           <p:cNvPr id="9" name="Slide Number Placeholder 8">
             <a:extLst>
               <a:ext uri="{FF2B5EF4-FFF2-40B4-BE49-F238E27FC236}">
-                <a16:creationId xmlns:a16="http://schemas.microsoft.com/office/drawing/2014/main" xmlns="" id="{35A43C97-0878-443E-8A4A-8784569E98CA}"/>
+                <a16:creationId xmlns="" xmlns:a16="http://schemas.microsoft.com/office/drawing/2014/main" id="{35A43C97-0878-443E-8A4A-8784569E98CA}"/>
               </a:ext>
             </a:extLst>
           </p:cNvPr>
@@ -5134,7 +4502,7 @@
           <p:cNvPr id="2" name="Title 1">
             <a:extLst>
               <a:ext uri="{FF2B5EF4-FFF2-40B4-BE49-F238E27FC236}">
-                <a16:creationId xmlns:a16="http://schemas.microsoft.com/office/drawing/2014/main" xmlns="" id="{EB2168A2-739C-4634-AB65-CA0330512692}"/>
+                <a16:creationId xmlns="" xmlns:a16="http://schemas.microsoft.com/office/drawing/2014/main" id="{EB2168A2-739C-4634-AB65-CA0330512692}"/>
               </a:ext>
             </a:extLst>
           </p:cNvPr>
@@ -5162,7 +4530,7 @@
           <p:cNvPr id="3" name="Date Placeholder 2">
             <a:extLst>
               <a:ext uri="{FF2B5EF4-FFF2-40B4-BE49-F238E27FC236}">
-                <a16:creationId xmlns:a16="http://schemas.microsoft.com/office/drawing/2014/main" xmlns="" id="{539BE235-0A77-4007-8E51-B7533A470979}"/>
+                <a16:creationId xmlns="" xmlns:a16="http://schemas.microsoft.com/office/drawing/2014/main" id="{539BE235-0A77-4007-8E51-B7533A470979}"/>
               </a:ext>
             </a:extLst>
           </p:cNvPr>
@@ -5191,7 +4559,7 @@
           <p:cNvPr id="4" name="Footer Placeholder 3">
             <a:extLst>
               <a:ext uri="{FF2B5EF4-FFF2-40B4-BE49-F238E27FC236}">
-                <a16:creationId xmlns:a16="http://schemas.microsoft.com/office/drawing/2014/main" xmlns="" id="{9EDB3B65-5A4F-485C-AD6F-22F538895B97}"/>
+                <a16:creationId xmlns="" xmlns:a16="http://schemas.microsoft.com/office/drawing/2014/main" id="{9EDB3B65-5A4F-485C-AD6F-22F538895B97}"/>
               </a:ext>
             </a:extLst>
           </p:cNvPr>
@@ -5216,7 +4584,7 @@
           <p:cNvPr id="5" name="Slide Number Placeholder 4">
             <a:extLst>
               <a:ext uri="{FF2B5EF4-FFF2-40B4-BE49-F238E27FC236}">
-                <a16:creationId xmlns:a16="http://schemas.microsoft.com/office/drawing/2014/main" xmlns="" id="{A3CB8EDC-7C1E-4067-A419-C5E74435A391}"/>
+                <a16:creationId xmlns="" xmlns:a16="http://schemas.microsoft.com/office/drawing/2014/main" id="{A3CB8EDC-7C1E-4067-A419-C5E74435A391}"/>
               </a:ext>
             </a:extLst>
           </p:cNvPr>
@@ -5275,7 +4643,7 @@
           <p:cNvPr id="2" name="Date Placeholder 1">
             <a:extLst>
               <a:ext uri="{FF2B5EF4-FFF2-40B4-BE49-F238E27FC236}">
-                <a16:creationId xmlns:a16="http://schemas.microsoft.com/office/drawing/2014/main" xmlns="" id="{480415F0-37C0-4850-AEDE-601A7B0E07F3}"/>
+                <a16:creationId xmlns="" xmlns:a16="http://schemas.microsoft.com/office/drawing/2014/main" id="{480415F0-37C0-4850-AEDE-601A7B0E07F3}"/>
               </a:ext>
             </a:extLst>
           </p:cNvPr>
@@ -5304,7 +4672,7 @@
           <p:cNvPr id="3" name="Footer Placeholder 2">
             <a:extLst>
               <a:ext uri="{FF2B5EF4-FFF2-40B4-BE49-F238E27FC236}">
-                <a16:creationId xmlns:a16="http://schemas.microsoft.com/office/drawing/2014/main" xmlns="" id="{5104897F-BA1F-48DA-80F2-5045C65EA82D}"/>
+                <a16:creationId xmlns="" xmlns:a16="http://schemas.microsoft.com/office/drawing/2014/main" id="{5104897F-BA1F-48DA-80F2-5045C65EA82D}"/>
               </a:ext>
             </a:extLst>
           </p:cNvPr>
@@ -5329,7 +4697,7 @@
           <p:cNvPr id="4" name="Slide Number Placeholder 3">
             <a:extLst>
               <a:ext uri="{FF2B5EF4-FFF2-40B4-BE49-F238E27FC236}">
-                <a16:creationId xmlns:a16="http://schemas.microsoft.com/office/drawing/2014/main" xmlns="" id="{7175411A-CF7F-4589-A565-3C176BC2FCFB}"/>
+                <a16:creationId xmlns="" xmlns:a16="http://schemas.microsoft.com/office/drawing/2014/main" id="{7175411A-CF7F-4589-A565-3C176BC2FCFB}"/>
               </a:ext>
             </a:extLst>
           </p:cNvPr>
@@ -5388,7 +4756,7 @@
           <p:cNvPr id="2" name="Title 1">
             <a:extLst>
               <a:ext uri="{FF2B5EF4-FFF2-40B4-BE49-F238E27FC236}">
-                <a16:creationId xmlns:a16="http://schemas.microsoft.com/office/drawing/2014/main" xmlns="" id="{F8235511-3DF4-4020-95C4-18FB4783973C}"/>
+                <a16:creationId xmlns="" xmlns:a16="http://schemas.microsoft.com/office/drawing/2014/main" id="{F8235511-3DF4-4020-95C4-18FB4783973C}"/>
               </a:ext>
             </a:extLst>
           </p:cNvPr>
@@ -5425,7 +4793,7 @@
           <p:cNvPr id="3" name="Content Placeholder 2">
             <a:extLst>
               <a:ext uri="{FF2B5EF4-FFF2-40B4-BE49-F238E27FC236}">
-                <a16:creationId xmlns:a16="http://schemas.microsoft.com/office/drawing/2014/main" xmlns="" id="{2A4D04AB-B5D8-4B82-9D73-3EF126AF8C7F}"/>
+                <a16:creationId xmlns="" xmlns:a16="http://schemas.microsoft.com/office/drawing/2014/main" id="{2A4D04AB-B5D8-4B82-9D73-3EF126AF8C7F}"/>
               </a:ext>
             </a:extLst>
           </p:cNvPr>
@@ -5515,7 +4883,7 @@
           <p:cNvPr id="4" name="Text Placeholder 3">
             <a:extLst>
               <a:ext uri="{FF2B5EF4-FFF2-40B4-BE49-F238E27FC236}">
-                <a16:creationId xmlns:a16="http://schemas.microsoft.com/office/drawing/2014/main" xmlns="" id="{2FEE2382-862A-4E2C-9FE8-F0E71D0FFDC9}"/>
+                <a16:creationId xmlns="" xmlns:a16="http://schemas.microsoft.com/office/drawing/2014/main" id="{2FEE2382-862A-4E2C-9FE8-F0E71D0FFDC9}"/>
               </a:ext>
             </a:extLst>
           </p:cNvPr>
@@ -5586,7 +4954,7 @@
           <p:cNvPr id="5" name="Date Placeholder 4">
             <a:extLst>
               <a:ext uri="{FF2B5EF4-FFF2-40B4-BE49-F238E27FC236}">
-                <a16:creationId xmlns:a16="http://schemas.microsoft.com/office/drawing/2014/main" xmlns="" id="{B46910F6-A697-4C21-A616-704346753F9C}"/>
+                <a16:creationId xmlns="" xmlns:a16="http://schemas.microsoft.com/office/drawing/2014/main" id="{B46910F6-A697-4C21-A616-704346753F9C}"/>
               </a:ext>
             </a:extLst>
           </p:cNvPr>
@@ -5615,7 +4983,7 @@
           <p:cNvPr id="6" name="Footer Placeholder 5">
             <a:extLst>
               <a:ext uri="{FF2B5EF4-FFF2-40B4-BE49-F238E27FC236}">
-                <a16:creationId xmlns:a16="http://schemas.microsoft.com/office/drawing/2014/main" xmlns="" id="{B4B8ADB9-7AD5-48F9-9120-21624D66E19F}"/>
+                <a16:creationId xmlns="" xmlns:a16="http://schemas.microsoft.com/office/drawing/2014/main" id="{B4B8ADB9-7AD5-48F9-9120-21624D66E19F}"/>
               </a:ext>
             </a:extLst>
           </p:cNvPr>
@@ -5640,7 +5008,7 @@
           <p:cNvPr id="7" name="Slide Number Placeholder 6">
             <a:extLst>
               <a:ext uri="{FF2B5EF4-FFF2-40B4-BE49-F238E27FC236}">
-                <a16:creationId xmlns:a16="http://schemas.microsoft.com/office/drawing/2014/main" xmlns="" id="{090C602F-DECC-4B30-A311-A15B0C46EF88}"/>
+                <a16:creationId xmlns="" xmlns:a16="http://schemas.microsoft.com/office/drawing/2014/main" id="{090C602F-DECC-4B30-A311-A15B0C46EF88}"/>
               </a:ext>
             </a:extLst>
           </p:cNvPr>
@@ -5699,7 +5067,7 @@
           <p:cNvPr id="2" name="Title 1">
             <a:extLst>
               <a:ext uri="{FF2B5EF4-FFF2-40B4-BE49-F238E27FC236}">
-                <a16:creationId xmlns:a16="http://schemas.microsoft.com/office/drawing/2014/main" xmlns="" id="{2A81427F-7317-4BE5-8DFC-10DFBFA5E30C}"/>
+                <a16:creationId xmlns="" xmlns:a16="http://schemas.microsoft.com/office/drawing/2014/main" id="{2A81427F-7317-4BE5-8DFC-10DFBFA5E30C}"/>
               </a:ext>
             </a:extLst>
           </p:cNvPr>
@@ -5736,7 +5104,7 @@
           <p:cNvPr id="3" name="Picture Placeholder 2">
             <a:extLst>
               <a:ext uri="{FF2B5EF4-FFF2-40B4-BE49-F238E27FC236}">
-                <a16:creationId xmlns:a16="http://schemas.microsoft.com/office/drawing/2014/main" xmlns="" id="{6892DDD3-12E2-4156-B6FB-0BA20E00A49E}"/>
+                <a16:creationId xmlns="" xmlns:a16="http://schemas.microsoft.com/office/drawing/2014/main" id="{6892DDD3-12E2-4156-B6FB-0BA20E00A49E}"/>
               </a:ext>
             </a:extLst>
           </p:cNvPr>
@@ -5803,7 +5171,7 @@
           <p:cNvPr id="4" name="Text Placeholder 3">
             <a:extLst>
               <a:ext uri="{FF2B5EF4-FFF2-40B4-BE49-F238E27FC236}">
-                <a16:creationId xmlns:a16="http://schemas.microsoft.com/office/drawing/2014/main" xmlns="" id="{22D4344B-1395-45DF-8273-DCFA24501AFE}"/>
+                <a16:creationId xmlns="" xmlns:a16="http://schemas.microsoft.com/office/drawing/2014/main" id="{22D4344B-1395-45DF-8273-DCFA24501AFE}"/>
               </a:ext>
             </a:extLst>
           </p:cNvPr>
@@ -5874,7 +5242,7 @@
           <p:cNvPr id="5" name="Date Placeholder 4">
             <a:extLst>
               <a:ext uri="{FF2B5EF4-FFF2-40B4-BE49-F238E27FC236}">
-                <a16:creationId xmlns:a16="http://schemas.microsoft.com/office/drawing/2014/main" xmlns="" id="{81A8F40F-77BA-4BE7-A1CA-531F21DBB954}"/>
+                <a16:creationId xmlns="" xmlns:a16="http://schemas.microsoft.com/office/drawing/2014/main" id="{81A8F40F-77BA-4BE7-A1CA-531F21DBB954}"/>
               </a:ext>
             </a:extLst>
           </p:cNvPr>
@@ -5903,7 +5271,7 @@
           <p:cNvPr id="6" name="Footer Placeholder 5">
             <a:extLst>
               <a:ext uri="{FF2B5EF4-FFF2-40B4-BE49-F238E27FC236}">
-                <a16:creationId xmlns:a16="http://schemas.microsoft.com/office/drawing/2014/main" xmlns="" id="{FC0474DE-98DF-43B9-9D71-67662A2B95CC}"/>
+                <a16:creationId xmlns="" xmlns:a16="http://schemas.microsoft.com/office/drawing/2014/main" id="{FC0474DE-98DF-43B9-9D71-67662A2B95CC}"/>
               </a:ext>
             </a:extLst>
           </p:cNvPr>
@@ -5928,7 +5296,7 @@
           <p:cNvPr id="7" name="Slide Number Placeholder 6">
             <a:extLst>
               <a:ext uri="{FF2B5EF4-FFF2-40B4-BE49-F238E27FC236}">
-                <a16:creationId xmlns:a16="http://schemas.microsoft.com/office/drawing/2014/main" xmlns="" id="{9DD7CBB2-B021-4387-B661-E944EBB2EA21}"/>
+                <a16:creationId xmlns="" xmlns:a16="http://schemas.microsoft.com/office/drawing/2014/main" id="{9DD7CBB2-B021-4387-B661-E944EBB2EA21}"/>
               </a:ext>
             </a:extLst>
           </p:cNvPr>
@@ -5992,7 +5360,7 @@
           <p:cNvPr id="2" name="Title Placeholder 1">
             <a:extLst>
               <a:ext uri="{FF2B5EF4-FFF2-40B4-BE49-F238E27FC236}">
-                <a16:creationId xmlns:a16="http://schemas.microsoft.com/office/drawing/2014/main" xmlns="" id="{5C33EF8F-4111-44EE-B1B1-51EDB7D49D01}"/>
+                <a16:creationId xmlns="" xmlns:a16="http://schemas.microsoft.com/office/drawing/2014/main" id="{5C33EF8F-4111-44EE-B1B1-51EDB7D49D01}"/>
               </a:ext>
             </a:extLst>
           </p:cNvPr>
@@ -6030,7 +5398,7 @@
           <p:cNvPr id="3" name="Text Placeholder 2">
             <a:extLst>
               <a:ext uri="{FF2B5EF4-FFF2-40B4-BE49-F238E27FC236}">
-                <a16:creationId xmlns:a16="http://schemas.microsoft.com/office/drawing/2014/main" xmlns="" id="{B022F8FA-F705-444C-B437-AEE644D54C39}"/>
+                <a16:creationId xmlns="" xmlns:a16="http://schemas.microsoft.com/office/drawing/2014/main" id="{B022F8FA-F705-444C-B437-AEE644D54C39}"/>
               </a:ext>
             </a:extLst>
           </p:cNvPr>
@@ -6097,7 +5465,7 @@
           <p:cNvPr id="4" name="Date Placeholder 3">
             <a:extLst>
               <a:ext uri="{FF2B5EF4-FFF2-40B4-BE49-F238E27FC236}">
-                <a16:creationId xmlns:a16="http://schemas.microsoft.com/office/drawing/2014/main" xmlns="" id="{23AEC2B4-1320-4034-BE3C-1E2D3E5C9C28}"/>
+                <a16:creationId xmlns="" xmlns:a16="http://schemas.microsoft.com/office/drawing/2014/main" id="{23AEC2B4-1320-4034-BE3C-1E2D3E5C9C28}"/>
               </a:ext>
             </a:extLst>
           </p:cNvPr>
@@ -6144,7 +5512,7 @@
           <p:cNvPr id="5" name="Footer Placeholder 4">
             <a:extLst>
               <a:ext uri="{FF2B5EF4-FFF2-40B4-BE49-F238E27FC236}">
-                <a16:creationId xmlns:a16="http://schemas.microsoft.com/office/drawing/2014/main" xmlns="" id="{0423CE32-0466-494D-9A5B-22ED39119093}"/>
+                <a16:creationId xmlns="" xmlns:a16="http://schemas.microsoft.com/office/drawing/2014/main" id="{0423CE32-0466-494D-9A5B-22ED39119093}"/>
               </a:ext>
             </a:extLst>
           </p:cNvPr>
@@ -6187,7 +5555,7 @@
           <p:cNvPr id="6" name="Slide Number Placeholder 5">
             <a:extLst>
               <a:ext uri="{FF2B5EF4-FFF2-40B4-BE49-F238E27FC236}">
-                <a16:creationId xmlns:a16="http://schemas.microsoft.com/office/drawing/2014/main" xmlns="" id="{703A22C7-1BE4-4CB3-BA50-A599414354FE}"/>
+                <a16:creationId xmlns="" xmlns:a16="http://schemas.microsoft.com/office/drawing/2014/main" id="{703A22C7-1BE4-4CB3-BA50-A599414354FE}"/>
               </a:ext>
             </a:extLst>
           </p:cNvPr>
@@ -6563,10 +5931,10 @@
           <p:cNvPr id="14" name="Rectangle 9">
             <a:extLst>
               <a:ext uri="{FF2B5EF4-FFF2-40B4-BE49-F238E27FC236}">
-                <a16:creationId xmlns:a16="http://schemas.microsoft.com/office/drawing/2014/main" xmlns="" id="{86197D16-FE75-4A0E-A0C9-28C0F04A43DF}"/>
+                <a16:creationId xmlns="" xmlns:a16="http://schemas.microsoft.com/office/drawing/2014/main" id="{86197D16-FE75-4A0E-A0C9-28C0F04A43DF}"/>
               </a:ext>
               <a:ext uri="{C183D7F6-B498-43B3-948B-1728B52AA6E4}">
-                <adec:decorative xmlns:adec="http://schemas.microsoft.com/office/drawing/2017/decorative" xmlns="" val="1"/>
+                <adec:decorative xmlns="" xmlns:adec="http://schemas.microsoft.com/office/drawing/2017/decorative" val="1"/>
               </a:ext>
             </a:extLst>
           </p:cNvPr>
@@ -6576,7 +5944,7 @@
           <p:nvPr>
             <p:extLst>
               <p:ext uri="{386F3935-93C4-4BCD-93E2-E3B085C9AB24}">
-                <p16:designElem xmlns:p16="http://schemas.microsoft.com/office/powerpoint/2015/main" xmlns="" val="1"/>
+                <p16:designElem xmlns="" xmlns:p16="http://schemas.microsoft.com/office/powerpoint/2015/main" val="1"/>
               </p:ext>
             </p:extLst>
           </p:nvPr>
@@ -6648,10 +6016,10 @@
           <p:cNvPr id="15" name="Picture 11">
             <a:extLst>
               <a:ext uri="{FF2B5EF4-FFF2-40B4-BE49-F238E27FC236}">
-                <a16:creationId xmlns:a16="http://schemas.microsoft.com/office/drawing/2014/main" xmlns="" id="{FA8FCEC6-4B30-4FF2-8B32-504BEAEA3A16}"/>
+                <a16:creationId xmlns="" xmlns:a16="http://schemas.microsoft.com/office/drawing/2014/main" id="{FA8FCEC6-4B30-4FF2-8B32-504BEAEA3A16}"/>
               </a:ext>
               <a:ext uri="{C183D7F6-B498-43B3-948B-1728B52AA6E4}">
-                <adec:decorative xmlns:adec="http://schemas.microsoft.com/office/drawing/2017/decorative" xmlns="" val="1"/>
+                <adec:decorative xmlns="" xmlns:adec="http://schemas.microsoft.com/office/drawing/2017/decorative" val="1"/>
               </a:ext>
             </a:extLst>
           </p:cNvPr>
@@ -6661,7 +6029,7 @@
           <p:nvPr>
             <p:extLst>
               <p:ext uri="{386F3935-93C4-4BCD-93E2-E3B085C9AB24}">
-                <p16:designElem xmlns:p16="http://schemas.microsoft.com/office/powerpoint/2015/main" xmlns="" val="1"/>
+                <p16:designElem xmlns="" xmlns:p16="http://schemas.microsoft.com/office/powerpoint/2015/main" val="1"/>
               </p:ext>
             </p:extLst>
           </p:nvPr>
@@ -6737,7 +6105,7 @@
           <p:cNvPr id="4" name="Title 3">
             <a:extLst>
               <a:ext uri="{FF2B5EF4-FFF2-40B4-BE49-F238E27FC236}">
-                <a16:creationId xmlns:a16="http://schemas.microsoft.com/office/drawing/2014/main" xmlns="" id="{122EE555-3ACA-4199-99BB-87FE54C092EB}"/>
+                <a16:creationId xmlns="" xmlns:a16="http://schemas.microsoft.com/office/drawing/2014/main" id="{122EE555-3ACA-4199-99BB-87FE54C092EB}"/>
               </a:ext>
             </a:extLst>
           </p:cNvPr>
@@ -6797,7 +6165,7 @@
           <p:cNvPr id="7" name="Rectangle 6">
             <a:extLst>
               <a:ext uri="{FF2B5EF4-FFF2-40B4-BE49-F238E27FC236}">
-                <a16:creationId xmlns:a16="http://schemas.microsoft.com/office/drawing/2014/main" xmlns="" id="{3960A389-03AB-4B30-9F27-F0DF0A70DE8A}"/>
+                <a16:creationId xmlns="" xmlns:a16="http://schemas.microsoft.com/office/drawing/2014/main" id="{3960A389-03AB-4B30-9F27-F0DF0A70DE8A}"/>
               </a:ext>
             </a:extLst>
           </p:cNvPr>
@@ -6851,7 +6219,7 @@
           <p:cNvPr id="17" name="Rectangle 16">
             <a:extLst>
               <a:ext uri="{FF2B5EF4-FFF2-40B4-BE49-F238E27FC236}">
-                <a16:creationId xmlns:a16="http://schemas.microsoft.com/office/drawing/2014/main" xmlns="" id="{2451D676-3FC8-4DBC-9CB5-7C2EFDC790F6}"/>
+                <a16:creationId xmlns="" xmlns:a16="http://schemas.microsoft.com/office/drawing/2014/main" id="{2451D676-3FC8-4DBC-9CB5-7C2EFDC790F6}"/>
               </a:ext>
             </a:extLst>
           </p:cNvPr>
@@ -6905,7 +6273,7 @@
           <p:cNvPr id="18" name="Rectangle 17">
             <a:extLst>
               <a:ext uri="{FF2B5EF4-FFF2-40B4-BE49-F238E27FC236}">
-                <a16:creationId xmlns:a16="http://schemas.microsoft.com/office/drawing/2014/main" xmlns="" id="{2AEF7A21-610F-487A-A600-078E317B26CF}"/>
+                <a16:creationId xmlns="" xmlns:a16="http://schemas.microsoft.com/office/drawing/2014/main" id="{2AEF7A21-610F-487A-A600-078E317B26CF}"/>
               </a:ext>
             </a:extLst>
           </p:cNvPr>
@@ -6959,7 +6327,7 @@
           <p:cNvPr id="3076" name="Picture 4" descr="Image result for java transparent">
             <a:extLst>
               <a:ext uri="{FF2B5EF4-FFF2-40B4-BE49-F238E27FC236}">
-                <a16:creationId xmlns:a16="http://schemas.microsoft.com/office/drawing/2014/main" xmlns="" id="{5302CC2A-27EB-4AA2-BF40-8CA2324F61A3}"/>
+                <a16:creationId xmlns="" xmlns:a16="http://schemas.microsoft.com/office/drawing/2014/main" id="{5302CC2A-27EB-4AA2-BF40-8CA2324F61A3}"/>
               </a:ext>
             </a:extLst>
           </p:cNvPr>
@@ -7022,7 +6390,7 @@
           <p:cNvPr id="3078" name="Picture 6" descr="Image result for jp morgan logo">
             <a:extLst>
               <a:ext uri="{FF2B5EF4-FFF2-40B4-BE49-F238E27FC236}">
-                <a16:creationId xmlns:a16="http://schemas.microsoft.com/office/drawing/2014/main" xmlns="" id="{5B537254-EC8D-4A8E-A8AF-00A12521CFA0}"/>
+                <a16:creationId xmlns="" xmlns:a16="http://schemas.microsoft.com/office/drawing/2014/main" id="{5B537254-EC8D-4A8E-A8AF-00A12521CFA0}"/>
               </a:ext>
             </a:extLst>
           </p:cNvPr>
@@ -7069,7 +6437,7 @@
           <p:cNvPr id="9" name="Picture 8">
             <a:extLst>
               <a:ext uri="{FF2B5EF4-FFF2-40B4-BE49-F238E27FC236}">
-                <a16:creationId xmlns:a16="http://schemas.microsoft.com/office/drawing/2014/main" xmlns="" id="{E01CCD4B-C97E-4B2D-88DA-C2B9DC50D1CB}"/>
+                <a16:creationId xmlns="" xmlns:a16="http://schemas.microsoft.com/office/drawing/2014/main" id="{E01CCD4B-C97E-4B2D-88DA-C2B9DC50D1CB}"/>
               </a:ext>
             </a:extLst>
           </p:cNvPr>
@@ -7105,7 +6473,7 @@
           <p:cNvPr id="22" name="Straight Connector 21">
             <a:extLst>
               <a:ext uri="{FF2B5EF4-FFF2-40B4-BE49-F238E27FC236}">
-                <a16:creationId xmlns:a16="http://schemas.microsoft.com/office/drawing/2014/main" xmlns="" id="{0987F9F2-E377-41DE-86F1-743D1271034C}"/>
+                <a16:creationId xmlns="" xmlns:a16="http://schemas.microsoft.com/office/drawing/2014/main" id="{0987F9F2-E377-41DE-86F1-743D1271034C}"/>
               </a:ext>
             </a:extLst>
           </p:cNvPr>
@@ -7146,7 +6514,7 @@
           <p:cNvPr id="16" name="Rectangle 15">
             <a:extLst>
               <a:ext uri="{FF2B5EF4-FFF2-40B4-BE49-F238E27FC236}">
-                <a16:creationId xmlns:a16="http://schemas.microsoft.com/office/drawing/2014/main" xmlns="" id="{1B391BDD-F07B-4C67-9224-9651E39ECBE6}"/>
+                <a16:creationId xmlns="" xmlns:a16="http://schemas.microsoft.com/office/drawing/2014/main" id="{1B391BDD-F07B-4C67-9224-9651E39ECBE6}"/>
               </a:ext>
             </a:extLst>
           </p:cNvPr>
@@ -7210,7 +6578,7 @@
           <p:cNvPr id="19" name="Rectangle 18">
             <a:extLst>
               <a:ext uri="{FF2B5EF4-FFF2-40B4-BE49-F238E27FC236}">
-                <a16:creationId xmlns:a16="http://schemas.microsoft.com/office/drawing/2014/main" xmlns="" id="{D3CE994F-D446-480C-830E-2B479874648A}"/>
+                <a16:creationId xmlns="" xmlns:a16="http://schemas.microsoft.com/office/drawing/2014/main" id="{D3CE994F-D446-480C-830E-2B479874648A}"/>
               </a:ext>
             </a:extLst>
           </p:cNvPr>
@@ -7274,7 +6642,7 @@
           <p:cNvPr id="20" name="Rectangle 19">
             <a:extLst>
               <a:ext uri="{FF2B5EF4-FFF2-40B4-BE49-F238E27FC236}">
-                <a16:creationId xmlns:a16="http://schemas.microsoft.com/office/drawing/2014/main" xmlns="" id="{E1EE4A63-195E-4F13-8952-73A7C7A166F6}"/>
+                <a16:creationId xmlns="" xmlns:a16="http://schemas.microsoft.com/office/drawing/2014/main" id="{E1EE4A63-195E-4F13-8952-73A7C7A166F6}"/>
               </a:ext>
             </a:extLst>
           </p:cNvPr>
@@ -7383,10 +6751,10 @@
           <p:cNvPr id="10" name="Rectangle 9">
             <a:extLst>
               <a:ext uri="{FF2B5EF4-FFF2-40B4-BE49-F238E27FC236}">
-                <a16:creationId xmlns:a16="http://schemas.microsoft.com/office/drawing/2014/main" xmlns="" id="{81AEB8A9-B768-4E30-BA55-D919E6687343}"/>
+                <a16:creationId xmlns="" xmlns:a16="http://schemas.microsoft.com/office/drawing/2014/main" id="{81AEB8A9-B768-4E30-BA55-D919E6687343}"/>
               </a:ext>
               <a:ext uri="{C183D7F6-B498-43B3-948B-1728B52AA6E4}">
-                <adec:decorative xmlns:adec="http://schemas.microsoft.com/office/drawing/2017/decorative" xmlns="" val="1"/>
+                <adec:decorative xmlns="" xmlns:adec="http://schemas.microsoft.com/office/drawing/2017/decorative" val="1"/>
               </a:ext>
             </a:extLst>
           </p:cNvPr>
@@ -7396,7 +6764,7 @@
           <p:nvPr>
             <p:extLst>
               <p:ext uri="{386F3935-93C4-4BCD-93E2-E3B085C9AB24}">
-                <p16:designElem xmlns:p16="http://schemas.microsoft.com/office/powerpoint/2015/main" xmlns="" val="1"/>
+                <p16:designElem xmlns="" xmlns:p16="http://schemas.microsoft.com/office/powerpoint/2015/main" val="1"/>
               </p:ext>
             </p:extLst>
           </p:nvPr>
@@ -7475,7 +6843,7 @@
           <p:cNvPr id="2" name="Title 1">
             <a:extLst>
               <a:ext uri="{FF2B5EF4-FFF2-40B4-BE49-F238E27FC236}">
-                <a16:creationId xmlns:a16="http://schemas.microsoft.com/office/drawing/2014/main" xmlns="" id="{EB4AA099-DFCF-40F0-9DF9-51DCDD3D2329}"/>
+                <a16:creationId xmlns="" xmlns:a16="http://schemas.microsoft.com/office/drawing/2014/main" id="{EB4AA099-DFCF-40F0-9DF9-51DCDD3D2329}"/>
               </a:ext>
             </a:extLst>
           </p:cNvPr>
@@ -7517,7 +6885,7 @@
           <p:cNvPr id="5" name="Content Placeholder 4" descr="A close up of an object&#10;&#10;Description generated with high confidence">
             <a:extLst>
               <a:ext uri="{FF2B5EF4-FFF2-40B4-BE49-F238E27FC236}">
-                <a16:creationId xmlns:a16="http://schemas.microsoft.com/office/drawing/2014/main" xmlns="" id="{0B43767B-3861-4880-9DCE-DB2297AAE746}"/>
+                <a16:creationId xmlns="" xmlns:a16="http://schemas.microsoft.com/office/drawing/2014/main" id="{0B43767B-3861-4880-9DCE-DB2297AAE746}"/>
               </a:ext>
             </a:extLst>
           </p:cNvPr>
@@ -7593,10 +6961,10 @@
           <p:cNvPr id="73" name="Rectangle 72">
             <a:extLst>
               <a:ext uri="{FF2B5EF4-FFF2-40B4-BE49-F238E27FC236}">
-                <a16:creationId xmlns:a16="http://schemas.microsoft.com/office/drawing/2014/main" xmlns="" id="{F56F5174-31D9-4DBB-AAB7-A1FD7BDB1352}"/>
+                <a16:creationId xmlns="" xmlns:a16="http://schemas.microsoft.com/office/drawing/2014/main" id="{F56F5174-31D9-4DBB-AAB7-A1FD7BDB1352}"/>
               </a:ext>
               <a:ext uri="{C183D7F6-B498-43B3-948B-1728B52AA6E4}">
-                <adec:decorative xmlns:adec="http://schemas.microsoft.com/office/drawing/2017/decorative" xmlns="" val="1"/>
+                <adec:decorative xmlns="" xmlns:adec="http://schemas.microsoft.com/office/drawing/2017/decorative" val="1"/>
               </a:ext>
             </a:extLst>
           </p:cNvPr>
@@ -7606,7 +6974,7 @@
           <p:nvPr>
             <p:extLst>
               <p:ext uri="{386F3935-93C4-4BCD-93E2-E3B085C9AB24}">
-                <p16:designElem xmlns:p16="http://schemas.microsoft.com/office/powerpoint/2015/main" xmlns="" val="1"/>
+                <p16:designElem xmlns="" xmlns:p16="http://schemas.microsoft.com/office/powerpoint/2015/main" val="1"/>
               </p:ext>
             </p:extLst>
           </p:nvPr>
@@ -7679,10 +7047,10 @@
           <p:cNvPr id="75" name="Picture 74">
             <a:extLst>
               <a:ext uri="{FF2B5EF4-FFF2-40B4-BE49-F238E27FC236}">
-                <a16:creationId xmlns:a16="http://schemas.microsoft.com/office/drawing/2014/main" xmlns="" id="{AE113210-7872-481A-ADE6-3A05CCAF5EB2}"/>
+                <a16:creationId xmlns="" xmlns:a16="http://schemas.microsoft.com/office/drawing/2014/main" id="{AE113210-7872-481A-ADE6-3A05CCAF5EB2}"/>
               </a:ext>
               <a:ext uri="{C183D7F6-B498-43B3-948B-1728B52AA6E4}">
-                <adec:decorative xmlns:adec="http://schemas.microsoft.com/office/drawing/2017/decorative" xmlns="" val="1"/>
+                <adec:decorative xmlns="" xmlns:adec="http://schemas.microsoft.com/office/drawing/2017/decorative" val="1"/>
               </a:ext>
             </a:extLst>
           </p:cNvPr>
@@ -7692,7 +7060,7 @@
           <p:nvPr>
             <p:extLst>
               <p:ext uri="{386F3935-93C4-4BCD-93E2-E3B085C9AB24}">
-                <p16:designElem xmlns:p16="http://schemas.microsoft.com/office/powerpoint/2015/main" xmlns="" val="1"/>
+                <p16:designElem xmlns="" xmlns:p16="http://schemas.microsoft.com/office/powerpoint/2015/main" val="1"/>
               </p:ext>
             </p:extLst>
           </p:nvPr>
@@ -7724,7 +7092,7 @@
           <p:cNvPr id="2" name="Title 1">
             <a:extLst>
               <a:ext uri="{FF2B5EF4-FFF2-40B4-BE49-F238E27FC236}">
-                <a16:creationId xmlns:a16="http://schemas.microsoft.com/office/drawing/2014/main" xmlns="" id="{00FE4BDB-FA27-4988-842A-013233981027}"/>
+                <a16:creationId xmlns="" xmlns:a16="http://schemas.microsoft.com/office/drawing/2014/main" id="{00FE4BDB-FA27-4988-842A-013233981027}"/>
               </a:ext>
             </a:extLst>
           </p:cNvPr>
@@ -7763,10 +7131,10 @@
           <p:cNvPr id="77" name="Freeform 62">
             <a:extLst>
               <a:ext uri="{FF2B5EF4-FFF2-40B4-BE49-F238E27FC236}">
-                <a16:creationId xmlns:a16="http://schemas.microsoft.com/office/drawing/2014/main" xmlns="" id="{F9A95BEE-6BB1-4A28-A8E6-A34B2E42EF87}"/>
+                <a16:creationId xmlns="" xmlns:a16="http://schemas.microsoft.com/office/drawing/2014/main" id="{F9A95BEE-6BB1-4A28-A8E6-A34B2E42EF87}"/>
               </a:ext>
               <a:ext uri="{C183D7F6-B498-43B3-948B-1728B52AA6E4}">
-                <adec:decorative xmlns:adec="http://schemas.microsoft.com/office/drawing/2017/decorative" xmlns="" val="1"/>
+                <adec:decorative xmlns="" xmlns:adec="http://schemas.microsoft.com/office/drawing/2017/decorative" val="1"/>
               </a:ext>
             </a:extLst>
           </p:cNvPr>
@@ -7776,7 +7144,7 @@
           <p:nvPr>
             <p:extLst>
               <p:ext uri="{386F3935-93C4-4BCD-93E2-E3B085C9AB24}">
-                <p16:designElem xmlns:p16="http://schemas.microsoft.com/office/powerpoint/2015/main" xmlns="" val="1"/>
+                <p16:designElem xmlns="" xmlns:p16="http://schemas.microsoft.com/office/powerpoint/2015/main" val="1"/>
               </p:ext>
             </p:extLst>
           </p:nvPr>
@@ -7911,7 +7279,7 @@
           <p:cNvPr id="1028" name="Picture 4" descr="Related image">
             <a:extLst>
               <a:ext uri="{FF2B5EF4-FFF2-40B4-BE49-F238E27FC236}">
-                <a16:creationId xmlns:a16="http://schemas.microsoft.com/office/drawing/2014/main" xmlns="" id="{345FD299-6018-48DC-881A-D6C7DBFD512B}"/>
+                <a16:creationId xmlns="" xmlns:a16="http://schemas.microsoft.com/office/drawing/2014/main" id="{345FD299-6018-48DC-881A-D6C7DBFD512B}"/>
               </a:ext>
             </a:extLst>
           </p:cNvPr>
@@ -8043,7 +7411,7 @@
           <p:cNvPr id="3" name="Content Placeholder 2">
             <a:extLst>
               <a:ext uri="{FF2B5EF4-FFF2-40B4-BE49-F238E27FC236}">
-                <a16:creationId xmlns:a16="http://schemas.microsoft.com/office/drawing/2014/main" xmlns="" id="{B6499A7D-CDC7-43C6-8B31-0179BC810139}"/>
+                <a16:creationId xmlns="" xmlns:a16="http://schemas.microsoft.com/office/drawing/2014/main" id="{B6499A7D-CDC7-43C6-8B31-0179BC810139}"/>
               </a:ext>
             </a:extLst>
           </p:cNvPr>
@@ -8135,7 +7503,7 @@
           <p:cNvPr id="4" name="Title 3">
             <a:extLst>
               <a:ext uri="{FF2B5EF4-FFF2-40B4-BE49-F238E27FC236}">
-                <a16:creationId xmlns:a16="http://schemas.microsoft.com/office/drawing/2014/main" xmlns="" id="{8DE5C918-E452-41B9-A5F2-EFA4F9294C74}"/>
+                <a16:creationId xmlns="" xmlns:a16="http://schemas.microsoft.com/office/drawing/2014/main" id="{8DE5C918-E452-41B9-A5F2-EFA4F9294C74}"/>
               </a:ext>
             </a:extLst>
           </p:cNvPr>
@@ -8175,7 +7543,7 @@
           <p:cNvPr id="5" name="Text Placeholder 4">
             <a:extLst>
               <a:ext uri="{FF2B5EF4-FFF2-40B4-BE49-F238E27FC236}">
-                <a16:creationId xmlns:a16="http://schemas.microsoft.com/office/drawing/2014/main" xmlns="" id="{7910FB3A-C533-4698-B23B-C4973933FC66}"/>
+                <a16:creationId xmlns="" xmlns:a16="http://schemas.microsoft.com/office/drawing/2014/main" id="{7910FB3A-C533-4698-B23B-C4973933FC66}"/>
               </a:ext>
             </a:extLst>
           </p:cNvPr>
@@ -8212,10 +7580,10 @@
           <p:cNvPr id="135" name="Oval 134">
             <a:extLst>
               <a:ext uri="{FF2B5EF4-FFF2-40B4-BE49-F238E27FC236}">
-                <a16:creationId xmlns:a16="http://schemas.microsoft.com/office/drawing/2014/main" xmlns="" id="{FBC3EAFD-A275-4F9B-8F62-72B6678F35A8}"/>
+                <a16:creationId xmlns="" xmlns:a16="http://schemas.microsoft.com/office/drawing/2014/main" id="{FBC3EAFD-A275-4F9B-8F62-72B6678F35A8}"/>
               </a:ext>
               <a:ext uri="{C183D7F6-B498-43B3-948B-1728B52AA6E4}">
-                <adec:decorative xmlns:adec="http://schemas.microsoft.com/office/drawing/2017/decorative" xmlns="" val="1"/>
+                <adec:decorative xmlns="" xmlns:adec="http://schemas.microsoft.com/office/drawing/2017/decorative" val="1"/>
               </a:ext>
             </a:extLst>
           </p:cNvPr>
@@ -8225,7 +7593,7 @@
           <p:nvPr>
             <p:extLst>
               <p:ext uri="{386F3935-93C4-4BCD-93E2-E3B085C9AB24}">
-                <p16:designElem xmlns:p16="http://schemas.microsoft.com/office/powerpoint/2015/main" xmlns="" val="1"/>
+                <p16:designElem xmlns="" xmlns:p16="http://schemas.microsoft.com/office/powerpoint/2015/main" val="1"/>
               </p:ext>
             </p:extLst>
           </p:nvPr>
@@ -8275,10 +7643,10 @@
           <p:cNvPr id="137" name="Oval 136">
             <a:extLst>
               <a:ext uri="{FF2B5EF4-FFF2-40B4-BE49-F238E27FC236}">
-                <a16:creationId xmlns:a16="http://schemas.microsoft.com/office/drawing/2014/main" xmlns="" id="{06E64A6D-2B9F-4AAD-AB42-A61BAF01AC12}"/>
+                <a16:creationId xmlns="" xmlns:a16="http://schemas.microsoft.com/office/drawing/2014/main" id="{06E64A6D-2B9F-4AAD-AB42-A61BAF01AC12}"/>
               </a:ext>
               <a:ext uri="{C183D7F6-B498-43B3-948B-1728B52AA6E4}">
-                <adec:decorative xmlns:adec="http://schemas.microsoft.com/office/drawing/2017/decorative" xmlns="" val="1"/>
+                <adec:decorative xmlns="" xmlns:adec="http://schemas.microsoft.com/office/drawing/2017/decorative" val="1"/>
               </a:ext>
             </a:extLst>
           </p:cNvPr>
@@ -8288,7 +7656,7 @@
           <p:nvPr>
             <p:extLst>
               <p:ext uri="{386F3935-93C4-4BCD-93E2-E3B085C9AB24}">
-                <p16:designElem xmlns:p16="http://schemas.microsoft.com/office/powerpoint/2015/main" xmlns="" val="1"/>
+                <p16:designElem xmlns="" xmlns:p16="http://schemas.microsoft.com/office/powerpoint/2015/main" val="1"/>
               </p:ext>
             </p:extLst>
           </p:nvPr>
@@ -8340,7 +7708,7 @@
           <p:cNvPr id="2050" name="Picture 2" descr="Image result for Vote of thanks">
             <a:extLst>
               <a:ext uri="{FF2B5EF4-FFF2-40B4-BE49-F238E27FC236}">
-                <a16:creationId xmlns:a16="http://schemas.microsoft.com/office/drawing/2014/main" xmlns="" id="{C34D6FB8-9F9B-4CE6-8C11-FD184C218FBD}"/>
+                <a16:creationId xmlns="" xmlns:a16="http://schemas.microsoft.com/office/drawing/2014/main" id="{C34D6FB8-9F9B-4CE6-8C11-FD184C218FBD}"/>
               </a:ext>
             </a:extLst>
           </p:cNvPr>
@@ -8448,10 +7816,10 @@
           <p:cNvPr id="139" name="Picture 138">
             <a:extLst>
               <a:ext uri="{FF2B5EF4-FFF2-40B4-BE49-F238E27FC236}">
-                <a16:creationId xmlns:a16="http://schemas.microsoft.com/office/drawing/2014/main" xmlns="" id="{C51881DD-AD85-41BE-8A49-C2FB45800E10}"/>
+                <a16:creationId xmlns="" xmlns:a16="http://schemas.microsoft.com/office/drawing/2014/main" id="{C51881DD-AD85-41BE-8A49-C2FB45800E10}"/>
               </a:ext>
               <a:ext uri="{C183D7F6-B498-43B3-948B-1728B52AA6E4}">
-                <adec:decorative xmlns:adec="http://schemas.microsoft.com/office/drawing/2017/decorative" xmlns="" val="1"/>
+                <adec:decorative xmlns="" xmlns:adec="http://schemas.microsoft.com/office/drawing/2017/decorative" val="1"/>
               </a:ext>
             </a:extLst>
           </p:cNvPr>
@@ -8461,7 +7829,7 @@
           <p:nvPr>
             <p:extLst>
               <p:ext uri="{386F3935-93C4-4BCD-93E2-E3B085C9AB24}">
-                <p16:designElem xmlns:p16="http://schemas.microsoft.com/office/powerpoint/2015/main" xmlns="" val="1"/>
+                <p16:designElem xmlns="" xmlns:p16="http://schemas.microsoft.com/office/powerpoint/2015/main" val="1"/>
               </p:ext>
             </p:extLst>
           </p:nvPr>
@@ -8553,10 +7921,10 @@
           <p:cNvPr id="141" name="Straight Connector 140">
             <a:extLst>
               <a:ext uri="{FF2B5EF4-FFF2-40B4-BE49-F238E27FC236}">
-                <a16:creationId xmlns:a16="http://schemas.microsoft.com/office/drawing/2014/main" xmlns="" id="{9AD20FE8-ED02-4CDE-83B1-A1436305C3DC}"/>
+                <a16:creationId xmlns="" xmlns:a16="http://schemas.microsoft.com/office/drawing/2014/main" id="{9AD20FE8-ED02-4CDE-83B1-A1436305C3DC}"/>
               </a:ext>
               <a:ext uri="{C183D7F6-B498-43B3-948B-1728B52AA6E4}">
-                <adec:decorative xmlns:adec="http://schemas.microsoft.com/office/drawing/2017/decorative" xmlns="" val="1"/>
+                <adec:decorative xmlns="" xmlns:adec="http://schemas.microsoft.com/office/drawing/2017/decorative" val="1"/>
               </a:ext>
             </a:extLst>
           </p:cNvPr>
@@ -8566,7 +7934,7 @@
           <p:nvPr>
             <p:extLst>
               <p:ext uri="{386F3935-93C4-4BCD-93E2-E3B085C9AB24}">
-                <p16:designElem xmlns:p16="http://schemas.microsoft.com/office/powerpoint/2015/main" xmlns="" val="1"/>
+                <p16:designElem xmlns="" xmlns:p16="http://schemas.microsoft.com/office/powerpoint/2015/main" val="1"/>
               </p:ext>
             </p:extLst>
           </p:nvPr>
@@ -8605,7 +7973,7 @@
           <p:cNvPr id="17" name="Picture 6" descr="Image result for jp morgan logo">
             <a:extLst>
               <a:ext uri="{FF2B5EF4-FFF2-40B4-BE49-F238E27FC236}">
-                <a16:creationId xmlns:a16="http://schemas.microsoft.com/office/drawing/2014/main" xmlns="" id="{C98A6394-6E49-41D6-B142-3B6C32F3492C}"/>
+                <a16:creationId xmlns="" xmlns:a16="http://schemas.microsoft.com/office/drawing/2014/main" id="{C98A6394-6E49-41D6-B142-3B6C32F3492C}"/>
               </a:ext>
             </a:extLst>
           </p:cNvPr>
@@ -8652,7 +8020,7 @@
           <p:cNvPr id="18" name="Picture 17">
             <a:extLst>
               <a:ext uri="{FF2B5EF4-FFF2-40B4-BE49-F238E27FC236}">
-                <a16:creationId xmlns:a16="http://schemas.microsoft.com/office/drawing/2014/main" xmlns="" id="{7E771955-898D-4E7A-8F45-8EA79F1647DC}"/>
+                <a16:creationId xmlns="" xmlns:a16="http://schemas.microsoft.com/office/drawing/2014/main" id="{7E771955-898D-4E7A-8F45-8EA79F1647DC}"/>
               </a:ext>
             </a:extLst>
           </p:cNvPr>
@@ -8688,7 +8056,7 @@
           <p:cNvPr id="19" name="Straight Connector 18">
             <a:extLst>
               <a:ext uri="{FF2B5EF4-FFF2-40B4-BE49-F238E27FC236}">
-                <a16:creationId xmlns:a16="http://schemas.microsoft.com/office/drawing/2014/main" xmlns="" id="{70B1E49D-0FB5-4423-893A-767B43E3FD54}"/>
+                <a16:creationId xmlns="" xmlns:a16="http://schemas.microsoft.com/office/drawing/2014/main" id="{70B1E49D-0FB5-4423-893A-767B43E3FD54}"/>
               </a:ext>
             </a:extLst>
           </p:cNvPr>
@@ -8759,7 +8127,7 @@
           <p:cNvPr id="4" name="Rectangle 3">
             <a:extLst>
               <a:ext uri="{FF2B5EF4-FFF2-40B4-BE49-F238E27FC236}">
-                <a16:creationId xmlns:a16="http://schemas.microsoft.com/office/drawing/2014/main" xmlns="" id="{3DAA1F23-D93E-4FD5-BA41-4F3886F66506}"/>
+                <a16:creationId xmlns="" xmlns:a16="http://schemas.microsoft.com/office/drawing/2014/main" id="{3DAA1F23-D93E-4FD5-BA41-4F3886F66506}"/>
               </a:ext>
             </a:extLst>
           </p:cNvPr>
@@ -8823,7 +8191,7 @@
           <p:cNvPr id="5" name="Rectangle 4">
             <a:extLst>
               <a:ext uri="{FF2B5EF4-FFF2-40B4-BE49-F238E27FC236}">
-                <a16:creationId xmlns:a16="http://schemas.microsoft.com/office/drawing/2014/main" xmlns="" id="{705ABC84-F58D-4185-B0BE-7C1096691004}"/>
+                <a16:creationId xmlns="" xmlns:a16="http://schemas.microsoft.com/office/drawing/2014/main" id="{705ABC84-F58D-4185-B0BE-7C1096691004}"/>
               </a:ext>
             </a:extLst>
           </p:cNvPr>
@@ -8887,7 +8255,7 @@
           <p:cNvPr id="6" name="Rectangle 5">
             <a:extLst>
               <a:ext uri="{FF2B5EF4-FFF2-40B4-BE49-F238E27FC236}">
-                <a16:creationId xmlns:a16="http://schemas.microsoft.com/office/drawing/2014/main" xmlns="" id="{471F7CF0-A2D7-4EA0-ADF4-912A096FDC85}"/>
+                <a16:creationId xmlns="" xmlns:a16="http://schemas.microsoft.com/office/drawing/2014/main" id="{471F7CF0-A2D7-4EA0-ADF4-912A096FDC85}"/>
               </a:ext>
             </a:extLst>
           </p:cNvPr>
@@ -8951,7 +8319,7 @@
           <p:cNvPr id="7" name="Rectangle 6">
             <a:extLst>
               <a:ext uri="{FF2B5EF4-FFF2-40B4-BE49-F238E27FC236}">
-                <a16:creationId xmlns:a16="http://schemas.microsoft.com/office/drawing/2014/main" xmlns="" id="{09807426-59BD-40CF-9B1E-DBD71CFB9DD7}"/>
+                <a16:creationId xmlns="" xmlns:a16="http://schemas.microsoft.com/office/drawing/2014/main" id="{09807426-59BD-40CF-9B1E-DBD71CFB9DD7}"/>
               </a:ext>
             </a:extLst>
           </p:cNvPr>
@@ -9015,7 +8383,7 @@
           <p:cNvPr id="8" name="Rectangle 7">
             <a:extLst>
               <a:ext uri="{FF2B5EF4-FFF2-40B4-BE49-F238E27FC236}">
-                <a16:creationId xmlns:a16="http://schemas.microsoft.com/office/drawing/2014/main" xmlns="" id="{FFA960AE-B914-4E63-843C-726E25D849E0}"/>
+                <a16:creationId xmlns="" xmlns:a16="http://schemas.microsoft.com/office/drawing/2014/main" id="{FFA960AE-B914-4E63-843C-726E25D849E0}"/>
               </a:ext>
             </a:extLst>
           </p:cNvPr>
@@ -9079,7 +8447,7 @@
           <p:cNvPr id="9" name="Rectangle 8">
             <a:extLst>
               <a:ext uri="{FF2B5EF4-FFF2-40B4-BE49-F238E27FC236}">
-                <a16:creationId xmlns:a16="http://schemas.microsoft.com/office/drawing/2014/main" xmlns="" id="{85CFB1AE-B46D-45E0-94F3-AECAA7263D7B}"/>
+                <a16:creationId xmlns="" xmlns:a16="http://schemas.microsoft.com/office/drawing/2014/main" id="{85CFB1AE-B46D-45E0-94F3-AECAA7263D7B}"/>
               </a:ext>
             </a:extLst>
           </p:cNvPr>
@@ -9143,7 +8511,7 @@
           <p:cNvPr id="10" name="Rectangle 9">
             <a:extLst>
               <a:ext uri="{FF2B5EF4-FFF2-40B4-BE49-F238E27FC236}">
-                <a16:creationId xmlns:a16="http://schemas.microsoft.com/office/drawing/2014/main" xmlns="" id="{1B391BDD-F07B-4C67-9224-9651E39ECBE6}"/>
+                <a16:creationId xmlns="" xmlns:a16="http://schemas.microsoft.com/office/drawing/2014/main" id="{1B391BDD-F07B-4C67-9224-9651E39ECBE6}"/>
               </a:ext>
             </a:extLst>
           </p:cNvPr>
@@ -9207,7 +8575,7 @@
           <p:cNvPr id="11" name="Rectangle 10">
             <a:extLst>
               <a:ext uri="{FF2B5EF4-FFF2-40B4-BE49-F238E27FC236}">
-                <a16:creationId xmlns:a16="http://schemas.microsoft.com/office/drawing/2014/main" xmlns="" id="{15CC405D-9E93-479A-A34D-E0840ED42DAC}"/>
+                <a16:creationId xmlns="" xmlns:a16="http://schemas.microsoft.com/office/drawing/2014/main" id="{15CC405D-9E93-479A-A34D-E0840ED42DAC}"/>
               </a:ext>
             </a:extLst>
           </p:cNvPr>
@@ -9271,7 +8639,7 @@
           <p:cNvPr id="12" name="Rectangle 11">
             <a:extLst>
               <a:ext uri="{FF2B5EF4-FFF2-40B4-BE49-F238E27FC236}">
-                <a16:creationId xmlns:a16="http://schemas.microsoft.com/office/drawing/2014/main" xmlns="" id="{B709607D-1C76-4A19-B710-14FE5FDA7988}"/>
+                <a16:creationId xmlns="" xmlns:a16="http://schemas.microsoft.com/office/drawing/2014/main" id="{B709607D-1C76-4A19-B710-14FE5FDA7988}"/>
               </a:ext>
             </a:extLst>
           </p:cNvPr>
@@ -9335,7 +8703,7 @@
           <p:cNvPr id="13" name="Rectangle 12">
             <a:extLst>
               <a:ext uri="{FF2B5EF4-FFF2-40B4-BE49-F238E27FC236}">
-                <a16:creationId xmlns:a16="http://schemas.microsoft.com/office/drawing/2014/main" xmlns="" id="{EB43DC7D-D671-4514-9C81-8BFE5BD7E529}"/>
+                <a16:creationId xmlns="" xmlns:a16="http://schemas.microsoft.com/office/drawing/2014/main" id="{EB43DC7D-D671-4514-9C81-8BFE5BD7E529}"/>
               </a:ext>
             </a:extLst>
           </p:cNvPr>
@@ -9399,7 +8767,7 @@
           <p:cNvPr id="14" name="Rectangle 13">
             <a:extLst>
               <a:ext uri="{FF2B5EF4-FFF2-40B4-BE49-F238E27FC236}">
-                <a16:creationId xmlns:a16="http://schemas.microsoft.com/office/drawing/2014/main" xmlns="" id="{D110BA39-73DD-4B1E-BAFA-4A2874238410}"/>
+                <a16:creationId xmlns="" xmlns:a16="http://schemas.microsoft.com/office/drawing/2014/main" id="{D110BA39-73DD-4B1E-BAFA-4A2874238410}"/>
               </a:ext>
             </a:extLst>
           </p:cNvPr>
@@ -9463,7 +8831,7 @@
           <p:cNvPr id="15" name="Rectangle 14">
             <a:extLst>
               <a:ext uri="{FF2B5EF4-FFF2-40B4-BE49-F238E27FC236}">
-                <a16:creationId xmlns:a16="http://schemas.microsoft.com/office/drawing/2014/main" xmlns="" id="{C0EFE60D-70DC-4A1F-B1B2-CF4701557B76}"/>
+                <a16:creationId xmlns="" xmlns:a16="http://schemas.microsoft.com/office/drawing/2014/main" id="{C0EFE60D-70DC-4A1F-B1B2-CF4701557B76}"/>
               </a:ext>
             </a:extLst>
           </p:cNvPr>
@@ -9527,7 +8895,7 @@
           <p:cNvPr id="16" name="Rectangle 15">
             <a:extLst>
               <a:ext uri="{FF2B5EF4-FFF2-40B4-BE49-F238E27FC236}">
-                <a16:creationId xmlns:a16="http://schemas.microsoft.com/office/drawing/2014/main" xmlns="" id="{969F751B-50F2-4F3D-8906-7399F93F5988}"/>
+                <a16:creationId xmlns="" xmlns:a16="http://schemas.microsoft.com/office/drawing/2014/main" id="{969F751B-50F2-4F3D-8906-7399F93F5988}"/>
               </a:ext>
             </a:extLst>
           </p:cNvPr>
@@ -9591,7 +8959,7 @@
           <p:cNvPr id="17" name="Rectangle 16">
             <a:extLst>
               <a:ext uri="{FF2B5EF4-FFF2-40B4-BE49-F238E27FC236}">
-                <a16:creationId xmlns:a16="http://schemas.microsoft.com/office/drawing/2014/main" xmlns="" id="{E1EE4A63-195E-4F13-8952-73A7C7A166F6}"/>
+                <a16:creationId xmlns="" xmlns:a16="http://schemas.microsoft.com/office/drawing/2014/main" id="{E1EE4A63-195E-4F13-8952-73A7C7A166F6}"/>
               </a:ext>
             </a:extLst>
           </p:cNvPr>
@@ -9655,7 +9023,7 @@
           <p:cNvPr id="18" name="Rectangle 17">
             <a:extLst>
               <a:ext uri="{FF2B5EF4-FFF2-40B4-BE49-F238E27FC236}">
-                <a16:creationId xmlns:a16="http://schemas.microsoft.com/office/drawing/2014/main" xmlns="" id="{D3CE994F-D446-480C-830E-2B479874648A}"/>
+                <a16:creationId xmlns="" xmlns:a16="http://schemas.microsoft.com/office/drawing/2014/main" id="{D3CE994F-D446-480C-830E-2B479874648A}"/>
               </a:ext>
             </a:extLst>
           </p:cNvPr>
@@ -9724,11 +9092,11 @@
   <p:clrMapOvr>
     <a:masterClrMapping/>
   </p:clrMapOvr>
-  <mc:AlternateContent xmlns:mc="http://schemas.openxmlformats.org/markup-compatibility/2006">
-    <mc:Choice xmlns:p14="http://schemas.microsoft.com/office/powerpoint/2010/main" Requires="p14">
+  <mc:AlternateContent xmlns:mc="http://schemas.openxmlformats.org/markup-compatibility/2006" xmlns:p14="http://schemas.microsoft.com/office/powerpoint/2010/main">
+    <mc:Choice Requires="p14">
       <p:transition spd="slow" p14:dur="2000"/>
     </mc:Choice>
-    <mc:Fallback>
+    <mc:Fallback xmlns="">
       <p:transition spd="slow"/>
     </mc:Fallback>
   </mc:AlternateContent>
@@ -9772,10 +9140,10 @@
           <p:cNvPr id="8" name="Rectangle 7">
             <a:extLst>
               <a:ext uri="{FF2B5EF4-FFF2-40B4-BE49-F238E27FC236}">
-                <a16:creationId xmlns:a16="http://schemas.microsoft.com/office/drawing/2014/main" xmlns="" id="{3B854194-185D-494D-905C-7C7CB2E30F6E}"/>
+                <a16:creationId xmlns="" xmlns:a16="http://schemas.microsoft.com/office/drawing/2014/main" id="{3B854194-185D-494D-905C-7C7CB2E30F6E}"/>
               </a:ext>
               <a:ext uri="{C183D7F6-B498-43B3-948B-1728B52AA6E4}">
-                <adec:decorative xmlns:adec="http://schemas.microsoft.com/office/drawing/2017/decorative" xmlns="" val="1"/>
+                <adec:decorative xmlns="" xmlns:adec="http://schemas.microsoft.com/office/drawing/2017/decorative" val="1"/>
               </a:ext>
             </a:extLst>
           </p:cNvPr>
@@ -9785,7 +9153,7 @@
           <p:nvPr>
             <p:extLst>
               <p:ext uri="{386F3935-93C4-4BCD-93E2-E3B085C9AB24}">
-                <p16:designElem xmlns:p16="http://schemas.microsoft.com/office/powerpoint/2015/main" xmlns="" val="1"/>
+                <p16:designElem xmlns="" xmlns:p16="http://schemas.microsoft.com/office/powerpoint/2015/main" val="1"/>
               </p:ext>
             </p:extLst>
           </p:nvPr>
@@ -9832,10 +9200,10 @@
           <p:cNvPr id="10" name="Rectangle 9">
             <a:extLst>
               <a:ext uri="{FF2B5EF4-FFF2-40B4-BE49-F238E27FC236}">
-                <a16:creationId xmlns:a16="http://schemas.microsoft.com/office/drawing/2014/main" xmlns="" id="{B4F5FA0D-0104-4987-8241-EFF7C85B88DE}"/>
+                <a16:creationId xmlns="" xmlns:a16="http://schemas.microsoft.com/office/drawing/2014/main" id="{B4F5FA0D-0104-4987-8241-EFF7C85B88DE}"/>
               </a:ext>
               <a:ext uri="{C183D7F6-B498-43B3-948B-1728B52AA6E4}">
-                <adec:decorative xmlns:adec="http://schemas.microsoft.com/office/drawing/2017/decorative" xmlns="" val="1"/>
+                <adec:decorative xmlns="" xmlns:adec="http://schemas.microsoft.com/office/drawing/2017/decorative" val="1"/>
               </a:ext>
             </a:extLst>
           </p:cNvPr>
@@ -9845,7 +9213,7 @@
           <p:nvPr>
             <p:extLst>
               <p:ext uri="{386F3935-93C4-4BCD-93E2-E3B085C9AB24}">
-                <p16:designElem xmlns:p16="http://schemas.microsoft.com/office/powerpoint/2015/main" xmlns="" val="1"/>
+                <p16:designElem xmlns="" xmlns:p16="http://schemas.microsoft.com/office/powerpoint/2015/main" val="1"/>
               </p:ext>
             </p:extLst>
           </p:nvPr>
@@ -9917,10 +9285,10 @@
           <p:cNvPr id="12" name="Picture 11">
             <a:extLst>
               <a:ext uri="{FF2B5EF4-FFF2-40B4-BE49-F238E27FC236}">
-                <a16:creationId xmlns:a16="http://schemas.microsoft.com/office/drawing/2014/main" xmlns="" id="{2897127E-6CEF-446C-BE87-93B7C46E49D1}"/>
+                <a16:creationId xmlns="" xmlns:a16="http://schemas.microsoft.com/office/drawing/2014/main" id="{2897127E-6CEF-446C-BE87-93B7C46E49D1}"/>
               </a:ext>
               <a:ext uri="{C183D7F6-B498-43B3-948B-1728B52AA6E4}">
-                <adec:decorative xmlns:adec="http://schemas.microsoft.com/office/drawing/2017/decorative" xmlns="" val="1"/>
+                <adec:decorative xmlns="" xmlns:adec="http://schemas.microsoft.com/office/drawing/2017/decorative" val="1"/>
               </a:ext>
             </a:extLst>
           </p:cNvPr>
@@ -9930,7 +9298,7 @@
           <p:nvPr>
             <p:extLst>
               <p:ext uri="{386F3935-93C4-4BCD-93E2-E3B085C9AB24}">
-                <p16:designElem xmlns:p16="http://schemas.microsoft.com/office/powerpoint/2015/main" xmlns="" val="1"/>
+                <p16:designElem xmlns="" xmlns:p16="http://schemas.microsoft.com/office/powerpoint/2015/main" val="1"/>
               </p:ext>
             </p:extLst>
           </p:nvPr>
@@ -9962,7 +9330,7 @@
           <p:cNvPr id="2" name="Title 1">
             <a:extLst>
               <a:ext uri="{FF2B5EF4-FFF2-40B4-BE49-F238E27FC236}">
-                <a16:creationId xmlns:a16="http://schemas.microsoft.com/office/drawing/2014/main" xmlns="" id="{11571D7C-99F9-4A30-B5A2-A2988F091A34}"/>
+                <a16:creationId xmlns="" xmlns:a16="http://schemas.microsoft.com/office/drawing/2014/main" id="{11571D7C-99F9-4A30-B5A2-A2988F091A34}"/>
               </a:ext>
             </a:extLst>
           </p:cNvPr>
@@ -10003,7 +9371,7 @@
           <p:cNvPr id="3" name="Content Placeholder 2">
             <a:extLst>
               <a:ext uri="{FF2B5EF4-FFF2-40B4-BE49-F238E27FC236}">
-                <a16:creationId xmlns:a16="http://schemas.microsoft.com/office/drawing/2014/main" xmlns="" id="{114BDB89-D0C0-4AD8-941E-BFC9D031585F}"/>
+                <a16:creationId xmlns="" xmlns:a16="http://schemas.microsoft.com/office/drawing/2014/main" id="{114BDB89-D0C0-4AD8-941E-BFC9D031585F}"/>
               </a:ext>
             </a:extLst>
           </p:cNvPr>
@@ -10118,131 +9486,39 @@
           <a:chExt cx="0" cy="0"/>
         </a:xfrm>
       </p:grpSpPr>
-      <p:sp>
-        <p:nvSpPr>
-          <p:cNvPr id="18" name="Rectangle 14">
-            <a:extLst>
-              <a:ext uri="{FF2B5EF4-FFF2-40B4-BE49-F238E27FC236}">
-                <a16:creationId xmlns:a16="http://schemas.microsoft.com/office/drawing/2014/main" xmlns="" id="{30992ED3-FA99-4FAD-A3CA-2B9B3BB8B48E}"/>
-              </a:ext>
-              <a:ext uri="{C183D7F6-B498-43B3-948B-1728B52AA6E4}">
-                <adec:decorative xmlns:adec="http://schemas.microsoft.com/office/drawing/2017/decorative" xmlns="" val="1"/>
-              </a:ext>
-            </a:extLst>
-          </p:cNvPr>
-          <p:cNvSpPr>
-            <a:spLocks noGrp="1" noRot="1" noChangeAspect="1" noMove="1" noResize="1" noEditPoints="1" noAdjustHandles="1" noChangeArrowheads="1" noChangeShapeType="1" noTextEdit="1"/>
-          </p:cNvSpPr>
-          <p:nvPr>
-            <p:extLst>
-              <p:ext uri="{386F3935-93C4-4BCD-93E2-E3B085C9AB24}">
-                <p16:designElem xmlns:p16="http://schemas.microsoft.com/office/powerpoint/2015/main" xmlns="" val="1"/>
-              </p:ext>
-            </p:extLst>
-          </p:nvPr>
-        </p:nvSpPr>
-        <p:spPr>
+      <p:pic>
+        <p:nvPicPr>
+          <p:cNvPr id="8" name="Picture 7" descr="C:\Users\Administrator\Downloads\UML.png"/>
+          <p:cNvPicPr/>
+          <p:nvPr/>
+        </p:nvPicPr>
+        <p:blipFill>
+          <a:blip r:embed="rId2">
+            <a:extLst>
+              <a:ext uri="{28A0092B-C50C-407E-A947-70E740481C1C}">
+                <a14:useLocalDpi xmlns:a14="http://schemas.microsoft.com/office/drawing/2010/main" val="0"/>
+              </a:ext>
+            </a:extLst>
+          </a:blip>
+          <a:srcRect/>
+          <a:stretch>
+            <a:fillRect/>
+          </a:stretch>
+        </p:blipFill>
+        <p:spPr bwMode="auto">
           <a:xfrm>
-            <a:off x="8119870" y="643467"/>
-            <a:ext cx="3424430" cy="5573182"/>
+            <a:off x="824248" y="126856"/>
+            <a:ext cx="10303098" cy="6731143"/>
           </a:xfrm>
           <a:prstGeom prst="rect">
             <a:avLst/>
           </a:prstGeom>
-          <a:solidFill>
-            <a:schemeClr val="accent1"/>
-          </a:solidFill>
+          <a:noFill/>
           <a:ln>
             <a:noFill/>
           </a:ln>
-          <a:effectLst/>
         </p:spPr>
-        <p:style>
-          <a:lnRef idx="1">
-            <a:schemeClr val="accent1"/>
-          </a:lnRef>
-          <a:fillRef idx="3">
-            <a:schemeClr val="accent1"/>
-          </a:fillRef>
-          <a:effectRef idx="2">
-            <a:schemeClr val="accent1"/>
-          </a:effectRef>
-          <a:fontRef idx="minor">
-            <a:schemeClr val="lt1"/>
-          </a:fontRef>
-        </p:style>
-      </p:sp>
-      <p:sp>
-        <p:nvSpPr>
-          <p:cNvPr id="2" name="Title 1">
-            <a:extLst>
-              <a:ext uri="{FF2B5EF4-FFF2-40B4-BE49-F238E27FC236}">
-                <a16:creationId xmlns:a16="http://schemas.microsoft.com/office/drawing/2014/main" xmlns="" id="{30951DFF-88F9-40A2-A6C3-5114BA10C6B3}"/>
-              </a:ext>
-            </a:extLst>
-          </p:cNvPr>
-          <p:cNvSpPr>
-            <a:spLocks noGrp="1"/>
-          </p:cNvSpPr>
-          <p:nvPr>
-            <p:ph type="title"/>
-          </p:nvPr>
-        </p:nvSpPr>
-        <p:spPr>
-          <a:xfrm>
-            <a:off x="8384458" y="996950"/>
-            <a:ext cx="2969342" cy="5028490"/>
-          </a:xfrm>
-        </p:spPr>
-        <p:txBody>
-          <a:bodyPr anchor="ctr">
-            <a:normAutofit/>
-          </a:bodyPr>
-          <a:lstStyle/>
-          <a:p>
-            <a:r>
-              <a:rPr lang="en-US" dirty="0">
-                <a:solidFill>
-                  <a:srgbClr val="FFFFFF"/>
-                </a:solidFill>
-              </a:rPr>
-              <a:t>Use case diagrams</a:t>
-            </a:r>
-          </a:p>
-        </p:txBody>
-      </p:sp>
-      <p:sp>
-        <p:nvSpPr>
-          <p:cNvPr id="12" name="Content Placeholder 11">
-            <a:extLst>
-              <a:ext uri="{FF2B5EF4-FFF2-40B4-BE49-F238E27FC236}">
-                <a16:creationId xmlns:a16="http://schemas.microsoft.com/office/drawing/2014/main" xmlns="" id="{7EBD4ECD-2EE9-420E-9D44-D45149D5A314}"/>
-              </a:ext>
-            </a:extLst>
-          </p:cNvPr>
-          <p:cNvSpPr>
-            <a:spLocks noGrp="1"/>
-          </p:cNvSpPr>
-          <p:nvPr>
-            <p:ph idx="1"/>
-          </p:nvPr>
-        </p:nvSpPr>
-        <p:spPr>
-          <a:xfrm>
-            <a:off x="814339" y="5200174"/>
-            <a:ext cx="6930352" cy="1014358"/>
-          </a:xfrm>
-        </p:spPr>
-        <p:txBody>
-          <a:bodyPr>
-            <a:normAutofit/>
-          </a:bodyPr>
-          <a:lstStyle/>
-          <a:p>
-            <a:endParaRPr lang="en-US" sz="2400" dirty="0"/>
-          </a:p>
-        </p:txBody>
-      </p:sp>
+      </p:pic>
     </p:spTree>
     <p:extLst>
       <p:ext uri="{BB962C8B-B14F-4D97-AF65-F5344CB8AC3E}">
@@ -10397,10 +9673,10 @@
           <p:cNvPr id="8" name="Rectangle 7">
             <a:extLst>
               <a:ext uri="{FF2B5EF4-FFF2-40B4-BE49-F238E27FC236}">
-                <a16:creationId xmlns:a16="http://schemas.microsoft.com/office/drawing/2014/main" xmlns="" id="{15911E3A-C35B-4EF7-A355-B84E9A14AF4D}"/>
+                <a16:creationId xmlns="" xmlns:a16="http://schemas.microsoft.com/office/drawing/2014/main" id="{15911E3A-C35B-4EF7-A355-B84E9A14AF4D}"/>
               </a:ext>
               <a:ext uri="{C183D7F6-B498-43B3-948B-1728B52AA6E4}">
-                <adec:decorative xmlns:adec="http://schemas.microsoft.com/office/drawing/2017/decorative" xmlns="" val="1"/>
+                <adec:decorative xmlns="" xmlns:adec="http://schemas.microsoft.com/office/drawing/2017/decorative" val="1"/>
               </a:ext>
             </a:extLst>
           </p:cNvPr>
@@ -10410,7 +9686,7 @@
           <p:nvPr>
             <p:extLst>
               <p:ext uri="{386F3935-93C4-4BCD-93E2-E3B085C9AB24}">
-                <p16:designElem xmlns:p16="http://schemas.microsoft.com/office/powerpoint/2015/main" xmlns="" val="1"/>
+                <p16:designElem xmlns="" xmlns:p16="http://schemas.microsoft.com/office/powerpoint/2015/main" val="1"/>
               </p:ext>
             </p:extLst>
           </p:nvPr>
@@ -10486,10 +9762,10 @@
           <p:cNvPr id="10" name="Group 9">
             <a:extLst>
               <a:ext uri="{FF2B5EF4-FFF2-40B4-BE49-F238E27FC236}">
-                <a16:creationId xmlns:a16="http://schemas.microsoft.com/office/drawing/2014/main" xmlns="" id="{E21ADB3D-AD65-44B4-847D-5E90E90A5D16}"/>
+                <a16:creationId xmlns="" xmlns:a16="http://schemas.microsoft.com/office/drawing/2014/main" id="{E21ADB3D-AD65-44B4-847D-5E90E90A5D16}"/>
               </a:ext>
               <a:ext uri="{C183D7F6-B498-43B3-948B-1728B52AA6E4}">
-                <adec:decorative xmlns:adec="http://schemas.microsoft.com/office/drawing/2017/decorative" xmlns="" val="1"/>
+                <adec:decorative xmlns="" xmlns:adec="http://schemas.microsoft.com/office/drawing/2017/decorative" val="1"/>
               </a:ext>
             </a:extLst>
           </p:cNvPr>
@@ -10499,7 +9775,7 @@
           <p:nvPr>
             <p:extLst>
               <p:ext uri="{386F3935-93C4-4BCD-93E2-E3B085C9AB24}">
-                <p16:designElem xmlns:p16="http://schemas.microsoft.com/office/powerpoint/2015/main" xmlns="" val="1"/>
+                <p16:designElem xmlns="" xmlns:p16="http://schemas.microsoft.com/office/powerpoint/2015/main" val="1"/>
               </p:ext>
             </p:extLst>
           </p:nvPr>
@@ -10517,10 +9793,10 @@
             <p:cNvPr id="11" name="Freeform 5">
               <a:extLst>
                 <a:ext uri="{FF2B5EF4-FFF2-40B4-BE49-F238E27FC236}">
-                  <a16:creationId xmlns:a16="http://schemas.microsoft.com/office/drawing/2014/main" xmlns="" id="{CF580C70-814C-4845-B645-919BFFBD16BA}"/>
+                  <a16:creationId xmlns="" xmlns:a16="http://schemas.microsoft.com/office/drawing/2014/main" id="{CF580C70-814C-4845-B645-919BFFBD16BA}"/>
                 </a:ext>
                 <a:ext uri="{C183D7F6-B498-43B3-948B-1728B52AA6E4}">
-                  <adec:decorative xmlns:adec="http://schemas.microsoft.com/office/drawing/2017/decorative" xmlns="" val="1"/>
+                  <adec:decorative xmlns="" xmlns:adec="http://schemas.microsoft.com/office/drawing/2017/decorative" val="1"/>
                 </a:ext>
               </a:extLst>
             </p:cNvPr>
@@ -10528,7 +9804,7 @@
             <p:nvPr>
               <p:extLst>
                 <p:ext uri="{386F3935-93C4-4BCD-93E2-E3B085C9AB24}">
-                  <p16:designElem xmlns:p16="http://schemas.microsoft.com/office/powerpoint/2015/main" xmlns="" val="1"/>
+                  <p16:designElem xmlns="" xmlns:p16="http://schemas.microsoft.com/office/powerpoint/2015/main" val="1"/>
                 </p:ext>
               </p:extLst>
             </p:nvPr>
@@ -10585,10 +9861,10 @@
             <p:cNvPr id="12" name="Freeform 6">
               <a:extLst>
                 <a:ext uri="{FF2B5EF4-FFF2-40B4-BE49-F238E27FC236}">
-                  <a16:creationId xmlns:a16="http://schemas.microsoft.com/office/drawing/2014/main" xmlns="" id="{34D7BF57-4CAA-45B2-9EF0-0AA1FCF70B16}"/>
+                  <a16:creationId xmlns="" xmlns:a16="http://schemas.microsoft.com/office/drawing/2014/main" id="{34D7BF57-4CAA-45B2-9EF0-0AA1FCF70B16}"/>
                 </a:ext>
                 <a:ext uri="{C183D7F6-B498-43B3-948B-1728B52AA6E4}">
-                  <adec:decorative xmlns:adec="http://schemas.microsoft.com/office/drawing/2017/decorative" xmlns="" val="1"/>
+                  <adec:decorative xmlns="" xmlns:adec="http://schemas.microsoft.com/office/drawing/2017/decorative" val="1"/>
                 </a:ext>
               </a:extLst>
             </p:cNvPr>
@@ -10596,7 +9872,7 @@
             <p:nvPr>
               <p:extLst>
                 <p:ext uri="{386F3935-93C4-4BCD-93E2-E3B085C9AB24}">
-                  <p16:designElem xmlns:p16="http://schemas.microsoft.com/office/powerpoint/2015/main" xmlns="" val="1"/>
+                  <p16:designElem xmlns="" xmlns:p16="http://schemas.microsoft.com/office/powerpoint/2015/main" val="1"/>
                 </p:ext>
               </p:extLst>
             </p:nvPr>
@@ -10653,10 +9929,10 @@
             <p:cNvPr id="13" name="Freeform 7">
               <a:extLst>
                 <a:ext uri="{FF2B5EF4-FFF2-40B4-BE49-F238E27FC236}">
-                  <a16:creationId xmlns:a16="http://schemas.microsoft.com/office/drawing/2014/main" xmlns="" id="{7886F306-C03A-40C6-8FD5-DCE3D4595D6D}"/>
+                  <a16:creationId xmlns="" xmlns:a16="http://schemas.microsoft.com/office/drawing/2014/main" id="{7886F306-C03A-40C6-8FD5-DCE3D4595D6D}"/>
                 </a:ext>
                 <a:ext uri="{C183D7F6-B498-43B3-948B-1728B52AA6E4}">
-                  <adec:decorative xmlns:adec="http://schemas.microsoft.com/office/drawing/2017/decorative" xmlns="" val="1"/>
+                  <adec:decorative xmlns="" xmlns:adec="http://schemas.microsoft.com/office/drawing/2017/decorative" val="1"/>
                 </a:ext>
               </a:extLst>
             </p:cNvPr>
@@ -10664,7 +9940,7 @@
             <p:nvPr>
               <p:extLst>
                 <p:ext uri="{386F3935-93C4-4BCD-93E2-E3B085C9AB24}">
-                  <p16:designElem xmlns:p16="http://schemas.microsoft.com/office/powerpoint/2015/main" xmlns="" val="1"/>
+                  <p16:designElem xmlns="" xmlns:p16="http://schemas.microsoft.com/office/powerpoint/2015/main" val="1"/>
                 </p:ext>
               </p:extLst>
             </p:nvPr>
@@ -10721,10 +9997,10 @@
             <p:cNvPr id="14" name="Freeform 8">
               <a:extLst>
                 <a:ext uri="{FF2B5EF4-FFF2-40B4-BE49-F238E27FC236}">
-                  <a16:creationId xmlns:a16="http://schemas.microsoft.com/office/drawing/2014/main" xmlns="" id="{2FDC9A36-C7C3-47D7-A64E-ED25C47EC704}"/>
+                  <a16:creationId xmlns="" xmlns:a16="http://schemas.microsoft.com/office/drawing/2014/main" id="{2FDC9A36-C7C3-47D7-A64E-ED25C47EC704}"/>
                 </a:ext>
                 <a:ext uri="{C183D7F6-B498-43B3-948B-1728B52AA6E4}">
-                  <adec:decorative xmlns:adec="http://schemas.microsoft.com/office/drawing/2017/decorative" xmlns="" val="1"/>
+                  <adec:decorative xmlns="" xmlns:adec="http://schemas.microsoft.com/office/drawing/2017/decorative" val="1"/>
                 </a:ext>
               </a:extLst>
             </p:cNvPr>
@@ -10732,7 +10008,7 @@
             <p:nvPr>
               <p:extLst>
                 <p:ext uri="{386F3935-93C4-4BCD-93E2-E3B085C9AB24}">
-                  <p16:designElem xmlns:p16="http://schemas.microsoft.com/office/powerpoint/2015/main" xmlns="" val="1"/>
+                  <p16:designElem xmlns="" xmlns:p16="http://schemas.microsoft.com/office/powerpoint/2015/main" val="1"/>
                 </p:ext>
               </p:extLst>
             </p:nvPr>
@@ -10789,10 +10065,10 @@
             <p:cNvPr id="15" name="Freeform 9">
               <a:extLst>
                 <a:ext uri="{FF2B5EF4-FFF2-40B4-BE49-F238E27FC236}">
-                  <a16:creationId xmlns:a16="http://schemas.microsoft.com/office/drawing/2014/main" xmlns="" id="{BB19BC37-158A-43DC-9A9E-E45CC71954DC}"/>
+                  <a16:creationId xmlns="" xmlns:a16="http://schemas.microsoft.com/office/drawing/2014/main" id="{BB19BC37-158A-43DC-9A9E-E45CC71954DC}"/>
                 </a:ext>
                 <a:ext uri="{C183D7F6-B498-43B3-948B-1728B52AA6E4}">
-                  <adec:decorative xmlns:adec="http://schemas.microsoft.com/office/drawing/2017/decorative" xmlns="" val="1"/>
+                  <adec:decorative xmlns="" xmlns:adec="http://schemas.microsoft.com/office/drawing/2017/decorative" val="1"/>
                 </a:ext>
               </a:extLst>
             </p:cNvPr>
@@ -10800,7 +10076,7 @@
             <p:nvPr>
               <p:extLst>
                 <p:ext uri="{386F3935-93C4-4BCD-93E2-E3B085C9AB24}">
-                  <p16:designElem xmlns:p16="http://schemas.microsoft.com/office/powerpoint/2015/main" xmlns="" val="1"/>
+                  <p16:designElem xmlns="" xmlns:p16="http://schemas.microsoft.com/office/powerpoint/2015/main" val="1"/>
                 </p:ext>
               </p:extLst>
             </p:nvPr>
@@ -10857,10 +10133,10 @@
             <p:cNvPr id="16" name="Freeform 10">
               <a:extLst>
                 <a:ext uri="{FF2B5EF4-FFF2-40B4-BE49-F238E27FC236}">
-                  <a16:creationId xmlns:a16="http://schemas.microsoft.com/office/drawing/2014/main" xmlns="" id="{077654CC-108F-48D5-B5E9-437F164F52A5}"/>
+                  <a16:creationId xmlns="" xmlns:a16="http://schemas.microsoft.com/office/drawing/2014/main" id="{077654CC-108F-48D5-B5E9-437F164F52A5}"/>
                 </a:ext>
                 <a:ext uri="{C183D7F6-B498-43B3-948B-1728B52AA6E4}">
-                  <adec:decorative xmlns:adec="http://schemas.microsoft.com/office/drawing/2017/decorative" xmlns="" val="1"/>
+                  <adec:decorative xmlns="" xmlns:adec="http://schemas.microsoft.com/office/drawing/2017/decorative" val="1"/>
                 </a:ext>
               </a:extLst>
             </p:cNvPr>
@@ -10868,7 +10144,7 @@
             <p:nvPr>
               <p:extLst>
                 <p:ext uri="{386F3935-93C4-4BCD-93E2-E3B085C9AB24}">
-                  <p16:designElem xmlns:p16="http://schemas.microsoft.com/office/powerpoint/2015/main" xmlns="" val="1"/>
+                  <p16:designElem xmlns="" xmlns:p16="http://schemas.microsoft.com/office/powerpoint/2015/main" val="1"/>
                 </p:ext>
               </p:extLst>
             </p:nvPr>
@@ -10925,10 +10201,10 @@
             <p:cNvPr id="17" name="Freeform 11">
               <a:extLst>
                 <a:ext uri="{FF2B5EF4-FFF2-40B4-BE49-F238E27FC236}">
-                  <a16:creationId xmlns:a16="http://schemas.microsoft.com/office/drawing/2014/main" xmlns="" id="{A3CF3A63-1C1E-4E85-A78A-FDC16431E3A0}"/>
+                  <a16:creationId xmlns="" xmlns:a16="http://schemas.microsoft.com/office/drawing/2014/main" id="{A3CF3A63-1C1E-4E85-A78A-FDC16431E3A0}"/>
                 </a:ext>
                 <a:ext uri="{C183D7F6-B498-43B3-948B-1728B52AA6E4}">
-                  <adec:decorative xmlns:adec="http://schemas.microsoft.com/office/drawing/2017/decorative" xmlns="" val="1"/>
+                  <adec:decorative xmlns="" xmlns:adec="http://schemas.microsoft.com/office/drawing/2017/decorative" val="1"/>
                 </a:ext>
               </a:extLst>
             </p:cNvPr>
@@ -10936,7 +10212,7 @@
             <p:nvPr>
               <p:extLst>
                 <p:ext uri="{386F3935-93C4-4BCD-93E2-E3B085C9AB24}">
-                  <p16:designElem xmlns:p16="http://schemas.microsoft.com/office/powerpoint/2015/main" xmlns="" val="1"/>
+                  <p16:designElem xmlns="" xmlns:p16="http://schemas.microsoft.com/office/powerpoint/2015/main" val="1"/>
                 </p:ext>
               </p:extLst>
             </p:nvPr>
@@ -10993,10 +10269,10 @@
             <p:cNvPr id="18" name="Freeform 12">
               <a:extLst>
                 <a:ext uri="{FF2B5EF4-FFF2-40B4-BE49-F238E27FC236}">
-                  <a16:creationId xmlns:a16="http://schemas.microsoft.com/office/drawing/2014/main" xmlns="" id="{8740FC9A-72DD-4D9B-BA25-1CCED1352408}"/>
+                  <a16:creationId xmlns="" xmlns:a16="http://schemas.microsoft.com/office/drawing/2014/main" id="{8740FC9A-72DD-4D9B-BA25-1CCED1352408}"/>
                 </a:ext>
                 <a:ext uri="{C183D7F6-B498-43B3-948B-1728B52AA6E4}">
-                  <adec:decorative xmlns:adec="http://schemas.microsoft.com/office/drawing/2017/decorative" xmlns="" val="1"/>
+                  <adec:decorative xmlns="" xmlns:adec="http://schemas.microsoft.com/office/drawing/2017/decorative" val="1"/>
                 </a:ext>
               </a:extLst>
             </p:cNvPr>
@@ -11004,7 +10280,7 @@
             <p:nvPr>
               <p:extLst>
                 <p:ext uri="{386F3935-93C4-4BCD-93E2-E3B085C9AB24}">
-                  <p16:designElem xmlns:p16="http://schemas.microsoft.com/office/powerpoint/2015/main" xmlns="" val="1"/>
+                  <p16:designElem xmlns="" xmlns:p16="http://schemas.microsoft.com/office/powerpoint/2015/main" val="1"/>
                 </p:ext>
               </p:extLst>
             </p:nvPr>
@@ -11061,10 +10337,10 @@
             <p:cNvPr id="19" name="Freeform 13">
               <a:extLst>
                 <a:ext uri="{FF2B5EF4-FFF2-40B4-BE49-F238E27FC236}">
-                  <a16:creationId xmlns:a16="http://schemas.microsoft.com/office/drawing/2014/main" xmlns="" id="{7FBF5743-F2AE-4D0D-BCD1-01F7686D012A}"/>
+                  <a16:creationId xmlns="" xmlns:a16="http://schemas.microsoft.com/office/drawing/2014/main" id="{7FBF5743-F2AE-4D0D-BCD1-01F7686D012A}"/>
                 </a:ext>
                 <a:ext uri="{C183D7F6-B498-43B3-948B-1728B52AA6E4}">
-                  <adec:decorative xmlns:adec="http://schemas.microsoft.com/office/drawing/2017/decorative" xmlns="" val="1"/>
+                  <adec:decorative xmlns="" xmlns:adec="http://schemas.microsoft.com/office/drawing/2017/decorative" val="1"/>
                 </a:ext>
               </a:extLst>
             </p:cNvPr>
@@ -11072,7 +10348,7 @@
             <p:nvPr>
               <p:extLst>
                 <p:ext uri="{386F3935-93C4-4BCD-93E2-E3B085C9AB24}">
-                  <p16:designElem xmlns:p16="http://schemas.microsoft.com/office/powerpoint/2015/main" xmlns="" val="1"/>
+                  <p16:designElem xmlns="" xmlns:p16="http://schemas.microsoft.com/office/powerpoint/2015/main" val="1"/>
                 </p:ext>
               </p:extLst>
             </p:nvPr>
@@ -11129,10 +10405,10 @@
             <p:cNvPr id="20" name="Freeform 14">
               <a:extLst>
                 <a:ext uri="{FF2B5EF4-FFF2-40B4-BE49-F238E27FC236}">
-                  <a16:creationId xmlns:a16="http://schemas.microsoft.com/office/drawing/2014/main" xmlns="" id="{CED32316-D4F7-4795-BBE0-DEBB60E27CE3}"/>
+                  <a16:creationId xmlns="" xmlns:a16="http://schemas.microsoft.com/office/drawing/2014/main" id="{CED32316-D4F7-4795-BBE0-DEBB60E27CE3}"/>
                 </a:ext>
                 <a:ext uri="{C183D7F6-B498-43B3-948B-1728B52AA6E4}">
-                  <adec:decorative xmlns:adec="http://schemas.microsoft.com/office/drawing/2017/decorative" xmlns="" val="1"/>
+                  <adec:decorative xmlns="" xmlns:adec="http://schemas.microsoft.com/office/drawing/2017/decorative" val="1"/>
                 </a:ext>
               </a:extLst>
             </p:cNvPr>
@@ -11140,7 +10416,7 @@
             <p:nvPr>
               <p:extLst>
                 <p:ext uri="{386F3935-93C4-4BCD-93E2-E3B085C9AB24}">
-                  <p16:designElem xmlns:p16="http://schemas.microsoft.com/office/powerpoint/2015/main" xmlns="" val="1"/>
+                  <p16:designElem xmlns="" xmlns:p16="http://schemas.microsoft.com/office/powerpoint/2015/main" val="1"/>
                 </p:ext>
               </p:extLst>
             </p:nvPr>
@@ -11197,10 +10473,10 @@
             <p:cNvPr id="21" name="Freeform 15">
               <a:extLst>
                 <a:ext uri="{FF2B5EF4-FFF2-40B4-BE49-F238E27FC236}">
-                  <a16:creationId xmlns:a16="http://schemas.microsoft.com/office/drawing/2014/main" xmlns="" id="{583B23C9-B9B7-4E93-9538-CBE316F83FDD}"/>
+                  <a16:creationId xmlns="" xmlns:a16="http://schemas.microsoft.com/office/drawing/2014/main" id="{583B23C9-B9B7-4E93-9538-CBE316F83FDD}"/>
                 </a:ext>
                 <a:ext uri="{C183D7F6-B498-43B3-948B-1728B52AA6E4}">
-                  <adec:decorative xmlns:adec="http://schemas.microsoft.com/office/drawing/2017/decorative" xmlns="" val="1"/>
+                  <adec:decorative xmlns="" xmlns:adec="http://schemas.microsoft.com/office/drawing/2017/decorative" val="1"/>
                 </a:ext>
               </a:extLst>
             </p:cNvPr>
@@ -11208,7 +10484,7 @@
             <p:nvPr>
               <p:extLst>
                 <p:ext uri="{386F3935-93C4-4BCD-93E2-E3B085C9AB24}">
-                  <p16:designElem xmlns:p16="http://schemas.microsoft.com/office/powerpoint/2015/main" xmlns="" val="1"/>
+                  <p16:designElem xmlns="" xmlns:p16="http://schemas.microsoft.com/office/powerpoint/2015/main" val="1"/>
                 </p:ext>
               </p:extLst>
             </p:nvPr>
@@ -11265,10 +10541,10 @@
             <p:cNvPr id="22" name="Freeform 16">
               <a:extLst>
                 <a:ext uri="{FF2B5EF4-FFF2-40B4-BE49-F238E27FC236}">
-                  <a16:creationId xmlns:a16="http://schemas.microsoft.com/office/drawing/2014/main" xmlns="" id="{5B144260-9F2C-4ADB-A37C-1CFB4B428B1B}"/>
+                  <a16:creationId xmlns="" xmlns:a16="http://schemas.microsoft.com/office/drawing/2014/main" id="{5B144260-9F2C-4ADB-A37C-1CFB4B428B1B}"/>
                 </a:ext>
                 <a:ext uri="{C183D7F6-B498-43B3-948B-1728B52AA6E4}">
-                  <adec:decorative xmlns:adec="http://schemas.microsoft.com/office/drawing/2017/decorative" xmlns="" val="1"/>
+                  <adec:decorative xmlns="" xmlns:adec="http://schemas.microsoft.com/office/drawing/2017/decorative" val="1"/>
                 </a:ext>
               </a:extLst>
             </p:cNvPr>
@@ -11276,7 +10552,7 @@
             <p:nvPr>
               <p:extLst>
                 <p:ext uri="{386F3935-93C4-4BCD-93E2-E3B085C9AB24}">
-                  <p16:designElem xmlns:p16="http://schemas.microsoft.com/office/powerpoint/2015/main" xmlns="" val="1"/>
+                  <p16:designElem xmlns="" xmlns:p16="http://schemas.microsoft.com/office/powerpoint/2015/main" val="1"/>
                 </p:ext>
               </p:extLst>
             </p:nvPr>
@@ -11333,10 +10609,10 @@
             <p:cNvPr id="23" name="Freeform 17">
               <a:extLst>
                 <a:ext uri="{FF2B5EF4-FFF2-40B4-BE49-F238E27FC236}">
-                  <a16:creationId xmlns:a16="http://schemas.microsoft.com/office/drawing/2014/main" xmlns="" id="{53FF918D-79D3-4F55-A68C-0DD5880DABDF}"/>
+                  <a16:creationId xmlns="" xmlns:a16="http://schemas.microsoft.com/office/drawing/2014/main" id="{53FF918D-79D3-4F55-A68C-0DD5880DABDF}"/>
                 </a:ext>
                 <a:ext uri="{C183D7F6-B498-43B3-948B-1728B52AA6E4}">
-                  <adec:decorative xmlns:adec="http://schemas.microsoft.com/office/drawing/2017/decorative" xmlns="" val="1"/>
+                  <adec:decorative xmlns="" xmlns:adec="http://schemas.microsoft.com/office/drawing/2017/decorative" val="1"/>
                 </a:ext>
               </a:extLst>
             </p:cNvPr>
@@ -11344,7 +10620,7 @@
             <p:nvPr>
               <p:extLst>
                 <p:ext uri="{386F3935-93C4-4BCD-93E2-E3B085C9AB24}">
-                  <p16:designElem xmlns:p16="http://schemas.microsoft.com/office/powerpoint/2015/main" xmlns="" val="1"/>
+                  <p16:designElem xmlns="" xmlns:p16="http://schemas.microsoft.com/office/powerpoint/2015/main" val="1"/>
                 </p:ext>
               </p:extLst>
             </p:nvPr>
@@ -11401,10 +10677,10 @@
             <p:cNvPr id="24" name="Freeform 18">
               <a:extLst>
                 <a:ext uri="{FF2B5EF4-FFF2-40B4-BE49-F238E27FC236}">
-                  <a16:creationId xmlns:a16="http://schemas.microsoft.com/office/drawing/2014/main" xmlns="" id="{B9FC1440-933F-44FE-8D77-4827DD0F99A5}"/>
+                  <a16:creationId xmlns="" xmlns:a16="http://schemas.microsoft.com/office/drawing/2014/main" id="{B9FC1440-933F-44FE-8D77-4827DD0F99A5}"/>
                 </a:ext>
                 <a:ext uri="{C183D7F6-B498-43B3-948B-1728B52AA6E4}">
-                  <adec:decorative xmlns:adec="http://schemas.microsoft.com/office/drawing/2017/decorative" xmlns="" val="1"/>
+                  <adec:decorative xmlns="" xmlns:adec="http://schemas.microsoft.com/office/drawing/2017/decorative" val="1"/>
                 </a:ext>
               </a:extLst>
             </p:cNvPr>
@@ -11412,7 +10688,7 @@
             <p:nvPr>
               <p:extLst>
                 <p:ext uri="{386F3935-93C4-4BCD-93E2-E3B085C9AB24}">
-                  <p16:designElem xmlns:p16="http://schemas.microsoft.com/office/powerpoint/2015/main" xmlns="" val="1"/>
+                  <p16:designElem xmlns="" xmlns:p16="http://schemas.microsoft.com/office/powerpoint/2015/main" val="1"/>
                 </p:ext>
               </p:extLst>
             </p:nvPr>
@@ -11469,10 +10745,10 @@
             <p:cNvPr id="25" name="Freeform 19">
               <a:extLst>
                 <a:ext uri="{FF2B5EF4-FFF2-40B4-BE49-F238E27FC236}">
-                  <a16:creationId xmlns:a16="http://schemas.microsoft.com/office/drawing/2014/main" xmlns="" id="{0F67F308-A67C-4D2E-B081-59BB31D8EC50}"/>
+                  <a16:creationId xmlns="" xmlns:a16="http://schemas.microsoft.com/office/drawing/2014/main" id="{0F67F308-A67C-4D2E-B081-59BB31D8EC50}"/>
                 </a:ext>
                 <a:ext uri="{C183D7F6-B498-43B3-948B-1728B52AA6E4}">
-                  <adec:decorative xmlns:adec="http://schemas.microsoft.com/office/drawing/2017/decorative" xmlns="" val="1"/>
+                  <adec:decorative xmlns="" xmlns:adec="http://schemas.microsoft.com/office/drawing/2017/decorative" val="1"/>
                 </a:ext>
               </a:extLst>
             </p:cNvPr>
@@ -11480,7 +10756,7 @@
             <p:nvPr>
               <p:extLst>
                 <p:ext uri="{386F3935-93C4-4BCD-93E2-E3B085C9AB24}">
-                  <p16:designElem xmlns:p16="http://schemas.microsoft.com/office/powerpoint/2015/main" xmlns="" val="1"/>
+                  <p16:designElem xmlns="" xmlns:p16="http://schemas.microsoft.com/office/powerpoint/2015/main" val="1"/>
                 </p:ext>
               </p:extLst>
             </p:nvPr>
@@ -11537,10 +10813,10 @@
             <p:cNvPr id="26" name="Freeform 20">
               <a:extLst>
                 <a:ext uri="{FF2B5EF4-FFF2-40B4-BE49-F238E27FC236}">
-                  <a16:creationId xmlns:a16="http://schemas.microsoft.com/office/drawing/2014/main" xmlns="" id="{80112F01-90EB-4AEC-A39C-5C6875FFB99B}"/>
+                  <a16:creationId xmlns="" xmlns:a16="http://schemas.microsoft.com/office/drawing/2014/main" id="{80112F01-90EB-4AEC-A39C-5C6875FFB99B}"/>
                 </a:ext>
                 <a:ext uri="{C183D7F6-B498-43B3-948B-1728B52AA6E4}">
-                  <adec:decorative xmlns:adec="http://schemas.microsoft.com/office/drawing/2017/decorative" xmlns="" val="1"/>
+                  <adec:decorative xmlns="" xmlns:adec="http://schemas.microsoft.com/office/drawing/2017/decorative" val="1"/>
                 </a:ext>
               </a:extLst>
             </p:cNvPr>
@@ -11548,7 +10824,7 @@
             <p:nvPr>
               <p:extLst>
                 <p:ext uri="{386F3935-93C4-4BCD-93E2-E3B085C9AB24}">
-                  <p16:designElem xmlns:p16="http://schemas.microsoft.com/office/powerpoint/2015/main" xmlns="" val="1"/>
+                  <p16:designElem xmlns="" xmlns:p16="http://schemas.microsoft.com/office/powerpoint/2015/main" val="1"/>
                 </p:ext>
               </p:extLst>
             </p:nvPr>
@@ -11605,10 +10881,10 @@
             <p:cNvPr id="27" name="Freeform 21">
               <a:extLst>
                 <a:ext uri="{FF2B5EF4-FFF2-40B4-BE49-F238E27FC236}">
-                  <a16:creationId xmlns:a16="http://schemas.microsoft.com/office/drawing/2014/main" xmlns="" id="{893F6B05-90EB-4C75-A0F0-C7247553BD81}"/>
+                  <a16:creationId xmlns="" xmlns:a16="http://schemas.microsoft.com/office/drawing/2014/main" id="{893F6B05-90EB-4C75-A0F0-C7247553BD81}"/>
                 </a:ext>
                 <a:ext uri="{C183D7F6-B498-43B3-948B-1728B52AA6E4}">
-                  <adec:decorative xmlns:adec="http://schemas.microsoft.com/office/drawing/2017/decorative" xmlns="" val="1"/>
+                  <adec:decorative xmlns="" xmlns:adec="http://schemas.microsoft.com/office/drawing/2017/decorative" val="1"/>
                 </a:ext>
               </a:extLst>
             </p:cNvPr>
@@ -11616,7 +10892,7 @@
             <p:nvPr>
               <p:extLst>
                 <p:ext uri="{386F3935-93C4-4BCD-93E2-E3B085C9AB24}">
-                  <p16:designElem xmlns:p16="http://schemas.microsoft.com/office/powerpoint/2015/main" xmlns="" val="1"/>
+                  <p16:designElem xmlns="" xmlns:p16="http://schemas.microsoft.com/office/powerpoint/2015/main" val="1"/>
                 </p:ext>
               </p:extLst>
             </p:nvPr>
@@ -11673,10 +10949,10 @@
             <p:cNvPr id="28" name="Freeform 22">
               <a:extLst>
                 <a:ext uri="{FF2B5EF4-FFF2-40B4-BE49-F238E27FC236}">
-                  <a16:creationId xmlns:a16="http://schemas.microsoft.com/office/drawing/2014/main" xmlns="" id="{227B563B-E0C0-4D81-966D-B5E2DBAAE8B5}"/>
+                  <a16:creationId xmlns="" xmlns:a16="http://schemas.microsoft.com/office/drawing/2014/main" id="{227B563B-E0C0-4D81-966D-B5E2DBAAE8B5}"/>
                 </a:ext>
                 <a:ext uri="{C183D7F6-B498-43B3-948B-1728B52AA6E4}">
-                  <adec:decorative xmlns:adec="http://schemas.microsoft.com/office/drawing/2017/decorative" xmlns="" val="1"/>
+                  <adec:decorative xmlns="" xmlns:adec="http://schemas.microsoft.com/office/drawing/2017/decorative" val="1"/>
                 </a:ext>
               </a:extLst>
             </p:cNvPr>
@@ -11684,7 +10960,7 @@
             <p:nvPr>
               <p:extLst>
                 <p:ext uri="{386F3935-93C4-4BCD-93E2-E3B085C9AB24}">
-                  <p16:designElem xmlns:p16="http://schemas.microsoft.com/office/powerpoint/2015/main" xmlns="" val="1"/>
+                  <p16:designElem xmlns="" xmlns:p16="http://schemas.microsoft.com/office/powerpoint/2015/main" val="1"/>
                 </p:ext>
               </p:extLst>
             </p:nvPr>
@@ -11741,10 +11017,10 @@
             <p:cNvPr id="29" name="Freeform 23">
               <a:extLst>
                 <a:ext uri="{FF2B5EF4-FFF2-40B4-BE49-F238E27FC236}">
-                  <a16:creationId xmlns:a16="http://schemas.microsoft.com/office/drawing/2014/main" xmlns="" id="{130DF93D-D1FF-477A-BDCE-C8B01C3B476C}"/>
+                  <a16:creationId xmlns="" xmlns:a16="http://schemas.microsoft.com/office/drawing/2014/main" id="{130DF93D-D1FF-477A-BDCE-C8B01C3B476C}"/>
                 </a:ext>
                 <a:ext uri="{C183D7F6-B498-43B3-948B-1728B52AA6E4}">
-                  <adec:decorative xmlns:adec="http://schemas.microsoft.com/office/drawing/2017/decorative" xmlns="" val="1"/>
+                  <adec:decorative xmlns="" xmlns:adec="http://schemas.microsoft.com/office/drawing/2017/decorative" val="1"/>
                 </a:ext>
               </a:extLst>
             </p:cNvPr>
@@ -11752,7 +11028,7 @@
             <p:nvPr>
               <p:extLst>
                 <p:ext uri="{386F3935-93C4-4BCD-93E2-E3B085C9AB24}">
-                  <p16:designElem xmlns:p16="http://schemas.microsoft.com/office/powerpoint/2015/main" xmlns="" val="1"/>
+                  <p16:designElem xmlns="" xmlns:p16="http://schemas.microsoft.com/office/powerpoint/2015/main" val="1"/>
                 </p:ext>
               </p:extLst>
             </p:nvPr>
@@ -11809,10 +11085,10 @@
             <p:cNvPr id="30" name="Freeform 24">
               <a:extLst>
                 <a:ext uri="{FF2B5EF4-FFF2-40B4-BE49-F238E27FC236}">
-                  <a16:creationId xmlns:a16="http://schemas.microsoft.com/office/drawing/2014/main" xmlns="" id="{44ED67A1-C6FE-4AC8-8473-11DAC03DCD33}"/>
+                  <a16:creationId xmlns="" xmlns:a16="http://schemas.microsoft.com/office/drawing/2014/main" id="{44ED67A1-C6FE-4AC8-8473-11DAC03DCD33}"/>
                 </a:ext>
                 <a:ext uri="{C183D7F6-B498-43B3-948B-1728B52AA6E4}">
-                  <adec:decorative xmlns:adec="http://schemas.microsoft.com/office/drawing/2017/decorative" xmlns="" val="1"/>
+                  <adec:decorative xmlns="" xmlns:adec="http://schemas.microsoft.com/office/drawing/2017/decorative" val="1"/>
                 </a:ext>
               </a:extLst>
             </p:cNvPr>
@@ -11820,7 +11096,7 @@
             <p:nvPr>
               <p:extLst>
                 <p:ext uri="{386F3935-93C4-4BCD-93E2-E3B085C9AB24}">
-                  <p16:designElem xmlns:p16="http://schemas.microsoft.com/office/powerpoint/2015/main" xmlns="" val="1"/>
+                  <p16:designElem xmlns="" xmlns:p16="http://schemas.microsoft.com/office/powerpoint/2015/main" val="1"/>
                 </p:ext>
               </p:extLst>
             </p:nvPr>
@@ -11877,10 +11153,10 @@
             <p:cNvPr id="31" name="Freeform 25">
               <a:extLst>
                 <a:ext uri="{FF2B5EF4-FFF2-40B4-BE49-F238E27FC236}">
-                  <a16:creationId xmlns:a16="http://schemas.microsoft.com/office/drawing/2014/main" xmlns="" id="{213A54F3-15FA-4C8F-8ABF-CE77E7219658}"/>
+                  <a16:creationId xmlns="" xmlns:a16="http://schemas.microsoft.com/office/drawing/2014/main" id="{213A54F3-15FA-4C8F-8ABF-CE77E7219658}"/>
                 </a:ext>
                 <a:ext uri="{C183D7F6-B498-43B3-948B-1728B52AA6E4}">
-                  <adec:decorative xmlns:adec="http://schemas.microsoft.com/office/drawing/2017/decorative" xmlns="" val="1"/>
+                  <adec:decorative xmlns="" xmlns:adec="http://schemas.microsoft.com/office/drawing/2017/decorative" val="1"/>
                 </a:ext>
               </a:extLst>
             </p:cNvPr>
@@ -11888,7 +11164,7 @@
             <p:nvPr>
               <p:extLst>
                 <p:ext uri="{386F3935-93C4-4BCD-93E2-E3B085C9AB24}">
-                  <p16:designElem xmlns:p16="http://schemas.microsoft.com/office/powerpoint/2015/main" xmlns="" val="1"/>
+                  <p16:designElem xmlns="" xmlns:p16="http://schemas.microsoft.com/office/powerpoint/2015/main" val="1"/>
                 </p:ext>
               </p:extLst>
             </p:nvPr>
@@ -11946,10 +11222,10 @@
           <p:cNvPr id="33" name="Group 32">
             <a:extLst>
               <a:ext uri="{FF2B5EF4-FFF2-40B4-BE49-F238E27FC236}">
-                <a16:creationId xmlns:a16="http://schemas.microsoft.com/office/drawing/2014/main" xmlns="" id="{5F8A7F7F-DD1A-4F41-98AC-B9CE2A620CDC}"/>
+                <a16:creationId xmlns="" xmlns:a16="http://schemas.microsoft.com/office/drawing/2014/main" id="{5F8A7F7F-DD1A-4F41-98AC-B9CE2A620CDC}"/>
               </a:ext>
               <a:ext uri="{C183D7F6-B498-43B3-948B-1728B52AA6E4}">
-                <adec:decorative xmlns:adec="http://schemas.microsoft.com/office/drawing/2017/decorative" xmlns="" val="1"/>
+                <adec:decorative xmlns="" xmlns:adec="http://schemas.microsoft.com/office/drawing/2017/decorative" val="1"/>
               </a:ext>
             </a:extLst>
           </p:cNvPr>
@@ -11959,7 +11235,7 @@
           <p:nvPr>
             <p:extLst>
               <p:ext uri="{386F3935-93C4-4BCD-93E2-E3B085C9AB24}">
-                <p16:designElem xmlns:p16="http://schemas.microsoft.com/office/powerpoint/2015/main" xmlns="" val="1"/>
+                <p16:designElem xmlns="" xmlns:p16="http://schemas.microsoft.com/office/powerpoint/2015/main" val="1"/>
               </p:ext>
             </p:extLst>
           </p:nvPr>
@@ -11977,10 +11253,10 @@
             <p:cNvPr id="34" name="Rectangle 33">
               <a:extLst>
                 <a:ext uri="{FF2B5EF4-FFF2-40B4-BE49-F238E27FC236}">
-                  <a16:creationId xmlns:a16="http://schemas.microsoft.com/office/drawing/2014/main" xmlns="" id="{CEF47228-EB7C-4EBA-BE01-DA6CB2410289}"/>
+                  <a16:creationId xmlns="" xmlns:a16="http://schemas.microsoft.com/office/drawing/2014/main" id="{CEF47228-EB7C-4EBA-BE01-DA6CB2410289}"/>
                 </a:ext>
                 <a:ext uri="{C183D7F6-B498-43B3-948B-1728B52AA6E4}">
-                  <adec:decorative xmlns:adec="http://schemas.microsoft.com/office/drawing/2017/decorative" xmlns="" val="1"/>
+                  <adec:decorative xmlns="" xmlns:adec="http://schemas.microsoft.com/office/drawing/2017/decorative" val="1"/>
                 </a:ext>
               </a:extLst>
             </p:cNvPr>
@@ -11988,7 +11264,7 @@
             <p:nvPr>
               <p:extLst>
                 <p:ext uri="{386F3935-93C4-4BCD-93E2-E3B085C9AB24}">
-                  <p16:designElem xmlns:p16="http://schemas.microsoft.com/office/powerpoint/2015/main" xmlns="" val="1"/>
+                  <p16:designElem xmlns="" xmlns:p16="http://schemas.microsoft.com/office/powerpoint/2015/main" val="1"/>
                 </p:ext>
               </p:extLst>
             </p:nvPr>
@@ -12030,10 +11306,10 @@
             <p:cNvPr id="35" name="Isosceles Triangle 22">
               <a:extLst>
                 <a:ext uri="{FF2B5EF4-FFF2-40B4-BE49-F238E27FC236}">
-                  <a16:creationId xmlns:a16="http://schemas.microsoft.com/office/drawing/2014/main" xmlns="" id="{3D2FD25A-EFFD-4F5C-9258-981F5907DE21}"/>
+                  <a16:creationId xmlns="" xmlns:a16="http://schemas.microsoft.com/office/drawing/2014/main" id="{3D2FD25A-EFFD-4F5C-9258-981F5907DE21}"/>
                 </a:ext>
                 <a:ext uri="{C183D7F6-B498-43B3-948B-1728B52AA6E4}">
-                  <adec:decorative xmlns:adec="http://schemas.microsoft.com/office/drawing/2017/decorative" xmlns="" val="1"/>
+                  <adec:decorative xmlns="" xmlns:adec="http://schemas.microsoft.com/office/drawing/2017/decorative" val="1"/>
                 </a:ext>
               </a:extLst>
             </p:cNvPr>
@@ -12041,7 +11317,7 @@
             <p:nvPr>
               <p:extLst>
                 <p:ext uri="{386F3935-93C4-4BCD-93E2-E3B085C9AB24}">
-                  <p16:designElem xmlns:p16="http://schemas.microsoft.com/office/powerpoint/2015/main" xmlns="" val="1"/>
+                  <p16:designElem xmlns="" xmlns:p16="http://schemas.microsoft.com/office/powerpoint/2015/main" val="1"/>
                 </p:ext>
               </p:extLst>
             </p:nvPr>
@@ -12083,10 +11359,10 @@
             <p:cNvPr id="36" name="Rectangle 35">
               <a:extLst>
                 <a:ext uri="{FF2B5EF4-FFF2-40B4-BE49-F238E27FC236}">
-                  <a16:creationId xmlns:a16="http://schemas.microsoft.com/office/drawing/2014/main" xmlns="" id="{DCF573BC-A06F-4036-A3A8-9D07DDE62253}"/>
+                  <a16:creationId xmlns="" xmlns:a16="http://schemas.microsoft.com/office/drawing/2014/main" id="{DCF573BC-A06F-4036-A3A8-9D07DDE62253}"/>
                 </a:ext>
                 <a:ext uri="{C183D7F6-B498-43B3-948B-1728B52AA6E4}">
-                  <adec:decorative xmlns:adec="http://schemas.microsoft.com/office/drawing/2017/decorative" xmlns="" val="1"/>
+                  <adec:decorative xmlns="" xmlns:adec="http://schemas.microsoft.com/office/drawing/2017/decorative" val="1"/>
                 </a:ext>
               </a:extLst>
             </p:cNvPr>
@@ -12094,7 +11370,7 @@
             <p:nvPr>
               <p:extLst>
                 <p:ext uri="{386F3935-93C4-4BCD-93E2-E3B085C9AB24}">
-                  <p16:designElem xmlns:p16="http://schemas.microsoft.com/office/powerpoint/2015/main" xmlns="" val="1"/>
+                  <p16:designElem xmlns="" xmlns:p16="http://schemas.microsoft.com/office/powerpoint/2015/main" val="1"/>
                 </p:ext>
               </p:extLst>
             </p:nvPr>
@@ -12137,7 +11413,7 @@
           <p:cNvPr id="2" name="Title 1">
             <a:extLst>
               <a:ext uri="{FF2B5EF4-FFF2-40B4-BE49-F238E27FC236}">
-                <a16:creationId xmlns:a16="http://schemas.microsoft.com/office/drawing/2014/main" xmlns="" id="{E86C33C2-EC09-4F45-A2C8-AC9A692B69C0}"/>
+                <a16:creationId xmlns="" xmlns:a16="http://schemas.microsoft.com/office/drawing/2014/main" id="{E86C33C2-EC09-4F45-A2C8-AC9A692B69C0}"/>
               </a:ext>
             </a:extLst>
           </p:cNvPr>
@@ -12177,7 +11453,7 @@
           <p:cNvPr id="3" name="Content Placeholder 2">
             <a:extLst>
               <a:ext uri="{FF2B5EF4-FFF2-40B4-BE49-F238E27FC236}">
-                <a16:creationId xmlns:a16="http://schemas.microsoft.com/office/drawing/2014/main" xmlns="" id="{27553A2F-B4A9-4593-AC58-5C5AD66E898A}"/>
+                <a16:creationId xmlns="" xmlns:a16="http://schemas.microsoft.com/office/drawing/2014/main" id="{27553A2F-B4A9-4593-AC58-5C5AD66E898A}"/>
               </a:ext>
             </a:extLst>
           </p:cNvPr>
@@ -12346,10 +11622,10 @@
           <p:cNvPr id="17" name="Rectangle 16">
             <a:extLst>
               <a:ext uri="{FF2B5EF4-FFF2-40B4-BE49-F238E27FC236}">
-                <a16:creationId xmlns:a16="http://schemas.microsoft.com/office/drawing/2014/main" xmlns="" id="{AFA67CD3-AB4E-4A7A-BEB8-53C445D8C44E}"/>
+                <a16:creationId xmlns="" xmlns:a16="http://schemas.microsoft.com/office/drawing/2014/main" id="{AFA67CD3-AB4E-4A7A-BEB8-53C445D8C44E}"/>
               </a:ext>
               <a:ext uri="{C183D7F6-B498-43B3-948B-1728B52AA6E4}">
-                <adec:decorative xmlns:adec="http://schemas.microsoft.com/office/drawing/2017/decorative" xmlns="" val="1"/>
+                <adec:decorative xmlns="" xmlns:adec="http://schemas.microsoft.com/office/drawing/2017/decorative" val="1"/>
               </a:ext>
             </a:extLst>
           </p:cNvPr>
@@ -12359,7 +11635,7 @@
           <p:nvPr>
             <p:extLst>
               <p:ext uri="{386F3935-93C4-4BCD-93E2-E3B085C9AB24}">
-                <p16:designElem xmlns:p16="http://schemas.microsoft.com/office/powerpoint/2015/main" xmlns="" val="1"/>
+                <p16:designElem xmlns="" xmlns:p16="http://schemas.microsoft.com/office/powerpoint/2015/main" val="1"/>
               </p:ext>
             </p:extLst>
           </p:nvPr>
@@ -12432,10 +11708,10 @@
           <p:cNvPr id="19" name="Picture 18" descr="A close up of a logo&#10;&#10;Description generated with very high confidence">
             <a:extLst>
               <a:ext uri="{FF2B5EF4-FFF2-40B4-BE49-F238E27FC236}">
-                <a16:creationId xmlns:a16="http://schemas.microsoft.com/office/drawing/2014/main" xmlns="" id="{07CF545F-9C2E-4446-97CD-AD92990C2B68}"/>
+                <a16:creationId xmlns="" xmlns:a16="http://schemas.microsoft.com/office/drawing/2014/main" id="{07CF545F-9C2E-4446-97CD-AD92990C2B68}"/>
               </a:ext>
               <a:ext uri="{C183D7F6-B498-43B3-948B-1728B52AA6E4}">
-                <adec:decorative xmlns:adec="http://schemas.microsoft.com/office/drawing/2017/decorative" xmlns="" val="1"/>
+                <adec:decorative xmlns="" xmlns:adec="http://schemas.microsoft.com/office/drawing/2017/decorative" val="1"/>
               </a:ext>
             </a:extLst>
           </p:cNvPr>
@@ -12445,7 +11721,7 @@
           <p:nvPr>
             <p:extLst>
               <p:ext uri="{386F3935-93C4-4BCD-93E2-E3B085C9AB24}">
-                <p16:designElem xmlns:p16="http://schemas.microsoft.com/office/powerpoint/2015/main" xmlns="" val="1"/>
+                <p16:designElem xmlns="" xmlns:p16="http://schemas.microsoft.com/office/powerpoint/2015/main" val="1"/>
               </p:ext>
             </p:extLst>
           </p:nvPr>
@@ -12477,10 +11753,10 @@
           <p:cNvPr id="21" name="Freeform 62">
             <a:extLst>
               <a:ext uri="{FF2B5EF4-FFF2-40B4-BE49-F238E27FC236}">
-                <a16:creationId xmlns:a16="http://schemas.microsoft.com/office/drawing/2014/main" xmlns="" id="{339C8D78-A644-462F-B674-F440635E5353}"/>
+                <a16:creationId xmlns="" xmlns:a16="http://schemas.microsoft.com/office/drawing/2014/main" id="{339C8D78-A644-462F-B674-F440635E5353}"/>
               </a:ext>
               <a:ext uri="{C183D7F6-B498-43B3-948B-1728B52AA6E4}">
-                <adec:decorative xmlns:adec="http://schemas.microsoft.com/office/drawing/2017/decorative" xmlns="" val="1"/>
+                <adec:decorative xmlns="" xmlns:adec="http://schemas.microsoft.com/office/drawing/2017/decorative" val="1"/>
               </a:ext>
             </a:extLst>
           </p:cNvPr>
@@ -12490,7 +11766,7 @@
           <p:nvPr>
             <p:extLst>
               <p:ext uri="{386F3935-93C4-4BCD-93E2-E3B085C9AB24}">
-                <p16:designElem xmlns:p16="http://schemas.microsoft.com/office/powerpoint/2015/main" xmlns="" val="1"/>
+                <p16:designElem xmlns="" xmlns:p16="http://schemas.microsoft.com/office/powerpoint/2015/main" val="1"/>
               </p:ext>
             </p:extLst>
           </p:nvPr>
@@ -12651,7 +11927,7 @@
           <p:cNvPr id="14" name="Graphic 13" descr="Gears">
             <a:extLst>
               <a:ext uri="{FF2B5EF4-FFF2-40B4-BE49-F238E27FC236}">
-                <a16:creationId xmlns:a16="http://schemas.microsoft.com/office/drawing/2014/main" xmlns="" id="{AB50267D-C728-4E8B-B0D3-A745AA06291F}"/>
+                <a16:creationId xmlns="" xmlns:a16="http://schemas.microsoft.com/office/drawing/2014/main" id="{AB50267D-C728-4E8B-B0D3-A745AA06291F}"/>
               </a:ext>
             </a:extLst>
           </p:cNvPr>
@@ -12667,7 +11943,7 @@
                 <a14:useLocalDpi xmlns:a14="http://schemas.microsoft.com/office/drawing/2010/main" val="0"/>
               </a:ext>
               <a:ext uri="{96DAC541-7B7A-43D3-8B79-37D633B846F1}">
-                <asvg:svgBlip xmlns:asvg="http://schemas.microsoft.com/office/drawing/2016/SVG/main" xmlns="" r:embed="rId4"/>
+                <asvg:svgBlip xmlns="" xmlns:asvg="http://schemas.microsoft.com/office/drawing/2016/SVG/main" r:embed="rId4"/>
               </a:ext>
             </a:extLst>
           </a:blip>
@@ -12690,7 +11966,7 @@
           <p:cNvPr id="3" name="Content Placeholder 2">
             <a:extLst>
               <a:ext uri="{FF2B5EF4-FFF2-40B4-BE49-F238E27FC236}">
-                <a16:creationId xmlns:a16="http://schemas.microsoft.com/office/drawing/2014/main" xmlns="" id="{F2EAA055-ED20-46A5-B19C-8C9ABE0D7A53}"/>
+                <a16:creationId xmlns="" xmlns:a16="http://schemas.microsoft.com/office/drawing/2014/main" id="{F2EAA055-ED20-46A5-B19C-8C9ABE0D7A53}"/>
               </a:ext>
             </a:extLst>
           </p:cNvPr>
@@ -12815,13 +12091,6 @@
               </a:rPr>
               <a:t>BACKEND TECHNOLOGIES &amp; FRAMEWORKS</a:t>
             </a:r>
-            <a:endParaRPr lang="en-US" sz="2400" b="1" u="sng" dirty="0" smtClean="0">
-              <a:solidFill>
-                <a:srgbClr val="000000"/>
-              </a:solidFill>
-              <a:latin typeface="Arial" panose="020B0604020202020204" pitchFamily="34" charset="0"/>
-              <a:cs typeface="Arial" panose="020B0604020202020204" pitchFamily="34" charset="0"/>
-            </a:endParaRPr>
           </a:p>
           <a:p>
             <a:pPr lvl="1"/>
@@ -12874,13 +12143,6 @@
               </a:rPr>
               <a:t>Oracle 11G</a:t>
             </a:r>
-            <a:endParaRPr lang="en-US" sz="2000" dirty="0" smtClean="0">
-              <a:solidFill>
-                <a:srgbClr val="000000"/>
-              </a:solidFill>
-              <a:latin typeface="Arial" panose="020B0604020202020204" pitchFamily="34" charset="0"/>
-              <a:cs typeface="Arial" panose="020B0604020202020204" pitchFamily="34" charset="0"/>
-            </a:endParaRPr>
           </a:p>
           <a:p>
             <a:endParaRPr lang="en-US" sz="2000" dirty="0" smtClean="0">
@@ -13003,10 +12265,10 @@
           <p:cNvPr id="19" name="Rectangle 16">
             <a:extLst>
               <a:ext uri="{FF2B5EF4-FFF2-40B4-BE49-F238E27FC236}">
-                <a16:creationId xmlns:a16="http://schemas.microsoft.com/office/drawing/2014/main" xmlns="" id="{42A5316D-ED2F-4F89-B4B4-8D9240B1A348}"/>
+                <a16:creationId xmlns="" xmlns:a16="http://schemas.microsoft.com/office/drawing/2014/main" id="{42A5316D-ED2F-4F89-B4B4-8D9240B1A348}"/>
               </a:ext>
               <a:ext uri="{C183D7F6-B498-43B3-948B-1728B52AA6E4}">
-                <adec:decorative xmlns:adec="http://schemas.microsoft.com/office/drawing/2017/decorative" xmlns="" val="1"/>
+                <adec:decorative xmlns="" xmlns:adec="http://schemas.microsoft.com/office/drawing/2017/decorative" val="1"/>
               </a:ext>
             </a:extLst>
           </p:cNvPr>
@@ -13016,7 +12278,7 @@
           <p:nvPr>
             <p:extLst>
               <p:ext uri="{386F3935-93C4-4BCD-93E2-E3B085C9AB24}">
-                <p16:designElem xmlns:p16="http://schemas.microsoft.com/office/powerpoint/2015/main" xmlns="" val="1"/>
+                <p16:designElem xmlns="" xmlns:p16="http://schemas.microsoft.com/office/powerpoint/2015/main" val="1"/>
               </p:ext>
             </p:extLst>
           </p:nvPr>
@@ -13095,7 +12357,7 @@
           <p:cNvPr id="2" name="Title 1">
             <a:extLst>
               <a:ext uri="{FF2B5EF4-FFF2-40B4-BE49-F238E27FC236}">
-                <a16:creationId xmlns:a16="http://schemas.microsoft.com/office/drawing/2014/main" xmlns="" id="{B10E8C48-75FF-4B7B-8956-0B000A5C0363}"/>
+                <a16:creationId xmlns="" xmlns:a16="http://schemas.microsoft.com/office/drawing/2014/main" id="{B10E8C48-75FF-4B7B-8956-0B000A5C0363}"/>
               </a:ext>
             </a:extLst>
           </p:cNvPr>
@@ -13146,7 +12408,7 @@
           <p:cNvPr id="20" name="Content Placeholder 2">
             <a:extLst>
               <a:ext uri="{FF2B5EF4-FFF2-40B4-BE49-F238E27FC236}">
-                <a16:creationId xmlns:a16="http://schemas.microsoft.com/office/drawing/2014/main" xmlns="" id="{C7FA9842-EEDC-4B43-ABE3-A18B3F95207D}"/>
+                <a16:creationId xmlns="" xmlns:a16="http://schemas.microsoft.com/office/drawing/2014/main" id="{C7FA9842-EEDC-4B43-ABE3-A18B3F95207D}"/>
               </a:ext>
             </a:extLst>
           </p:cNvPr>
@@ -13215,7 +12477,7 @@
           <p:cNvPr id="2" name="Title 1">
             <a:extLst>
               <a:ext uri="{FF2B5EF4-FFF2-40B4-BE49-F238E27FC236}">
-                <a16:creationId xmlns:a16="http://schemas.microsoft.com/office/drawing/2014/main" xmlns="" id="{EB4AA099-DFCF-40F0-9DF9-51DCDD3D2329}"/>
+                <a16:creationId xmlns="" xmlns:a16="http://schemas.microsoft.com/office/drawing/2014/main" id="{EB4AA099-DFCF-40F0-9DF9-51DCDD3D2329}"/>
               </a:ext>
             </a:extLst>
           </p:cNvPr>

--- a/Diagrams/JP-Project-Group3_Loan_Management_System_Presentation.pptx
+++ b/Diagrams/JP-Project-Group3_Loan_Management_System_Presentation.pptx
@@ -6,17 +6,16 @@
   </p:sldMasterIdLst>
   <p:sldIdLst>
     <p:sldId id="258" r:id="rId2"/>
-    <p:sldId id="269" r:id="rId3"/>
-    <p:sldId id="257" r:id="rId4"/>
-    <p:sldId id="259" r:id="rId5"/>
-    <p:sldId id="270" r:id="rId6"/>
-    <p:sldId id="263" r:id="rId7"/>
-    <p:sldId id="260" r:id="rId8"/>
-    <p:sldId id="264" r:id="rId9"/>
-    <p:sldId id="265" r:id="rId10"/>
-    <p:sldId id="267" r:id="rId11"/>
-    <p:sldId id="266" r:id="rId12"/>
-    <p:sldId id="268" r:id="rId13"/>
+    <p:sldId id="257" r:id="rId3"/>
+    <p:sldId id="259" r:id="rId4"/>
+    <p:sldId id="270" r:id="rId5"/>
+    <p:sldId id="263" r:id="rId6"/>
+    <p:sldId id="260" r:id="rId7"/>
+    <p:sldId id="264" r:id="rId8"/>
+    <p:sldId id="265" r:id="rId9"/>
+    <p:sldId id="267" r:id="rId10"/>
+    <p:sldId id="266" r:id="rId11"/>
+    <p:sldId id="268" r:id="rId12"/>
   </p:sldIdLst>
   <p:sldSz cx="12192000" cy="6858000"/>
   <p:notesSz cx="6858000" cy="9144000"/>
@@ -1468,23 +1467,23 @@
     </dgm:pt>
   </dgm:ptLst>
   <dgm:cxnLst>
+    <dgm:cxn modelId="{82ECDEF1-1700-4CA2-B2F8-ADE186F097C4}" type="presOf" srcId="{BD4F5DE4-1CB7-4AE6-9F54-C8E00A659DFE}" destId="{DEA41B82-6E90-4349-AD1B-B9B98F11E069}" srcOrd="0" destOrd="0" presId="urn:microsoft.com/office/officeart/2005/8/layout/default"/>
+    <dgm:cxn modelId="{2FC287AE-37CA-4EB7-97B8-ECC49E794A92}" srcId="{DA7D0D47-941A-4E90-A8C9-1BC23F98B0E9}" destId="{779B84F6-4D08-4CD4-B405-3CBEC0B76463}" srcOrd="3" destOrd="0" parTransId="{B8C7C023-6B19-48FA-8D65-A11D157E152F}" sibTransId="{23AAF287-7DB5-4543-B322-1118B1FA6B8B}"/>
+    <dgm:cxn modelId="{C2A799F9-0F93-49DD-9204-07AD1013C847}" type="presOf" srcId="{65D476E5-9F40-4D58-8999-B602D1EC245E}" destId="{04506B76-3E30-4CD8-8F67-F8597089510D}" srcOrd="0" destOrd="0" presId="urn:microsoft.com/office/officeart/2005/8/layout/default"/>
+    <dgm:cxn modelId="{3CDEA188-1D21-4720-9EC9-E6E5DEA491E2}" type="presOf" srcId="{E74D1812-5660-4F93-97AD-35A104ED8F5C}" destId="{C2DAFC14-2F54-4DF2-ADD9-B89D5EFF836B}" srcOrd="0" destOrd="0" presId="urn:microsoft.com/office/officeart/2005/8/layout/default"/>
+    <dgm:cxn modelId="{34CFF7DB-4555-44FC-A17A-55485E055DA1}" type="presOf" srcId="{779B84F6-4D08-4CD4-B405-3CBEC0B76463}" destId="{520DD30E-9F5B-4C4A-A5DC-0DF78E4FBA26}" srcOrd="0" destOrd="0" presId="urn:microsoft.com/office/officeart/2005/8/layout/default"/>
     <dgm:cxn modelId="{5DBF5A53-DEF5-4776-9774-5595AB746EE0}" srcId="{DA7D0D47-941A-4E90-A8C9-1BC23F98B0E9}" destId="{9EAD06F8-FABE-43D5-919E-A10C347A0BB3}" srcOrd="4" destOrd="0" parTransId="{11B47052-1EE3-40F8-A745-F978F529D30A}" sibTransId="{DEA2219B-A436-4D5F-87CE-C26D3B3FCD7A}"/>
+    <dgm:cxn modelId="{FF5C2F0C-24C6-48D4-9878-B1A55812749B}" srcId="{DA7D0D47-941A-4E90-A8C9-1BC23F98B0E9}" destId="{E74D1812-5660-4F93-97AD-35A104ED8F5C}" srcOrd="2" destOrd="0" parTransId="{09CF62A9-4587-42CC-9DFC-E38532C55D1B}" sibTransId="{60D463AC-5031-4A2F-9999-AEC8B3AA1A01}"/>
+    <dgm:cxn modelId="{72A2290D-34F4-4EE1-8F2A-97C6BDE56382}" type="presOf" srcId="{DA7D0D47-941A-4E90-A8C9-1BC23F98B0E9}" destId="{1905D24B-D380-4979-986A-4CC763A3ABBA}" srcOrd="0" destOrd="0" presId="urn:microsoft.com/office/officeart/2005/8/layout/default"/>
+    <dgm:cxn modelId="{3B53D00B-7A41-4E41-89A3-CE90BEF64EEC}" srcId="{DA7D0D47-941A-4E90-A8C9-1BC23F98B0E9}" destId="{65D476E5-9F40-4D58-8999-B602D1EC245E}" srcOrd="6" destOrd="0" parTransId="{9319B468-6782-45A8-9D6B-2194444F47B2}" sibTransId="{6D559A66-CECD-4E3B-ABB9-E739F0E85395}"/>
+    <dgm:cxn modelId="{D8FBF167-0BE6-46B1-B1AC-B89EF22040F0}" type="presOf" srcId="{9EAD06F8-FABE-43D5-919E-A10C347A0BB3}" destId="{1C4681E6-90A5-43A5-AF1D-054F12F18D4F}" srcOrd="0" destOrd="0" presId="urn:microsoft.com/office/officeart/2005/8/layout/default"/>
+    <dgm:cxn modelId="{783DEDDE-6C64-41C9-B049-2E5EBFAB05FE}" type="presOf" srcId="{6C9D3587-1DD3-4CC3-9F6C-75EAF8711D10}" destId="{4104FE28-4C24-4F96-9F09-CF22C7929C2E}" srcOrd="0" destOrd="0" presId="urn:microsoft.com/office/officeart/2005/8/layout/default"/>
+    <dgm:cxn modelId="{28B5B00C-93BF-4CDE-BB2B-3156F485DAA3}" srcId="{DA7D0D47-941A-4E90-A8C9-1BC23F98B0E9}" destId="{6C9D3587-1DD3-4CC3-9F6C-75EAF8711D10}" srcOrd="1" destOrd="0" parTransId="{306DA544-AE38-424C-B452-E75542B6930A}" sibTransId="{C54FE8BE-2C70-4D85-9DDE-FCBBBCDBC5A3}"/>
+    <dgm:cxn modelId="{FED695FB-F8DE-4520-9C2B-8EECF8651598}" type="presOf" srcId="{0FC1267D-774B-4178-91D0-53287F02507D}" destId="{C37E75A9-0717-4F97-B20A-B6B672615744}" srcOrd="0" destOrd="0" presId="urn:microsoft.com/office/officeart/2005/8/layout/default"/>
+    <dgm:cxn modelId="{99E565EA-907E-4C33-ACAF-89EE466F63C0}" srcId="{DA7D0D47-941A-4E90-A8C9-1BC23F98B0E9}" destId="{BD4F5DE4-1CB7-4AE6-9F54-C8E00A659DFE}" srcOrd="5" destOrd="0" parTransId="{2D4B59F1-2499-4514-AF91-E94D60EF9B21}" sibTransId="{1F75260A-6106-4F94-9F12-8611EF55389F}"/>
+    <dgm:cxn modelId="{835FBE2C-B697-4F57-86A2-E3CC14651C1A}" type="presOf" srcId="{36FE9671-A017-4AF2-97BD-13559F0DD70F}" destId="{F2CA87C4-7BF9-425D-90B0-5D45FDABD5BF}" srcOrd="0" destOrd="0" presId="urn:microsoft.com/office/officeart/2005/8/layout/default"/>
     <dgm:cxn modelId="{545173DF-3F81-40B1-9D9D-55A5C269E023}" srcId="{DA7D0D47-941A-4E90-A8C9-1BC23F98B0E9}" destId="{0FC1267D-774B-4178-91D0-53287F02507D}" srcOrd="0" destOrd="0" parTransId="{D86E059E-3AB6-428A-9B79-1722D1B6EF62}" sibTransId="{9296892A-5C46-4167-B5DE-6B34F30DE6DF}"/>
     <dgm:cxn modelId="{A08379DF-5948-4332-AFEE-638314E65472}" srcId="{DA7D0D47-941A-4E90-A8C9-1BC23F98B0E9}" destId="{36FE9671-A017-4AF2-97BD-13559F0DD70F}" srcOrd="7" destOrd="0" parTransId="{868B9A7B-4C5E-455A-8A25-CF770D50E5B3}" sibTransId="{4D0BE685-6BD1-4D53-9C4B-E9A2CA16ED31}"/>
-    <dgm:cxn modelId="{3B53D00B-7A41-4E41-89A3-CE90BEF64EEC}" srcId="{DA7D0D47-941A-4E90-A8C9-1BC23F98B0E9}" destId="{65D476E5-9F40-4D58-8999-B602D1EC245E}" srcOrd="6" destOrd="0" parTransId="{9319B468-6782-45A8-9D6B-2194444F47B2}" sibTransId="{6D559A66-CECD-4E3B-ABB9-E739F0E85395}"/>
-    <dgm:cxn modelId="{3CDEA188-1D21-4720-9EC9-E6E5DEA491E2}" type="presOf" srcId="{E74D1812-5660-4F93-97AD-35A104ED8F5C}" destId="{C2DAFC14-2F54-4DF2-ADD9-B89D5EFF836B}" srcOrd="0" destOrd="0" presId="urn:microsoft.com/office/officeart/2005/8/layout/default"/>
-    <dgm:cxn modelId="{34CFF7DB-4555-44FC-A17A-55485E055DA1}" type="presOf" srcId="{779B84F6-4D08-4CD4-B405-3CBEC0B76463}" destId="{520DD30E-9F5B-4C4A-A5DC-0DF78E4FBA26}" srcOrd="0" destOrd="0" presId="urn:microsoft.com/office/officeart/2005/8/layout/default"/>
-    <dgm:cxn modelId="{2FC287AE-37CA-4EB7-97B8-ECC49E794A92}" srcId="{DA7D0D47-941A-4E90-A8C9-1BC23F98B0E9}" destId="{779B84F6-4D08-4CD4-B405-3CBEC0B76463}" srcOrd="3" destOrd="0" parTransId="{B8C7C023-6B19-48FA-8D65-A11D157E152F}" sibTransId="{23AAF287-7DB5-4543-B322-1118B1FA6B8B}"/>
-    <dgm:cxn modelId="{FF5C2F0C-24C6-48D4-9878-B1A55812749B}" srcId="{DA7D0D47-941A-4E90-A8C9-1BC23F98B0E9}" destId="{E74D1812-5660-4F93-97AD-35A104ED8F5C}" srcOrd="2" destOrd="0" parTransId="{09CF62A9-4587-42CC-9DFC-E38532C55D1B}" sibTransId="{60D463AC-5031-4A2F-9999-AEC8B3AA1A01}"/>
-    <dgm:cxn modelId="{82ECDEF1-1700-4CA2-B2F8-ADE186F097C4}" type="presOf" srcId="{BD4F5DE4-1CB7-4AE6-9F54-C8E00A659DFE}" destId="{DEA41B82-6E90-4349-AD1B-B9B98F11E069}" srcOrd="0" destOrd="0" presId="urn:microsoft.com/office/officeart/2005/8/layout/default"/>
-    <dgm:cxn modelId="{C2A799F9-0F93-49DD-9204-07AD1013C847}" type="presOf" srcId="{65D476E5-9F40-4D58-8999-B602D1EC245E}" destId="{04506B76-3E30-4CD8-8F67-F8597089510D}" srcOrd="0" destOrd="0" presId="urn:microsoft.com/office/officeart/2005/8/layout/default"/>
-    <dgm:cxn modelId="{783DEDDE-6C64-41C9-B049-2E5EBFAB05FE}" type="presOf" srcId="{6C9D3587-1DD3-4CC3-9F6C-75EAF8711D10}" destId="{4104FE28-4C24-4F96-9F09-CF22C7929C2E}" srcOrd="0" destOrd="0" presId="urn:microsoft.com/office/officeart/2005/8/layout/default"/>
-    <dgm:cxn modelId="{D8FBF167-0BE6-46B1-B1AC-B89EF22040F0}" type="presOf" srcId="{9EAD06F8-FABE-43D5-919E-A10C347A0BB3}" destId="{1C4681E6-90A5-43A5-AF1D-054F12F18D4F}" srcOrd="0" destOrd="0" presId="urn:microsoft.com/office/officeart/2005/8/layout/default"/>
-    <dgm:cxn modelId="{99E565EA-907E-4C33-ACAF-89EE466F63C0}" srcId="{DA7D0D47-941A-4E90-A8C9-1BC23F98B0E9}" destId="{BD4F5DE4-1CB7-4AE6-9F54-C8E00A659DFE}" srcOrd="5" destOrd="0" parTransId="{2D4B59F1-2499-4514-AF91-E94D60EF9B21}" sibTransId="{1F75260A-6106-4F94-9F12-8611EF55389F}"/>
-    <dgm:cxn modelId="{28B5B00C-93BF-4CDE-BB2B-3156F485DAA3}" srcId="{DA7D0D47-941A-4E90-A8C9-1BC23F98B0E9}" destId="{6C9D3587-1DD3-4CC3-9F6C-75EAF8711D10}" srcOrd="1" destOrd="0" parTransId="{306DA544-AE38-424C-B452-E75542B6930A}" sibTransId="{C54FE8BE-2C70-4D85-9DDE-FCBBBCDBC5A3}"/>
-    <dgm:cxn modelId="{FED695FB-F8DE-4520-9C2B-8EECF8651598}" type="presOf" srcId="{0FC1267D-774B-4178-91D0-53287F02507D}" destId="{C37E75A9-0717-4F97-B20A-B6B672615744}" srcOrd="0" destOrd="0" presId="urn:microsoft.com/office/officeart/2005/8/layout/default"/>
-    <dgm:cxn modelId="{72A2290D-34F4-4EE1-8F2A-97C6BDE56382}" type="presOf" srcId="{DA7D0D47-941A-4E90-A8C9-1BC23F98B0E9}" destId="{1905D24B-D380-4979-986A-4CC763A3ABBA}" srcOrd="0" destOrd="0" presId="urn:microsoft.com/office/officeart/2005/8/layout/default"/>
-    <dgm:cxn modelId="{835FBE2C-B697-4F57-86A2-E3CC14651C1A}" type="presOf" srcId="{36FE9671-A017-4AF2-97BD-13559F0DD70F}" destId="{F2CA87C4-7BF9-425D-90B0-5D45FDABD5BF}" srcOrd="0" destOrd="0" presId="urn:microsoft.com/office/officeart/2005/8/layout/default"/>
     <dgm:cxn modelId="{0979B354-14CA-4FCC-9046-1F7399A57060}" type="presParOf" srcId="{1905D24B-D380-4979-986A-4CC763A3ABBA}" destId="{C37E75A9-0717-4F97-B20A-B6B672615744}" srcOrd="0" destOrd="0" presId="urn:microsoft.com/office/officeart/2005/8/layout/default"/>
     <dgm:cxn modelId="{93C36435-5953-4F0F-A09F-978B1AFD538A}" type="presParOf" srcId="{1905D24B-D380-4979-986A-4CC763A3ABBA}" destId="{8352C673-ED4A-449F-90F9-F24FD8C0ABDC}" srcOrd="1" destOrd="0" presId="urn:microsoft.com/office/officeart/2005/8/layout/default"/>
     <dgm:cxn modelId="{DDB4372C-8BB4-4294-A5EA-E65E8732BB2C}" type="presParOf" srcId="{1905D24B-D380-4979-986A-4CC763A3ABBA}" destId="{4104FE28-4C24-4F96-9F09-CF22C7929C2E}" srcOrd="2" destOrd="0" presId="urn:microsoft.com/office/officeart/2005/8/layout/default"/>
@@ -1519,6 +1518,638 @@
       <dsp:cNvGrpSpPr/>
     </dsp:nvGrpSpPr>
     <dsp:grpSpPr/>
+    <dsp:sp modelId="{C37E75A9-0717-4F97-B20A-B6B672615744}">
+      <dsp:nvSpPr>
+        <dsp:cNvPr id="0" name=""/>
+        <dsp:cNvSpPr/>
+      </dsp:nvSpPr>
+      <dsp:spPr>
+        <a:xfrm>
+          <a:off x="40005" y="1356"/>
+          <a:ext cx="2260996" cy="1356598"/>
+        </a:xfrm>
+        <a:prstGeom prst="rect">
+          <a:avLst/>
+        </a:prstGeom>
+        <a:solidFill>
+          <a:schemeClr val="accent1">
+            <a:shade val="50000"/>
+            <a:hueOff val="0"/>
+            <a:satOff val="0"/>
+            <a:lumOff val="0"/>
+            <a:alphaOff val="0"/>
+          </a:schemeClr>
+        </a:solidFill>
+        <a:ln w="19050" cap="flat" cmpd="sng" algn="ctr">
+          <a:solidFill>
+            <a:schemeClr val="lt1">
+              <a:hueOff val="0"/>
+              <a:satOff val="0"/>
+              <a:lumOff val="0"/>
+              <a:alphaOff val="0"/>
+            </a:schemeClr>
+          </a:solidFill>
+          <a:prstDash val="solid"/>
+          <a:miter lim="800000"/>
+        </a:ln>
+        <a:effectLst/>
+      </dsp:spPr>
+      <dsp:style>
+        <a:lnRef idx="3">
+          <a:scrgbClr r="0" g="0" b="0"/>
+        </a:lnRef>
+        <a:fillRef idx="1">
+          <a:scrgbClr r="0" g="0" b="0"/>
+        </a:fillRef>
+        <a:effectRef idx="1">
+          <a:scrgbClr r="0" g="0" b="0"/>
+        </a:effectRef>
+        <a:fontRef idx="minor">
+          <a:schemeClr val="lt1"/>
+        </a:fontRef>
+      </dsp:style>
+      <dsp:txBody>
+        <a:bodyPr spcFirstLastPara="0" vert="horz" wrap="square" lIns="64770" tIns="64770" rIns="64770" bIns="64770" numCol="1" spcCol="1270" anchor="ctr" anchorCtr="0">
+          <a:noAutofit/>
+        </a:bodyPr>
+        <a:lstStyle/>
+        <a:p>
+          <a:pPr lvl="0" algn="ctr" defTabSz="755650">
+            <a:lnSpc>
+              <a:spcPct val="90000"/>
+            </a:lnSpc>
+            <a:spcBef>
+              <a:spcPct val="0"/>
+            </a:spcBef>
+            <a:spcAft>
+              <a:spcPct val="35000"/>
+            </a:spcAft>
+          </a:pPr>
+          <a:r>
+            <a:rPr lang="en-US" sz="1700" kern="1200" dirty="0" smtClean="0"/>
+            <a:t>Online Loan Application by Prospect</a:t>
+          </a:r>
+          <a:endParaRPr lang="en-US" sz="1700" kern="1200" dirty="0"/>
+        </a:p>
+      </dsp:txBody>
+      <dsp:txXfrm>
+        <a:off x="40005" y="1356"/>
+        <a:ext cx="2260996" cy="1356598"/>
+      </dsp:txXfrm>
+    </dsp:sp>
+    <dsp:sp modelId="{4104FE28-4C24-4F96-9F09-CF22C7929C2E}">
+      <dsp:nvSpPr>
+        <dsp:cNvPr id="0" name=""/>
+        <dsp:cNvSpPr/>
+      </dsp:nvSpPr>
+      <dsp:spPr>
+        <a:xfrm>
+          <a:off x="2527101" y="1356"/>
+          <a:ext cx="2260996" cy="1356598"/>
+        </a:xfrm>
+        <a:prstGeom prst="rect">
+          <a:avLst/>
+        </a:prstGeom>
+        <a:solidFill>
+          <a:schemeClr val="accent1">
+            <a:shade val="50000"/>
+            <a:hueOff val="195131"/>
+            <a:satOff val="-11271"/>
+            <a:lumOff val="12385"/>
+            <a:alphaOff val="0"/>
+          </a:schemeClr>
+        </a:solidFill>
+        <a:ln w="19050" cap="flat" cmpd="sng" algn="ctr">
+          <a:solidFill>
+            <a:schemeClr val="lt1">
+              <a:hueOff val="0"/>
+              <a:satOff val="0"/>
+              <a:lumOff val="0"/>
+              <a:alphaOff val="0"/>
+            </a:schemeClr>
+          </a:solidFill>
+          <a:prstDash val="solid"/>
+          <a:miter lim="800000"/>
+        </a:ln>
+        <a:effectLst/>
+      </dsp:spPr>
+      <dsp:style>
+        <a:lnRef idx="3">
+          <a:scrgbClr r="0" g="0" b="0"/>
+        </a:lnRef>
+        <a:fillRef idx="1">
+          <a:scrgbClr r="0" g="0" b="0"/>
+        </a:fillRef>
+        <a:effectRef idx="1">
+          <a:scrgbClr r="0" g="0" b="0"/>
+        </a:effectRef>
+        <a:fontRef idx="minor">
+          <a:schemeClr val="lt1"/>
+        </a:fontRef>
+      </dsp:style>
+      <dsp:txBody>
+        <a:bodyPr spcFirstLastPara="0" vert="horz" wrap="square" lIns="64770" tIns="64770" rIns="64770" bIns="64770" numCol="1" spcCol="1270" anchor="ctr" anchorCtr="0">
+          <a:noAutofit/>
+        </a:bodyPr>
+        <a:lstStyle/>
+        <a:p>
+          <a:pPr lvl="0" algn="ctr" defTabSz="755650">
+            <a:lnSpc>
+              <a:spcPct val="90000"/>
+            </a:lnSpc>
+            <a:spcBef>
+              <a:spcPct val="0"/>
+            </a:spcBef>
+            <a:spcAft>
+              <a:spcPct val="35000"/>
+            </a:spcAft>
+          </a:pPr>
+          <a:r>
+            <a:rPr lang="en-US" sz="1700" kern="1200" dirty="0" smtClean="0"/>
+            <a:t>View Prospect List by the Bank Officer </a:t>
+          </a:r>
+          <a:endParaRPr lang="en-US" sz="1700" kern="1200" dirty="0"/>
+        </a:p>
+      </dsp:txBody>
+      <dsp:txXfrm>
+        <a:off x="2527101" y="1356"/>
+        <a:ext cx="2260996" cy="1356598"/>
+      </dsp:txXfrm>
+    </dsp:sp>
+    <dsp:sp modelId="{C2DAFC14-2F54-4DF2-ADD9-B89D5EFF836B}">
+      <dsp:nvSpPr>
+        <dsp:cNvPr id="0" name=""/>
+        <dsp:cNvSpPr/>
+      </dsp:nvSpPr>
+      <dsp:spPr>
+        <a:xfrm>
+          <a:off x="5014198" y="1356"/>
+          <a:ext cx="2260996" cy="1356598"/>
+        </a:xfrm>
+        <a:prstGeom prst="rect">
+          <a:avLst/>
+        </a:prstGeom>
+        <a:solidFill>
+          <a:schemeClr val="accent1">
+            <a:shade val="50000"/>
+            <a:hueOff val="390263"/>
+            <a:satOff val="-22543"/>
+            <a:lumOff val="24770"/>
+            <a:alphaOff val="0"/>
+          </a:schemeClr>
+        </a:solidFill>
+        <a:ln w="19050" cap="flat" cmpd="sng" algn="ctr">
+          <a:solidFill>
+            <a:schemeClr val="lt1">
+              <a:hueOff val="0"/>
+              <a:satOff val="0"/>
+              <a:lumOff val="0"/>
+              <a:alphaOff val="0"/>
+            </a:schemeClr>
+          </a:solidFill>
+          <a:prstDash val="solid"/>
+          <a:miter lim="800000"/>
+        </a:ln>
+        <a:effectLst/>
+      </dsp:spPr>
+      <dsp:style>
+        <a:lnRef idx="3">
+          <a:scrgbClr r="0" g="0" b="0"/>
+        </a:lnRef>
+        <a:fillRef idx="1">
+          <a:scrgbClr r="0" g="0" b="0"/>
+        </a:fillRef>
+        <a:effectRef idx="1">
+          <a:scrgbClr r="0" g="0" b="0"/>
+        </a:effectRef>
+        <a:fontRef idx="minor">
+          <a:schemeClr val="lt1"/>
+        </a:fontRef>
+      </dsp:style>
+      <dsp:txBody>
+        <a:bodyPr spcFirstLastPara="0" vert="horz" wrap="square" lIns="64770" tIns="64770" rIns="64770" bIns="64770" numCol="1" spcCol="1270" anchor="ctr" anchorCtr="0">
+          <a:noAutofit/>
+        </a:bodyPr>
+        <a:lstStyle/>
+        <a:p>
+          <a:pPr lvl="0" algn="ctr" defTabSz="755650">
+            <a:lnSpc>
+              <a:spcPct val="90000"/>
+            </a:lnSpc>
+            <a:spcBef>
+              <a:spcPct val="0"/>
+            </a:spcBef>
+            <a:spcAft>
+              <a:spcPct val="35000"/>
+            </a:spcAft>
+          </a:pPr>
+          <a:r>
+            <a:rPr lang="en-US" sz="1700" kern="1200" dirty="0" smtClean="0"/>
+            <a:t>View Prospect's Details </a:t>
+          </a:r>
+          <a:endParaRPr lang="en-US" sz="1700" kern="1200" dirty="0"/>
+        </a:p>
+      </dsp:txBody>
+      <dsp:txXfrm>
+        <a:off x="5014198" y="1356"/>
+        <a:ext cx="2260996" cy="1356598"/>
+      </dsp:txXfrm>
+    </dsp:sp>
+    <dsp:sp modelId="{520DD30E-9F5B-4C4A-A5DC-0DF78E4FBA26}">
+      <dsp:nvSpPr>
+        <dsp:cNvPr id="0" name=""/>
+        <dsp:cNvSpPr/>
+      </dsp:nvSpPr>
+      <dsp:spPr>
+        <a:xfrm>
+          <a:off x="40005" y="1584053"/>
+          <a:ext cx="2260996" cy="1356598"/>
+        </a:xfrm>
+        <a:prstGeom prst="rect">
+          <a:avLst/>
+        </a:prstGeom>
+        <a:solidFill>
+          <a:schemeClr val="accent1">
+            <a:shade val="50000"/>
+            <a:hueOff val="585394"/>
+            <a:satOff val="-33814"/>
+            <a:lumOff val="37154"/>
+            <a:alphaOff val="0"/>
+          </a:schemeClr>
+        </a:solidFill>
+        <a:ln w="19050" cap="flat" cmpd="sng" algn="ctr">
+          <a:solidFill>
+            <a:schemeClr val="lt1">
+              <a:hueOff val="0"/>
+              <a:satOff val="0"/>
+              <a:lumOff val="0"/>
+              <a:alphaOff val="0"/>
+            </a:schemeClr>
+          </a:solidFill>
+          <a:prstDash val="solid"/>
+          <a:miter lim="800000"/>
+        </a:ln>
+        <a:effectLst/>
+      </dsp:spPr>
+      <dsp:style>
+        <a:lnRef idx="3">
+          <a:scrgbClr r="0" g="0" b="0"/>
+        </a:lnRef>
+        <a:fillRef idx="1">
+          <a:scrgbClr r="0" g="0" b="0"/>
+        </a:fillRef>
+        <a:effectRef idx="1">
+          <a:scrgbClr r="0" g="0" b="0"/>
+        </a:effectRef>
+        <a:fontRef idx="minor">
+          <a:schemeClr val="lt1"/>
+        </a:fontRef>
+      </dsp:style>
+      <dsp:txBody>
+        <a:bodyPr spcFirstLastPara="0" vert="horz" wrap="square" lIns="64770" tIns="64770" rIns="64770" bIns="64770" numCol="1" spcCol="1270" anchor="ctr" anchorCtr="0">
+          <a:noAutofit/>
+        </a:bodyPr>
+        <a:lstStyle/>
+        <a:p>
+          <a:pPr lvl="0" algn="ctr" defTabSz="755650">
+            <a:lnSpc>
+              <a:spcPct val="90000"/>
+            </a:lnSpc>
+            <a:spcBef>
+              <a:spcPct val="0"/>
+            </a:spcBef>
+            <a:spcAft>
+              <a:spcPct val="35000"/>
+            </a:spcAft>
+          </a:pPr>
+          <a:r>
+            <a:rPr lang="en-US" sz="1700" kern="1200" dirty="0" smtClean="0"/>
+            <a:t>Retrieve Applicant’s Credit History</a:t>
+          </a:r>
+          <a:endParaRPr lang="en-US" sz="1700" kern="1200" dirty="0"/>
+        </a:p>
+      </dsp:txBody>
+      <dsp:txXfrm>
+        <a:off x="40005" y="1584053"/>
+        <a:ext cx="2260996" cy="1356598"/>
+      </dsp:txXfrm>
+    </dsp:sp>
+    <dsp:sp modelId="{1C4681E6-90A5-43A5-AF1D-054F12F18D4F}">
+      <dsp:nvSpPr>
+        <dsp:cNvPr id="0" name=""/>
+        <dsp:cNvSpPr/>
+      </dsp:nvSpPr>
+      <dsp:spPr>
+        <a:xfrm>
+          <a:off x="2527101" y="1584053"/>
+          <a:ext cx="2260996" cy="1356598"/>
+        </a:xfrm>
+        <a:prstGeom prst="rect">
+          <a:avLst/>
+        </a:prstGeom>
+        <a:solidFill>
+          <a:schemeClr val="accent1">
+            <a:shade val="50000"/>
+            <a:hueOff val="780526"/>
+            <a:satOff val="-45086"/>
+            <a:lumOff val="49539"/>
+            <a:alphaOff val="0"/>
+          </a:schemeClr>
+        </a:solidFill>
+        <a:ln w="19050" cap="flat" cmpd="sng" algn="ctr">
+          <a:solidFill>
+            <a:schemeClr val="lt1">
+              <a:hueOff val="0"/>
+              <a:satOff val="0"/>
+              <a:lumOff val="0"/>
+              <a:alphaOff val="0"/>
+            </a:schemeClr>
+          </a:solidFill>
+          <a:prstDash val="solid"/>
+          <a:miter lim="800000"/>
+        </a:ln>
+        <a:effectLst/>
+      </dsp:spPr>
+      <dsp:style>
+        <a:lnRef idx="3">
+          <a:scrgbClr r="0" g="0" b="0"/>
+        </a:lnRef>
+        <a:fillRef idx="1">
+          <a:scrgbClr r="0" g="0" b="0"/>
+        </a:fillRef>
+        <a:effectRef idx="1">
+          <a:scrgbClr r="0" g="0" b="0"/>
+        </a:effectRef>
+        <a:fontRef idx="minor">
+          <a:schemeClr val="lt1"/>
+        </a:fontRef>
+      </dsp:style>
+      <dsp:txBody>
+        <a:bodyPr spcFirstLastPara="0" vert="horz" wrap="square" lIns="64770" tIns="64770" rIns="64770" bIns="64770" numCol="1" spcCol="1270" anchor="ctr" anchorCtr="0">
+          <a:noAutofit/>
+        </a:bodyPr>
+        <a:lstStyle/>
+        <a:p>
+          <a:pPr lvl="0" algn="ctr" defTabSz="755650">
+            <a:lnSpc>
+              <a:spcPct val="90000"/>
+            </a:lnSpc>
+            <a:spcBef>
+              <a:spcPct val="0"/>
+            </a:spcBef>
+            <a:spcAft>
+              <a:spcPct val="35000"/>
+            </a:spcAft>
+          </a:pPr>
+          <a:r>
+            <a:rPr lang="en-US" sz="1700" kern="1200" dirty="0" smtClean="0"/>
+            <a:t>Approving the Credit Limit by Bank Officer</a:t>
+          </a:r>
+          <a:endParaRPr lang="en-US" sz="1700" kern="1200" dirty="0"/>
+        </a:p>
+      </dsp:txBody>
+      <dsp:txXfrm>
+        <a:off x="2527101" y="1584053"/>
+        <a:ext cx="2260996" cy="1356598"/>
+      </dsp:txXfrm>
+    </dsp:sp>
+    <dsp:sp modelId="{DEA41B82-6E90-4349-AD1B-B9B98F11E069}">
+      <dsp:nvSpPr>
+        <dsp:cNvPr id="0" name=""/>
+        <dsp:cNvSpPr/>
+      </dsp:nvSpPr>
+      <dsp:spPr>
+        <a:xfrm>
+          <a:off x="5014198" y="1584053"/>
+          <a:ext cx="2260996" cy="1356598"/>
+        </a:xfrm>
+        <a:prstGeom prst="rect">
+          <a:avLst/>
+        </a:prstGeom>
+        <a:solidFill>
+          <a:schemeClr val="accent1">
+            <a:shade val="50000"/>
+            <a:hueOff val="585394"/>
+            <a:satOff val="-33814"/>
+            <a:lumOff val="37154"/>
+            <a:alphaOff val="0"/>
+          </a:schemeClr>
+        </a:solidFill>
+        <a:ln w="19050" cap="flat" cmpd="sng" algn="ctr">
+          <a:solidFill>
+            <a:schemeClr val="lt1">
+              <a:hueOff val="0"/>
+              <a:satOff val="0"/>
+              <a:lumOff val="0"/>
+              <a:alphaOff val="0"/>
+            </a:schemeClr>
+          </a:solidFill>
+          <a:prstDash val="solid"/>
+          <a:miter lim="800000"/>
+        </a:ln>
+        <a:effectLst/>
+      </dsp:spPr>
+      <dsp:style>
+        <a:lnRef idx="3">
+          <a:scrgbClr r="0" g="0" b="0"/>
+        </a:lnRef>
+        <a:fillRef idx="1">
+          <a:scrgbClr r="0" g="0" b="0"/>
+        </a:fillRef>
+        <a:effectRef idx="1">
+          <a:scrgbClr r="0" g="0" b="0"/>
+        </a:effectRef>
+        <a:fontRef idx="minor">
+          <a:schemeClr val="lt1"/>
+        </a:fontRef>
+      </dsp:style>
+      <dsp:txBody>
+        <a:bodyPr spcFirstLastPara="0" vert="horz" wrap="square" lIns="64770" tIns="64770" rIns="64770" bIns="64770" numCol="1" spcCol="1270" anchor="ctr" anchorCtr="0">
+          <a:noAutofit/>
+        </a:bodyPr>
+        <a:lstStyle/>
+        <a:p>
+          <a:pPr lvl="0" algn="ctr" defTabSz="755650">
+            <a:lnSpc>
+              <a:spcPct val="90000"/>
+            </a:lnSpc>
+            <a:spcBef>
+              <a:spcPct val="0"/>
+            </a:spcBef>
+            <a:spcAft>
+              <a:spcPct val="35000"/>
+            </a:spcAft>
+          </a:pPr>
+          <a:r>
+            <a:rPr lang="en-US" sz="1700" kern="1200" dirty="0" smtClean="0"/>
+            <a:t>Retrieving the Property Valuation from the Assessor</a:t>
+          </a:r>
+          <a:endParaRPr lang="en-US" sz="1700" kern="1200" dirty="0"/>
+        </a:p>
+      </dsp:txBody>
+      <dsp:txXfrm>
+        <a:off x="5014198" y="1584053"/>
+        <a:ext cx="2260996" cy="1356598"/>
+      </dsp:txXfrm>
+    </dsp:sp>
+    <dsp:sp modelId="{04506B76-3E30-4CD8-8F67-F8597089510D}">
+      <dsp:nvSpPr>
+        <dsp:cNvPr id="0" name=""/>
+        <dsp:cNvSpPr/>
+      </dsp:nvSpPr>
+      <dsp:spPr>
+        <a:xfrm>
+          <a:off x="1283553" y="3166751"/>
+          <a:ext cx="2260996" cy="1356598"/>
+        </a:xfrm>
+        <a:prstGeom prst="rect">
+          <a:avLst/>
+        </a:prstGeom>
+        <a:solidFill>
+          <a:schemeClr val="accent1">
+            <a:shade val="50000"/>
+            <a:hueOff val="390263"/>
+            <a:satOff val="-22543"/>
+            <a:lumOff val="24770"/>
+            <a:alphaOff val="0"/>
+          </a:schemeClr>
+        </a:solidFill>
+        <a:ln w="19050" cap="flat" cmpd="sng" algn="ctr">
+          <a:solidFill>
+            <a:schemeClr val="lt1">
+              <a:hueOff val="0"/>
+              <a:satOff val="0"/>
+              <a:lumOff val="0"/>
+              <a:alphaOff val="0"/>
+            </a:schemeClr>
+          </a:solidFill>
+          <a:prstDash val="solid"/>
+          <a:miter lim="800000"/>
+        </a:ln>
+        <a:effectLst/>
+      </dsp:spPr>
+      <dsp:style>
+        <a:lnRef idx="3">
+          <a:scrgbClr r="0" g="0" b="0"/>
+        </a:lnRef>
+        <a:fillRef idx="1">
+          <a:scrgbClr r="0" g="0" b="0"/>
+        </a:fillRef>
+        <a:effectRef idx="1">
+          <a:scrgbClr r="0" g="0" b="0"/>
+        </a:effectRef>
+        <a:fontRef idx="minor">
+          <a:schemeClr val="lt1"/>
+        </a:fontRef>
+      </dsp:style>
+      <dsp:txBody>
+        <a:bodyPr spcFirstLastPara="0" vert="horz" wrap="square" lIns="64770" tIns="64770" rIns="64770" bIns="64770" numCol="1" spcCol="1270" anchor="ctr" anchorCtr="0">
+          <a:noAutofit/>
+        </a:bodyPr>
+        <a:lstStyle/>
+        <a:p>
+          <a:pPr lvl="0" algn="ctr" defTabSz="755650">
+            <a:lnSpc>
+              <a:spcPct val="90000"/>
+            </a:lnSpc>
+            <a:spcBef>
+              <a:spcPct val="0"/>
+            </a:spcBef>
+            <a:spcAft>
+              <a:spcPct val="35000"/>
+            </a:spcAft>
+          </a:pPr>
+          <a:r>
+            <a:rPr lang="en-US" sz="1700" kern="1200" dirty="0" smtClean="0"/>
+            <a:t>Approving Loan Application based on the Assessment</a:t>
+          </a:r>
+          <a:endParaRPr lang="en-US" sz="1700" kern="1200" dirty="0"/>
+        </a:p>
+      </dsp:txBody>
+      <dsp:txXfrm>
+        <a:off x="1283553" y="3166751"/>
+        <a:ext cx="2260996" cy="1356598"/>
+      </dsp:txXfrm>
+    </dsp:sp>
+    <dsp:sp modelId="{F2CA87C4-7BF9-425D-90B0-5D45FDABD5BF}">
+      <dsp:nvSpPr>
+        <dsp:cNvPr id="0" name=""/>
+        <dsp:cNvSpPr/>
+      </dsp:nvSpPr>
+      <dsp:spPr>
+        <a:xfrm>
+          <a:off x="3770649" y="3166751"/>
+          <a:ext cx="2260996" cy="1356598"/>
+        </a:xfrm>
+        <a:prstGeom prst="rect">
+          <a:avLst/>
+        </a:prstGeom>
+        <a:solidFill>
+          <a:schemeClr val="accent1">
+            <a:shade val="50000"/>
+            <a:hueOff val="195131"/>
+            <a:satOff val="-11271"/>
+            <a:lumOff val="12385"/>
+            <a:alphaOff val="0"/>
+          </a:schemeClr>
+        </a:solidFill>
+        <a:ln w="19050" cap="flat" cmpd="sng" algn="ctr">
+          <a:solidFill>
+            <a:schemeClr val="lt1">
+              <a:hueOff val="0"/>
+              <a:satOff val="0"/>
+              <a:lumOff val="0"/>
+              <a:alphaOff val="0"/>
+            </a:schemeClr>
+          </a:solidFill>
+          <a:prstDash val="solid"/>
+          <a:miter lim="800000"/>
+        </a:ln>
+        <a:effectLst/>
+      </dsp:spPr>
+      <dsp:style>
+        <a:lnRef idx="3">
+          <a:scrgbClr r="0" g="0" b="0"/>
+        </a:lnRef>
+        <a:fillRef idx="1">
+          <a:scrgbClr r="0" g="0" b="0"/>
+        </a:fillRef>
+        <a:effectRef idx="1">
+          <a:scrgbClr r="0" g="0" b="0"/>
+        </a:effectRef>
+        <a:fontRef idx="minor">
+          <a:schemeClr val="lt1"/>
+        </a:fontRef>
+      </dsp:style>
+      <dsp:txBody>
+        <a:bodyPr spcFirstLastPara="0" vert="horz" wrap="square" lIns="64770" tIns="64770" rIns="64770" bIns="64770" numCol="1" spcCol="1270" anchor="ctr" anchorCtr="0">
+          <a:noAutofit/>
+        </a:bodyPr>
+        <a:lstStyle/>
+        <a:p>
+          <a:pPr lvl="0" algn="ctr" defTabSz="755650">
+            <a:lnSpc>
+              <a:spcPct val="90000"/>
+            </a:lnSpc>
+            <a:spcBef>
+              <a:spcPct val="0"/>
+            </a:spcBef>
+            <a:spcAft>
+              <a:spcPct val="35000"/>
+            </a:spcAft>
+          </a:pPr>
+          <a:r>
+            <a:rPr lang="en-US" sz="1700" kern="1200" dirty="0" smtClean="0"/>
+            <a:t>Rejecting the Loan Application based anytime based on Credit and property assessment</a:t>
+          </a:r>
+          <a:endParaRPr lang="en-US" sz="1700" kern="1200" dirty="0"/>
+        </a:p>
+      </dsp:txBody>
+      <dsp:txXfrm>
+        <a:off x="3770649" y="3166751"/>
+        <a:ext cx="2260996" cy="1356598"/>
+      </dsp:txXfrm>
+    </dsp:sp>
   </dsp:spTree>
 </dsp:drawing>
 </file>
@@ -2726,7 +3357,7 @@
           <p:cNvPr id="2" name="Title 1">
             <a:extLst>
               <a:ext uri="{FF2B5EF4-FFF2-40B4-BE49-F238E27FC236}">
-                <a16:creationId xmlns="" xmlns:a16="http://schemas.microsoft.com/office/drawing/2014/main" id="{8644F563-5448-4EAF-8B6F-F9B570758BE0}"/>
+                <a16:creationId xmlns:a16="http://schemas.microsoft.com/office/drawing/2014/main" xmlns="" id="{8644F563-5448-4EAF-8B6F-F9B570758BE0}"/>
               </a:ext>
             </a:extLst>
           </p:cNvPr>
@@ -2763,7 +3394,7 @@
           <p:cNvPr id="3" name="Subtitle 2">
             <a:extLst>
               <a:ext uri="{FF2B5EF4-FFF2-40B4-BE49-F238E27FC236}">
-                <a16:creationId xmlns="" xmlns:a16="http://schemas.microsoft.com/office/drawing/2014/main" id="{17E12E8B-7789-400F-9794-7CF27A2AA136}"/>
+                <a16:creationId xmlns:a16="http://schemas.microsoft.com/office/drawing/2014/main" xmlns="" id="{17E12E8B-7789-400F-9794-7CF27A2AA136}"/>
               </a:ext>
             </a:extLst>
           </p:cNvPr>
@@ -2833,7 +3464,7 @@
           <p:cNvPr id="4" name="Date Placeholder 3">
             <a:extLst>
               <a:ext uri="{FF2B5EF4-FFF2-40B4-BE49-F238E27FC236}">
-                <a16:creationId xmlns="" xmlns:a16="http://schemas.microsoft.com/office/drawing/2014/main" id="{F7D26E30-F0AE-47FF-A275-42A978481391}"/>
+                <a16:creationId xmlns:a16="http://schemas.microsoft.com/office/drawing/2014/main" xmlns="" id="{F7D26E30-F0AE-47FF-A275-42A978481391}"/>
               </a:ext>
             </a:extLst>
           </p:cNvPr>
@@ -2862,7 +3493,7 @@
           <p:cNvPr id="5" name="Footer Placeholder 4">
             <a:extLst>
               <a:ext uri="{FF2B5EF4-FFF2-40B4-BE49-F238E27FC236}">
-                <a16:creationId xmlns="" xmlns:a16="http://schemas.microsoft.com/office/drawing/2014/main" id="{14509DCC-A43C-473D-BD5D-7406B17AB708}"/>
+                <a16:creationId xmlns:a16="http://schemas.microsoft.com/office/drawing/2014/main" xmlns="" id="{14509DCC-A43C-473D-BD5D-7406B17AB708}"/>
               </a:ext>
             </a:extLst>
           </p:cNvPr>
@@ -2887,7 +3518,7 @@
           <p:cNvPr id="6" name="Slide Number Placeholder 5">
             <a:extLst>
               <a:ext uri="{FF2B5EF4-FFF2-40B4-BE49-F238E27FC236}">
-                <a16:creationId xmlns="" xmlns:a16="http://schemas.microsoft.com/office/drawing/2014/main" id="{F40797F9-B52C-4F40-9C91-51A5DFF05935}"/>
+                <a16:creationId xmlns:a16="http://schemas.microsoft.com/office/drawing/2014/main" xmlns="" id="{F40797F9-B52C-4F40-9C91-51A5DFF05935}"/>
               </a:ext>
             </a:extLst>
           </p:cNvPr>
@@ -2946,7 +3577,7 @@
           <p:cNvPr id="2" name="Title 1">
             <a:extLst>
               <a:ext uri="{FF2B5EF4-FFF2-40B4-BE49-F238E27FC236}">
-                <a16:creationId xmlns="" xmlns:a16="http://schemas.microsoft.com/office/drawing/2014/main" id="{53857DE8-1BD3-42CF-81A9-0711B9CBBE13}"/>
+                <a16:creationId xmlns:a16="http://schemas.microsoft.com/office/drawing/2014/main" xmlns="" id="{53857DE8-1BD3-42CF-81A9-0711B9CBBE13}"/>
               </a:ext>
             </a:extLst>
           </p:cNvPr>
@@ -2974,7 +3605,7 @@
           <p:cNvPr id="3" name="Vertical Text Placeholder 2">
             <a:extLst>
               <a:ext uri="{FF2B5EF4-FFF2-40B4-BE49-F238E27FC236}">
-                <a16:creationId xmlns="" xmlns:a16="http://schemas.microsoft.com/office/drawing/2014/main" id="{A42E2F5B-28A3-495B-94AE-843A6D8A30D0}"/>
+                <a16:creationId xmlns:a16="http://schemas.microsoft.com/office/drawing/2014/main" xmlns="" id="{A42E2F5B-28A3-495B-94AE-843A6D8A30D0}"/>
               </a:ext>
             </a:extLst>
           </p:cNvPr>
@@ -3031,7 +3662,7 @@
           <p:cNvPr id="4" name="Date Placeholder 3">
             <a:extLst>
               <a:ext uri="{FF2B5EF4-FFF2-40B4-BE49-F238E27FC236}">
-                <a16:creationId xmlns="" xmlns:a16="http://schemas.microsoft.com/office/drawing/2014/main" id="{7511E3DC-1DD5-4713-8E4B-27B491A13B72}"/>
+                <a16:creationId xmlns:a16="http://schemas.microsoft.com/office/drawing/2014/main" xmlns="" id="{7511E3DC-1DD5-4713-8E4B-27B491A13B72}"/>
               </a:ext>
             </a:extLst>
           </p:cNvPr>
@@ -3060,7 +3691,7 @@
           <p:cNvPr id="5" name="Footer Placeholder 4">
             <a:extLst>
               <a:ext uri="{FF2B5EF4-FFF2-40B4-BE49-F238E27FC236}">
-                <a16:creationId xmlns="" xmlns:a16="http://schemas.microsoft.com/office/drawing/2014/main" id="{048B2C3D-596A-4FCE-ADA1-345245362531}"/>
+                <a16:creationId xmlns:a16="http://schemas.microsoft.com/office/drawing/2014/main" xmlns="" id="{048B2C3D-596A-4FCE-ADA1-345245362531}"/>
               </a:ext>
             </a:extLst>
           </p:cNvPr>
@@ -3085,7 +3716,7 @@
           <p:cNvPr id="6" name="Slide Number Placeholder 5">
             <a:extLst>
               <a:ext uri="{FF2B5EF4-FFF2-40B4-BE49-F238E27FC236}">
-                <a16:creationId xmlns="" xmlns:a16="http://schemas.microsoft.com/office/drawing/2014/main" id="{AA6D4FB6-FFC5-42C0-9736-CFDE228E3E6D}"/>
+                <a16:creationId xmlns:a16="http://schemas.microsoft.com/office/drawing/2014/main" xmlns="" id="{AA6D4FB6-FFC5-42C0-9736-CFDE228E3E6D}"/>
               </a:ext>
             </a:extLst>
           </p:cNvPr>
@@ -3144,7 +3775,7 @@
           <p:cNvPr id="2" name="Vertical Title 1">
             <a:extLst>
               <a:ext uri="{FF2B5EF4-FFF2-40B4-BE49-F238E27FC236}">
-                <a16:creationId xmlns="" xmlns:a16="http://schemas.microsoft.com/office/drawing/2014/main" id="{0218D389-DEF8-4742-81AD-66F291EE2608}"/>
+                <a16:creationId xmlns:a16="http://schemas.microsoft.com/office/drawing/2014/main" xmlns="" id="{0218D389-DEF8-4742-81AD-66F291EE2608}"/>
               </a:ext>
             </a:extLst>
           </p:cNvPr>
@@ -3177,7 +3808,7 @@
           <p:cNvPr id="3" name="Vertical Text Placeholder 2">
             <a:extLst>
               <a:ext uri="{FF2B5EF4-FFF2-40B4-BE49-F238E27FC236}">
-                <a16:creationId xmlns="" xmlns:a16="http://schemas.microsoft.com/office/drawing/2014/main" id="{0C6AB7D0-AA87-4D80-85B5-0E9D2CE64AB0}"/>
+                <a16:creationId xmlns:a16="http://schemas.microsoft.com/office/drawing/2014/main" xmlns="" id="{0C6AB7D0-AA87-4D80-85B5-0E9D2CE64AB0}"/>
               </a:ext>
             </a:extLst>
           </p:cNvPr>
@@ -3239,7 +3870,7 @@
           <p:cNvPr id="4" name="Date Placeholder 3">
             <a:extLst>
               <a:ext uri="{FF2B5EF4-FFF2-40B4-BE49-F238E27FC236}">
-                <a16:creationId xmlns="" xmlns:a16="http://schemas.microsoft.com/office/drawing/2014/main" id="{02742176-7B18-45DA-A582-2E0B93A27FC6}"/>
+                <a16:creationId xmlns:a16="http://schemas.microsoft.com/office/drawing/2014/main" xmlns="" id="{02742176-7B18-45DA-A582-2E0B93A27FC6}"/>
               </a:ext>
             </a:extLst>
           </p:cNvPr>
@@ -3268,7 +3899,7 @@
           <p:cNvPr id="5" name="Footer Placeholder 4">
             <a:extLst>
               <a:ext uri="{FF2B5EF4-FFF2-40B4-BE49-F238E27FC236}">
-                <a16:creationId xmlns="" xmlns:a16="http://schemas.microsoft.com/office/drawing/2014/main" id="{88A9A0D3-490A-4A9C-899F-FA34BE21C1F3}"/>
+                <a16:creationId xmlns:a16="http://schemas.microsoft.com/office/drawing/2014/main" xmlns="" id="{88A9A0D3-490A-4A9C-899F-FA34BE21C1F3}"/>
               </a:ext>
             </a:extLst>
           </p:cNvPr>
@@ -3293,7 +3924,7 @@
           <p:cNvPr id="6" name="Slide Number Placeholder 5">
             <a:extLst>
               <a:ext uri="{FF2B5EF4-FFF2-40B4-BE49-F238E27FC236}">
-                <a16:creationId xmlns="" xmlns:a16="http://schemas.microsoft.com/office/drawing/2014/main" id="{385123BB-9E7F-4D41-AE39-61C5436F4268}"/>
+                <a16:creationId xmlns:a16="http://schemas.microsoft.com/office/drawing/2014/main" xmlns="" id="{385123BB-9E7F-4D41-AE39-61C5436F4268}"/>
               </a:ext>
             </a:extLst>
           </p:cNvPr>
@@ -3352,7 +3983,7 @@
           <p:cNvPr id="2" name="Title 1">
             <a:extLst>
               <a:ext uri="{FF2B5EF4-FFF2-40B4-BE49-F238E27FC236}">
-                <a16:creationId xmlns="" xmlns:a16="http://schemas.microsoft.com/office/drawing/2014/main" id="{615BEA8E-C18A-4B51-B954-2506E80A5A5B}"/>
+                <a16:creationId xmlns:a16="http://schemas.microsoft.com/office/drawing/2014/main" xmlns="" id="{615BEA8E-C18A-4B51-B954-2506E80A5A5B}"/>
               </a:ext>
             </a:extLst>
           </p:cNvPr>
@@ -3380,7 +4011,7 @@
           <p:cNvPr id="3" name="Content Placeholder 2">
             <a:extLst>
               <a:ext uri="{FF2B5EF4-FFF2-40B4-BE49-F238E27FC236}">
-                <a16:creationId xmlns="" xmlns:a16="http://schemas.microsoft.com/office/drawing/2014/main" id="{2B0CD9A7-0600-424F-9140-9DE80DD38006}"/>
+                <a16:creationId xmlns:a16="http://schemas.microsoft.com/office/drawing/2014/main" xmlns="" id="{2B0CD9A7-0600-424F-9140-9DE80DD38006}"/>
               </a:ext>
             </a:extLst>
           </p:cNvPr>
@@ -3437,7 +4068,7 @@
           <p:cNvPr id="4" name="Date Placeholder 3">
             <a:extLst>
               <a:ext uri="{FF2B5EF4-FFF2-40B4-BE49-F238E27FC236}">
-                <a16:creationId xmlns="" xmlns:a16="http://schemas.microsoft.com/office/drawing/2014/main" id="{594B4FD3-55C6-4233-82EC-643EE7C4D423}"/>
+                <a16:creationId xmlns:a16="http://schemas.microsoft.com/office/drawing/2014/main" xmlns="" id="{594B4FD3-55C6-4233-82EC-643EE7C4D423}"/>
               </a:ext>
             </a:extLst>
           </p:cNvPr>
@@ -3466,7 +4097,7 @@
           <p:cNvPr id="5" name="Footer Placeholder 4">
             <a:extLst>
               <a:ext uri="{FF2B5EF4-FFF2-40B4-BE49-F238E27FC236}">
-                <a16:creationId xmlns="" xmlns:a16="http://schemas.microsoft.com/office/drawing/2014/main" id="{3FAE2A83-6391-48EF-8111-14D78515A689}"/>
+                <a16:creationId xmlns:a16="http://schemas.microsoft.com/office/drawing/2014/main" xmlns="" id="{3FAE2A83-6391-48EF-8111-14D78515A689}"/>
               </a:ext>
             </a:extLst>
           </p:cNvPr>
@@ -3491,7 +4122,7 @@
           <p:cNvPr id="6" name="Slide Number Placeholder 5">
             <a:extLst>
               <a:ext uri="{FF2B5EF4-FFF2-40B4-BE49-F238E27FC236}">
-                <a16:creationId xmlns="" xmlns:a16="http://schemas.microsoft.com/office/drawing/2014/main" id="{D115D32F-22EB-4E1E-8EA4-024C392233FF}"/>
+                <a16:creationId xmlns:a16="http://schemas.microsoft.com/office/drawing/2014/main" xmlns="" id="{D115D32F-22EB-4E1E-8EA4-024C392233FF}"/>
               </a:ext>
             </a:extLst>
           </p:cNvPr>
@@ -3550,7 +4181,7 @@
           <p:cNvPr id="2" name="Title 1">
             <a:extLst>
               <a:ext uri="{FF2B5EF4-FFF2-40B4-BE49-F238E27FC236}">
-                <a16:creationId xmlns="" xmlns:a16="http://schemas.microsoft.com/office/drawing/2014/main" id="{7E46BAA7-B7B1-4D2C-AEFA-7115C75BFDE7}"/>
+                <a16:creationId xmlns:a16="http://schemas.microsoft.com/office/drawing/2014/main" xmlns="" id="{7E46BAA7-B7B1-4D2C-AEFA-7115C75BFDE7}"/>
               </a:ext>
             </a:extLst>
           </p:cNvPr>
@@ -3587,7 +4218,7 @@
           <p:cNvPr id="3" name="Text Placeholder 2">
             <a:extLst>
               <a:ext uri="{FF2B5EF4-FFF2-40B4-BE49-F238E27FC236}">
-                <a16:creationId xmlns="" xmlns:a16="http://schemas.microsoft.com/office/drawing/2014/main" id="{FA974AF7-0457-44D4-8F48-1A145B5B29D3}"/>
+                <a16:creationId xmlns:a16="http://schemas.microsoft.com/office/drawing/2014/main" xmlns="" id="{FA974AF7-0457-44D4-8F48-1A145B5B29D3}"/>
               </a:ext>
             </a:extLst>
           </p:cNvPr>
@@ -3712,7 +4343,7 @@
           <p:cNvPr id="4" name="Date Placeholder 3">
             <a:extLst>
               <a:ext uri="{FF2B5EF4-FFF2-40B4-BE49-F238E27FC236}">
-                <a16:creationId xmlns="" xmlns:a16="http://schemas.microsoft.com/office/drawing/2014/main" id="{5776E5E1-2EE8-4A7F-BD1C-1E4A830CD5A3}"/>
+                <a16:creationId xmlns:a16="http://schemas.microsoft.com/office/drawing/2014/main" xmlns="" id="{5776E5E1-2EE8-4A7F-BD1C-1E4A830CD5A3}"/>
               </a:ext>
             </a:extLst>
           </p:cNvPr>
@@ -3741,7 +4372,7 @@
           <p:cNvPr id="5" name="Footer Placeholder 4">
             <a:extLst>
               <a:ext uri="{FF2B5EF4-FFF2-40B4-BE49-F238E27FC236}">
-                <a16:creationId xmlns="" xmlns:a16="http://schemas.microsoft.com/office/drawing/2014/main" id="{8633053A-5A49-4A71-99DF-7A934D3EB44F}"/>
+                <a16:creationId xmlns:a16="http://schemas.microsoft.com/office/drawing/2014/main" xmlns="" id="{8633053A-5A49-4A71-99DF-7A934D3EB44F}"/>
               </a:ext>
             </a:extLst>
           </p:cNvPr>
@@ -3766,7 +4397,7 @@
           <p:cNvPr id="6" name="Slide Number Placeholder 5">
             <a:extLst>
               <a:ext uri="{FF2B5EF4-FFF2-40B4-BE49-F238E27FC236}">
-                <a16:creationId xmlns="" xmlns:a16="http://schemas.microsoft.com/office/drawing/2014/main" id="{1722784E-203B-438F-B2E7-8C78F749F88A}"/>
+                <a16:creationId xmlns:a16="http://schemas.microsoft.com/office/drawing/2014/main" xmlns="" id="{1722784E-203B-438F-B2E7-8C78F749F88A}"/>
               </a:ext>
             </a:extLst>
           </p:cNvPr>
@@ -3825,7 +4456,7 @@
           <p:cNvPr id="2" name="Title 1">
             <a:extLst>
               <a:ext uri="{FF2B5EF4-FFF2-40B4-BE49-F238E27FC236}">
-                <a16:creationId xmlns="" xmlns:a16="http://schemas.microsoft.com/office/drawing/2014/main" id="{ACFF0B98-C86F-4E33-BD52-7D2746ADBF8A}"/>
+                <a16:creationId xmlns:a16="http://schemas.microsoft.com/office/drawing/2014/main" xmlns="" id="{ACFF0B98-C86F-4E33-BD52-7D2746ADBF8A}"/>
               </a:ext>
             </a:extLst>
           </p:cNvPr>
@@ -3853,7 +4484,7 @@
           <p:cNvPr id="3" name="Content Placeholder 2">
             <a:extLst>
               <a:ext uri="{FF2B5EF4-FFF2-40B4-BE49-F238E27FC236}">
-                <a16:creationId xmlns="" xmlns:a16="http://schemas.microsoft.com/office/drawing/2014/main" id="{767BB0FC-7A6C-41A0-B600-E03D6F840CD2}"/>
+                <a16:creationId xmlns:a16="http://schemas.microsoft.com/office/drawing/2014/main" xmlns="" id="{767BB0FC-7A6C-41A0-B600-E03D6F840CD2}"/>
               </a:ext>
             </a:extLst>
           </p:cNvPr>
@@ -3915,7 +4546,7 @@
           <p:cNvPr id="4" name="Content Placeholder 3">
             <a:extLst>
               <a:ext uri="{FF2B5EF4-FFF2-40B4-BE49-F238E27FC236}">
-                <a16:creationId xmlns="" xmlns:a16="http://schemas.microsoft.com/office/drawing/2014/main" id="{4522A99C-31D2-4612-9303-7A584F0E6838}"/>
+                <a16:creationId xmlns:a16="http://schemas.microsoft.com/office/drawing/2014/main" xmlns="" id="{4522A99C-31D2-4612-9303-7A584F0E6838}"/>
               </a:ext>
             </a:extLst>
           </p:cNvPr>
@@ -3977,7 +4608,7 @@
           <p:cNvPr id="5" name="Date Placeholder 4">
             <a:extLst>
               <a:ext uri="{FF2B5EF4-FFF2-40B4-BE49-F238E27FC236}">
-                <a16:creationId xmlns="" xmlns:a16="http://schemas.microsoft.com/office/drawing/2014/main" id="{0D894365-66B7-4D17-BEA7-76B435D8A89C}"/>
+                <a16:creationId xmlns:a16="http://schemas.microsoft.com/office/drawing/2014/main" xmlns="" id="{0D894365-66B7-4D17-BEA7-76B435D8A89C}"/>
               </a:ext>
             </a:extLst>
           </p:cNvPr>
@@ -4006,7 +4637,7 @@
           <p:cNvPr id="6" name="Footer Placeholder 5">
             <a:extLst>
               <a:ext uri="{FF2B5EF4-FFF2-40B4-BE49-F238E27FC236}">
-                <a16:creationId xmlns="" xmlns:a16="http://schemas.microsoft.com/office/drawing/2014/main" id="{1C859067-E34A-4A43-A50F-0128A4EC970D}"/>
+                <a16:creationId xmlns:a16="http://schemas.microsoft.com/office/drawing/2014/main" xmlns="" id="{1C859067-E34A-4A43-A50F-0128A4EC970D}"/>
               </a:ext>
             </a:extLst>
           </p:cNvPr>
@@ -4031,7 +4662,7 @@
           <p:cNvPr id="7" name="Slide Number Placeholder 6">
             <a:extLst>
               <a:ext uri="{FF2B5EF4-FFF2-40B4-BE49-F238E27FC236}">
-                <a16:creationId xmlns="" xmlns:a16="http://schemas.microsoft.com/office/drawing/2014/main" id="{D6007750-081C-48B8-ACC6-8AA860610D27}"/>
+                <a16:creationId xmlns:a16="http://schemas.microsoft.com/office/drawing/2014/main" xmlns="" id="{D6007750-081C-48B8-ACC6-8AA860610D27}"/>
               </a:ext>
             </a:extLst>
           </p:cNvPr>
@@ -4090,7 +4721,7 @@
           <p:cNvPr id="2" name="Title 1">
             <a:extLst>
               <a:ext uri="{FF2B5EF4-FFF2-40B4-BE49-F238E27FC236}">
-                <a16:creationId xmlns="" xmlns:a16="http://schemas.microsoft.com/office/drawing/2014/main" id="{26818377-3B8B-4E05-93B2-8201883756A0}"/>
+                <a16:creationId xmlns:a16="http://schemas.microsoft.com/office/drawing/2014/main" xmlns="" id="{26818377-3B8B-4E05-93B2-8201883756A0}"/>
               </a:ext>
             </a:extLst>
           </p:cNvPr>
@@ -4123,7 +4754,7 @@
           <p:cNvPr id="3" name="Text Placeholder 2">
             <a:extLst>
               <a:ext uri="{FF2B5EF4-FFF2-40B4-BE49-F238E27FC236}">
-                <a16:creationId xmlns="" xmlns:a16="http://schemas.microsoft.com/office/drawing/2014/main" id="{FB240A1D-26F3-406B-84B4-9A54EC9DFB9A}"/>
+                <a16:creationId xmlns:a16="http://schemas.microsoft.com/office/drawing/2014/main" xmlns="" id="{FB240A1D-26F3-406B-84B4-9A54EC9DFB9A}"/>
               </a:ext>
             </a:extLst>
           </p:cNvPr>
@@ -4194,7 +4825,7 @@
           <p:cNvPr id="4" name="Content Placeholder 3">
             <a:extLst>
               <a:ext uri="{FF2B5EF4-FFF2-40B4-BE49-F238E27FC236}">
-                <a16:creationId xmlns="" xmlns:a16="http://schemas.microsoft.com/office/drawing/2014/main" id="{B25849A7-DB99-4271-9E5E-21EC4B196BF5}"/>
+                <a16:creationId xmlns:a16="http://schemas.microsoft.com/office/drawing/2014/main" xmlns="" id="{B25849A7-DB99-4271-9E5E-21EC4B196BF5}"/>
               </a:ext>
             </a:extLst>
           </p:cNvPr>
@@ -4256,7 +4887,7 @@
           <p:cNvPr id="5" name="Text Placeholder 4">
             <a:extLst>
               <a:ext uri="{FF2B5EF4-FFF2-40B4-BE49-F238E27FC236}">
-                <a16:creationId xmlns="" xmlns:a16="http://schemas.microsoft.com/office/drawing/2014/main" id="{84E364E0-0981-4174-AC8C-7B8AFC62E477}"/>
+                <a16:creationId xmlns:a16="http://schemas.microsoft.com/office/drawing/2014/main" xmlns="" id="{84E364E0-0981-4174-AC8C-7B8AFC62E477}"/>
               </a:ext>
             </a:extLst>
           </p:cNvPr>
@@ -4327,7 +4958,7 @@
           <p:cNvPr id="6" name="Content Placeholder 5">
             <a:extLst>
               <a:ext uri="{FF2B5EF4-FFF2-40B4-BE49-F238E27FC236}">
-                <a16:creationId xmlns="" xmlns:a16="http://schemas.microsoft.com/office/drawing/2014/main" id="{58EA8E32-50E2-46E5-A16A-22A64FDAAE71}"/>
+                <a16:creationId xmlns:a16="http://schemas.microsoft.com/office/drawing/2014/main" xmlns="" id="{58EA8E32-50E2-46E5-A16A-22A64FDAAE71}"/>
               </a:ext>
             </a:extLst>
           </p:cNvPr>
@@ -4389,7 +5020,7 @@
           <p:cNvPr id="7" name="Date Placeholder 6">
             <a:extLst>
               <a:ext uri="{FF2B5EF4-FFF2-40B4-BE49-F238E27FC236}">
-                <a16:creationId xmlns="" xmlns:a16="http://schemas.microsoft.com/office/drawing/2014/main" id="{D0E340B1-FB27-46EB-AA7B-3BC20D9BB7B4}"/>
+                <a16:creationId xmlns:a16="http://schemas.microsoft.com/office/drawing/2014/main" xmlns="" id="{D0E340B1-FB27-46EB-AA7B-3BC20D9BB7B4}"/>
               </a:ext>
             </a:extLst>
           </p:cNvPr>
@@ -4418,7 +5049,7 @@
           <p:cNvPr id="8" name="Footer Placeholder 7">
             <a:extLst>
               <a:ext uri="{FF2B5EF4-FFF2-40B4-BE49-F238E27FC236}">
-                <a16:creationId xmlns="" xmlns:a16="http://schemas.microsoft.com/office/drawing/2014/main" id="{46F24CC1-C65F-438B-989F-5A5C772A0A2C}"/>
+                <a16:creationId xmlns:a16="http://schemas.microsoft.com/office/drawing/2014/main" xmlns="" id="{46F24CC1-C65F-438B-989F-5A5C772A0A2C}"/>
               </a:ext>
             </a:extLst>
           </p:cNvPr>
@@ -4443,7 +5074,7 @@
           <p:cNvPr id="9" name="Slide Number Placeholder 8">
             <a:extLst>
               <a:ext uri="{FF2B5EF4-FFF2-40B4-BE49-F238E27FC236}">
-                <a16:creationId xmlns="" xmlns:a16="http://schemas.microsoft.com/office/drawing/2014/main" id="{35A43C97-0878-443E-8A4A-8784569E98CA}"/>
+                <a16:creationId xmlns:a16="http://schemas.microsoft.com/office/drawing/2014/main" xmlns="" id="{35A43C97-0878-443E-8A4A-8784569E98CA}"/>
               </a:ext>
             </a:extLst>
           </p:cNvPr>
@@ -4502,7 +5133,7 @@
           <p:cNvPr id="2" name="Title 1">
             <a:extLst>
               <a:ext uri="{FF2B5EF4-FFF2-40B4-BE49-F238E27FC236}">
-                <a16:creationId xmlns="" xmlns:a16="http://schemas.microsoft.com/office/drawing/2014/main" id="{EB2168A2-739C-4634-AB65-CA0330512692}"/>
+                <a16:creationId xmlns:a16="http://schemas.microsoft.com/office/drawing/2014/main" xmlns="" id="{EB2168A2-739C-4634-AB65-CA0330512692}"/>
               </a:ext>
             </a:extLst>
           </p:cNvPr>
@@ -4530,7 +5161,7 @@
           <p:cNvPr id="3" name="Date Placeholder 2">
             <a:extLst>
               <a:ext uri="{FF2B5EF4-FFF2-40B4-BE49-F238E27FC236}">
-                <a16:creationId xmlns="" xmlns:a16="http://schemas.microsoft.com/office/drawing/2014/main" id="{539BE235-0A77-4007-8E51-B7533A470979}"/>
+                <a16:creationId xmlns:a16="http://schemas.microsoft.com/office/drawing/2014/main" xmlns="" id="{539BE235-0A77-4007-8E51-B7533A470979}"/>
               </a:ext>
             </a:extLst>
           </p:cNvPr>
@@ -4559,7 +5190,7 @@
           <p:cNvPr id="4" name="Footer Placeholder 3">
             <a:extLst>
               <a:ext uri="{FF2B5EF4-FFF2-40B4-BE49-F238E27FC236}">
-                <a16:creationId xmlns="" xmlns:a16="http://schemas.microsoft.com/office/drawing/2014/main" id="{9EDB3B65-5A4F-485C-AD6F-22F538895B97}"/>
+                <a16:creationId xmlns:a16="http://schemas.microsoft.com/office/drawing/2014/main" xmlns="" id="{9EDB3B65-5A4F-485C-AD6F-22F538895B97}"/>
               </a:ext>
             </a:extLst>
           </p:cNvPr>
@@ -4584,7 +5215,7 @@
           <p:cNvPr id="5" name="Slide Number Placeholder 4">
             <a:extLst>
               <a:ext uri="{FF2B5EF4-FFF2-40B4-BE49-F238E27FC236}">
-                <a16:creationId xmlns="" xmlns:a16="http://schemas.microsoft.com/office/drawing/2014/main" id="{A3CB8EDC-7C1E-4067-A419-C5E74435A391}"/>
+                <a16:creationId xmlns:a16="http://schemas.microsoft.com/office/drawing/2014/main" xmlns="" id="{A3CB8EDC-7C1E-4067-A419-C5E74435A391}"/>
               </a:ext>
             </a:extLst>
           </p:cNvPr>
@@ -4643,7 +5274,7 @@
           <p:cNvPr id="2" name="Date Placeholder 1">
             <a:extLst>
               <a:ext uri="{FF2B5EF4-FFF2-40B4-BE49-F238E27FC236}">
-                <a16:creationId xmlns="" xmlns:a16="http://schemas.microsoft.com/office/drawing/2014/main" id="{480415F0-37C0-4850-AEDE-601A7B0E07F3}"/>
+                <a16:creationId xmlns:a16="http://schemas.microsoft.com/office/drawing/2014/main" xmlns="" id="{480415F0-37C0-4850-AEDE-601A7B0E07F3}"/>
               </a:ext>
             </a:extLst>
           </p:cNvPr>
@@ -4672,7 +5303,7 @@
           <p:cNvPr id="3" name="Footer Placeholder 2">
             <a:extLst>
               <a:ext uri="{FF2B5EF4-FFF2-40B4-BE49-F238E27FC236}">
-                <a16:creationId xmlns="" xmlns:a16="http://schemas.microsoft.com/office/drawing/2014/main" id="{5104897F-BA1F-48DA-80F2-5045C65EA82D}"/>
+                <a16:creationId xmlns:a16="http://schemas.microsoft.com/office/drawing/2014/main" xmlns="" id="{5104897F-BA1F-48DA-80F2-5045C65EA82D}"/>
               </a:ext>
             </a:extLst>
           </p:cNvPr>
@@ -4697,7 +5328,7 @@
           <p:cNvPr id="4" name="Slide Number Placeholder 3">
             <a:extLst>
               <a:ext uri="{FF2B5EF4-FFF2-40B4-BE49-F238E27FC236}">
-                <a16:creationId xmlns="" xmlns:a16="http://schemas.microsoft.com/office/drawing/2014/main" id="{7175411A-CF7F-4589-A565-3C176BC2FCFB}"/>
+                <a16:creationId xmlns:a16="http://schemas.microsoft.com/office/drawing/2014/main" xmlns="" id="{7175411A-CF7F-4589-A565-3C176BC2FCFB}"/>
               </a:ext>
             </a:extLst>
           </p:cNvPr>
@@ -4756,7 +5387,7 @@
           <p:cNvPr id="2" name="Title 1">
             <a:extLst>
               <a:ext uri="{FF2B5EF4-FFF2-40B4-BE49-F238E27FC236}">
-                <a16:creationId xmlns="" xmlns:a16="http://schemas.microsoft.com/office/drawing/2014/main" id="{F8235511-3DF4-4020-95C4-18FB4783973C}"/>
+                <a16:creationId xmlns:a16="http://schemas.microsoft.com/office/drawing/2014/main" xmlns="" id="{F8235511-3DF4-4020-95C4-18FB4783973C}"/>
               </a:ext>
             </a:extLst>
           </p:cNvPr>
@@ -4793,7 +5424,7 @@
           <p:cNvPr id="3" name="Content Placeholder 2">
             <a:extLst>
               <a:ext uri="{FF2B5EF4-FFF2-40B4-BE49-F238E27FC236}">
-                <a16:creationId xmlns="" xmlns:a16="http://schemas.microsoft.com/office/drawing/2014/main" id="{2A4D04AB-B5D8-4B82-9D73-3EF126AF8C7F}"/>
+                <a16:creationId xmlns:a16="http://schemas.microsoft.com/office/drawing/2014/main" xmlns="" id="{2A4D04AB-B5D8-4B82-9D73-3EF126AF8C7F}"/>
               </a:ext>
             </a:extLst>
           </p:cNvPr>
@@ -4883,7 +5514,7 @@
           <p:cNvPr id="4" name="Text Placeholder 3">
             <a:extLst>
               <a:ext uri="{FF2B5EF4-FFF2-40B4-BE49-F238E27FC236}">
-                <a16:creationId xmlns="" xmlns:a16="http://schemas.microsoft.com/office/drawing/2014/main" id="{2FEE2382-862A-4E2C-9FE8-F0E71D0FFDC9}"/>
+                <a16:creationId xmlns:a16="http://schemas.microsoft.com/office/drawing/2014/main" xmlns="" id="{2FEE2382-862A-4E2C-9FE8-F0E71D0FFDC9}"/>
               </a:ext>
             </a:extLst>
           </p:cNvPr>
@@ -4954,7 +5585,7 @@
           <p:cNvPr id="5" name="Date Placeholder 4">
             <a:extLst>
               <a:ext uri="{FF2B5EF4-FFF2-40B4-BE49-F238E27FC236}">
-                <a16:creationId xmlns="" xmlns:a16="http://schemas.microsoft.com/office/drawing/2014/main" id="{B46910F6-A697-4C21-A616-704346753F9C}"/>
+                <a16:creationId xmlns:a16="http://schemas.microsoft.com/office/drawing/2014/main" xmlns="" id="{B46910F6-A697-4C21-A616-704346753F9C}"/>
               </a:ext>
             </a:extLst>
           </p:cNvPr>
@@ -4983,7 +5614,7 @@
           <p:cNvPr id="6" name="Footer Placeholder 5">
             <a:extLst>
               <a:ext uri="{FF2B5EF4-FFF2-40B4-BE49-F238E27FC236}">
-                <a16:creationId xmlns="" xmlns:a16="http://schemas.microsoft.com/office/drawing/2014/main" id="{B4B8ADB9-7AD5-48F9-9120-21624D66E19F}"/>
+                <a16:creationId xmlns:a16="http://schemas.microsoft.com/office/drawing/2014/main" xmlns="" id="{B4B8ADB9-7AD5-48F9-9120-21624D66E19F}"/>
               </a:ext>
             </a:extLst>
           </p:cNvPr>
@@ -5008,7 +5639,7 @@
           <p:cNvPr id="7" name="Slide Number Placeholder 6">
             <a:extLst>
               <a:ext uri="{FF2B5EF4-FFF2-40B4-BE49-F238E27FC236}">
-                <a16:creationId xmlns="" xmlns:a16="http://schemas.microsoft.com/office/drawing/2014/main" id="{090C602F-DECC-4B30-A311-A15B0C46EF88}"/>
+                <a16:creationId xmlns:a16="http://schemas.microsoft.com/office/drawing/2014/main" xmlns="" id="{090C602F-DECC-4B30-A311-A15B0C46EF88}"/>
               </a:ext>
             </a:extLst>
           </p:cNvPr>
@@ -5067,7 +5698,7 @@
           <p:cNvPr id="2" name="Title 1">
             <a:extLst>
               <a:ext uri="{FF2B5EF4-FFF2-40B4-BE49-F238E27FC236}">
-                <a16:creationId xmlns="" xmlns:a16="http://schemas.microsoft.com/office/drawing/2014/main" id="{2A81427F-7317-4BE5-8DFC-10DFBFA5E30C}"/>
+                <a16:creationId xmlns:a16="http://schemas.microsoft.com/office/drawing/2014/main" xmlns="" id="{2A81427F-7317-4BE5-8DFC-10DFBFA5E30C}"/>
               </a:ext>
             </a:extLst>
           </p:cNvPr>
@@ -5104,7 +5735,7 @@
           <p:cNvPr id="3" name="Picture Placeholder 2">
             <a:extLst>
               <a:ext uri="{FF2B5EF4-FFF2-40B4-BE49-F238E27FC236}">
-                <a16:creationId xmlns="" xmlns:a16="http://schemas.microsoft.com/office/drawing/2014/main" id="{6892DDD3-12E2-4156-B6FB-0BA20E00A49E}"/>
+                <a16:creationId xmlns:a16="http://schemas.microsoft.com/office/drawing/2014/main" xmlns="" id="{6892DDD3-12E2-4156-B6FB-0BA20E00A49E}"/>
               </a:ext>
             </a:extLst>
           </p:cNvPr>
@@ -5171,7 +5802,7 @@
           <p:cNvPr id="4" name="Text Placeholder 3">
             <a:extLst>
               <a:ext uri="{FF2B5EF4-FFF2-40B4-BE49-F238E27FC236}">
-                <a16:creationId xmlns="" xmlns:a16="http://schemas.microsoft.com/office/drawing/2014/main" id="{22D4344B-1395-45DF-8273-DCFA24501AFE}"/>
+                <a16:creationId xmlns:a16="http://schemas.microsoft.com/office/drawing/2014/main" xmlns="" id="{22D4344B-1395-45DF-8273-DCFA24501AFE}"/>
               </a:ext>
             </a:extLst>
           </p:cNvPr>
@@ -5242,7 +5873,7 @@
           <p:cNvPr id="5" name="Date Placeholder 4">
             <a:extLst>
               <a:ext uri="{FF2B5EF4-FFF2-40B4-BE49-F238E27FC236}">
-                <a16:creationId xmlns="" xmlns:a16="http://schemas.microsoft.com/office/drawing/2014/main" id="{81A8F40F-77BA-4BE7-A1CA-531F21DBB954}"/>
+                <a16:creationId xmlns:a16="http://schemas.microsoft.com/office/drawing/2014/main" xmlns="" id="{81A8F40F-77BA-4BE7-A1CA-531F21DBB954}"/>
               </a:ext>
             </a:extLst>
           </p:cNvPr>
@@ -5271,7 +5902,7 @@
           <p:cNvPr id="6" name="Footer Placeholder 5">
             <a:extLst>
               <a:ext uri="{FF2B5EF4-FFF2-40B4-BE49-F238E27FC236}">
-                <a16:creationId xmlns="" xmlns:a16="http://schemas.microsoft.com/office/drawing/2014/main" id="{FC0474DE-98DF-43B9-9D71-67662A2B95CC}"/>
+                <a16:creationId xmlns:a16="http://schemas.microsoft.com/office/drawing/2014/main" xmlns="" id="{FC0474DE-98DF-43B9-9D71-67662A2B95CC}"/>
               </a:ext>
             </a:extLst>
           </p:cNvPr>
@@ -5296,7 +5927,7 @@
           <p:cNvPr id="7" name="Slide Number Placeholder 6">
             <a:extLst>
               <a:ext uri="{FF2B5EF4-FFF2-40B4-BE49-F238E27FC236}">
-                <a16:creationId xmlns="" xmlns:a16="http://schemas.microsoft.com/office/drawing/2014/main" id="{9DD7CBB2-B021-4387-B661-E944EBB2EA21}"/>
+                <a16:creationId xmlns:a16="http://schemas.microsoft.com/office/drawing/2014/main" xmlns="" id="{9DD7CBB2-B021-4387-B661-E944EBB2EA21}"/>
               </a:ext>
             </a:extLst>
           </p:cNvPr>
@@ -5360,7 +5991,7 @@
           <p:cNvPr id="2" name="Title Placeholder 1">
             <a:extLst>
               <a:ext uri="{FF2B5EF4-FFF2-40B4-BE49-F238E27FC236}">
-                <a16:creationId xmlns="" xmlns:a16="http://schemas.microsoft.com/office/drawing/2014/main" id="{5C33EF8F-4111-44EE-B1B1-51EDB7D49D01}"/>
+                <a16:creationId xmlns:a16="http://schemas.microsoft.com/office/drawing/2014/main" xmlns="" id="{5C33EF8F-4111-44EE-B1B1-51EDB7D49D01}"/>
               </a:ext>
             </a:extLst>
           </p:cNvPr>
@@ -5398,7 +6029,7 @@
           <p:cNvPr id="3" name="Text Placeholder 2">
             <a:extLst>
               <a:ext uri="{FF2B5EF4-FFF2-40B4-BE49-F238E27FC236}">
-                <a16:creationId xmlns="" xmlns:a16="http://schemas.microsoft.com/office/drawing/2014/main" id="{B022F8FA-F705-444C-B437-AEE644D54C39}"/>
+                <a16:creationId xmlns:a16="http://schemas.microsoft.com/office/drawing/2014/main" xmlns="" id="{B022F8FA-F705-444C-B437-AEE644D54C39}"/>
               </a:ext>
             </a:extLst>
           </p:cNvPr>
@@ -5465,7 +6096,7 @@
           <p:cNvPr id="4" name="Date Placeholder 3">
             <a:extLst>
               <a:ext uri="{FF2B5EF4-FFF2-40B4-BE49-F238E27FC236}">
-                <a16:creationId xmlns="" xmlns:a16="http://schemas.microsoft.com/office/drawing/2014/main" id="{23AEC2B4-1320-4034-BE3C-1E2D3E5C9C28}"/>
+                <a16:creationId xmlns:a16="http://schemas.microsoft.com/office/drawing/2014/main" xmlns="" id="{23AEC2B4-1320-4034-BE3C-1E2D3E5C9C28}"/>
               </a:ext>
             </a:extLst>
           </p:cNvPr>
@@ -5512,7 +6143,7 @@
           <p:cNvPr id="5" name="Footer Placeholder 4">
             <a:extLst>
               <a:ext uri="{FF2B5EF4-FFF2-40B4-BE49-F238E27FC236}">
-                <a16:creationId xmlns="" xmlns:a16="http://schemas.microsoft.com/office/drawing/2014/main" id="{0423CE32-0466-494D-9A5B-22ED39119093}"/>
+                <a16:creationId xmlns:a16="http://schemas.microsoft.com/office/drawing/2014/main" xmlns="" id="{0423CE32-0466-494D-9A5B-22ED39119093}"/>
               </a:ext>
             </a:extLst>
           </p:cNvPr>
@@ -5555,7 +6186,7 @@
           <p:cNvPr id="6" name="Slide Number Placeholder 5">
             <a:extLst>
               <a:ext uri="{FF2B5EF4-FFF2-40B4-BE49-F238E27FC236}">
-                <a16:creationId xmlns="" xmlns:a16="http://schemas.microsoft.com/office/drawing/2014/main" id="{703A22C7-1BE4-4CB3-BA50-A599414354FE}"/>
+                <a16:creationId xmlns:a16="http://schemas.microsoft.com/office/drawing/2014/main" xmlns="" id="{703A22C7-1BE4-4CB3-BA50-A599414354FE}"/>
               </a:ext>
             </a:extLst>
           </p:cNvPr>
@@ -5931,10 +6562,10 @@
           <p:cNvPr id="14" name="Rectangle 9">
             <a:extLst>
               <a:ext uri="{FF2B5EF4-FFF2-40B4-BE49-F238E27FC236}">
-                <a16:creationId xmlns="" xmlns:a16="http://schemas.microsoft.com/office/drawing/2014/main" id="{86197D16-FE75-4A0E-A0C9-28C0F04A43DF}"/>
+                <a16:creationId xmlns:a16="http://schemas.microsoft.com/office/drawing/2014/main" xmlns="" id="{86197D16-FE75-4A0E-A0C9-28C0F04A43DF}"/>
               </a:ext>
               <a:ext uri="{C183D7F6-B498-43B3-948B-1728B52AA6E4}">
-                <adec:decorative xmlns="" xmlns:adec="http://schemas.microsoft.com/office/drawing/2017/decorative" val="1"/>
+                <adec:decorative xmlns:adec="http://schemas.microsoft.com/office/drawing/2017/decorative" xmlns="" val="1"/>
               </a:ext>
             </a:extLst>
           </p:cNvPr>
@@ -5944,7 +6575,7 @@
           <p:nvPr>
             <p:extLst>
               <p:ext uri="{386F3935-93C4-4BCD-93E2-E3B085C9AB24}">
-                <p16:designElem xmlns="" xmlns:p16="http://schemas.microsoft.com/office/powerpoint/2015/main" val="1"/>
+                <p16:designElem xmlns:p16="http://schemas.microsoft.com/office/powerpoint/2015/main" xmlns="" val="1"/>
               </p:ext>
             </p:extLst>
           </p:nvPr>
@@ -6016,10 +6647,10 @@
           <p:cNvPr id="15" name="Picture 11">
             <a:extLst>
               <a:ext uri="{FF2B5EF4-FFF2-40B4-BE49-F238E27FC236}">
-                <a16:creationId xmlns="" xmlns:a16="http://schemas.microsoft.com/office/drawing/2014/main" id="{FA8FCEC6-4B30-4FF2-8B32-504BEAEA3A16}"/>
+                <a16:creationId xmlns:a16="http://schemas.microsoft.com/office/drawing/2014/main" xmlns="" id="{FA8FCEC6-4B30-4FF2-8B32-504BEAEA3A16}"/>
               </a:ext>
               <a:ext uri="{C183D7F6-B498-43B3-948B-1728B52AA6E4}">
-                <adec:decorative xmlns="" xmlns:adec="http://schemas.microsoft.com/office/drawing/2017/decorative" val="1"/>
+                <adec:decorative xmlns:adec="http://schemas.microsoft.com/office/drawing/2017/decorative" xmlns="" val="1"/>
               </a:ext>
             </a:extLst>
           </p:cNvPr>
@@ -6029,7 +6660,7 @@
           <p:nvPr>
             <p:extLst>
               <p:ext uri="{386F3935-93C4-4BCD-93E2-E3B085C9AB24}">
-                <p16:designElem xmlns="" xmlns:p16="http://schemas.microsoft.com/office/powerpoint/2015/main" val="1"/>
+                <p16:designElem xmlns:p16="http://schemas.microsoft.com/office/powerpoint/2015/main" xmlns="" val="1"/>
               </p:ext>
             </p:extLst>
           </p:nvPr>
@@ -6105,7 +6736,7 @@
           <p:cNvPr id="4" name="Title 3">
             <a:extLst>
               <a:ext uri="{FF2B5EF4-FFF2-40B4-BE49-F238E27FC236}">
-                <a16:creationId xmlns="" xmlns:a16="http://schemas.microsoft.com/office/drawing/2014/main" id="{122EE555-3ACA-4199-99BB-87FE54C092EB}"/>
+                <a16:creationId xmlns:a16="http://schemas.microsoft.com/office/drawing/2014/main" xmlns="" id="{122EE555-3ACA-4199-99BB-87FE54C092EB}"/>
               </a:ext>
             </a:extLst>
           </p:cNvPr>
@@ -6165,7 +6796,7 @@
           <p:cNvPr id="7" name="Rectangle 6">
             <a:extLst>
               <a:ext uri="{FF2B5EF4-FFF2-40B4-BE49-F238E27FC236}">
-                <a16:creationId xmlns="" xmlns:a16="http://schemas.microsoft.com/office/drawing/2014/main" id="{3960A389-03AB-4B30-9F27-F0DF0A70DE8A}"/>
+                <a16:creationId xmlns:a16="http://schemas.microsoft.com/office/drawing/2014/main" xmlns="" id="{3960A389-03AB-4B30-9F27-F0DF0A70DE8A}"/>
               </a:ext>
             </a:extLst>
           </p:cNvPr>
@@ -6219,7 +6850,7 @@
           <p:cNvPr id="17" name="Rectangle 16">
             <a:extLst>
               <a:ext uri="{FF2B5EF4-FFF2-40B4-BE49-F238E27FC236}">
-                <a16:creationId xmlns="" xmlns:a16="http://schemas.microsoft.com/office/drawing/2014/main" id="{2451D676-3FC8-4DBC-9CB5-7C2EFDC790F6}"/>
+                <a16:creationId xmlns:a16="http://schemas.microsoft.com/office/drawing/2014/main" xmlns="" id="{2451D676-3FC8-4DBC-9CB5-7C2EFDC790F6}"/>
               </a:ext>
             </a:extLst>
           </p:cNvPr>
@@ -6273,7 +6904,7 @@
           <p:cNvPr id="18" name="Rectangle 17">
             <a:extLst>
               <a:ext uri="{FF2B5EF4-FFF2-40B4-BE49-F238E27FC236}">
-                <a16:creationId xmlns="" xmlns:a16="http://schemas.microsoft.com/office/drawing/2014/main" id="{2AEF7A21-610F-487A-A600-078E317B26CF}"/>
+                <a16:creationId xmlns:a16="http://schemas.microsoft.com/office/drawing/2014/main" xmlns="" id="{2AEF7A21-610F-487A-A600-078E317B26CF}"/>
               </a:ext>
             </a:extLst>
           </p:cNvPr>
@@ -6327,7 +6958,7 @@
           <p:cNvPr id="3076" name="Picture 4" descr="Image result for java transparent">
             <a:extLst>
               <a:ext uri="{FF2B5EF4-FFF2-40B4-BE49-F238E27FC236}">
-                <a16:creationId xmlns="" xmlns:a16="http://schemas.microsoft.com/office/drawing/2014/main" id="{5302CC2A-27EB-4AA2-BF40-8CA2324F61A3}"/>
+                <a16:creationId xmlns:a16="http://schemas.microsoft.com/office/drawing/2014/main" xmlns="" id="{5302CC2A-27EB-4AA2-BF40-8CA2324F61A3}"/>
               </a:ext>
             </a:extLst>
           </p:cNvPr>
@@ -6390,7 +7021,7 @@
           <p:cNvPr id="3078" name="Picture 6" descr="Image result for jp morgan logo">
             <a:extLst>
               <a:ext uri="{FF2B5EF4-FFF2-40B4-BE49-F238E27FC236}">
-                <a16:creationId xmlns="" xmlns:a16="http://schemas.microsoft.com/office/drawing/2014/main" id="{5B537254-EC8D-4A8E-A8AF-00A12521CFA0}"/>
+                <a16:creationId xmlns:a16="http://schemas.microsoft.com/office/drawing/2014/main" xmlns="" id="{5B537254-EC8D-4A8E-A8AF-00A12521CFA0}"/>
               </a:ext>
             </a:extLst>
           </p:cNvPr>
@@ -6437,7 +7068,7 @@
           <p:cNvPr id="9" name="Picture 8">
             <a:extLst>
               <a:ext uri="{FF2B5EF4-FFF2-40B4-BE49-F238E27FC236}">
-                <a16:creationId xmlns="" xmlns:a16="http://schemas.microsoft.com/office/drawing/2014/main" id="{E01CCD4B-C97E-4B2D-88DA-C2B9DC50D1CB}"/>
+                <a16:creationId xmlns:a16="http://schemas.microsoft.com/office/drawing/2014/main" xmlns="" id="{E01CCD4B-C97E-4B2D-88DA-C2B9DC50D1CB}"/>
               </a:ext>
             </a:extLst>
           </p:cNvPr>
@@ -6473,7 +7104,7 @@
           <p:cNvPr id="22" name="Straight Connector 21">
             <a:extLst>
               <a:ext uri="{FF2B5EF4-FFF2-40B4-BE49-F238E27FC236}">
-                <a16:creationId xmlns="" xmlns:a16="http://schemas.microsoft.com/office/drawing/2014/main" id="{0987F9F2-E377-41DE-86F1-743D1271034C}"/>
+                <a16:creationId xmlns:a16="http://schemas.microsoft.com/office/drawing/2014/main" xmlns="" id="{0987F9F2-E377-41DE-86F1-743D1271034C}"/>
               </a:ext>
             </a:extLst>
           </p:cNvPr>
@@ -6514,7 +7145,7 @@
           <p:cNvPr id="16" name="Rectangle 15">
             <a:extLst>
               <a:ext uri="{FF2B5EF4-FFF2-40B4-BE49-F238E27FC236}">
-                <a16:creationId xmlns="" xmlns:a16="http://schemas.microsoft.com/office/drawing/2014/main" id="{1B391BDD-F07B-4C67-9224-9651E39ECBE6}"/>
+                <a16:creationId xmlns:a16="http://schemas.microsoft.com/office/drawing/2014/main" xmlns="" id="{1B391BDD-F07B-4C67-9224-9651E39ECBE6}"/>
               </a:ext>
             </a:extLst>
           </p:cNvPr>
@@ -6578,7 +7209,7 @@
           <p:cNvPr id="19" name="Rectangle 18">
             <a:extLst>
               <a:ext uri="{FF2B5EF4-FFF2-40B4-BE49-F238E27FC236}">
-                <a16:creationId xmlns="" xmlns:a16="http://schemas.microsoft.com/office/drawing/2014/main" id="{D3CE994F-D446-480C-830E-2B479874648A}"/>
+                <a16:creationId xmlns:a16="http://schemas.microsoft.com/office/drawing/2014/main" xmlns="" id="{D3CE994F-D446-480C-830E-2B479874648A}"/>
               </a:ext>
             </a:extLst>
           </p:cNvPr>
@@ -6642,7 +7273,7 @@
           <p:cNvPr id="20" name="Rectangle 19">
             <a:extLst>
               <a:ext uri="{FF2B5EF4-FFF2-40B4-BE49-F238E27FC236}">
-                <a16:creationId xmlns="" xmlns:a16="http://schemas.microsoft.com/office/drawing/2014/main" id="{E1EE4A63-195E-4F13-8952-73A7C7A166F6}"/>
+                <a16:creationId xmlns:a16="http://schemas.microsoft.com/office/drawing/2014/main" xmlns="" id="{E1EE4A63-195E-4F13-8952-73A7C7A166F6}"/>
               </a:ext>
             </a:extLst>
           </p:cNvPr>
@@ -6748,13 +7379,13 @@
       </p:grpSpPr>
       <p:sp>
         <p:nvSpPr>
-          <p:cNvPr id="10" name="Rectangle 9">
+          <p:cNvPr id="73" name="Rectangle 72">
             <a:extLst>
               <a:ext uri="{FF2B5EF4-FFF2-40B4-BE49-F238E27FC236}">
-                <a16:creationId xmlns="" xmlns:a16="http://schemas.microsoft.com/office/drawing/2014/main" id="{81AEB8A9-B768-4E30-BA55-D919E6687343}"/>
+                <a16:creationId xmlns:a16="http://schemas.microsoft.com/office/drawing/2014/main" xmlns="" id="{F56F5174-31D9-4DBB-AAB7-A1FD7BDB1352}"/>
               </a:ext>
               <a:ext uri="{C183D7F6-B498-43B3-948B-1728B52AA6E4}">
-                <adec:decorative xmlns="" xmlns:adec="http://schemas.microsoft.com/office/drawing/2017/decorative" val="1"/>
+                <adec:decorative xmlns:adec="http://schemas.microsoft.com/office/drawing/2017/decorative" xmlns="" val="1"/>
               </a:ext>
             </a:extLst>
           </p:cNvPr>
@@ -6764,217 +7395,7 @@
           <p:nvPr>
             <p:extLst>
               <p:ext uri="{386F3935-93C4-4BCD-93E2-E3B085C9AB24}">
-                <p16:designElem xmlns="" xmlns:p16="http://schemas.microsoft.com/office/powerpoint/2015/main" val="1"/>
-              </p:ext>
-            </p:extLst>
-          </p:nvPr>
-        </p:nvSpPr>
-        <p:spPr>
-          <a:xfrm>
-            <a:off x="-10001" y="-2"/>
-            <a:ext cx="4069936" cy="6858002"/>
-          </a:xfrm>
-          <a:prstGeom prst="rect">
-            <a:avLst/>
-          </a:prstGeom>
-          <a:solidFill>
-            <a:schemeClr val="accent1"/>
-          </a:solidFill>
-          <a:ln>
-            <a:noFill/>
-          </a:ln>
-        </p:spPr>
-        <p:style>
-          <a:lnRef idx="2">
-            <a:schemeClr val="accent1">
-              <a:shade val="50000"/>
-            </a:schemeClr>
-          </a:lnRef>
-          <a:fillRef idx="1">
-            <a:schemeClr val="accent1"/>
-          </a:fillRef>
-          <a:effectRef idx="0">
-            <a:schemeClr val="accent1"/>
-          </a:effectRef>
-          <a:fontRef idx="minor">
-            <a:schemeClr val="lt1"/>
-          </a:fontRef>
-        </p:style>
-        <p:txBody>
-          <a:bodyPr rtlCol="0" anchor="ctr"/>
-          <a:lstStyle/>
-          <a:p>
-            <a:pPr marL="0" marR="0" lvl="0" indent="0" algn="ctr" defTabSz="914400" rtl="0" eaLnBrk="1" fontAlgn="auto" latinLnBrk="0" hangingPunct="1">
-              <a:lnSpc>
-                <a:spcPct val="100000"/>
-              </a:lnSpc>
-              <a:spcBef>
-                <a:spcPts val="0"/>
-              </a:spcBef>
-              <a:spcAft>
-                <a:spcPts val="0"/>
-              </a:spcAft>
-              <a:buClrTx/>
-              <a:buSzTx/>
-              <a:buFontTx/>
-              <a:buNone/>
-              <a:tabLst/>
-              <a:defRPr/>
-            </a:pPr>
-            <a:endParaRPr kumimoji="0" lang="en-US" sz="1800" b="0" i="0" u="none" strike="noStrike" kern="1200" cap="none" spc="0" normalizeH="0" baseline="0" noProof="0">
-              <a:ln>
-                <a:noFill/>
-              </a:ln>
-              <a:solidFill>
-                <a:prstClr val="white"/>
-              </a:solidFill>
-              <a:effectLst/>
-              <a:uLnTx/>
-              <a:uFillTx/>
-              <a:latin typeface="Calibri" panose="020F0502020204030204"/>
-              <a:ea typeface="+mn-ea"/>
-              <a:cs typeface="+mn-cs"/>
-            </a:endParaRPr>
-          </a:p>
-        </p:txBody>
-      </p:sp>
-      <p:sp>
-        <p:nvSpPr>
-          <p:cNvPr id="2" name="Title 1">
-            <a:extLst>
-              <a:ext uri="{FF2B5EF4-FFF2-40B4-BE49-F238E27FC236}">
-                <a16:creationId xmlns="" xmlns:a16="http://schemas.microsoft.com/office/drawing/2014/main" id="{EB4AA099-DFCF-40F0-9DF9-51DCDD3D2329}"/>
-              </a:ext>
-            </a:extLst>
-          </p:cNvPr>
-          <p:cNvSpPr>
-            <a:spLocks noGrp="1"/>
-          </p:cNvSpPr>
-          <p:nvPr>
-            <p:ph type="title"/>
-          </p:nvPr>
-        </p:nvSpPr>
-        <p:spPr>
-          <a:xfrm>
-            <a:off x="643467" y="640080"/>
-            <a:ext cx="3096427" cy="5613236"/>
-          </a:xfrm>
-        </p:spPr>
-        <p:txBody>
-          <a:bodyPr vert="horz" lIns="91440" tIns="45720" rIns="91440" bIns="45720" rtlCol="0" anchor="ctr">
-            <a:normAutofit/>
-          </a:bodyPr>
-          <a:lstStyle/>
-          <a:p>
-            <a:r>
-              <a:rPr lang="en-US" kern="1200" dirty="0">
-                <a:solidFill>
-                  <a:srgbClr val="FFFFFF"/>
-                </a:solidFill>
-                <a:latin typeface="+mj-lt"/>
-                <a:ea typeface="+mj-ea"/>
-                <a:cs typeface="+mj-cs"/>
-              </a:rPr>
-              <a:t>Class Diagram</a:t>
-            </a:r>
-          </a:p>
-        </p:txBody>
-      </p:sp>
-      <p:pic>
-        <p:nvPicPr>
-          <p:cNvPr id="5" name="Content Placeholder 4" descr="A close up of an object&#10;&#10;Description generated with high confidence">
-            <a:extLst>
-              <a:ext uri="{FF2B5EF4-FFF2-40B4-BE49-F238E27FC236}">
-                <a16:creationId xmlns="" xmlns:a16="http://schemas.microsoft.com/office/drawing/2014/main" id="{0B43767B-3861-4880-9DCE-DB2297AAE746}"/>
-              </a:ext>
-            </a:extLst>
-          </p:cNvPr>
-          <p:cNvPicPr>
-            <a:picLocks noGrp="1" noChangeAspect="1"/>
-          </p:cNvPicPr>
-          <p:nvPr>
-            <p:ph idx="4294967295"/>
-          </p:nvPr>
-        </p:nvPicPr>
-        <p:blipFill>
-          <a:blip r:embed="rId2" cstate="print">
-            <a:extLst>
-              <a:ext uri="{28A0092B-C50C-407E-A947-70E740481C1C}">
-                <a14:useLocalDpi xmlns:a14="http://schemas.microsoft.com/office/drawing/2010/main" val="0"/>
-              </a:ext>
-            </a:extLst>
-          </a:blip>
-          <a:stretch>
-            <a:fillRect/>
-          </a:stretch>
-        </p:blipFill>
-        <p:spPr>
-          <a:xfrm>
-            <a:off x="4583695" y="1393371"/>
-            <a:ext cx="6760498" cy="4512633"/>
-          </a:xfrm>
-          <a:prstGeom prst="rect">
-            <a:avLst/>
-          </a:prstGeom>
-        </p:spPr>
-      </p:pic>
-    </p:spTree>
-    <p:extLst>
-      <p:ext uri="{BB962C8B-B14F-4D97-AF65-F5344CB8AC3E}">
-        <p14:creationId xmlns:p14="http://schemas.microsoft.com/office/powerpoint/2010/main" val="1745453311"/>
-      </p:ext>
-    </p:extLst>
-  </p:cSld>
-  <p:clrMapOvr>
-    <a:masterClrMapping/>
-  </p:clrMapOvr>
-</p:sld>
-</file>
-
-<file path=ppt/slides/slide11.xml><?xml version="1.0" encoding="utf-8"?>
-<p:sld xmlns:a="http://schemas.openxmlformats.org/drawingml/2006/main" xmlns:r="http://schemas.openxmlformats.org/officeDocument/2006/relationships" xmlns:p="http://schemas.openxmlformats.org/presentationml/2006/main">
-  <p:cSld>
-    <p:bg>
-      <p:bgPr>
-        <a:solidFill>
-          <a:schemeClr val="bg1"/>
-        </a:solidFill>
-        <a:effectLst/>
-      </p:bgPr>
-    </p:bg>
-    <p:spTree>
-      <p:nvGrpSpPr>
-        <p:cNvPr id="1" name=""/>
-        <p:cNvGrpSpPr/>
-        <p:nvPr/>
-      </p:nvGrpSpPr>
-      <p:grpSpPr>
-        <a:xfrm>
-          <a:off x="0" y="0"/>
-          <a:ext cx="0" cy="0"/>
-          <a:chOff x="0" y="0"/>
-          <a:chExt cx="0" cy="0"/>
-        </a:xfrm>
-      </p:grpSpPr>
-      <p:sp>
-        <p:nvSpPr>
-          <p:cNvPr id="73" name="Rectangle 72">
-            <a:extLst>
-              <a:ext uri="{FF2B5EF4-FFF2-40B4-BE49-F238E27FC236}">
-                <a16:creationId xmlns="" xmlns:a16="http://schemas.microsoft.com/office/drawing/2014/main" id="{F56F5174-31D9-4DBB-AAB7-A1FD7BDB1352}"/>
-              </a:ext>
-              <a:ext uri="{C183D7F6-B498-43B3-948B-1728B52AA6E4}">
-                <adec:decorative xmlns="" xmlns:adec="http://schemas.microsoft.com/office/drawing/2017/decorative" val="1"/>
-              </a:ext>
-            </a:extLst>
-          </p:cNvPr>
-          <p:cNvSpPr>
-            <a:spLocks noGrp="1" noRot="1" noChangeAspect="1" noMove="1" noResize="1" noEditPoints="1" noAdjustHandles="1" noChangeArrowheads="1" noChangeShapeType="1" noTextEdit="1"/>
-          </p:cNvSpPr>
-          <p:nvPr>
-            <p:extLst>
-              <p:ext uri="{386F3935-93C4-4BCD-93E2-E3B085C9AB24}">
-                <p16:designElem xmlns="" xmlns:p16="http://schemas.microsoft.com/office/powerpoint/2015/main" val="1"/>
+                <p16:designElem xmlns:p16="http://schemas.microsoft.com/office/powerpoint/2015/main" xmlns="" val="1"/>
               </p:ext>
             </p:extLst>
           </p:nvPr>
@@ -7047,10 +7468,10 @@
           <p:cNvPr id="75" name="Picture 74">
             <a:extLst>
               <a:ext uri="{FF2B5EF4-FFF2-40B4-BE49-F238E27FC236}">
-                <a16:creationId xmlns="" xmlns:a16="http://schemas.microsoft.com/office/drawing/2014/main" id="{AE113210-7872-481A-ADE6-3A05CCAF5EB2}"/>
+                <a16:creationId xmlns:a16="http://schemas.microsoft.com/office/drawing/2014/main" xmlns="" id="{AE113210-7872-481A-ADE6-3A05CCAF5EB2}"/>
               </a:ext>
               <a:ext uri="{C183D7F6-B498-43B3-948B-1728B52AA6E4}">
-                <adec:decorative xmlns="" xmlns:adec="http://schemas.microsoft.com/office/drawing/2017/decorative" val="1"/>
+                <adec:decorative xmlns:adec="http://schemas.microsoft.com/office/drawing/2017/decorative" xmlns="" val="1"/>
               </a:ext>
             </a:extLst>
           </p:cNvPr>
@@ -7060,7 +7481,7 @@
           <p:nvPr>
             <p:extLst>
               <p:ext uri="{386F3935-93C4-4BCD-93E2-E3B085C9AB24}">
-                <p16:designElem xmlns="" xmlns:p16="http://schemas.microsoft.com/office/powerpoint/2015/main" val="1"/>
+                <p16:designElem xmlns:p16="http://schemas.microsoft.com/office/powerpoint/2015/main" xmlns="" val="1"/>
               </p:ext>
             </p:extLst>
           </p:nvPr>
@@ -7092,7 +7513,7 @@
           <p:cNvPr id="2" name="Title 1">
             <a:extLst>
               <a:ext uri="{FF2B5EF4-FFF2-40B4-BE49-F238E27FC236}">
-                <a16:creationId xmlns="" xmlns:a16="http://schemas.microsoft.com/office/drawing/2014/main" id="{00FE4BDB-FA27-4988-842A-013233981027}"/>
+                <a16:creationId xmlns:a16="http://schemas.microsoft.com/office/drawing/2014/main" xmlns="" id="{00FE4BDB-FA27-4988-842A-013233981027}"/>
               </a:ext>
             </a:extLst>
           </p:cNvPr>
@@ -7131,10 +7552,10 @@
           <p:cNvPr id="77" name="Freeform 62">
             <a:extLst>
               <a:ext uri="{FF2B5EF4-FFF2-40B4-BE49-F238E27FC236}">
-                <a16:creationId xmlns="" xmlns:a16="http://schemas.microsoft.com/office/drawing/2014/main" id="{F9A95BEE-6BB1-4A28-A8E6-A34B2E42EF87}"/>
+                <a16:creationId xmlns:a16="http://schemas.microsoft.com/office/drawing/2014/main" xmlns="" id="{F9A95BEE-6BB1-4A28-A8E6-A34B2E42EF87}"/>
               </a:ext>
               <a:ext uri="{C183D7F6-B498-43B3-948B-1728B52AA6E4}">
-                <adec:decorative xmlns="" xmlns:adec="http://schemas.microsoft.com/office/drawing/2017/decorative" val="1"/>
+                <adec:decorative xmlns:adec="http://schemas.microsoft.com/office/drawing/2017/decorative" xmlns="" val="1"/>
               </a:ext>
             </a:extLst>
           </p:cNvPr>
@@ -7144,7 +7565,7 @@
           <p:nvPr>
             <p:extLst>
               <p:ext uri="{386F3935-93C4-4BCD-93E2-E3B085C9AB24}">
-                <p16:designElem xmlns="" xmlns:p16="http://schemas.microsoft.com/office/powerpoint/2015/main" val="1"/>
+                <p16:designElem xmlns:p16="http://schemas.microsoft.com/office/powerpoint/2015/main" xmlns="" val="1"/>
               </p:ext>
             </p:extLst>
           </p:nvPr>
@@ -7279,7 +7700,7 @@
           <p:cNvPr id="1028" name="Picture 4" descr="Related image">
             <a:extLst>
               <a:ext uri="{FF2B5EF4-FFF2-40B4-BE49-F238E27FC236}">
-                <a16:creationId xmlns="" xmlns:a16="http://schemas.microsoft.com/office/drawing/2014/main" id="{345FD299-6018-48DC-881A-D6C7DBFD512B}"/>
+                <a16:creationId xmlns:a16="http://schemas.microsoft.com/office/drawing/2014/main" xmlns="" id="{345FD299-6018-48DC-881A-D6C7DBFD512B}"/>
               </a:ext>
             </a:extLst>
           </p:cNvPr>
@@ -7411,7 +7832,7 @@
           <p:cNvPr id="3" name="Content Placeholder 2">
             <a:extLst>
               <a:ext uri="{FF2B5EF4-FFF2-40B4-BE49-F238E27FC236}">
-                <a16:creationId xmlns="" xmlns:a16="http://schemas.microsoft.com/office/drawing/2014/main" id="{B6499A7D-CDC7-43C6-8B31-0179BC810139}"/>
+                <a16:creationId xmlns:a16="http://schemas.microsoft.com/office/drawing/2014/main" xmlns="" id="{B6499A7D-CDC7-43C6-8B31-0179BC810139}"/>
               </a:ext>
             </a:extLst>
           </p:cNvPr>
@@ -7473,7 +7894,7 @@
 </p:sld>
 </file>
 
-<file path=ppt/slides/slide12.xml><?xml version="1.0" encoding="utf-8"?>
+<file path=ppt/slides/slide11.xml><?xml version="1.0" encoding="utf-8"?>
 <p:sld xmlns:a="http://schemas.openxmlformats.org/drawingml/2006/main" xmlns:r="http://schemas.openxmlformats.org/officeDocument/2006/relationships" xmlns:p="http://schemas.openxmlformats.org/presentationml/2006/main">
   <p:cSld>
     <p:bg>
@@ -7503,7 +7924,7 @@
           <p:cNvPr id="4" name="Title 3">
             <a:extLst>
               <a:ext uri="{FF2B5EF4-FFF2-40B4-BE49-F238E27FC236}">
-                <a16:creationId xmlns="" xmlns:a16="http://schemas.microsoft.com/office/drawing/2014/main" id="{8DE5C918-E452-41B9-A5F2-EFA4F9294C74}"/>
+                <a16:creationId xmlns:a16="http://schemas.microsoft.com/office/drawing/2014/main" xmlns="" id="{8DE5C918-E452-41B9-A5F2-EFA4F9294C74}"/>
               </a:ext>
             </a:extLst>
           </p:cNvPr>
@@ -7543,7 +7964,7 @@
           <p:cNvPr id="5" name="Text Placeholder 4">
             <a:extLst>
               <a:ext uri="{FF2B5EF4-FFF2-40B4-BE49-F238E27FC236}">
-                <a16:creationId xmlns="" xmlns:a16="http://schemas.microsoft.com/office/drawing/2014/main" id="{7910FB3A-C533-4698-B23B-C4973933FC66}"/>
+                <a16:creationId xmlns:a16="http://schemas.microsoft.com/office/drawing/2014/main" xmlns="" id="{7910FB3A-C533-4698-B23B-C4973933FC66}"/>
               </a:ext>
             </a:extLst>
           </p:cNvPr>
@@ -7580,10 +8001,10 @@
           <p:cNvPr id="135" name="Oval 134">
             <a:extLst>
               <a:ext uri="{FF2B5EF4-FFF2-40B4-BE49-F238E27FC236}">
-                <a16:creationId xmlns="" xmlns:a16="http://schemas.microsoft.com/office/drawing/2014/main" id="{FBC3EAFD-A275-4F9B-8F62-72B6678F35A8}"/>
+                <a16:creationId xmlns:a16="http://schemas.microsoft.com/office/drawing/2014/main" xmlns="" id="{FBC3EAFD-A275-4F9B-8F62-72B6678F35A8}"/>
               </a:ext>
               <a:ext uri="{C183D7F6-B498-43B3-948B-1728B52AA6E4}">
-                <adec:decorative xmlns="" xmlns:adec="http://schemas.microsoft.com/office/drawing/2017/decorative" val="1"/>
+                <adec:decorative xmlns:adec="http://schemas.microsoft.com/office/drawing/2017/decorative" xmlns="" val="1"/>
               </a:ext>
             </a:extLst>
           </p:cNvPr>
@@ -7593,7 +8014,7 @@
           <p:nvPr>
             <p:extLst>
               <p:ext uri="{386F3935-93C4-4BCD-93E2-E3B085C9AB24}">
-                <p16:designElem xmlns="" xmlns:p16="http://schemas.microsoft.com/office/powerpoint/2015/main" val="1"/>
+                <p16:designElem xmlns:p16="http://schemas.microsoft.com/office/powerpoint/2015/main" xmlns="" val="1"/>
               </p:ext>
             </p:extLst>
           </p:nvPr>
@@ -7643,10 +8064,10 @@
           <p:cNvPr id="137" name="Oval 136">
             <a:extLst>
               <a:ext uri="{FF2B5EF4-FFF2-40B4-BE49-F238E27FC236}">
-                <a16:creationId xmlns="" xmlns:a16="http://schemas.microsoft.com/office/drawing/2014/main" id="{06E64A6D-2B9F-4AAD-AB42-A61BAF01AC12}"/>
+                <a16:creationId xmlns:a16="http://schemas.microsoft.com/office/drawing/2014/main" xmlns="" id="{06E64A6D-2B9F-4AAD-AB42-A61BAF01AC12}"/>
               </a:ext>
               <a:ext uri="{C183D7F6-B498-43B3-948B-1728B52AA6E4}">
-                <adec:decorative xmlns="" xmlns:adec="http://schemas.microsoft.com/office/drawing/2017/decorative" val="1"/>
+                <adec:decorative xmlns:adec="http://schemas.microsoft.com/office/drawing/2017/decorative" xmlns="" val="1"/>
               </a:ext>
             </a:extLst>
           </p:cNvPr>
@@ -7656,7 +8077,7 @@
           <p:nvPr>
             <p:extLst>
               <p:ext uri="{386F3935-93C4-4BCD-93E2-E3B085C9AB24}">
-                <p16:designElem xmlns="" xmlns:p16="http://schemas.microsoft.com/office/powerpoint/2015/main" val="1"/>
+                <p16:designElem xmlns:p16="http://schemas.microsoft.com/office/powerpoint/2015/main" xmlns="" val="1"/>
               </p:ext>
             </p:extLst>
           </p:nvPr>
@@ -7708,7 +8129,7 @@
           <p:cNvPr id="2050" name="Picture 2" descr="Image result for Vote of thanks">
             <a:extLst>
               <a:ext uri="{FF2B5EF4-FFF2-40B4-BE49-F238E27FC236}">
-                <a16:creationId xmlns="" xmlns:a16="http://schemas.microsoft.com/office/drawing/2014/main" id="{C34D6FB8-9F9B-4CE6-8C11-FD184C218FBD}"/>
+                <a16:creationId xmlns:a16="http://schemas.microsoft.com/office/drawing/2014/main" xmlns="" id="{C34D6FB8-9F9B-4CE6-8C11-FD184C218FBD}"/>
               </a:ext>
             </a:extLst>
           </p:cNvPr>
@@ -7816,10 +8237,10 @@
           <p:cNvPr id="139" name="Picture 138">
             <a:extLst>
               <a:ext uri="{FF2B5EF4-FFF2-40B4-BE49-F238E27FC236}">
-                <a16:creationId xmlns="" xmlns:a16="http://schemas.microsoft.com/office/drawing/2014/main" id="{C51881DD-AD85-41BE-8A49-C2FB45800E10}"/>
+                <a16:creationId xmlns:a16="http://schemas.microsoft.com/office/drawing/2014/main" xmlns="" id="{C51881DD-AD85-41BE-8A49-C2FB45800E10}"/>
               </a:ext>
               <a:ext uri="{C183D7F6-B498-43B3-948B-1728B52AA6E4}">
-                <adec:decorative xmlns="" xmlns:adec="http://schemas.microsoft.com/office/drawing/2017/decorative" val="1"/>
+                <adec:decorative xmlns:adec="http://schemas.microsoft.com/office/drawing/2017/decorative" xmlns="" val="1"/>
               </a:ext>
             </a:extLst>
           </p:cNvPr>
@@ -7829,7 +8250,7 @@
           <p:nvPr>
             <p:extLst>
               <p:ext uri="{386F3935-93C4-4BCD-93E2-E3B085C9AB24}">
-                <p16:designElem xmlns="" xmlns:p16="http://schemas.microsoft.com/office/powerpoint/2015/main" val="1"/>
+                <p16:designElem xmlns:p16="http://schemas.microsoft.com/office/powerpoint/2015/main" xmlns="" val="1"/>
               </p:ext>
             </p:extLst>
           </p:nvPr>
@@ -7921,10 +8342,10 @@
           <p:cNvPr id="141" name="Straight Connector 140">
             <a:extLst>
               <a:ext uri="{FF2B5EF4-FFF2-40B4-BE49-F238E27FC236}">
-                <a16:creationId xmlns="" xmlns:a16="http://schemas.microsoft.com/office/drawing/2014/main" id="{9AD20FE8-ED02-4CDE-83B1-A1436305C3DC}"/>
+                <a16:creationId xmlns:a16="http://schemas.microsoft.com/office/drawing/2014/main" xmlns="" id="{9AD20FE8-ED02-4CDE-83B1-A1436305C3DC}"/>
               </a:ext>
               <a:ext uri="{C183D7F6-B498-43B3-948B-1728B52AA6E4}">
-                <adec:decorative xmlns="" xmlns:adec="http://schemas.microsoft.com/office/drawing/2017/decorative" val="1"/>
+                <adec:decorative xmlns:adec="http://schemas.microsoft.com/office/drawing/2017/decorative" xmlns="" val="1"/>
               </a:ext>
             </a:extLst>
           </p:cNvPr>
@@ -7934,7 +8355,7 @@
           <p:nvPr>
             <p:extLst>
               <p:ext uri="{386F3935-93C4-4BCD-93E2-E3B085C9AB24}">
-                <p16:designElem xmlns="" xmlns:p16="http://schemas.microsoft.com/office/powerpoint/2015/main" val="1"/>
+                <p16:designElem xmlns:p16="http://schemas.microsoft.com/office/powerpoint/2015/main" xmlns="" val="1"/>
               </p:ext>
             </p:extLst>
           </p:nvPr>
@@ -7973,7 +8394,7 @@
           <p:cNvPr id="17" name="Picture 6" descr="Image result for jp morgan logo">
             <a:extLst>
               <a:ext uri="{FF2B5EF4-FFF2-40B4-BE49-F238E27FC236}">
-                <a16:creationId xmlns="" xmlns:a16="http://schemas.microsoft.com/office/drawing/2014/main" id="{C98A6394-6E49-41D6-B142-3B6C32F3492C}"/>
+                <a16:creationId xmlns:a16="http://schemas.microsoft.com/office/drawing/2014/main" xmlns="" id="{C98A6394-6E49-41D6-B142-3B6C32F3492C}"/>
               </a:ext>
             </a:extLst>
           </p:cNvPr>
@@ -8020,7 +8441,7 @@
           <p:cNvPr id="18" name="Picture 17">
             <a:extLst>
               <a:ext uri="{FF2B5EF4-FFF2-40B4-BE49-F238E27FC236}">
-                <a16:creationId xmlns="" xmlns:a16="http://schemas.microsoft.com/office/drawing/2014/main" id="{7E771955-898D-4E7A-8F45-8EA79F1647DC}"/>
+                <a16:creationId xmlns:a16="http://schemas.microsoft.com/office/drawing/2014/main" xmlns="" id="{7E771955-898D-4E7A-8F45-8EA79F1647DC}"/>
               </a:ext>
             </a:extLst>
           </p:cNvPr>
@@ -8056,7 +8477,7 @@
           <p:cNvPr id="19" name="Straight Connector 18">
             <a:extLst>
               <a:ext uri="{FF2B5EF4-FFF2-40B4-BE49-F238E27FC236}">
-                <a16:creationId xmlns="" xmlns:a16="http://schemas.microsoft.com/office/drawing/2014/main" id="{70B1E49D-0FB5-4423-893A-767B43E3FD54}"/>
+                <a16:creationId xmlns:a16="http://schemas.microsoft.com/office/drawing/2014/main" xmlns="" id="{70B1E49D-0FB5-4423-893A-767B43E3FD54}"/>
               </a:ext>
             </a:extLst>
           </p:cNvPr>
@@ -8106,1011 +8527,6 @@
 </file>
 
 <file path=ppt/slides/slide2.xml><?xml version="1.0" encoding="utf-8"?>
-<p:sld xmlns:a="http://schemas.openxmlformats.org/drawingml/2006/main" xmlns:r="http://schemas.openxmlformats.org/officeDocument/2006/relationships" xmlns:p="http://schemas.openxmlformats.org/presentationml/2006/main" show="0">
-  <p:cSld>
-    <p:spTree>
-      <p:nvGrpSpPr>
-        <p:cNvPr id="1" name=""/>
-        <p:cNvGrpSpPr/>
-        <p:nvPr/>
-      </p:nvGrpSpPr>
-      <p:grpSpPr>
-        <a:xfrm>
-          <a:off x="0" y="0"/>
-          <a:ext cx="0" cy="0"/>
-          <a:chOff x="0" y="0"/>
-          <a:chExt cx="0" cy="0"/>
-        </a:xfrm>
-      </p:grpSpPr>
-      <p:sp>
-        <p:nvSpPr>
-          <p:cNvPr id="4" name="Rectangle 3">
-            <a:extLst>
-              <a:ext uri="{FF2B5EF4-FFF2-40B4-BE49-F238E27FC236}">
-                <a16:creationId xmlns="" xmlns:a16="http://schemas.microsoft.com/office/drawing/2014/main" id="{3DAA1F23-D93E-4FD5-BA41-4F3886F66506}"/>
-              </a:ext>
-            </a:extLst>
-          </p:cNvPr>
-          <p:cNvSpPr/>
-          <p:nvPr/>
-        </p:nvSpPr>
-        <p:spPr>
-          <a:xfrm>
-            <a:off x="783838" y="2739080"/>
-            <a:ext cx="1379839" cy="1379839"/>
-          </a:xfrm>
-          <a:prstGeom prst="rect">
-            <a:avLst/>
-          </a:prstGeom>
-          <a:blipFill dpi="0" rotWithShape="1">
-            <a:blip r:embed="rId2">
-              <a:extLst>
-                <a:ext uri="{28A0092B-C50C-407E-A947-70E740481C1C}">
-                  <a14:useLocalDpi xmlns:a14="http://schemas.microsoft.com/office/drawing/2010/main" val="0"/>
-                </a:ext>
-              </a:extLst>
-            </a:blip>
-            <a:srcRect/>
-            <a:stretch>
-              <a:fillRect/>
-            </a:stretch>
-          </a:blipFill>
-          <a:ln>
-            <a:solidFill>
-              <a:schemeClr val="bg1"/>
-            </a:solidFill>
-          </a:ln>
-        </p:spPr>
-        <p:style>
-          <a:lnRef idx="2">
-            <a:schemeClr val="accent1">
-              <a:shade val="50000"/>
-            </a:schemeClr>
-          </a:lnRef>
-          <a:fillRef idx="1">
-            <a:schemeClr val="accent1"/>
-          </a:fillRef>
-          <a:effectRef idx="0">
-            <a:schemeClr val="accent1"/>
-          </a:effectRef>
-          <a:fontRef idx="minor">
-            <a:schemeClr val="lt1"/>
-          </a:fontRef>
-        </p:style>
-        <p:txBody>
-          <a:bodyPr rtlCol="0" anchor="ctr"/>
-          <a:lstStyle/>
-          <a:p>
-            <a:pPr algn="ctr"/>
-            <a:endParaRPr lang="en-US" dirty="0"/>
-          </a:p>
-        </p:txBody>
-      </p:sp>
-      <p:sp>
-        <p:nvSpPr>
-          <p:cNvPr id="5" name="Rectangle 4">
-            <a:extLst>
-              <a:ext uri="{FF2B5EF4-FFF2-40B4-BE49-F238E27FC236}">
-                <a16:creationId xmlns="" xmlns:a16="http://schemas.microsoft.com/office/drawing/2014/main" id="{705ABC84-F58D-4185-B0BE-7C1096691004}"/>
-              </a:ext>
-            </a:extLst>
-          </p:cNvPr>
-          <p:cNvSpPr/>
-          <p:nvPr/>
-        </p:nvSpPr>
-        <p:spPr>
-          <a:xfrm>
-            <a:off x="2349401" y="2739080"/>
-            <a:ext cx="1379839" cy="1379839"/>
-          </a:xfrm>
-          <a:prstGeom prst="rect">
-            <a:avLst/>
-          </a:prstGeom>
-          <a:blipFill dpi="0" rotWithShape="1">
-            <a:blip r:embed="rId3">
-              <a:extLst>
-                <a:ext uri="{28A0092B-C50C-407E-A947-70E740481C1C}">
-                  <a14:useLocalDpi xmlns:a14="http://schemas.microsoft.com/office/drawing/2010/main" val="0"/>
-                </a:ext>
-              </a:extLst>
-            </a:blip>
-            <a:srcRect/>
-            <a:stretch>
-              <a:fillRect/>
-            </a:stretch>
-          </a:blipFill>
-          <a:ln>
-            <a:solidFill>
-              <a:schemeClr val="bg1"/>
-            </a:solidFill>
-          </a:ln>
-        </p:spPr>
-        <p:style>
-          <a:lnRef idx="2">
-            <a:schemeClr val="accent1">
-              <a:shade val="50000"/>
-            </a:schemeClr>
-          </a:lnRef>
-          <a:fillRef idx="1">
-            <a:schemeClr val="accent1"/>
-          </a:fillRef>
-          <a:effectRef idx="0">
-            <a:schemeClr val="accent1"/>
-          </a:effectRef>
-          <a:fontRef idx="minor">
-            <a:schemeClr val="lt1"/>
-          </a:fontRef>
-        </p:style>
-        <p:txBody>
-          <a:bodyPr rtlCol="0" anchor="ctr"/>
-          <a:lstStyle/>
-          <a:p>
-            <a:pPr algn="ctr"/>
-            <a:endParaRPr lang="en-US" dirty="0"/>
-          </a:p>
-        </p:txBody>
-      </p:sp>
-      <p:sp>
-        <p:nvSpPr>
-          <p:cNvPr id="6" name="Rectangle 5">
-            <a:extLst>
-              <a:ext uri="{FF2B5EF4-FFF2-40B4-BE49-F238E27FC236}">
-                <a16:creationId xmlns="" xmlns:a16="http://schemas.microsoft.com/office/drawing/2014/main" id="{471F7CF0-A2D7-4EA0-ADF4-912A096FDC85}"/>
-              </a:ext>
-            </a:extLst>
-          </p:cNvPr>
-          <p:cNvSpPr/>
-          <p:nvPr/>
-        </p:nvSpPr>
-        <p:spPr>
-          <a:xfrm>
-            <a:off x="3933993" y="2739080"/>
-            <a:ext cx="1379839" cy="1379839"/>
-          </a:xfrm>
-          <a:prstGeom prst="rect">
-            <a:avLst/>
-          </a:prstGeom>
-          <a:blipFill dpi="0" rotWithShape="1">
-            <a:blip r:embed="rId4">
-              <a:extLst>
-                <a:ext uri="{28A0092B-C50C-407E-A947-70E740481C1C}">
-                  <a14:useLocalDpi xmlns:a14="http://schemas.microsoft.com/office/drawing/2010/main" val="0"/>
-                </a:ext>
-              </a:extLst>
-            </a:blip>
-            <a:srcRect/>
-            <a:stretch>
-              <a:fillRect/>
-            </a:stretch>
-          </a:blipFill>
-          <a:ln>
-            <a:solidFill>
-              <a:schemeClr val="bg1"/>
-            </a:solidFill>
-          </a:ln>
-        </p:spPr>
-        <p:style>
-          <a:lnRef idx="2">
-            <a:schemeClr val="accent1">
-              <a:shade val="50000"/>
-            </a:schemeClr>
-          </a:lnRef>
-          <a:fillRef idx="1">
-            <a:schemeClr val="accent1"/>
-          </a:fillRef>
-          <a:effectRef idx="0">
-            <a:schemeClr val="accent1"/>
-          </a:effectRef>
-          <a:fontRef idx="minor">
-            <a:schemeClr val="lt1"/>
-          </a:fontRef>
-        </p:style>
-        <p:txBody>
-          <a:bodyPr rtlCol="0" anchor="ctr"/>
-          <a:lstStyle/>
-          <a:p>
-            <a:pPr algn="ctr"/>
-            <a:endParaRPr lang="en-US" dirty="0"/>
-          </a:p>
-        </p:txBody>
-      </p:sp>
-      <p:sp>
-        <p:nvSpPr>
-          <p:cNvPr id="7" name="Rectangle 6">
-            <a:extLst>
-              <a:ext uri="{FF2B5EF4-FFF2-40B4-BE49-F238E27FC236}">
-                <a16:creationId xmlns="" xmlns:a16="http://schemas.microsoft.com/office/drawing/2014/main" id="{09807426-59BD-40CF-9B1E-DBD71CFB9DD7}"/>
-              </a:ext>
-            </a:extLst>
-          </p:cNvPr>
-          <p:cNvSpPr/>
-          <p:nvPr/>
-        </p:nvSpPr>
-        <p:spPr>
-          <a:xfrm>
-            <a:off x="5498331" y="2739080"/>
-            <a:ext cx="1379839" cy="1379839"/>
-          </a:xfrm>
-          <a:prstGeom prst="rect">
-            <a:avLst/>
-          </a:prstGeom>
-          <a:blipFill dpi="0" rotWithShape="1">
-            <a:blip r:embed="rId5">
-              <a:extLst>
-                <a:ext uri="{28A0092B-C50C-407E-A947-70E740481C1C}">
-                  <a14:useLocalDpi xmlns:a14="http://schemas.microsoft.com/office/drawing/2010/main" val="0"/>
-                </a:ext>
-              </a:extLst>
-            </a:blip>
-            <a:srcRect/>
-            <a:stretch>
-              <a:fillRect/>
-            </a:stretch>
-          </a:blipFill>
-          <a:ln>
-            <a:solidFill>
-              <a:schemeClr val="bg1"/>
-            </a:solidFill>
-          </a:ln>
-        </p:spPr>
-        <p:style>
-          <a:lnRef idx="2">
-            <a:schemeClr val="accent1">
-              <a:shade val="50000"/>
-            </a:schemeClr>
-          </a:lnRef>
-          <a:fillRef idx="1">
-            <a:schemeClr val="accent1"/>
-          </a:fillRef>
-          <a:effectRef idx="0">
-            <a:schemeClr val="accent1"/>
-          </a:effectRef>
-          <a:fontRef idx="minor">
-            <a:schemeClr val="lt1"/>
-          </a:fontRef>
-        </p:style>
-        <p:txBody>
-          <a:bodyPr rtlCol="0" anchor="ctr"/>
-          <a:lstStyle/>
-          <a:p>
-            <a:pPr algn="ctr"/>
-            <a:endParaRPr lang="en-US" dirty="0"/>
-          </a:p>
-        </p:txBody>
-      </p:sp>
-      <p:sp>
-        <p:nvSpPr>
-          <p:cNvPr id="8" name="Rectangle 7">
-            <a:extLst>
-              <a:ext uri="{FF2B5EF4-FFF2-40B4-BE49-F238E27FC236}">
-                <a16:creationId xmlns="" xmlns:a16="http://schemas.microsoft.com/office/drawing/2014/main" id="{FFA960AE-B914-4E63-843C-726E25D849E0}"/>
-              </a:ext>
-            </a:extLst>
-          </p:cNvPr>
-          <p:cNvSpPr/>
-          <p:nvPr/>
-        </p:nvSpPr>
-        <p:spPr>
-          <a:xfrm>
-            <a:off x="7062669" y="2739080"/>
-            <a:ext cx="1379839" cy="1379839"/>
-          </a:xfrm>
-          <a:prstGeom prst="rect">
-            <a:avLst/>
-          </a:prstGeom>
-          <a:blipFill dpi="0" rotWithShape="1">
-            <a:blip r:embed="rId6">
-              <a:extLst>
-                <a:ext uri="{28A0092B-C50C-407E-A947-70E740481C1C}">
-                  <a14:useLocalDpi xmlns:a14="http://schemas.microsoft.com/office/drawing/2010/main" val="0"/>
-                </a:ext>
-              </a:extLst>
-            </a:blip>
-            <a:srcRect/>
-            <a:stretch>
-              <a:fillRect/>
-            </a:stretch>
-          </a:blipFill>
-          <a:ln>
-            <a:solidFill>
-              <a:schemeClr val="bg1"/>
-            </a:solidFill>
-          </a:ln>
-        </p:spPr>
-        <p:style>
-          <a:lnRef idx="2">
-            <a:schemeClr val="accent1">
-              <a:shade val="50000"/>
-            </a:schemeClr>
-          </a:lnRef>
-          <a:fillRef idx="1">
-            <a:schemeClr val="accent1"/>
-          </a:fillRef>
-          <a:effectRef idx="0">
-            <a:schemeClr val="accent1"/>
-          </a:effectRef>
-          <a:fontRef idx="minor">
-            <a:schemeClr val="lt1"/>
-          </a:fontRef>
-        </p:style>
-        <p:txBody>
-          <a:bodyPr rtlCol="0" anchor="ctr"/>
-          <a:lstStyle/>
-          <a:p>
-            <a:pPr algn="ctr"/>
-            <a:endParaRPr lang="en-US" dirty="0"/>
-          </a:p>
-        </p:txBody>
-      </p:sp>
-      <p:sp>
-        <p:nvSpPr>
-          <p:cNvPr id="9" name="Rectangle 8">
-            <a:extLst>
-              <a:ext uri="{FF2B5EF4-FFF2-40B4-BE49-F238E27FC236}">
-                <a16:creationId xmlns="" xmlns:a16="http://schemas.microsoft.com/office/drawing/2014/main" id="{85CFB1AE-B46D-45E0-94F3-AECAA7263D7B}"/>
-              </a:ext>
-            </a:extLst>
-          </p:cNvPr>
-          <p:cNvSpPr/>
-          <p:nvPr/>
-        </p:nvSpPr>
-        <p:spPr>
-          <a:xfrm>
-            <a:off x="797692" y="1145807"/>
-            <a:ext cx="1379839" cy="1379839"/>
-          </a:xfrm>
-          <a:prstGeom prst="rect">
-            <a:avLst/>
-          </a:prstGeom>
-          <a:blipFill dpi="0" rotWithShape="1">
-            <a:blip r:embed="rId7">
-              <a:extLst>
-                <a:ext uri="{28A0092B-C50C-407E-A947-70E740481C1C}">
-                  <a14:useLocalDpi xmlns:a14="http://schemas.microsoft.com/office/drawing/2010/main" val="0"/>
-                </a:ext>
-              </a:extLst>
-            </a:blip>
-            <a:srcRect/>
-            <a:stretch>
-              <a:fillRect/>
-            </a:stretch>
-          </a:blipFill>
-          <a:ln>
-            <a:solidFill>
-              <a:schemeClr val="bg1"/>
-            </a:solidFill>
-          </a:ln>
-        </p:spPr>
-        <p:style>
-          <a:lnRef idx="2">
-            <a:schemeClr val="accent1">
-              <a:shade val="50000"/>
-            </a:schemeClr>
-          </a:lnRef>
-          <a:fillRef idx="1">
-            <a:schemeClr val="accent1"/>
-          </a:fillRef>
-          <a:effectRef idx="0">
-            <a:schemeClr val="accent1"/>
-          </a:effectRef>
-          <a:fontRef idx="minor">
-            <a:schemeClr val="lt1"/>
-          </a:fontRef>
-        </p:style>
-        <p:txBody>
-          <a:bodyPr rtlCol="0" anchor="ctr"/>
-          <a:lstStyle/>
-          <a:p>
-            <a:pPr algn="ctr"/>
-            <a:endParaRPr lang="en-US" dirty="0"/>
-          </a:p>
-        </p:txBody>
-      </p:sp>
-      <p:sp>
-        <p:nvSpPr>
-          <p:cNvPr id="10" name="Rectangle 9">
-            <a:extLst>
-              <a:ext uri="{FF2B5EF4-FFF2-40B4-BE49-F238E27FC236}">
-                <a16:creationId xmlns="" xmlns:a16="http://schemas.microsoft.com/office/drawing/2014/main" id="{1B391BDD-F07B-4C67-9224-9651E39ECBE6}"/>
-              </a:ext>
-            </a:extLst>
-          </p:cNvPr>
-          <p:cNvSpPr/>
-          <p:nvPr/>
-        </p:nvSpPr>
-        <p:spPr>
-          <a:xfrm>
-            <a:off x="2363255" y="1145807"/>
-            <a:ext cx="1379839" cy="1379839"/>
-          </a:xfrm>
-          <a:prstGeom prst="rect">
-            <a:avLst/>
-          </a:prstGeom>
-          <a:blipFill dpi="0" rotWithShape="1">
-            <a:blip r:embed="rId8">
-              <a:extLst>
-                <a:ext uri="{28A0092B-C50C-407E-A947-70E740481C1C}">
-                  <a14:useLocalDpi xmlns:a14="http://schemas.microsoft.com/office/drawing/2010/main" val="0"/>
-                </a:ext>
-              </a:extLst>
-            </a:blip>
-            <a:srcRect/>
-            <a:stretch>
-              <a:fillRect/>
-            </a:stretch>
-          </a:blipFill>
-          <a:ln>
-            <a:solidFill>
-              <a:schemeClr val="bg1"/>
-            </a:solidFill>
-          </a:ln>
-        </p:spPr>
-        <p:style>
-          <a:lnRef idx="2">
-            <a:schemeClr val="accent1">
-              <a:shade val="50000"/>
-            </a:schemeClr>
-          </a:lnRef>
-          <a:fillRef idx="1">
-            <a:schemeClr val="accent1"/>
-          </a:fillRef>
-          <a:effectRef idx="0">
-            <a:schemeClr val="accent1"/>
-          </a:effectRef>
-          <a:fontRef idx="minor">
-            <a:schemeClr val="lt1"/>
-          </a:fontRef>
-        </p:style>
-        <p:txBody>
-          <a:bodyPr rtlCol="0" anchor="ctr"/>
-          <a:lstStyle/>
-          <a:p>
-            <a:pPr algn="ctr"/>
-            <a:endParaRPr lang="en-US" dirty="0"/>
-          </a:p>
-        </p:txBody>
-      </p:sp>
-      <p:sp>
-        <p:nvSpPr>
-          <p:cNvPr id="11" name="Rectangle 10">
-            <a:extLst>
-              <a:ext uri="{FF2B5EF4-FFF2-40B4-BE49-F238E27FC236}">
-                <a16:creationId xmlns="" xmlns:a16="http://schemas.microsoft.com/office/drawing/2014/main" id="{15CC405D-9E93-479A-A34D-E0840ED42DAC}"/>
-              </a:ext>
-            </a:extLst>
-          </p:cNvPr>
-          <p:cNvSpPr/>
-          <p:nvPr/>
-        </p:nvSpPr>
-        <p:spPr>
-          <a:xfrm>
-            <a:off x="3947847" y="1145807"/>
-            <a:ext cx="1379839" cy="1379839"/>
-          </a:xfrm>
-          <a:prstGeom prst="rect">
-            <a:avLst/>
-          </a:prstGeom>
-          <a:blipFill dpi="0" rotWithShape="1">
-            <a:blip r:embed="rId9">
-              <a:extLst>
-                <a:ext uri="{28A0092B-C50C-407E-A947-70E740481C1C}">
-                  <a14:useLocalDpi xmlns:a14="http://schemas.microsoft.com/office/drawing/2010/main" val="0"/>
-                </a:ext>
-              </a:extLst>
-            </a:blip>
-            <a:srcRect/>
-            <a:stretch>
-              <a:fillRect/>
-            </a:stretch>
-          </a:blipFill>
-          <a:ln>
-            <a:solidFill>
-              <a:schemeClr val="bg1"/>
-            </a:solidFill>
-          </a:ln>
-        </p:spPr>
-        <p:style>
-          <a:lnRef idx="2">
-            <a:schemeClr val="accent1">
-              <a:shade val="50000"/>
-            </a:schemeClr>
-          </a:lnRef>
-          <a:fillRef idx="1">
-            <a:schemeClr val="accent1"/>
-          </a:fillRef>
-          <a:effectRef idx="0">
-            <a:schemeClr val="accent1"/>
-          </a:effectRef>
-          <a:fontRef idx="minor">
-            <a:schemeClr val="lt1"/>
-          </a:fontRef>
-        </p:style>
-        <p:txBody>
-          <a:bodyPr rtlCol="0" anchor="ctr"/>
-          <a:lstStyle/>
-          <a:p>
-            <a:pPr algn="ctr"/>
-            <a:endParaRPr lang="en-US" dirty="0"/>
-          </a:p>
-        </p:txBody>
-      </p:sp>
-      <p:sp>
-        <p:nvSpPr>
-          <p:cNvPr id="12" name="Rectangle 11">
-            <a:extLst>
-              <a:ext uri="{FF2B5EF4-FFF2-40B4-BE49-F238E27FC236}">
-                <a16:creationId xmlns="" xmlns:a16="http://schemas.microsoft.com/office/drawing/2014/main" id="{B709607D-1C76-4A19-B710-14FE5FDA7988}"/>
-              </a:ext>
-            </a:extLst>
-          </p:cNvPr>
-          <p:cNvSpPr/>
-          <p:nvPr/>
-        </p:nvSpPr>
-        <p:spPr>
-          <a:xfrm>
-            <a:off x="5512185" y="1145807"/>
-            <a:ext cx="1379839" cy="1379839"/>
-          </a:xfrm>
-          <a:prstGeom prst="rect">
-            <a:avLst/>
-          </a:prstGeom>
-          <a:blipFill dpi="0" rotWithShape="1">
-            <a:blip r:embed="rId10">
-              <a:extLst>
-                <a:ext uri="{28A0092B-C50C-407E-A947-70E740481C1C}">
-                  <a14:useLocalDpi xmlns:a14="http://schemas.microsoft.com/office/drawing/2010/main" val="0"/>
-                </a:ext>
-              </a:extLst>
-            </a:blip>
-            <a:srcRect/>
-            <a:stretch>
-              <a:fillRect/>
-            </a:stretch>
-          </a:blipFill>
-          <a:ln>
-            <a:solidFill>
-              <a:schemeClr val="bg1"/>
-            </a:solidFill>
-          </a:ln>
-        </p:spPr>
-        <p:style>
-          <a:lnRef idx="2">
-            <a:schemeClr val="accent1">
-              <a:shade val="50000"/>
-            </a:schemeClr>
-          </a:lnRef>
-          <a:fillRef idx="1">
-            <a:schemeClr val="accent1"/>
-          </a:fillRef>
-          <a:effectRef idx="0">
-            <a:schemeClr val="accent1"/>
-          </a:effectRef>
-          <a:fontRef idx="minor">
-            <a:schemeClr val="lt1"/>
-          </a:fontRef>
-        </p:style>
-        <p:txBody>
-          <a:bodyPr rtlCol="0" anchor="ctr"/>
-          <a:lstStyle/>
-          <a:p>
-            <a:pPr algn="ctr"/>
-            <a:endParaRPr lang="en-US" dirty="0"/>
-          </a:p>
-        </p:txBody>
-      </p:sp>
-      <p:sp>
-        <p:nvSpPr>
-          <p:cNvPr id="13" name="Rectangle 12">
-            <a:extLst>
-              <a:ext uri="{FF2B5EF4-FFF2-40B4-BE49-F238E27FC236}">
-                <a16:creationId xmlns="" xmlns:a16="http://schemas.microsoft.com/office/drawing/2014/main" id="{EB43DC7D-D671-4514-9C81-8BFE5BD7E529}"/>
-              </a:ext>
-            </a:extLst>
-          </p:cNvPr>
-          <p:cNvSpPr/>
-          <p:nvPr/>
-        </p:nvSpPr>
-        <p:spPr>
-          <a:xfrm>
-            <a:off x="7076523" y="1145807"/>
-            <a:ext cx="1379839" cy="1379839"/>
-          </a:xfrm>
-          <a:prstGeom prst="rect">
-            <a:avLst/>
-          </a:prstGeom>
-          <a:blipFill dpi="0" rotWithShape="1">
-            <a:blip r:embed="rId11">
-              <a:extLst>
-                <a:ext uri="{28A0092B-C50C-407E-A947-70E740481C1C}">
-                  <a14:useLocalDpi xmlns:a14="http://schemas.microsoft.com/office/drawing/2010/main" val="0"/>
-                </a:ext>
-              </a:extLst>
-            </a:blip>
-            <a:srcRect/>
-            <a:stretch>
-              <a:fillRect/>
-            </a:stretch>
-          </a:blipFill>
-          <a:ln>
-            <a:solidFill>
-              <a:schemeClr val="bg1"/>
-            </a:solidFill>
-          </a:ln>
-        </p:spPr>
-        <p:style>
-          <a:lnRef idx="2">
-            <a:schemeClr val="accent1">
-              <a:shade val="50000"/>
-            </a:schemeClr>
-          </a:lnRef>
-          <a:fillRef idx="1">
-            <a:schemeClr val="accent1"/>
-          </a:fillRef>
-          <a:effectRef idx="0">
-            <a:schemeClr val="accent1"/>
-          </a:effectRef>
-          <a:fontRef idx="minor">
-            <a:schemeClr val="lt1"/>
-          </a:fontRef>
-        </p:style>
-        <p:txBody>
-          <a:bodyPr rtlCol="0" anchor="ctr"/>
-          <a:lstStyle/>
-          <a:p>
-            <a:pPr algn="ctr"/>
-            <a:endParaRPr lang="en-US" dirty="0"/>
-          </a:p>
-        </p:txBody>
-      </p:sp>
-      <p:sp>
-        <p:nvSpPr>
-          <p:cNvPr id="14" name="Rectangle 13">
-            <a:extLst>
-              <a:ext uri="{FF2B5EF4-FFF2-40B4-BE49-F238E27FC236}">
-                <a16:creationId xmlns="" xmlns:a16="http://schemas.microsoft.com/office/drawing/2014/main" id="{D110BA39-73DD-4B1E-BAFA-4A2874238410}"/>
-              </a:ext>
-            </a:extLst>
-          </p:cNvPr>
-          <p:cNvSpPr/>
-          <p:nvPr/>
-        </p:nvSpPr>
-        <p:spPr>
-          <a:xfrm>
-            <a:off x="783838" y="4332354"/>
-            <a:ext cx="1379839" cy="1379839"/>
-          </a:xfrm>
-          <a:prstGeom prst="rect">
-            <a:avLst/>
-          </a:prstGeom>
-          <a:blipFill dpi="0" rotWithShape="1">
-            <a:blip r:embed="rId12">
-              <a:extLst>
-                <a:ext uri="{28A0092B-C50C-407E-A947-70E740481C1C}">
-                  <a14:useLocalDpi xmlns:a14="http://schemas.microsoft.com/office/drawing/2010/main" val="0"/>
-                </a:ext>
-              </a:extLst>
-            </a:blip>
-            <a:srcRect/>
-            <a:stretch>
-              <a:fillRect/>
-            </a:stretch>
-          </a:blipFill>
-          <a:ln>
-            <a:solidFill>
-              <a:schemeClr val="bg1"/>
-            </a:solidFill>
-          </a:ln>
-        </p:spPr>
-        <p:style>
-          <a:lnRef idx="2">
-            <a:schemeClr val="accent1">
-              <a:shade val="50000"/>
-            </a:schemeClr>
-          </a:lnRef>
-          <a:fillRef idx="1">
-            <a:schemeClr val="accent1"/>
-          </a:fillRef>
-          <a:effectRef idx="0">
-            <a:schemeClr val="accent1"/>
-          </a:effectRef>
-          <a:fontRef idx="minor">
-            <a:schemeClr val="lt1"/>
-          </a:fontRef>
-        </p:style>
-        <p:txBody>
-          <a:bodyPr rtlCol="0" anchor="ctr"/>
-          <a:lstStyle/>
-          <a:p>
-            <a:pPr algn="ctr"/>
-            <a:endParaRPr lang="en-US" dirty="0"/>
-          </a:p>
-        </p:txBody>
-      </p:sp>
-      <p:sp>
-        <p:nvSpPr>
-          <p:cNvPr id="15" name="Rectangle 14">
-            <a:extLst>
-              <a:ext uri="{FF2B5EF4-FFF2-40B4-BE49-F238E27FC236}">
-                <a16:creationId xmlns="" xmlns:a16="http://schemas.microsoft.com/office/drawing/2014/main" id="{C0EFE60D-70DC-4A1F-B1B2-CF4701557B76}"/>
-              </a:ext>
-            </a:extLst>
-          </p:cNvPr>
-          <p:cNvSpPr/>
-          <p:nvPr/>
-        </p:nvSpPr>
-        <p:spPr>
-          <a:xfrm>
-            <a:off x="2349401" y="4332354"/>
-            <a:ext cx="1379839" cy="1379839"/>
-          </a:xfrm>
-          <a:prstGeom prst="rect">
-            <a:avLst/>
-          </a:prstGeom>
-          <a:blipFill dpi="0" rotWithShape="1">
-            <a:blip r:embed="rId13">
-              <a:extLst>
-                <a:ext uri="{28A0092B-C50C-407E-A947-70E740481C1C}">
-                  <a14:useLocalDpi xmlns:a14="http://schemas.microsoft.com/office/drawing/2010/main" val="0"/>
-                </a:ext>
-              </a:extLst>
-            </a:blip>
-            <a:srcRect/>
-            <a:stretch>
-              <a:fillRect/>
-            </a:stretch>
-          </a:blipFill>
-          <a:ln>
-            <a:solidFill>
-              <a:schemeClr val="bg1"/>
-            </a:solidFill>
-          </a:ln>
-        </p:spPr>
-        <p:style>
-          <a:lnRef idx="2">
-            <a:schemeClr val="accent1">
-              <a:shade val="50000"/>
-            </a:schemeClr>
-          </a:lnRef>
-          <a:fillRef idx="1">
-            <a:schemeClr val="accent1"/>
-          </a:fillRef>
-          <a:effectRef idx="0">
-            <a:schemeClr val="accent1"/>
-          </a:effectRef>
-          <a:fontRef idx="minor">
-            <a:schemeClr val="lt1"/>
-          </a:fontRef>
-        </p:style>
-        <p:txBody>
-          <a:bodyPr rtlCol="0" anchor="ctr"/>
-          <a:lstStyle/>
-          <a:p>
-            <a:pPr algn="ctr"/>
-            <a:endParaRPr lang="en-US" dirty="0"/>
-          </a:p>
-        </p:txBody>
-      </p:sp>
-      <p:sp>
-        <p:nvSpPr>
-          <p:cNvPr id="16" name="Rectangle 15">
-            <a:extLst>
-              <a:ext uri="{FF2B5EF4-FFF2-40B4-BE49-F238E27FC236}">
-                <a16:creationId xmlns="" xmlns:a16="http://schemas.microsoft.com/office/drawing/2014/main" id="{969F751B-50F2-4F3D-8906-7399F93F5988}"/>
-              </a:ext>
-            </a:extLst>
-          </p:cNvPr>
-          <p:cNvSpPr/>
-          <p:nvPr/>
-        </p:nvSpPr>
-        <p:spPr>
-          <a:xfrm>
-            <a:off x="3933993" y="4332354"/>
-            <a:ext cx="1379839" cy="1379839"/>
-          </a:xfrm>
-          <a:prstGeom prst="rect">
-            <a:avLst/>
-          </a:prstGeom>
-          <a:blipFill dpi="0" rotWithShape="1">
-            <a:blip r:embed="rId14">
-              <a:extLst>
-                <a:ext uri="{28A0092B-C50C-407E-A947-70E740481C1C}">
-                  <a14:useLocalDpi xmlns:a14="http://schemas.microsoft.com/office/drawing/2010/main" val="0"/>
-                </a:ext>
-              </a:extLst>
-            </a:blip>
-            <a:srcRect/>
-            <a:stretch>
-              <a:fillRect/>
-            </a:stretch>
-          </a:blipFill>
-          <a:ln>
-            <a:solidFill>
-              <a:schemeClr val="bg1"/>
-            </a:solidFill>
-          </a:ln>
-        </p:spPr>
-        <p:style>
-          <a:lnRef idx="2">
-            <a:schemeClr val="accent1">
-              <a:shade val="50000"/>
-            </a:schemeClr>
-          </a:lnRef>
-          <a:fillRef idx="1">
-            <a:schemeClr val="accent1"/>
-          </a:fillRef>
-          <a:effectRef idx="0">
-            <a:schemeClr val="accent1"/>
-          </a:effectRef>
-          <a:fontRef idx="minor">
-            <a:schemeClr val="lt1"/>
-          </a:fontRef>
-        </p:style>
-        <p:txBody>
-          <a:bodyPr rtlCol="0" anchor="ctr"/>
-          <a:lstStyle/>
-          <a:p>
-            <a:pPr algn="ctr"/>
-            <a:endParaRPr lang="en-US" dirty="0"/>
-          </a:p>
-        </p:txBody>
-      </p:sp>
-      <p:sp>
-        <p:nvSpPr>
-          <p:cNvPr id="17" name="Rectangle 16">
-            <a:extLst>
-              <a:ext uri="{FF2B5EF4-FFF2-40B4-BE49-F238E27FC236}">
-                <a16:creationId xmlns="" xmlns:a16="http://schemas.microsoft.com/office/drawing/2014/main" id="{E1EE4A63-195E-4F13-8952-73A7C7A166F6}"/>
-              </a:ext>
-            </a:extLst>
-          </p:cNvPr>
-          <p:cNvSpPr/>
-          <p:nvPr/>
-        </p:nvSpPr>
-        <p:spPr>
-          <a:xfrm>
-            <a:off x="5498331" y="4332354"/>
-            <a:ext cx="1379839" cy="1379839"/>
-          </a:xfrm>
-          <a:prstGeom prst="rect">
-            <a:avLst/>
-          </a:prstGeom>
-          <a:blipFill dpi="0" rotWithShape="1">
-            <a:blip r:embed="rId15">
-              <a:extLst>
-                <a:ext uri="{28A0092B-C50C-407E-A947-70E740481C1C}">
-                  <a14:useLocalDpi xmlns:a14="http://schemas.microsoft.com/office/drawing/2010/main" val="0"/>
-                </a:ext>
-              </a:extLst>
-            </a:blip>
-            <a:srcRect/>
-            <a:stretch>
-              <a:fillRect/>
-            </a:stretch>
-          </a:blipFill>
-          <a:ln>
-            <a:solidFill>
-              <a:schemeClr val="bg1"/>
-            </a:solidFill>
-          </a:ln>
-        </p:spPr>
-        <p:style>
-          <a:lnRef idx="2">
-            <a:schemeClr val="accent1">
-              <a:shade val="50000"/>
-            </a:schemeClr>
-          </a:lnRef>
-          <a:fillRef idx="1">
-            <a:schemeClr val="accent1"/>
-          </a:fillRef>
-          <a:effectRef idx="0">
-            <a:schemeClr val="accent1"/>
-          </a:effectRef>
-          <a:fontRef idx="minor">
-            <a:schemeClr val="lt1"/>
-          </a:fontRef>
-        </p:style>
-        <p:txBody>
-          <a:bodyPr rtlCol="0" anchor="ctr"/>
-          <a:lstStyle/>
-          <a:p>
-            <a:pPr algn="ctr"/>
-            <a:endParaRPr lang="en-US" dirty="0"/>
-          </a:p>
-        </p:txBody>
-      </p:sp>
-      <p:sp>
-        <p:nvSpPr>
-          <p:cNvPr id="18" name="Rectangle 17">
-            <a:extLst>
-              <a:ext uri="{FF2B5EF4-FFF2-40B4-BE49-F238E27FC236}">
-                <a16:creationId xmlns="" xmlns:a16="http://schemas.microsoft.com/office/drawing/2014/main" id="{D3CE994F-D446-480C-830E-2B479874648A}"/>
-              </a:ext>
-            </a:extLst>
-          </p:cNvPr>
-          <p:cNvSpPr/>
-          <p:nvPr/>
-        </p:nvSpPr>
-        <p:spPr>
-          <a:xfrm>
-            <a:off x="7062669" y="4332354"/>
-            <a:ext cx="1379839" cy="1379839"/>
-          </a:xfrm>
-          <a:prstGeom prst="rect">
-            <a:avLst/>
-          </a:prstGeom>
-          <a:blipFill dpi="0" rotWithShape="1">
-            <a:blip r:embed="rId16">
-              <a:extLst>
-                <a:ext uri="{28A0092B-C50C-407E-A947-70E740481C1C}">
-                  <a14:useLocalDpi xmlns:a14="http://schemas.microsoft.com/office/drawing/2010/main" val="0"/>
-                </a:ext>
-              </a:extLst>
-            </a:blip>
-            <a:srcRect/>
-            <a:stretch>
-              <a:fillRect/>
-            </a:stretch>
-          </a:blipFill>
-          <a:ln>
-            <a:solidFill>
-              <a:schemeClr val="bg1"/>
-            </a:solidFill>
-          </a:ln>
-        </p:spPr>
-        <p:style>
-          <a:lnRef idx="2">
-            <a:schemeClr val="accent1">
-              <a:shade val="50000"/>
-            </a:schemeClr>
-          </a:lnRef>
-          <a:fillRef idx="1">
-            <a:schemeClr val="accent1"/>
-          </a:fillRef>
-          <a:effectRef idx="0">
-            <a:schemeClr val="accent1"/>
-          </a:effectRef>
-          <a:fontRef idx="minor">
-            <a:schemeClr val="lt1"/>
-          </a:fontRef>
-        </p:style>
-        <p:txBody>
-          <a:bodyPr rtlCol="0" anchor="ctr"/>
-          <a:lstStyle/>
-          <a:p>
-            <a:pPr algn="ctr"/>
-            <a:endParaRPr lang="en-US" dirty="0"/>
-          </a:p>
-        </p:txBody>
-      </p:sp>
-    </p:spTree>
-    <p:extLst>
-      <p:ext uri="{BB962C8B-B14F-4D97-AF65-F5344CB8AC3E}">
-        <p14:creationId xmlns:p14="http://schemas.microsoft.com/office/powerpoint/2010/main" val="514995830"/>
-      </p:ext>
-    </p:extLst>
-  </p:cSld>
-  <p:clrMapOvr>
-    <a:masterClrMapping/>
-  </p:clrMapOvr>
-  <mc:AlternateContent xmlns:mc="http://schemas.openxmlformats.org/markup-compatibility/2006" xmlns:p14="http://schemas.microsoft.com/office/powerpoint/2010/main">
-    <mc:Choice Requires="p14">
-      <p:transition spd="slow" p14:dur="2000"/>
-    </mc:Choice>
-    <mc:Fallback xmlns="">
-      <p:transition spd="slow"/>
-    </mc:Fallback>
-  </mc:AlternateContent>
-  <p:timing>
-    <p:tnLst>
-      <p:par>
-        <p:cTn id="1" dur="indefinite" restart="never" nodeType="tmRoot"/>
-      </p:par>
-    </p:tnLst>
-  </p:timing>
-</p:sld>
-</file>
-
-<file path=ppt/slides/slide3.xml><?xml version="1.0" encoding="utf-8"?>
 <p:sld xmlns:a="http://schemas.openxmlformats.org/drawingml/2006/main" xmlns:r="http://schemas.openxmlformats.org/officeDocument/2006/relationships" xmlns:p="http://schemas.openxmlformats.org/presentationml/2006/main">
   <p:cSld>
     <p:bg>
@@ -9140,10 +8556,10 @@
           <p:cNvPr id="8" name="Rectangle 7">
             <a:extLst>
               <a:ext uri="{FF2B5EF4-FFF2-40B4-BE49-F238E27FC236}">
-                <a16:creationId xmlns="" xmlns:a16="http://schemas.microsoft.com/office/drawing/2014/main" id="{3B854194-185D-494D-905C-7C7CB2E30F6E}"/>
+                <a16:creationId xmlns:a16="http://schemas.microsoft.com/office/drawing/2014/main" xmlns="" id="{3B854194-185D-494D-905C-7C7CB2E30F6E}"/>
               </a:ext>
               <a:ext uri="{C183D7F6-B498-43B3-948B-1728B52AA6E4}">
-                <adec:decorative xmlns="" xmlns:adec="http://schemas.microsoft.com/office/drawing/2017/decorative" val="1"/>
+                <adec:decorative xmlns:adec="http://schemas.microsoft.com/office/drawing/2017/decorative" xmlns="" val="1"/>
               </a:ext>
             </a:extLst>
           </p:cNvPr>
@@ -9153,7 +8569,7 @@
           <p:nvPr>
             <p:extLst>
               <p:ext uri="{386F3935-93C4-4BCD-93E2-E3B085C9AB24}">
-                <p16:designElem xmlns="" xmlns:p16="http://schemas.microsoft.com/office/powerpoint/2015/main" val="1"/>
+                <p16:designElem xmlns:p16="http://schemas.microsoft.com/office/powerpoint/2015/main" xmlns="" val="1"/>
               </p:ext>
             </p:extLst>
           </p:nvPr>
@@ -9200,10 +8616,10 @@
           <p:cNvPr id="10" name="Rectangle 9">
             <a:extLst>
               <a:ext uri="{FF2B5EF4-FFF2-40B4-BE49-F238E27FC236}">
-                <a16:creationId xmlns="" xmlns:a16="http://schemas.microsoft.com/office/drawing/2014/main" id="{B4F5FA0D-0104-4987-8241-EFF7C85B88DE}"/>
+                <a16:creationId xmlns:a16="http://schemas.microsoft.com/office/drawing/2014/main" xmlns="" id="{B4F5FA0D-0104-4987-8241-EFF7C85B88DE}"/>
               </a:ext>
               <a:ext uri="{C183D7F6-B498-43B3-948B-1728B52AA6E4}">
-                <adec:decorative xmlns="" xmlns:adec="http://schemas.microsoft.com/office/drawing/2017/decorative" val="1"/>
+                <adec:decorative xmlns:adec="http://schemas.microsoft.com/office/drawing/2017/decorative" xmlns="" val="1"/>
               </a:ext>
             </a:extLst>
           </p:cNvPr>
@@ -9213,7 +8629,7 @@
           <p:nvPr>
             <p:extLst>
               <p:ext uri="{386F3935-93C4-4BCD-93E2-E3B085C9AB24}">
-                <p16:designElem xmlns="" xmlns:p16="http://schemas.microsoft.com/office/powerpoint/2015/main" val="1"/>
+                <p16:designElem xmlns:p16="http://schemas.microsoft.com/office/powerpoint/2015/main" xmlns="" val="1"/>
               </p:ext>
             </p:extLst>
           </p:nvPr>
@@ -9285,10 +8701,10 @@
           <p:cNvPr id="12" name="Picture 11">
             <a:extLst>
               <a:ext uri="{FF2B5EF4-FFF2-40B4-BE49-F238E27FC236}">
-                <a16:creationId xmlns="" xmlns:a16="http://schemas.microsoft.com/office/drawing/2014/main" id="{2897127E-6CEF-446C-BE87-93B7C46E49D1}"/>
+                <a16:creationId xmlns:a16="http://schemas.microsoft.com/office/drawing/2014/main" xmlns="" id="{2897127E-6CEF-446C-BE87-93B7C46E49D1}"/>
               </a:ext>
               <a:ext uri="{C183D7F6-B498-43B3-948B-1728B52AA6E4}">
-                <adec:decorative xmlns="" xmlns:adec="http://schemas.microsoft.com/office/drawing/2017/decorative" val="1"/>
+                <adec:decorative xmlns:adec="http://schemas.microsoft.com/office/drawing/2017/decorative" xmlns="" val="1"/>
               </a:ext>
             </a:extLst>
           </p:cNvPr>
@@ -9298,7 +8714,7 @@
           <p:nvPr>
             <p:extLst>
               <p:ext uri="{386F3935-93C4-4BCD-93E2-E3B085C9AB24}">
-                <p16:designElem xmlns="" xmlns:p16="http://schemas.microsoft.com/office/powerpoint/2015/main" val="1"/>
+                <p16:designElem xmlns:p16="http://schemas.microsoft.com/office/powerpoint/2015/main" xmlns="" val="1"/>
               </p:ext>
             </p:extLst>
           </p:nvPr>
@@ -9330,7 +8746,7 @@
           <p:cNvPr id="2" name="Title 1">
             <a:extLst>
               <a:ext uri="{FF2B5EF4-FFF2-40B4-BE49-F238E27FC236}">
-                <a16:creationId xmlns="" xmlns:a16="http://schemas.microsoft.com/office/drawing/2014/main" id="{11571D7C-99F9-4A30-B5A2-A2988F091A34}"/>
+                <a16:creationId xmlns:a16="http://schemas.microsoft.com/office/drawing/2014/main" xmlns="" id="{11571D7C-99F9-4A30-B5A2-A2988F091A34}"/>
               </a:ext>
             </a:extLst>
           </p:cNvPr>
@@ -9371,7 +8787,7 @@
           <p:cNvPr id="3" name="Content Placeholder 2">
             <a:extLst>
               <a:ext uri="{FF2B5EF4-FFF2-40B4-BE49-F238E27FC236}">
-                <a16:creationId xmlns="" xmlns:a16="http://schemas.microsoft.com/office/drawing/2014/main" id="{114BDB89-D0C0-4AD8-941E-BFC9D031585F}"/>
+                <a16:creationId xmlns:a16="http://schemas.microsoft.com/office/drawing/2014/main" xmlns="" id="{114BDB89-D0C0-4AD8-941E-BFC9D031585F}"/>
               </a:ext>
             </a:extLst>
           </p:cNvPr>
@@ -9461,7 +8877,7 @@
 </p:sld>
 </file>
 
-<file path=ppt/slides/slide4.xml><?xml version="1.0" encoding="utf-8"?>
+<file path=ppt/slides/slide3.xml><?xml version="1.0" encoding="utf-8"?>
 <p:sld xmlns:a="http://schemas.openxmlformats.org/drawingml/2006/main" xmlns:r="http://schemas.openxmlformats.org/officeDocument/2006/relationships" xmlns:p="http://schemas.openxmlformats.org/presentationml/2006/main">
   <p:cSld>
     <p:bg>
@@ -9539,7 +8955,7 @@
 </p:sld>
 </file>
 
-<file path=ppt/slides/slide5.xml><?xml version="1.0" encoding="utf-8"?>
+<file path=ppt/slides/slide4.xml><?xml version="1.0" encoding="utf-8"?>
 <p:sld xmlns:a="http://schemas.openxmlformats.org/drawingml/2006/main" xmlns:r="http://schemas.openxmlformats.org/officeDocument/2006/relationships" xmlns:p="http://schemas.openxmlformats.org/presentationml/2006/main">
   <p:cSld>
     <p:spTree>
@@ -9643,7 +9059,7 @@
 </p:sld>
 </file>
 
-<file path=ppt/slides/slide6.xml><?xml version="1.0" encoding="utf-8"?>
+<file path=ppt/slides/slide5.xml><?xml version="1.0" encoding="utf-8"?>
 <p:sld xmlns:a="http://schemas.openxmlformats.org/drawingml/2006/main" xmlns:r="http://schemas.openxmlformats.org/officeDocument/2006/relationships" xmlns:p="http://schemas.openxmlformats.org/presentationml/2006/main">
   <p:cSld>
     <p:bg>
@@ -9673,10 +9089,10 @@
           <p:cNvPr id="8" name="Rectangle 7">
             <a:extLst>
               <a:ext uri="{FF2B5EF4-FFF2-40B4-BE49-F238E27FC236}">
-                <a16:creationId xmlns="" xmlns:a16="http://schemas.microsoft.com/office/drawing/2014/main" id="{15911E3A-C35B-4EF7-A355-B84E9A14AF4D}"/>
+                <a16:creationId xmlns:a16="http://schemas.microsoft.com/office/drawing/2014/main" xmlns="" id="{15911E3A-C35B-4EF7-A355-B84E9A14AF4D}"/>
               </a:ext>
               <a:ext uri="{C183D7F6-B498-43B3-948B-1728B52AA6E4}">
-                <adec:decorative xmlns="" xmlns:adec="http://schemas.microsoft.com/office/drawing/2017/decorative" val="1"/>
+                <adec:decorative xmlns:adec="http://schemas.microsoft.com/office/drawing/2017/decorative" xmlns="" val="1"/>
               </a:ext>
             </a:extLst>
           </p:cNvPr>
@@ -9686,7 +9102,7 @@
           <p:nvPr>
             <p:extLst>
               <p:ext uri="{386F3935-93C4-4BCD-93E2-E3B085C9AB24}">
-                <p16:designElem xmlns="" xmlns:p16="http://schemas.microsoft.com/office/powerpoint/2015/main" val="1"/>
+                <p16:designElem xmlns:p16="http://schemas.microsoft.com/office/powerpoint/2015/main" xmlns="" val="1"/>
               </p:ext>
             </p:extLst>
           </p:nvPr>
@@ -9762,10 +9178,10 @@
           <p:cNvPr id="10" name="Group 9">
             <a:extLst>
               <a:ext uri="{FF2B5EF4-FFF2-40B4-BE49-F238E27FC236}">
-                <a16:creationId xmlns="" xmlns:a16="http://schemas.microsoft.com/office/drawing/2014/main" id="{E21ADB3D-AD65-44B4-847D-5E90E90A5D16}"/>
+                <a16:creationId xmlns:a16="http://schemas.microsoft.com/office/drawing/2014/main" xmlns="" id="{E21ADB3D-AD65-44B4-847D-5E90E90A5D16}"/>
               </a:ext>
               <a:ext uri="{C183D7F6-B498-43B3-948B-1728B52AA6E4}">
-                <adec:decorative xmlns="" xmlns:adec="http://schemas.microsoft.com/office/drawing/2017/decorative" val="1"/>
+                <adec:decorative xmlns:adec="http://schemas.microsoft.com/office/drawing/2017/decorative" xmlns="" val="1"/>
               </a:ext>
             </a:extLst>
           </p:cNvPr>
@@ -9775,7 +9191,7 @@
           <p:nvPr>
             <p:extLst>
               <p:ext uri="{386F3935-93C4-4BCD-93E2-E3B085C9AB24}">
-                <p16:designElem xmlns="" xmlns:p16="http://schemas.microsoft.com/office/powerpoint/2015/main" val="1"/>
+                <p16:designElem xmlns:p16="http://schemas.microsoft.com/office/powerpoint/2015/main" xmlns="" val="1"/>
               </p:ext>
             </p:extLst>
           </p:nvPr>
@@ -9793,10 +9209,10 @@
             <p:cNvPr id="11" name="Freeform 5">
               <a:extLst>
                 <a:ext uri="{FF2B5EF4-FFF2-40B4-BE49-F238E27FC236}">
-                  <a16:creationId xmlns="" xmlns:a16="http://schemas.microsoft.com/office/drawing/2014/main" id="{CF580C70-814C-4845-B645-919BFFBD16BA}"/>
+                  <a16:creationId xmlns:a16="http://schemas.microsoft.com/office/drawing/2014/main" xmlns="" id="{CF580C70-814C-4845-B645-919BFFBD16BA}"/>
                 </a:ext>
                 <a:ext uri="{C183D7F6-B498-43B3-948B-1728B52AA6E4}">
-                  <adec:decorative xmlns="" xmlns:adec="http://schemas.microsoft.com/office/drawing/2017/decorative" val="1"/>
+                  <adec:decorative xmlns:adec="http://schemas.microsoft.com/office/drawing/2017/decorative" xmlns="" val="1"/>
                 </a:ext>
               </a:extLst>
             </p:cNvPr>
@@ -9804,7 +9220,7 @@
             <p:nvPr>
               <p:extLst>
                 <p:ext uri="{386F3935-93C4-4BCD-93E2-E3B085C9AB24}">
-                  <p16:designElem xmlns="" xmlns:p16="http://schemas.microsoft.com/office/powerpoint/2015/main" val="1"/>
+                  <p16:designElem xmlns:p16="http://schemas.microsoft.com/office/powerpoint/2015/main" xmlns="" val="1"/>
                 </p:ext>
               </p:extLst>
             </p:nvPr>
@@ -9861,10 +9277,10 @@
             <p:cNvPr id="12" name="Freeform 6">
               <a:extLst>
                 <a:ext uri="{FF2B5EF4-FFF2-40B4-BE49-F238E27FC236}">
-                  <a16:creationId xmlns="" xmlns:a16="http://schemas.microsoft.com/office/drawing/2014/main" id="{34D7BF57-4CAA-45B2-9EF0-0AA1FCF70B16}"/>
+                  <a16:creationId xmlns:a16="http://schemas.microsoft.com/office/drawing/2014/main" xmlns="" id="{34D7BF57-4CAA-45B2-9EF0-0AA1FCF70B16}"/>
                 </a:ext>
                 <a:ext uri="{C183D7F6-B498-43B3-948B-1728B52AA6E4}">
-                  <adec:decorative xmlns="" xmlns:adec="http://schemas.microsoft.com/office/drawing/2017/decorative" val="1"/>
+                  <adec:decorative xmlns:adec="http://schemas.microsoft.com/office/drawing/2017/decorative" xmlns="" val="1"/>
                 </a:ext>
               </a:extLst>
             </p:cNvPr>
@@ -9872,7 +9288,7 @@
             <p:nvPr>
               <p:extLst>
                 <p:ext uri="{386F3935-93C4-4BCD-93E2-E3B085C9AB24}">
-                  <p16:designElem xmlns="" xmlns:p16="http://schemas.microsoft.com/office/powerpoint/2015/main" val="1"/>
+                  <p16:designElem xmlns:p16="http://schemas.microsoft.com/office/powerpoint/2015/main" xmlns="" val="1"/>
                 </p:ext>
               </p:extLst>
             </p:nvPr>
@@ -9929,10 +9345,10 @@
             <p:cNvPr id="13" name="Freeform 7">
               <a:extLst>
                 <a:ext uri="{FF2B5EF4-FFF2-40B4-BE49-F238E27FC236}">
-                  <a16:creationId xmlns="" xmlns:a16="http://schemas.microsoft.com/office/drawing/2014/main" id="{7886F306-C03A-40C6-8FD5-DCE3D4595D6D}"/>
+                  <a16:creationId xmlns:a16="http://schemas.microsoft.com/office/drawing/2014/main" xmlns="" id="{7886F306-C03A-40C6-8FD5-DCE3D4595D6D}"/>
                 </a:ext>
                 <a:ext uri="{C183D7F6-B498-43B3-948B-1728B52AA6E4}">
-                  <adec:decorative xmlns="" xmlns:adec="http://schemas.microsoft.com/office/drawing/2017/decorative" val="1"/>
+                  <adec:decorative xmlns:adec="http://schemas.microsoft.com/office/drawing/2017/decorative" xmlns="" val="1"/>
                 </a:ext>
               </a:extLst>
             </p:cNvPr>
@@ -9940,7 +9356,7 @@
             <p:nvPr>
               <p:extLst>
                 <p:ext uri="{386F3935-93C4-4BCD-93E2-E3B085C9AB24}">
-                  <p16:designElem xmlns="" xmlns:p16="http://schemas.microsoft.com/office/powerpoint/2015/main" val="1"/>
+                  <p16:designElem xmlns:p16="http://schemas.microsoft.com/office/powerpoint/2015/main" xmlns="" val="1"/>
                 </p:ext>
               </p:extLst>
             </p:nvPr>
@@ -9997,10 +9413,10 @@
             <p:cNvPr id="14" name="Freeform 8">
               <a:extLst>
                 <a:ext uri="{FF2B5EF4-FFF2-40B4-BE49-F238E27FC236}">
-                  <a16:creationId xmlns="" xmlns:a16="http://schemas.microsoft.com/office/drawing/2014/main" id="{2FDC9A36-C7C3-47D7-A64E-ED25C47EC704}"/>
+                  <a16:creationId xmlns:a16="http://schemas.microsoft.com/office/drawing/2014/main" xmlns="" id="{2FDC9A36-C7C3-47D7-A64E-ED25C47EC704}"/>
                 </a:ext>
                 <a:ext uri="{C183D7F6-B498-43B3-948B-1728B52AA6E4}">
-                  <adec:decorative xmlns="" xmlns:adec="http://schemas.microsoft.com/office/drawing/2017/decorative" val="1"/>
+                  <adec:decorative xmlns:adec="http://schemas.microsoft.com/office/drawing/2017/decorative" xmlns="" val="1"/>
                 </a:ext>
               </a:extLst>
             </p:cNvPr>
@@ -10008,7 +9424,7 @@
             <p:nvPr>
               <p:extLst>
                 <p:ext uri="{386F3935-93C4-4BCD-93E2-E3B085C9AB24}">
-                  <p16:designElem xmlns="" xmlns:p16="http://schemas.microsoft.com/office/powerpoint/2015/main" val="1"/>
+                  <p16:designElem xmlns:p16="http://schemas.microsoft.com/office/powerpoint/2015/main" xmlns="" val="1"/>
                 </p:ext>
               </p:extLst>
             </p:nvPr>
@@ -10065,10 +9481,10 @@
             <p:cNvPr id="15" name="Freeform 9">
               <a:extLst>
                 <a:ext uri="{FF2B5EF4-FFF2-40B4-BE49-F238E27FC236}">
-                  <a16:creationId xmlns="" xmlns:a16="http://schemas.microsoft.com/office/drawing/2014/main" id="{BB19BC37-158A-43DC-9A9E-E45CC71954DC}"/>
+                  <a16:creationId xmlns:a16="http://schemas.microsoft.com/office/drawing/2014/main" xmlns="" id="{BB19BC37-158A-43DC-9A9E-E45CC71954DC}"/>
                 </a:ext>
                 <a:ext uri="{C183D7F6-B498-43B3-948B-1728B52AA6E4}">
-                  <adec:decorative xmlns="" xmlns:adec="http://schemas.microsoft.com/office/drawing/2017/decorative" val="1"/>
+                  <adec:decorative xmlns:adec="http://schemas.microsoft.com/office/drawing/2017/decorative" xmlns="" val="1"/>
                 </a:ext>
               </a:extLst>
             </p:cNvPr>
@@ -10076,7 +9492,7 @@
             <p:nvPr>
               <p:extLst>
                 <p:ext uri="{386F3935-93C4-4BCD-93E2-E3B085C9AB24}">
-                  <p16:designElem xmlns="" xmlns:p16="http://schemas.microsoft.com/office/powerpoint/2015/main" val="1"/>
+                  <p16:designElem xmlns:p16="http://schemas.microsoft.com/office/powerpoint/2015/main" xmlns="" val="1"/>
                 </p:ext>
               </p:extLst>
             </p:nvPr>
@@ -10133,10 +9549,10 @@
             <p:cNvPr id="16" name="Freeform 10">
               <a:extLst>
                 <a:ext uri="{FF2B5EF4-FFF2-40B4-BE49-F238E27FC236}">
-                  <a16:creationId xmlns="" xmlns:a16="http://schemas.microsoft.com/office/drawing/2014/main" id="{077654CC-108F-48D5-B5E9-437F164F52A5}"/>
+                  <a16:creationId xmlns:a16="http://schemas.microsoft.com/office/drawing/2014/main" xmlns="" id="{077654CC-108F-48D5-B5E9-437F164F52A5}"/>
                 </a:ext>
                 <a:ext uri="{C183D7F6-B498-43B3-948B-1728B52AA6E4}">
-                  <adec:decorative xmlns="" xmlns:adec="http://schemas.microsoft.com/office/drawing/2017/decorative" val="1"/>
+                  <adec:decorative xmlns:adec="http://schemas.microsoft.com/office/drawing/2017/decorative" xmlns="" val="1"/>
                 </a:ext>
               </a:extLst>
             </p:cNvPr>
@@ -10144,7 +9560,7 @@
             <p:nvPr>
               <p:extLst>
                 <p:ext uri="{386F3935-93C4-4BCD-93E2-E3B085C9AB24}">
-                  <p16:designElem xmlns="" xmlns:p16="http://schemas.microsoft.com/office/powerpoint/2015/main" val="1"/>
+                  <p16:designElem xmlns:p16="http://schemas.microsoft.com/office/powerpoint/2015/main" xmlns="" val="1"/>
                 </p:ext>
               </p:extLst>
             </p:nvPr>
@@ -10201,10 +9617,10 @@
             <p:cNvPr id="17" name="Freeform 11">
               <a:extLst>
                 <a:ext uri="{FF2B5EF4-FFF2-40B4-BE49-F238E27FC236}">
-                  <a16:creationId xmlns="" xmlns:a16="http://schemas.microsoft.com/office/drawing/2014/main" id="{A3CF3A63-1C1E-4E85-A78A-FDC16431E3A0}"/>
+                  <a16:creationId xmlns:a16="http://schemas.microsoft.com/office/drawing/2014/main" xmlns="" id="{A3CF3A63-1C1E-4E85-A78A-FDC16431E3A0}"/>
                 </a:ext>
                 <a:ext uri="{C183D7F6-B498-43B3-948B-1728B52AA6E4}">
-                  <adec:decorative xmlns="" xmlns:adec="http://schemas.microsoft.com/office/drawing/2017/decorative" val="1"/>
+                  <adec:decorative xmlns:adec="http://schemas.microsoft.com/office/drawing/2017/decorative" xmlns="" val="1"/>
                 </a:ext>
               </a:extLst>
             </p:cNvPr>
@@ -10212,7 +9628,7 @@
             <p:nvPr>
               <p:extLst>
                 <p:ext uri="{386F3935-93C4-4BCD-93E2-E3B085C9AB24}">
-                  <p16:designElem xmlns="" xmlns:p16="http://schemas.microsoft.com/office/powerpoint/2015/main" val="1"/>
+                  <p16:designElem xmlns:p16="http://schemas.microsoft.com/office/powerpoint/2015/main" xmlns="" val="1"/>
                 </p:ext>
               </p:extLst>
             </p:nvPr>
@@ -10269,10 +9685,10 @@
             <p:cNvPr id="18" name="Freeform 12">
               <a:extLst>
                 <a:ext uri="{FF2B5EF4-FFF2-40B4-BE49-F238E27FC236}">
-                  <a16:creationId xmlns="" xmlns:a16="http://schemas.microsoft.com/office/drawing/2014/main" id="{8740FC9A-72DD-4D9B-BA25-1CCED1352408}"/>
+                  <a16:creationId xmlns:a16="http://schemas.microsoft.com/office/drawing/2014/main" xmlns="" id="{8740FC9A-72DD-4D9B-BA25-1CCED1352408}"/>
                 </a:ext>
                 <a:ext uri="{C183D7F6-B498-43B3-948B-1728B52AA6E4}">
-                  <adec:decorative xmlns="" xmlns:adec="http://schemas.microsoft.com/office/drawing/2017/decorative" val="1"/>
+                  <adec:decorative xmlns:adec="http://schemas.microsoft.com/office/drawing/2017/decorative" xmlns="" val="1"/>
                 </a:ext>
               </a:extLst>
             </p:cNvPr>
@@ -10280,7 +9696,7 @@
             <p:nvPr>
               <p:extLst>
                 <p:ext uri="{386F3935-93C4-4BCD-93E2-E3B085C9AB24}">
-                  <p16:designElem xmlns="" xmlns:p16="http://schemas.microsoft.com/office/powerpoint/2015/main" val="1"/>
+                  <p16:designElem xmlns:p16="http://schemas.microsoft.com/office/powerpoint/2015/main" xmlns="" val="1"/>
                 </p:ext>
               </p:extLst>
             </p:nvPr>
@@ -10337,10 +9753,10 @@
             <p:cNvPr id="19" name="Freeform 13">
               <a:extLst>
                 <a:ext uri="{FF2B5EF4-FFF2-40B4-BE49-F238E27FC236}">
-                  <a16:creationId xmlns="" xmlns:a16="http://schemas.microsoft.com/office/drawing/2014/main" id="{7FBF5743-F2AE-4D0D-BCD1-01F7686D012A}"/>
+                  <a16:creationId xmlns:a16="http://schemas.microsoft.com/office/drawing/2014/main" xmlns="" id="{7FBF5743-F2AE-4D0D-BCD1-01F7686D012A}"/>
                 </a:ext>
                 <a:ext uri="{C183D7F6-B498-43B3-948B-1728B52AA6E4}">
-                  <adec:decorative xmlns="" xmlns:adec="http://schemas.microsoft.com/office/drawing/2017/decorative" val="1"/>
+                  <adec:decorative xmlns:adec="http://schemas.microsoft.com/office/drawing/2017/decorative" xmlns="" val="1"/>
                 </a:ext>
               </a:extLst>
             </p:cNvPr>
@@ -10348,7 +9764,7 @@
             <p:nvPr>
               <p:extLst>
                 <p:ext uri="{386F3935-93C4-4BCD-93E2-E3B085C9AB24}">
-                  <p16:designElem xmlns="" xmlns:p16="http://schemas.microsoft.com/office/powerpoint/2015/main" val="1"/>
+                  <p16:designElem xmlns:p16="http://schemas.microsoft.com/office/powerpoint/2015/main" xmlns="" val="1"/>
                 </p:ext>
               </p:extLst>
             </p:nvPr>
@@ -10405,10 +9821,10 @@
             <p:cNvPr id="20" name="Freeform 14">
               <a:extLst>
                 <a:ext uri="{FF2B5EF4-FFF2-40B4-BE49-F238E27FC236}">
-                  <a16:creationId xmlns="" xmlns:a16="http://schemas.microsoft.com/office/drawing/2014/main" id="{CED32316-D4F7-4795-BBE0-DEBB60E27CE3}"/>
+                  <a16:creationId xmlns:a16="http://schemas.microsoft.com/office/drawing/2014/main" xmlns="" id="{CED32316-D4F7-4795-BBE0-DEBB60E27CE3}"/>
                 </a:ext>
                 <a:ext uri="{C183D7F6-B498-43B3-948B-1728B52AA6E4}">
-                  <adec:decorative xmlns="" xmlns:adec="http://schemas.microsoft.com/office/drawing/2017/decorative" val="1"/>
+                  <adec:decorative xmlns:adec="http://schemas.microsoft.com/office/drawing/2017/decorative" xmlns="" val="1"/>
                 </a:ext>
               </a:extLst>
             </p:cNvPr>
@@ -10416,7 +9832,7 @@
             <p:nvPr>
               <p:extLst>
                 <p:ext uri="{386F3935-93C4-4BCD-93E2-E3B085C9AB24}">
-                  <p16:designElem xmlns="" xmlns:p16="http://schemas.microsoft.com/office/powerpoint/2015/main" val="1"/>
+                  <p16:designElem xmlns:p16="http://schemas.microsoft.com/office/powerpoint/2015/main" xmlns="" val="1"/>
                 </p:ext>
               </p:extLst>
             </p:nvPr>
@@ -10473,10 +9889,10 @@
             <p:cNvPr id="21" name="Freeform 15">
               <a:extLst>
                 <a:ext uri="{FF2B5EF4-FFF2-40B4-BE49-F238E27FC236}">
-                  <a16:creationId xmlns="" xmlns:a16="http://schemas.microsoft.com/office/drawing/2014/main" id="{583B23C9-B9B7-4E93-9538-CBE316F83FDD}"/>
+                  <a16:creationId xmlns:a16="http://schemas.microsoft.com/office/drawing/2014/main" xmlns="" id="{583B23C9-B9B7-4E93-9538-CBE316F83FDD}"/>
                 </a:ext>
                 <a:ext uri="{C183D7F6-B498-43B3-948B-1728B52AA6E4}">
-                  <adec:decorative xmlns="" xmlns:adec="http://schemas.microsoft.com/office/drawing/2017/decorative" val="1"/>
+                  <adec:decorative xmlns:adec="http://schemas.microsoft.com/office/drawing/2017/decorative" xmlns="" val="1"/>
                 </a:ext>
               </a:extLst>
             </p:cNvPr>
@@ -10484,7 +9900,7 @@
             <p:nvPr>
               <p:extLst>
                 <p:ext uri="{386F3935-93C4-4BCD-93E2-E3B085C9AB24}">
-                  <p16:designElem xmlns="" xmlns:p16="http://schemas.microsoft.com/office/powerpoint/2015/main" val="1"/>
+                  <p16:designElem xmlns:p16="http://schemas.microsoft.com/office/powerpoint/2015/main" xmlns="" val="1"/>
                 </p:ext>
               </p:extLst>
             </p:nvPr>
@@ -10541,10 +9957,10 @@
             <p:cNvPr id="22" name="Freeform 16">
               <a:extLst>
                 <a:ext uri="{FF2B5EF4-FFF2-40B4-BE49-F238E27FC236}">
-                  <a16:creationId xmlns="" xmlns:a16="http://schemas.microsoft.com/office/drawing/2014/main" id="{5B144260-9F2C-4ADB-A37C-1CFB4B428B1B}"/>
+                  <a16:creationId xmlns:a16="http://schemas.microsoft.com/office/drawing/2014/main" xmlns="" id="{5B144260-9F2C-4ADB-A37C-1CFB4B428B1B}"/>
                 </a:ext>
                 <a:ext uri="{C183D7F6-B498-43B3-948B-1728B52AA6E4}">
-                  <adec:decorative xmlns="" xmlns:adec="http://schemas.microsoft.com/office/drawing/2017/decorative" val="1"/>
+                  <adec:decorative xmlns:adec="http://schemas.microsoft.com/office/drawing/2017/decorative" xmlns="" val="1"/>
                 </a:ext>
               </a:extLst>
             </p:cNvPr>
@@ -10552,7 +9968,7 @@
             <p:nvPr>
               <p:extLst>
                 <p:ext uri="{386F3935-93C4-4BCD-93E2-E3B085C9AB24}">
-                  <p16:designElem xmlns="" xmlns:p16="http://schemas.microsoft.com/office/powerpoint/2015/main" val="1"/>
+                  <p16:designElem xmlns:p16="http://schemas.microsoft.com/office/powerpoint/2015/main" xmlns="" val="1"/>
                 </p:ext>
               </p:extLst>
             </p:nvPr>
@@ -10609,10 +10025,10 @@
             <p:cNvPr id="23" name="Freeform 17">
               <a:extLst>
                 <a:ext uri="{FF2B5EF4-FFF2-40B4-BE49-F238E27FC236}">
-                  <a16:creationId xmlns="" xmlns:a16="http://schemas.microsoft.com/office/drawing/2014/main" id="{53FF918D-79D3-4F55-A68C-0DD5880DABDF}"/>
+                  <a16:creationId xmlns:a16="http://schemas.microsoft.com/office/drawing/2014/main" xmlns="" id="{53FF918D-79D3-4F55-A68C-0DD5880DABDF}"/>
                 </a:ext>
                 <a:ext uri="{C183D7F6-B498-43B3-948B-1728B52AA6E4}">
-                  <adec:decorative xmlns="" xmlns:adec="http://schemas.microsoft.com/office/drawing/2017/decorative" val="1"/>
+                  <adec:decorative xmlns:adec="http://schemas.microsoft.com/office/drawing/2017/decorative" xmlns="" val="1"/>
                 </a:ext>
               </a:extLst>
             </p:cNvPr>
@@ -10620,7 +10036,7 @@
             <p:nvPr>
               <p:extLst>
                 <p:ext uri="{386F3935-93C4-4BCD-93E2-E3B085C9AB24}">
-                  <p16:designElem xmlns="" xmlns:p16="http://schemas.microsoft.com/office/powerpoint/2015/main" val="1"/>
+                  <p16:designElem xmlns:p16="http://schemas.microsoft.com/office/powerpoint/2015/main" xmlns="" val="1"/>
                 </p:ext>
               </p:extLst>
             </p:nvPr>
@@ -10677,10 +10093,10 @@
             <p:cNvPr id="24" name="Freeform 18">
               <a:extLst>
                 <a:ext uri="{FF2B5EF4-FFF2-40B4-BE49-F238E27FC236}">
-                  <a16:creationId xmlns="" xmlns:a16="http://schemas.microsoft.com/office/drawing/2014/main" id="{B9FC1440-933F-44FE-8D77-4827DD0F99A5}"/>
+                  <a16:creationId xmlns:a16="http://schemas.microsoft.com/office/drawing/2014/main" xmlns="" id="{B9FC1440-933F-44FE-8D77-4827DD0F99A5}"/>
                 </a:ext>
                 <a:ext uri="{C183D7F6-B498-43B3-948B-1728B52AA6E4}">
-                  <adec:decorative xmlns="" xmlns:adec="http://schemas.microsoft.com/office/drawing/2017/decorative" val="1"/>
+                  <adec:decorative xmlns:adec="http://schemas.microsoft.com/office/drawing/2017/decorative" xmlns="" val="1"/>
                 </a:ext>
               </a:extLst>
             </p:cNvPr>
@@ -10688,7 +10104,7 @@
             <p:nvPr>
               <p:extLst>
                 <p:ext uri="{386F3935-93C4-4BCD-93E2-E3B085C9AB24}">
-                  <p16:designElem xmlns="" xmlns:p16="http://schemas.microsoft.com/office/powerpoint/2015/main" val="1"/>
+                  <p16:designElem xmlns:p16="http://schemas.microsoft.com/office/powerpoint/2015/main" xmlns="" val="1"/>
                 </p:ext>
               </p:extLst>
             </p:nvPr>
@@ -10745,10 +10161,10 @@
             <p:cNvPr id="25" name="Freeform 19">
               <a:extLst>
                 <a:ext uri="{FF2B5EF4-FFF2-40B4-BE49-F238E27FC236}">
-                  <a16:creationId xmlns="" xmlns:a16="http://schemas.microsoft.com/office/drawing/2014/main" id="{0F67F308-A67C-4D2E-B081-59BB31D8EC50}"/>
+                  <a16:creationId xmlns:a16="http://schemas.microsoft.com/office/drawing/2014/main" xmlns="" id="{0F67F308-A67C-4D2E-B081-59BB31D8EC50}"/>
                 </a:ext>
                 <a:ext uri="{C183D7F6-B498-43B3-948B-1728B52AA6E4}">
-                  <adec:decorative xmlns="" xmlns:adec="http://schemas.microsoft.com/office/drawing/2017/decorative" val="1"/>
+                  <adec:decorative xmlns:adec="http://schemas.microsoft.com/office/drawing/2017/decorative" xmlns="" val="1"/>
                 </a:ext>
               </a:extLst>
             </p:cNvPr>
@@ -10756,7 +10172,7 @@
             <p:nvPr>
               <p:extLst>
                 <p:ext uri="{386F3935-93C4-4BCD-93E2-E3B085C9AB24}">
-                  <p16:designElem xmlns="" xmlns:p16="http://schemas.microsoft.com/office/powerpoint/2015/main" val="1"/>
+                  <p16:designElem xmlns:p16="http://schemas.microsoft.com/office/powerpoint/2015/main" xmlns="" val="1"/>
                 </p:ext>
               </p:extLst>
             </p:nvPr>
@@ -10813,10 +10229,10 @@
             <p:cNvPr id="26" name="Freeform 20">
               <a:extLst>
                 <a:ext uri="{FF2B5EF4-FFF2-40B4-BE49-F238E27FC236}">
-                  <a16:creationId xmlns="" xmlns:a16="http://schemas.microsoft.com/office/drawing/2014/main" id="{80112F01-90EB-4AEC-A39C-5C6875FFB99B}"/>
+                  <a16:creationId xmlns:a16="http://schemas.microsoft.com/office/drawing/2014/main" xmlns="" id="{80112F01-90EB-4AEC-A39C-5C6875FFB99B}"/>
                 </a:ext>
                 <a:ext uri="{C183D7F6-B498-43B3-948B-1728B52AA6E4}">
-                  <adec:decorative xmlns="" xmlns:adec="http://schemas.microsoft.com/office/drawing/2017/decorative" val="1"/>
+                  <adec:decorative xmlns:adec="http://schemas.microsoft.com/office/drawing/2017/decorative" xmlns="" val="1"/>
                 </a:ext>
               </a:extLst>
             </p:cNvPr>
@@ -10824,7 +10240,7 @@
             <p:nvPr>
               <p:extLst>
                 <p:ext uri="{386F3935-93C4-4BCD-93E2-E3B085C9AB24}">
-                  <p16:designElem xmlns="" xmlns:p16="http://schemas.microsoft.com/office/powerpoint/2015/main" val="1"/>
+                  <p16:designElem xmlns:p16="http://schemas.microsoft.com/office/powerpoint/2015/main" xmlns="" val="1"/>
                 </p:ext>
               </p:extLst>
             </p:nvPr>
@@ -10881,10 +10297,10 @@
             <p:cNvPr id="27" name="Freeform 21">
               <a:extLst>
                 <a:ext uri="{FF2B5EF4-FFF2-40B4-BE49-F238E27FC236}">
-                  <a16:creationId xmlns="" xmlns:a16="http://schemas.microsoft.com/office/drawing/2014/main" id="{893F6B05-90EB-4C75-A0F0-C7247553BD81}"/>
+                  <a16:creationId xmlns:a16="http://schemas.microsoft.com/office/drawing/2014/main" xmlns="" id="{893F6B05-90EB-4C75-A0F0-C7247553BD81}"/>
                 </a:ext>
                 <a:ext uri="{C183D7F6-B498-43B3-948B-1728B52AA6E4}">
-                  <adec:decorative xmlns="" xmlns:adec="http://schemas.microsoft.com/office/drawing/2017/decorative" val="1"/>
+                  <adec:decorative xmlns:adec="http://schemas.microsoft.com/office/drawing/2017/decorative" xmlns="" val="1"/>
                 </a:ext>
               </a:extLst>
             </p:cNvPr>
@@ -10892,7 +10308,7 @@
             <p:nvPr>
               <p:extLst>
                 <p:ext uri="{386F3935-93C4-4BCD-93E2-E3B085C9AB24}">
-                  <p16:designElem xmlns="" xmlns:p16="http://schemas.microsoft.com/office/powerpoint/2015/main" val="1"/>
+                  <p16:designElem xmlns:p16="http://schemas.microsoft.com/office/powerpoint/2015/main" xmlns="" val="1"/>
                 </p:ext>
               </p:extLst>
             </p:nvPr>
@@ -10949,10 +10365,10 @@
             <p:cNvPr id="28" name="Freeform 22">
               <a:extLst>
                 <a:ext uri="{FF2B5EF4-FFF2-40B4-BE49-F238E27FC236}">
-                  <a16:creationId xmlns="" xmlns:a16="http://schemas.microsoft.com/office/drawing/2014/main" id="{227B563B-E0C0-4D81-966D-B5E2DBAAE8B5}"/>
+                  <a16:creationId xmlns:a16="http://schemas.microsoft.com/office/drawing/2014/main" xmlns="" id="{227B563B-E0C0-4D81-966D-B5E2DBAAE8B5}"/>
                 </a:ext>
                 <a:ext uri="{C183D7F6-B498-43B3-948B-1728B52AA6E4}">
-                  <adec:decorative xmlns="" xmlns:adec="http://schemas.microsoft.com/office/drawing/2017/decorative" val="1"/>
+                  <adec:decorative xmlns:adec="http://schemas.microsoft.com/office/drawing/2017/decorative" xmlns="" val="1"/>
                 </a:ext>
               </a:extLst>
             </p:cNvPr>
@@ -10960,7 +10376,7 @@
             <p:nvPr>
               <p:extLst>
                 <p:ext uri="{386F3935-93C4-4BCD-93E2-E3B085C9AB24}">
-                  <p16:designElem xmlns="" xmlns:p16="http://schemas.microsoft.com/office/powerpoint/2015/main" val="1"/>
+                  <p16:designElem xmlns:p16="http://schemas.microsoft.com/office/powerpoint/2015/main" xmlns="" val="1"/>
                 </p:ext>
               </p:extLst>
             </p:nvPr>
@@ -11017,10 +10433,10 @@
             <p:cNvPr id="29" name="Freeform 23">
               <a:extLst>
                 <a:ext uri="{FF2B5EF4-FFF2-40B4-BE49-F238E27FC236}">
-                  <a16:creationId xmlns="" xmlns:a16="http://schemas.microsoft.com/office/drawing/2014/main" id="{130DF93D-D1FF-477A-BDCE-C8B01C3B476C}"/>
+                  <a16:creationId xmlns:a16="http://schemas.microsoft.com/office/drawing/2014/main" xmlns="" id="{130DF93D-D1FF-477A-BDCE-C8B01C3B476C}"/>
                 </a:ext>
                 <a:ext uri="{C183D7F6-B498-43B3-948B-1728B52AA6E4}">
-                  <adec:decorative xmlns="" xmlns:adec="http://schemas.microsoft.com/office/drawing/2017/decorative" val="1"/>
+                  <adec:decorative xmlns:adec="http://schemas.microsoft.com/office/drawing/2017/decorative" xmlns="" val="1"/>
                 </a:ext>
               </a:extLst>
             </p:cNvPr>
@@ -11028,7 +10444,7 @@
             <p:nvPr>
               <p:extLst>
                 <p:ext uri="{386F3935-93C4-4BCD-93E2-E3B085C9AB24}">
-                  <p16:designElem xmlns="" xmlns:p16="http://schemas.microsoft.com/office/powerpoint/2015/main" val="1"/>
+                  <p16:designElem xmlns:p16="http://schemas.microsoft.com/office/powerpoint/2015/main" xmlns="" val="1"/>
                 </p:ext>
               </p:extLst>
             </p:nvPr>
@@ -11085,10 +10501,10 @@
             <p:cNvPr id="30" name="Freeform 24">
               <a:extLst>
                 <a:ext uri="{FF2B5EF4-FFF2-40B4-BE49-F238E27FC236}">
-                  <a16:creationId xmlns="" xmlns:a16="http://schemas.microsoft.com/office/drawing/2014/main" id="{44ED67A1-C6FE-4AC8-8473-11DAC03DCD33}"/>
+                  <a16:creationId xmlns:a16="http://schemas.microsoft.com/office/drawing/2014/main" xmlns="" id="{44ED67A1-C6FE-4AC8-8473-11DAC03DCD33}"/>
                 </a:ext>
                 <a:ext uri="{C183D7F6-B498-43B3-948B-1728B52AA6E4}">
-                  <adec:decorative xmlns="" xmlns:adec="http://schemas.microsoft.com/office/drawing/2017/decorative" val="1"/>
+                  <adec:decorative xmlns:adec="http://schemas.microsoft.com/office/drawing/2017/decorative" xmlns="" val="1"/>
                 </a:ext>
               </a:extLst>
             </p:cNvPr>
@@ -11096,7 +10512,7 @@
             <p:nvPr>
               <p:extLst>
                 <p:ext uri="{386F3935-93C4-4BCD-93E2-E3B085C9AB24}">
-                  <p16:designElem xmlns="" xmlns:p16="http://schemas.microsoft.com/office/powerpoint/2015/main" val="1"/>
+                  <p16:designElem xmlns:p16="http://schemas.microsoft.com/office/powerpoint/2015/main" xmlns="" val="1"/>
                 </p:ext>
               </p:extLst>
             </p:nvPr>
@@ -11153,10 +10569,10 @@
             <p:cNvPr id="31" name="Freeform 25">
               <a:extLst>
                 <a:ext uri="{FF2B5EF4-FFF2-40B4-BE49-F238E27FC236}">
-                  <a16:creationId xmlns="" xmlns:a16="http://schemas.microsoft.com/office/drawing/2014/main" id="{213A54F3-15FA-4C8F-8ABF-CE77E7219658}"/>
+                  <a16:creationId xmlns:a16="http://schemas.microsoft.com/office/drawing/2014/main" xmlns="" id="{213A54F3-15FA-4C8F-8ABF-CE77E7219658}"/>
                 </a:ext>
                 <a:ext uri="{C183D7F6-B498-43B3-948B-1728B52AA6E4}">
-                  <adec:decorative xmlns="" xmlns:adec="http://schemas.microsoft.com/office/drawing/2017/decorative" val="1"/>
+                  <adec:decorative xmlns:adec="http://schemas.microsoft.com/office/drawing/2017/decorative" xmlns="" val="1"/>
                 </a:ext>
               </a:extLst>
             </p:cNvPr>
@@ -11164,7 +10580,7 @@
             <p:nvPr>
               <p:extLst>
                 <p:ext uri="{386F3935-93C4-4BCD-93E2-E3B085C9AB24}">
-                  <p16:designElem xmlns="" xmlns:p16="http://schemas.microsoft.com/office/powerpoint/2015/main" val="1"/>
+                  <p16:designElem xmlns:p16="http://schemas.microsoft.com/office/powerpoint/2015/main" xmlns="" val="1"/>
                 </p:ext>
               </p:extLst>
             </p:nvPr>
@@ -11222,10 +10638,10 @@
           <p:cNvPr id="33" name="Group 32">
             <a:extLst>
               <a:ext uri="{FF2B5EF4-FFF2-40B4-BE49-F238E27FC236}">
-                <a16:creationId xmlns="" xmlns:a16="http://schemas.microsoft.com/office/drawing/2014/main" id="{5F8A7F7F-DD1A-4F41-98AC-B9CE2A620CDC}"/>
+                <a16:creationId xmlns:a16="http://schemas.microsoft.com/office/drawing/2014/main" xmlns="" id="{5F8A7F7F-DD1A-4F41-98AC-B9CE2A620CDC}"/>
               </a:ext>
               <a:ext uri="{C183D7F6-B498-43B3-948B-1728B52AA6E4}">
-                <adec:decorative xmlns="" xmlns:adec="http://schemas.microsoft.com/office/drawing/2017/decorative" val="1"/>
+                <adec:decorative xmlns:adec="http://schemas.microsoft.com/office/drawing/2017/decorative" xmlns="" val="1"/>
               </a:ext>
             </a:extLst>
           </p:cNvPr>
@@ -11235,7 +10651,7 @@
           <p:nvPr>
             <p:extLst>
               <p:ext uri="{386F3935-93C4-4BCD-93E2-E3B085C9AB24}">
-                <p16:designElem xmlns="" xmlns:p16="http://schemas.microsoft.com/office/powerpoint/2015/main" val="1"/>
+                <p16:designElem xmlns:p16="http://schemas.microsoft.com/office/powerpoint/2015/main" xmlns="" val="1"/>
               </p:ext>
             </p:extLst>
           </p:nvPr>
@@ -11253,10 +10669,10 @@
             <p:cNvPr id="34" name="Rectangle 33">
               <a:extLst>
                 <a:ext uri="{FF2B5EF4-FFF2-40B4-BE49-F238E27FC236}">
-                  <a16:creationId xmlns="" xmlns:a16="http://schemas.microsoft.com/office/drawing/2014/main" id="{CEF47228-EB7C-4EBA-BE01-DA6CB2410289}"/>
+                  <a16:creationId xmlns:a16="http://schemas.microsoft.com/office/drawing/2014/main" xmlns="" id="{CEF47228-EB7C-4EBA-BE01-DA6CB2410289}"/>
                 </a:ext>
                 <a:ext uri="{C183D7F6-B498-43B3-948B-1728B52AA6E4}">
-                  <adec:decorative xmlns="" xmlns:adec="http://schemas.microsoft.com/office/drawing/2017/decorative" val="1"/>
+                  <adec:decorative xmlns:adec="http://schemas.microsoft.com/office/drawing/2017/decorative" xmlns="" val="1"/>
                 </a:ext>
               </a:extLst>
             </p:cNvPr>
@@ -11264,7 +10680,7 @@
             <p:nvPr>
               <p:extLst>
                 <p:ext uri="{386F3935-93C4-4BCD-93E2-E3B085C9AB24}">
-                  <p16:designElem xmlns="" xmlns:p16="http://schemas.microsoft.com/office/powerpoint/2015/main" val="1"/>
+                  <p16:designElem xmlns:p16="http://schemas.microsoft.com/office/powerpoint/2015/main" xmlns="" val="1"/>
                 </p:ext>
               </p:extLst>
             </p:nvPr>
@@ -11306,10 +10722,10 @@
             <p:cNvPr id="35" name="Isosceles Triangle 22">
               <a:extLst>
                 <a:ext uri="{FF2B5EF4-FFF2-40B4-BE49-F238E27FC236}">
-                  <a16:creationId xmlns="" xmlns:a16="http://schemas.microsoft.com/office/drawing/2014/main" id="{3D2FD25A-EFFD-4F5C-9258-981F5907DE21}"/>
+                  <a16:creationId xmlns:a16="http://schemas.microsoft.com/office/drawing/2014/main" xmlns="" id="{3D2FD25A-EFFD-4F5C-9258-981F5907DE21}"/>
                 </a:ext>
                 <a:ext uri="{C183D7F6-B498-43B3-948B-1728B52AA6E4}">
-                  <adec:decorative xmlns="" xmlns:adec="http://schemas.microsoft.com/office/drawing/2017/decorative" val="1"/>
+                  <adec:decorative xmlns:adec="http://schemas.microsoft.com/office/drawing/2017/decorative" xmlns="" val="1"/>
                 </a:ext>
               </a:extLst>
             </p:cNvPr>
@@ -11317,7 +10733,7 @@
             <p:nvPr>
               <p:extLst>
                 <p:ext uri="{386F3935-93C4-4BCD-93E2-E3B085C9AB24}">
-                  <p16:designElem xmlns="" xmlns:p16="http://schemas.microsoft.com/office/powerpoint/2015/main" val="1"/>
+                  <p16:designElem xmlns:p16="http://schemas.microsoft.com/office/powerpoint/2015/main" xmlns="" val="1"/>
                 </p:ext>
               </p:extLst>
             </p:nvPr>
@@ -11359,10 +10775,10 @@
             <p:cNvPr id="36" name="Rectangle 35">
               <a:extLst>
                 <a:ext uri="{FF2B5EF4-FFF2-40B4-BE49-F238E27FC236}">
-                  <a16:creationId xmlns="" xmlns:a16="http://schemas.microsoft.com/office/drawing/2014/main" id="{DCF573BC-A06F-4036-A3A8-9D07DDE62253}"/>
+                  <a16:creationId xmlns:a16="http://schemas.microsoft.com/office/drawing/2014/main" xmlns="" id="{DCF573BC-A06F-4036-A3A8-9D07DDE62253}"/>
                 </a:ext>
                 <a:ext uri="{C183D7F6-B498-43B3-948B-1728B52AA6E4}">
-                  <adec:decorative xmlns="" xmlns:adec="http://schemas.microsoft.com/office/drawing/2017/decorative" val="1"/>
+                  <adec:decorative xmlns:adec="http://schemas.microsoft.com/office/drawing/2017/decorative" xmlns="" val="1"/>
                 </a:ext>
               </a:extLst>
             </p:cNvPr>
@@ -11370,7 +10786,7 @@
             <p:nvPr>
               <p:extLst>
                 <p:ext uri="{386F3935-93C4-4BCD-93E2-E3B085C9AB24}">
-                  <p16:designElem xmlns="" xmlns:p16="http://schemas.microsoft.com/office/powerpoint/2015/main" val="1"/>
+                  <p16:designElem xmlns:p16="http://schemas.microsoft.com/office/powerpoint/2015/main" xmlns="" val="1"/>
                 </p:ext>
               </p:extLst>
             </p:nvPr>
@@ -11413,7 +10829,7 @@
           <p:cNvPr id="2" name="Title 1">
             <a:extLst>
               <a:ext uri="{FF2B5EF4-FFF2-40B4-BE49-F238E27FC236}">
-                <a16:creationId xmlns="" xmlns:a16="http://schemas.microsoft.com/office/drawing/2014/main" id="{E86C33C2-EC09-4F45-A2C8-AC9A692B69C0}"/>
+                <a16:creationId xmlns:a16="http://schemas.microsoft.com/office/drawing/2014/main" xmlns="" id="{E86C33C2-EC09-4F45-A2C8-AC9A692B69C0}"/>
               </a:ext>
             </a:extLst>
           </p:cNvPr>
@@ -11453,7 +10869,7 @@
           <p:cNvPr id="3" name="Content Placeholder 2">
             <a:extLst>
               <a:ext uri="{FF2B5EF4-FFF2-40B4-BE49-F238E27FC236}">
-                <a16:creationId xmlns="" xmlns:a16="http://schemas.microsoft.com/office/drawing/2014/main" id="{27553A2F-B4A9-4593-AC58-5C5AD66E898A}"/>
+                <a16:creationId xmlns:a16="http://schemas.microsoft.com/office/drawing/2014/main" xmlns="" id="{27553A2F-B4A9-4593-AC58-5C5AD66E898A}"/>
               </a:ext>
             </a:extLst>
           </p:cNvPr>
@@ -11592,7 +11008,7 @@
 </p:sld>
 </file>
 
-<file path=ppt/slides/slide7.xml><?xml version="1.0" encoding="utf-8"?>
+<file path=ppt/slides/slide6.xml><?xml version="1.0" encoding="utf-8"?>
 <p:sld xmlns:a="http://schemas.openxmlformats.org/drawingml/2006/main" xmlns:r="http://schemas.openxmlformats.org/officeDocument/2006/relationships" xmlns:p="http://schemas.openxmlformats.org/presentationml/2006/main">
   <p:cSld>
     <p:bg>
@@ -11622,10 +11038,10 @@
           <p:cNvPr id="17" name="Rectangle 16">
             <a:extLst>
               <a:ext uri="{FF2B5EF4-FFF2-40B4-BE49-F238E27FC236}">
-                <a16:creationId xmlns="" xmlns:a16="http://schemas.microsoft.com/office/drawing/2014/main" id="{AFA67CD3-AB4E-4A7A-BEB8-53C445D8C44E}"/>
+                <a16:creationId xmlns:a16="http://schemas.microsoft.com/office/drawing/2014/main" xmlns="" id="{AFA67CD3-AB4E-4A7A-BEB8-53C445D8C44E}"/>
               </a:ext>
               <a:ext uri="{C183D7F6-B498-43B3-948B-1728B52AA6E4}">
-                <adec:decorative xmlns="" xmlns:adec="http://schemas.microsoft.com/office/drawing/2017/decorative" val="1"/>
+                <adec:decorative xmlns:adec="http://schemas.microsoft.com/office/drawing/2017/decorative" xmlns="" val="1"/>
               </a:ext>
             </a:extLst>
           </p:cNvPr>
@@ -11635,7 +11051,7 @@
           <p:nvPr>
             <p:extLst>
               <p:ext uri="{386F3935-93C4-4BCD-93E2-E3B085C9AB24}">
-                <p16:designElem xmlns="" xmlns:p16="http://schemas.microsoft.com/office/powerpoint/2015/main" val="1"/>
+                <p16:designElem xmlns:p16="http://schemas.microsoft.com/office/powerpoint/2015/main" xmlns="" val="1"/>
               </p:ext>
             </p:extLst>
           </p:nvPr>
@@ -11708,10 +11124,10 @@
           <p:cNvPr id="19" name="Picture 18" descr="A close up of a logo&#10;&#10;Description generated with very high confidence">
             <a:extLst>
               <a:ext uri="{FF2B5EF4-FFF2-40B4-BE49-F238E27FC236}">
-                <a16:creationId xmlns="" xmlns:a16="http://schemas.microsoft.com/office/drawing/2014/main" id="{07CF545F-9C2E-4446-97CD-AD92990C2B68}"/>
+                <a16:creationId xmlns:a16="http://schemas.microsoft.com/office/drawing/2014/main" xmlns="" id="{07CF545F-9C2E-4446-97CD-AD92990C2B68}"/>
               </a:ext>
               <a:ext uri="{C183D7F6-B498-43B3-948B-1728B52AA6E4}">
-                <adec:decorative xmlns="" xmlns:adec="http://schemas.microsoft.com/office/drawing/2017/decorative" val="1"/>
+                <adec:decorative xmlns:adec="http://schemas.microsoft.com/office/drawing/2017/decorative" xmlns="" val="1"/>
               </a:ext>
             </a:extLst>
           </p:cNvPr>
@@ -11721,7 +11137,7 @@
           <p:nvPr>
             <p:extLst>
               <p:ext uri="{386F3935-93C4-4BCD-93E2-E3B085C9AB24}">
-                <p16:designElem xmlns="" xmlns:p16="http://schemas.microsoft.com/office/powerpoint/2015/main" val="1"/>
+                <p16:designElem xmlns:p16="http://schemas.microsoft.com/office/powerpoint/2015/main" xmlns="" val="1"/>
               </p:ext>
             </p:extLst>
           </p:nvPr>
@@ -11753,10 +11169,10 @@
           <p:cNvPr id="21" name="Freeform 62">
             <a:extLst>
               <a:ext uri="{FF2B5EF4-FFF2-40B4-BE49-F238E27FC236}">
-                <a16:creationId xmlns="" xmlns:a16="http://schemas.microsoft.com/office/drawing/2014/main" id="{339C8D78-A644-462F-B674-F440635E5353}"/>
+                <a16:creationId xmlns:a16="http://schemas.microsoft.com/office/drawing/2014/main" xmlns="" id="{339C8D78-A644-462F-B674-F440635E5353}"/>
               </a:ext>
               <a:ext uri="{C183D7F6-B498-43B3-948B-1728B52AA6E4}">
-                <adec:decorative xmlns="" xmlns:adec="http://schemas.microsoft.com/office/drawing/2017/decorative" val="1"/>
+                <adec:decorative xmlns:adec="http://schemas.microsoft.com/office/drawing/2017/decorative" xmlns="" val="1"/>
               </a:ext>
             </a:extLst>
           </p:cNvPr>
@@ -11766,7 +11182,7 @@
           <p:nvPr>
             <p:extLst>
               <p:ext uri="{386F3935-93C4-4BCD-93E2-E3B085C9AB24}">
-                <p16:designElem xmlns="" xmlns:p16="http://schemas.microsoft.com/office/powerpoint/2015/main" val="1"/>
+                <p16:designElem xmlns:p16="http://schemas.microsoft.com/office/powerpoint/2015/main" xmlns="" val="1"/>
               </p:ext>
             </p:extLst>
           </p:nvPr>
@@ -11927,7 +11343,7 @@
           <p:cNvPr id="14" name="Graphic 13" descr="Gears">
             <a:extLst>
               <a:ext uri="{FF2B5EF4-FFF2-40B4-BE49-F238E27FC236}">
-                <a16:creationId xmlns="" xmlns:a16="http://schemas.microsoft.com/office/drawing/2014/main" id="{AB50267D-C728-4E8B-B0D3-A745AA06291F}"/>
+                <a16:creationId xmlns:a16="http://schemas.microsoft.com/office/drawing/2014/main" xmlns="" id="{AB50267D-C728-4E8B-B0D3-A745AA06291F}"/>
               </a:ext>
             </a:extLst>
           </p:cNvPr>
@@ -11943,7 +11359,7 @@
                 <a14:useLocalDpi xmlns:a14="http://schemas.microsoft.com/office/drawing/2010/main" val="0"/>
               </a:ext>
               <a:ext uri="{96DAC541-7B7A-43D3-8B79-37D633B846F1}">
-                <asvg:svgBlip xmlns="" xmlns:asvg="http://schemas.microsoft.com/office/drawing/2016/SVG/main" r:embed="rId4"/>
+                <asvg:svgBlip xmlns:asvg="http://schemas.microsoft.com/office/drawing/2016/SVG/main" xmlns="" r:embed="rId4"/>
               </a:ext>
             </a:extLst>
           </a:blip>
@@ -11966,7 +11382,7 @@
           <p:cNvPr id="3" name="Content Placeholder 2">
             <a:extLst>
               <a:ext uri="{FF2B5EF4-FFF2-40B4-BE49-F238E27FC236}">
-                <a16:creationId xmlns="" xmlns:a16="http://schemas.microsoft.com/office/drawing/2014/main" id="{F2EAA055-ED20-46A5-B19C-8C9ABE0D7A53}"/>
+                <a16:creationId xmlns:a16="http://schemas.microsoft.com/office/drawing/2014/main" xmlns="" id="{F2EAA055-ED20-46A5-B19C-8C9ABE0D7A53}"/>
               </a:ext>
             </a:extLst>
           </p:cNvPr>
@@ -12235,7 +11651,7 @@
 </p:sld>
 </file>
 
-<file path=ppt/slides/slide8.xml><?xml version="1.0" encoding="utf-8"?>
+<file path=ppt/slides/slide7.xml><?xml version="1.0" encoding="utf-8"?>
 <p:sld xmlns:a="http://schemas.openxmlformats.org/drawingml/2006/main" xmlns:r="http://schemas.openxmlformats.org/officeDocument/2006/relationships" xmlns:p="http://schemas.openxmlformats.org/presentationml/2006/main">
   <p:cSld>
     <p:bg>
@@ -12265,10 +11681,10 @@
           <p:cNvPr id="19" name="Rectangle 16">
             <a:extLst>
               <a:ext uri="{FF2B5EF4-FFF2-40B4-BE49-F238E27FC236}">
-                <a16:creationId xmlns="" xmlns:a16="http://schemas.microsoft.com/office/drawing/2014/main" id="{42A5316D-ED2F-4F89-B4B4-8D9240B1A348}"/>
+                <a16:creationId xmlns:a16="http://schemas.microsoft.com/office/drawing/2014/main" xmlns="" id="{42A5316D-ED2F-4F89-B4B4-8D9240B1A348}"/>
               </a:ext>
               <a:ext uri="{C183D7F6-B498-43B3-948B-1728B52AA6E4}">
-                <adec:decorative xmlns="" xmlns:adec="http://schemas.microsoft.com/office/drawing/2017/decorative" val="1"/>
+                <adec:decorative xmlns:adec="http://schemas.microsoft.com/office/drawing/2017/decorative" xmlns="" val="1"/>
               </a:ext>
             </a:extLst>
           </p:cNvPr>
@@ -12278,7 +11694,7 @@
           <p:nvPr>
             <p:extLst>
               <p:ext uri="{386F3935-93C4-4BCD-93E2-E3B085C9AB24}">
-                <p16:designElem xmlns="" xmlns:p16="http://schemas.microsoft.com/office/powerpoint/2015/main" val="1"/>
+                <p16:designElem xmlns:p16="http://schemas.microsoft.com/office/powerpoint/2015/main" xmlns="" val="1"/>
               </p:ext>
             </p:extLst>
           </p:nvPr>
@@ -12357,7 +11773,7 @@
           <p:cNvPr id="2" name="Title 1">
             <a:extLst>
               <a:ext uri="{FF2B5EF4-FFF2-40B4-BE49-F238E27FC236}">
-                <a16:creationId xmlns="" xmlns:a16="http://schemas.microsoft.com/office/drawing/2014/main" id="{B10E8C48-75FF-4B7B-8956-0B000A5C0363}"/>
+                <a16:creationId xmlns:a16="http://schemas.microsoft.com/office/drawing/2014/main" xmlns="" id="{B10E8C48-75FF-4B7B-8956-0B000A5C0363}"/>
               </a:ext>
             </a:extLst>
           </p:cNvPr>
@@ -12408,7 +11824,7 @@
           <p:cNvPr id="20" name="Content Placeholder 2">
             <a:extLst>
               <a:ext uri="{FF2B5EF4-FFF2-40B4-BE49-F238E27FC236}">
-                <a16:creationId xmlns="" xmlns:a16="http://schemas.microsoft.com/office/drawing/2014/main" id="{C7FA9842-EEDC-4B43-ABE3-A18B3F95207D}"/>
+                <a16:creationId xmlns:a16="http://schemas.microsoft.com/office/drawing/2014/main" xmlns="" id="{C7FA9842-EEDC-4B43-ABE3-A18B3F95207D}"/>
               </a:ext>
             </a:extLst>
           </p:cNvPr>
@@ -12447,7 +11863,7 @@
 </p:sld>
 </file>
 
-<file path=ppt/slides/slide9.xml><?xml version="1.0" encoding="utf-8"?>
+<file path=ppt/slides/slide8.xml><?xml version="1.0" encoding="utf-8"?>
 <p:sld xmlns:a="http://schemas.openxmlformats.org/drawingml/2006/main" xmlns:r="http://schemas.openxmlformats.org/officeDocument/2006/relationships" xmlns:p="http://schemas.openxmlformats.org/presentationml/2006/main">
   <p:cSld>
     <p:bg>
@@ -12477,7 +11893,7 @@
           <p:cNvPr id="2" name="Title 1">
             <a:extLst>
               <a:ext uri="{FF2B5EF4-FFF2-40B4-BE49-F238E27FC236}">
-                <a16:creationId xmlns="" xmlns:a16="http://schemas.microsoft.com/office/drawing/2014/main" id="{EB4AA099-DFCF-40F0-9DF9-51DCDD3D2329}"/>
+                <a16:creationId xmlns:a16="http://schemas.microsoft.com/office/drawing/2014/main" xmlns="" id="{EB4AA099-DFCF-40F0-9DF9-51DCDD3D2329}"/>
               </a:ext>
             </a:extLst>
           </p:cNvPr>
@@ -13288,6 +12704,216 @@
     <p:extLst>
       <p:ext uri="{BB962C8B-B14F-4D97-AF65-F5344CB8AC3E}">
         <p14:creationId xmlns:p14="http://schemas.microsoft.com/office/powerpoint/2010/main" val="1952518622"/>
+      </p:ext>
+    </p:extLst>
+  </p:cSld>
+  <p:clrMapOvr>
+    <a:masterClrMapping/>
+  </p:clrMapOvr>
+</p:sld>
+</file>
+
+<file path=ppt/slides/slide9.xml><?xml version="1.0" encoding="utf-8"?>
+<p:sld xmlns:a="http://schemas.openxmlformats.org/drawingml/2006/main" xmlns:r="http://schemas.openxmlformats.org/officeDocument/2006/relationships" xmlns:p="http://schemas.openxmlformats.org/presentationml/2006/main">
+  <p:cSld>
+    <p:bg>
+      <p:bgPr>
+        <a:solidFill>
+          <a:schemeClr val="bg1"/>
+        </a:solidFill>
+        <a:effectLst/>
+      </p:bgPr>
+    </p:bg>
+    <p:spTree>
+      <p:nvGrpSpPr>
+        <p:cNvPr id="1" name=""/>
+        <p:cNvGrpSpPr/>
+        <p:nvPr/>
+      </p:nvGrpSpPr>
+      <p:grpSpPr>
+        <a:xfrm>
+          <a:off x="0" y="0"/>
+          <a:ext cx="0" cy="0"/>
+          <a:chOff x="0" y="0"/>
+          <a:chExt cx="0" cy="0"/>
+        </a:xfrm>
+      </p:grpSpPr>
+      <p:sp>
+        <p:nvSpPr>
+          <p:cNvPr id="10" name="Rectangle 9">
+            <a:extLst>
+              <a:ext uri="{FF2B5EF4-FFF2-40B4-BE49-F238E27FC236}">
+                <a16:creationId xmlns:a16="http://schemas.microsoft.com/office/drawing/2014/main" xmlns="" id="{81AEB8A9-B768-4E30-BA55-D919E6687343}"/>
+              </a:ext>
+              <a:ext uri="{C183D7F6-B498-43B3-948B-1728B52AA6E4}">
+                <adec:decorative xmlns:adec="http://schemas.microsoft.com/office/drawing/2017/decorative" xmlns="" val="1"/>
+              </a:ext>
+            </a:extLst>
+          </p:cNvPr>
+          <p:cNvSpPr>
+            <a:spLocks noGrp="1" noRot="1" noChangeAspect="1" noMove="1" noResize="1" noEditPoints="1" noAdjustHandles="1" noChangeArrowheads="1" noChangeShapeType="1" noTextEdit="1"/>
+          </p:cNvSpPr>
+          <p:nvPr>
+            <p:extLst>
+              <p:ext uri="{386F3935-93C4-4BCD-93E2-E3B085C9AB24}">
+                <p16:designElem xmlns:p16="http://schemas.microsoft.com/office/powerpoint/2015/main" xmlns="" val="1"/>
+              </p:ext>
+            </p:extLst>
+          </p:nvPr>
+        </p:nvSpPr>
+        <p:spPr>
+          <a:xfrm>
+            <a:off x="-10001" y="-2"/>
+            <a:ext cx="4069936" cy="6858002"/>
+          </a:xfrm>
+          <a:prstGeom prst="rect">
+            <a:avLst/>
+          </a:prstGeom>
+          <a:solidFill>
+            <a:schemeClr val="accent1"/>
+          </a:solidFill>
+          <a:ln>
+            <a:noFill/>
+          </a:ln>
+        </p:spPr>
+        <p:style>
+          <a:lnRef idx="2">
+            <a:schemeClr val="accent1">
+              <a:shade val="50000"/>
+            </a:schemeClr>
+          </a:lnRef>
+          <a:fillRef idx="1">
+            <a:schemeClr val="accent1"/>
+          </a:fillRef>
+          <a:effectRef idx="0">
+            <a:schemeClr val="accent1"/>
+          </a:effectRef>
+          <a:fontRef idx="minor">
+            <a:schemeClr val="lt1"/>
+          </a:fontRef>
+        </p:style>
+        <p:txBody>
+          <a:bodyPr rtlCol="0" anchor="ctr"/>
+          <a:lstStyle/>
+          <a:p>
+            <a:pPr marL="0" marR="0" lvl="0" indent="0" algn="ctr" defTabSz="914400" rtl="0" eaLnBrk="1" fontAlgn="auto" latinLnBrk="0" hangingPunct="1">
+              <a:lnSpc>
+                <a:spcPct val="100000"/>
+              </a:lnSpc>
+              <a:spcBef>
+                <a:spcPts val="0"/>
+              </a:spcBef>
+              <a:spcAft>
+                <a:spcPts val="0"/>
+              </a:spcAft>
+              <a:buClrTx/>
+              <a:buSzTx/>
+              <a:buFontTx/>
+              <a:buNone/>
+              <a:tabLst/>
+              <a:defRPr/>
+            </a:pPr>
+            <a:endParaRPr kumimoji="0" lang="en-US" sz="1800" b="0" i="0" u="none" strike="noStrike" kern="1200" cap="none" spc="0" normalizeH="0" baseline="0" noProof="0">
+              <a:ln>
+                <a:noFill/>
+              </a:ln>
+              <a:solidFill>
+                <a:prstClr val="white"/>
+              </a:solidFill>
+              <a:effectLst/>
+              <a:uLnTx/>
+              <a:uFillTx/>
+              <a:latin typeface="Calibri" panose="020F0502020204030204"/>
+              <a:ea typeface="+mn-ea"/>
+              <a:cs typeface="+mn-cs"/>
+            </a:endParaRPr>
+          </a:p>
+        </p:txBody>
+      </p:sp>
+      <p:sp>
+        <p:nvSpPr>
+          <p:cNvPr id="2" name="Title 1">
+            <a:extLst>
+              <a:ext uri="{FF2B5EF4-FFF2-40B4-BE49-F238E27FC236}">
+                <a16:creationId xmlns:a16="http://schemas.microsoft.com/office/drawing/2014/main" xmlns="" id="{EB4AA099-DFCF-40F0-9DF9-51DCDD3D2329}"/>
+              </a:ext>
+            </a:extLst>
+          </p:cNvPr>
+          <p:cNvSpPr>
+            <a:spLocks noGrp="1"/>
+          </p:cNvSpPr>
+          <p:nvPr>
+            <p:ph type="title"/>
+          </p:nvPr>
+        </p:nvSpPr>
+        <p:spPr>
+          <a:xfrm>
+            <a:off x="643467" y="640080"/>
+            <a:ext cx="3096427" cy="5613236"/>
+          </a:xfrm>
+        </p:spPr>
+        <p:txBody>
+          <a:bodyPr vert="horz" lIns="91440" tIns="45720" rIns="91440" bIns="45720" rtlCol="0" anchor="ctr">
+            <a:normAutofit/>
+          </a:bodyPr>
+          <a:lstStyle/>
+          <a:p>
+            <a:r>
+              <a:rPr lang="en-US" kern="1200" dirty="0">
+                <a:solidFill>
+                  <a:srgbClr val="FFFFFF"/>
+                </a:solidFill>
+                <a:latin typeface="+mj-lt"/>
+                <a:ea typeface="+mj-ea"/>
+                <a:cs typeface="+mj-cs"/>
+              </a:rPr>
+              <a:t>Class Diagram</a:t>
+            </a:r>
+          </a:p>
+        </p:txBody>
+      </p:sp>
+      <p:pic>
+        <p:nvPicPr>
+          <p:cNvPr id="5" name="Content Placeholder 4" descr="A close up of an object&#10;&#10;Description generated with high confidence">
+            <a:extLst>
+              <a:ext uri="{FF2B5EF4-FFF2-40B4-BE49-F238E27FC236}">
+                <a16:creationId xmlns:a16="http://schemas.microsoft.com/office/drawing/2014/main" xmlns="" id="{0B43767B-3861-4880-9DCE-DB2297AAE746}"/>
+              </a:ext>
+            </a:extLst>
+          </p:cNvPr>
+          <p:cNvPicPr>
+            <a:picLocks noGrp="1" noChangeAspect="1"/>
+          </p:cNvPicPr>
+          <p:nvPr>
+            <p:ph idx="4294967295"/>
+          </p:nvPr>
+        </p:nvPicPr>
+        <p:blipFill>
+          <a:blip r:embed="rId2" cstate="print">
+            <a:extLst>
+              <a:ext uri="{28A0092B-C50C-407E-A947-70E740481C1C}">
+                <a14:useLocalDpi xmlns:a14="http://schemas.microsoft.com/office/drawing/2010/main" val="0"/>
+              </a:ext>
+            </a:extLst>
+          </a:blip>
+          <a:stretch>
+            <a:fillRect/>
+          </a:stretch>
+        </p:blipFill>
+        <p:spPr>
+          <a:xfrm>
+            <a:off x="4583695" y="1393371"/>
+            <a:ext cx="6760498" cy="4512633"/>
+          </a:xfrm>
+          <a:prstGeom prst="rect">
+            <a:avLst/>
+          </a:prstGeom>
+        </p:spPr>
+      </p:pic>
+    </p:spTree>
+    <p:extLst>
+      <p:ext uri="{BB962C8B-B14F-4D97-AF65-F5344CB8AC3E}">
+        <p14:creationId xmlns:p14="http://schemas.microsoft.com/office/powerpoint/2010/main" val="1745453311"/>
       </p:ext>
     </p:extLst>
   </p:cSld>
